--- a/课程PPT/15.ECMAScript 6 三.pptx
+++ b/课程PPT/15.ECMAScript 6 三.pptx
@@ -2755,7 +2755,7 @@
         </p:nvSpPr>
         <p:spPr bwMode="auto">
           <a:xfrm>
-            <a:off x="4807586" y="3497580"/>
+            <a:off x="4807586" y="3712845"/>
             <a:ext cx="5286375" cy="583565"/>
           </a:xfrm>
           <a:prstGeom prst="rect">
@@ -2980,7 +2980,7 @@
         </p:nvSpPr>
         <p:spPr bwMode="auto">
           <a:xfrm>
-            <a:off x="4807586" y="4071620"/>
+            <a:off x="4807586" y="4286885"/>
             <a:ext cx="5286375" cy="583565"/>
           </a:xfrm>
           <a:prstGeom prst="rect">
@@ -3153,7 +3153,7 @@
         </p:nvSpPr>
         <p:spPr bwMode="auto">
           <a:xfrm>
-            <a:off x="4814570" y="4650105"/>
+            <a:off x="4814570" y="4865370"/>
             <a:ext cx="6672580" cy="583565"/>
           </a:xfrm>
           <a:prstGeom prst="rect">
@@ -3307,172 +3307,6 @@
               <a:t>Class</a:t>
             </a:r>
             <a:endParaRPr lang="zh-CN" altLang="en-US"/>
-          </a:p>
-        </p:txBody>
-      </p:sp>
-      <p:sp>
-        <p:nvSpPr>
-          <p:cNvPr id="4" name="TextBox 4"/>
-          <p:cNvSpPr txBox="1">
-            <a:spLocks noChangeArrowheads="1"/>
-          </p:cNvSpPr>
-          <p:nvPr/>
-        </p:nvSpPr>
-        <p:spPr bwMode="auto">
-          <a:xfrm>
-            <a:off x="4814570" y="5233670"/>
-            <a:ext cx="3561080" cy="583565"/>
-          </a:xfrm>
-          <a:prstGeom prst="rect">
-            <a:avLst/>
-          </a:prstGeom>
-          <a:noFill/>
-          <a:ln>
-            <a:noFill/>
-          </a:ln>
-          <a:extLst>
-            <a:ext uri="{909E8E84-426E-40DD-AFC4-6F175D3DCCD1}">
-              <a14:hiddenFill xmlns:a14="http://schemas.microsoft.com/office/drawing/2010/main">
-                <a:solidFill>
-                  <a:srgbClr val="FFFFFF"/>
-                </a:solidFill>
-              </a14:hiddenFill>
-            </a:ext>
-            <a:ext uri="{91240B29-F687-4F45-9708-019B960494DF}">
-              <a14:hiddenLine xmlns:a14="http://schemas.microsoft.com/office/drawing/2010/main" w="9525">
-                <a:solidFill>
-                  <a:srgbClr val="000000"/>
-                </a:solidFill>
-                <a:miter lim="800000"/>
-                <a:headEnd/>
-                <a:tailEnd/>
-              </a14:hiddenLine>
-            </a:ext>
-          </a:extLst>
-        </p:spPr>
-        <p:txBody>
-          <a:bodyPr wrap="square">
-            <a:spAutoFit/>
-          </a:bodyPr>
-          <a:lstStyle>
-            <a:lvl1pPr>
-              <a:defRPr sz="3200">
-                <a:solidFill>
-                  <a:schemeClr val="tx1"/>
-                </a:solidFill>
-                <a:latin typeface="Arial" panose="020B0604020202020204" pitchFamily="34" charset="0"/>
-                <a:ea typeface="微软雅黑" panose="020B0503020204020204" pitchFamily="34" charset="-122"/>
-              </a:defRPr>
-            </a:lvl1pPr>
-            <a:lvl2pPr marL="742950" indent="-285750">
-              <a:defRPr sz="3200">
-                <a:solidFill>
-                  <a:schemeClr val="tx1"/>
-                </a:solidFill>
-                <a:latin typeface="Arial" panose="020B0604020202020204" pitchFamily="34" charset="0"/>
-                <a:ea typeface="微软雅黑" panose="020B0503020204020204" pitchFamily="34" charset="-122"/>
-              </a:defRPr>
-            </a:lvl2pPr>
-            <a:lvl3pPr marL="1143000" indent="-228600">
-              <a:defRPr sz="3200">
-                <a:solidFill>
-                  <a:schemeClr val="tx1"/>
-                </a:solidFill>
-                <a:latin typeface="Arial" panose="020B0604020202020204" pitchFamily="34" charset="0"/>
-                <a:ea typeface="微软雅黑" panose="020B0503020204020204" pitchFamily="34" charset="-122"/>
-              </a:defRPr>
-            </a:lvl3pPr>
-            <a:lvl4pPr marL="1600200" indent="-228600">
-              <a:defRPr sz="3200">
-                <a:solidFill>
-                  <a:schemeClr val="tx1"/>
-                </a:solidFill>
-                <a:latin typeface="Arial" panose="020B0604020202020204" pitchFamily="34" charset="0"/>
-                <a:ea typeface="微软雅黑" panose="020B0503020204020204" pitchFamily="34" charset="-122"/>
-              </a:defRPr>
-            </a:lvl4pPr>
-            <a:lvl5pPr marL="2057400" indent="-228600">
-              <a:defRPr sz="3200">
-                <a:solidFill>
-                  <a:schemeClr val="tx1"/>
-                </a:solidFill>
-                <a:latin typeface="Arial" panose="020B0604020202020204" pitchFamily="34" charset="0"/>
-                <a:ea typeface="微软雅黑" panose="020B0503020204020204" pitchFamily="34" charset="-122"/>
-              </a:defRPr>
-            </a:lvl5pPr>
-            <a:lvl6pPr marL="2514600" indent="-228600" eaLnBrk="0" fontAlgn="base" hangingPunct="0">
-              <a:spcBef>
-                <a:spcPct val="0"/>
-              </a:spcBef>
-              <a:spcAft>
-                <a:spcPct val="0"/>
-              </a:spcAft>
-              <a:defRPr sz="3200">
-                <a:solidFill>
-                  <a:schemeClr val="tx1"/>
-                </a:solidFill>
-                <a:latin typeface="Arial" panose="020B0604020202020204" pitchFamily="34" charset="0"/>
-                <a:ea typeface="微软雅黑" panose="020B0503020204020204" pitchFamily="34" charset="-122"/>
-              </a:defRPr>
-            </a:lvl6pPr>
-            <a:lvl7pPr marL="2971800" indent="-228600" eaLnBrk="0" fontAlgn="base" hangingPunct="0">
-              <a:spcBef>
-                <a:spcPct val="0"/>
-              </a:spcBef>
-              <a:spcAft>
-                <a:spcPct val="0"/>
-              </a:spcAft>
-              <a:defRPr sz="3200">
-                <a:solidFill>
-                  <a:schemeClr val="tx1"/>
-                </a:solidFill>
-                <a:latin typeface="Arial" panose="020B0604020202020204" pitchFamily="34" charset="0"/>
-                <a:ea typeface="微软雅黑" panose="020B0503020204020204" pitchFamily="34" charset="-122"/>
-              </a:defRPr>
-            </a:lvl7pPr>
-            <a:lvl8pPr marL="3429000" indent="-228600" eaLnBrk="0" fontAlgn="base" hangingPunct="0">
-              <a:spcBef>
-                <a:spcPct val="0"/>
-              </a:spcBef>
-              <a:spcAft>
-                <a:spcPct val="0"/>
-              </a:spcAft>
-              <a:defRPr sz="3200">
-                <a:solidFill>
-                  <a:schemeClr val="tx1"/>
-                </a:solidFill>
-                <a:latin typeface="Arial" panose="020B0604020202020204" pitchFamily="34" charset="0"/>
-                <a:ea typeface="微软雅黑" panose="020B0503020204020204" pitchFamily="34" charset="-122"/>
-              </a:defRPr>
-            </a:lvl8pPr>
-            <a:lvl9pPr marL="3886200" indent="-228600" eaLnBrk="0" fontAlgn="base" hangingPunct="0">
-              <a:spcBef>
-                <a:spcPct val="0"/>
-              </a:spcBef>
-              <a:spcAft>
-                <a:spcPct val="0"/>
-              </a:spcAft>
-              <a:defRPr sz="3200">
-                <a:solidFill>
-                  <a:schemeClr val="tx1"/>
-                </a:solidFill>
-                <a:latin typeface="Arial" panose="020B0604020202020204" pitchFamily="34" charset="0"/>
-                <a:ea typeface="微软雅黑" panose="020B0503020204020204" pitchFamily="34" charset="-122"/>
-              </a:defRPr>
-            </a:lvl9pPr>
-          </a:lstStyle>
-          <a:p>
-            <a:r>
-              <a:rPr lang="en-US" altLang="zh-CN">
-                <a:latin typeface="微软雅黑" panose="020B0503020204020204" pitchFamily="34" charset="-122"/>
-                <a:ea typeface="宋体" panose="02010600030101010101" pitchFamily="2" charset="-122"/>
-              </a:rPr>
-              <a:t>---Module</a:t>
-            </a:r>
-            <a:endParaRPr lang="zh-CN" altLang="en-US">
-              <a:latin typeface="微软雅黑" panose="020B0503020204020204" pitchFamily="34" charset="-122"/>
-              <a:ea typeface="宋体" panose="02010600030101010101" pitchFamily="2" charset="-122"/>
-            </a:endParaRPr>
           </a:p>
         </p:txBody>
       </p:sp>

--- a/课程PPT/15.ECMAScript 6 三.pptx
+++ b/课程PPT/15.ECMAScript 6 三.pptx
@@ -2755,7 +2755,7 @@
         </p:nvSpPr>
         <p:spPr bwMode="auto">
           <a:xfrm>
-            <a:off x="4807586" y="3712845"/>
+            <a:off x="4807586" y="4143375"/>
             <a:ext cx="5286375" cy="583565"/>
           </a:xfrm>
           <a:prstGeom prst="rect">
@@ -2980,7 +2980,7 @@
         </p:nvSpPr>
         <p:spPr bwMode="auto">
           <a:xfrm>
-            <a:off x="4807586" y="4286885"/>
+            <a:off x="4807586" y="4717415"/>
             <a:ext cx="5286375" cy="583565"/>
           </a:xfrm>
           <a:prstGeom prst="rect">
@@ -3153,7 +3153,7 @@
         </p:nvSpPr>
         <p:spPr bwMode="auto">
           <a:xfrm>
-            <a:off x="4814570" y="4865370"/>
+            <a:off x="4814570" y="3645535"/>
             <a:ext cx="6672580" cy="583565"/>
           </a:xfrm>
           <a:prstGeom prst="rect">

--- a/课程PPT/15.ECMAScript 6 三.pptx
+++ b/课程PPT/15.ECMAScript 6 三.pptx
@@ -5,11 +5,12 @@
     <p:sldMasterId id="2147483648" r:id="rId1"/>
   </p:sldMasterIdLst>
   <p:notesMasterIdLst>
-    <p:notesMasterId r:id="rId5"/>
+    <p:notesMasterId r:id="rId6"/>
   </p:notesMasterIdLst>
   <p:sldIdLst>
     <p:sldId id="1250" r:id="rId3"/>
     <p:sldId id="1104" r:id="rId4"/>
+    <p:sldId id="1252" r:id="rId5"/>
   </p:sldIdLst>
   <p:sldSz cx="12192000" cy="6858000"/>
   <p:notesSz cx="6797675" cy="9928225"/>
@@ -574,6 +575,104 @@
     </a:lvl9pPr>
   </p:notesStyle>
 </p:notesMaster>
+</file>
+
+<file path=ppt/notesSlides/notesSlide1.xml><?xml version="1.0" encoding="utf-8"?>
+<p:notes xmlns:a="http://schemas.openxmlformats.org/drawingml/2006/main" xmlns:r="http://schemas.openxmlformats.org/officeDocument/2006/relationships" xmlns:p="http://schemas.openxmlformats.org/presentationml/2006/main">
+  <p:cSld>
+    <p:spTree>
+      <p:nvGrpSpPr>
+        <p:cNvPr id="1" name=""/>
+        <p:cNvGrpSpPr/>
+        <p:nvPr/>
+      </p:nvGrpSpPr>
+      <p:grpSpPr>
+        <a:xfrm>
+          <a:off x="0" y="0"/>
+          <a:ext cx="0" cy="0"/>
+          <a:chOff x="0" y="0"/>
+          <a:chExt cx="0" cy="0"/>
+        </a:xfrm>
+      </p:grpSpPr>
+      <p:sp>
+        <p:nvSpPr>
+          <p:cNvPr id="2" name="幻灯片图像占位符 1"/>
+          <p:cNvSpPr>
+            <a:spLocks noGrp="1" noRot="1" noChangeAspect="1"/>
+          </p:cNvSpPr>
+          <p:nvPr>
+            <p:ph type="sldImg"/>
+          </p:nvPr>
+        </p:nvSpPr>
+        <p:spPr/>
+      </p:sp>
+      <p:sp>
+        <p:nvSpPr>
+          <p:cNvPr id="3" name="备注占位符 2"/>
+          <p:cNvSpPr>
+            <a:spLocks noGrp="1"/>
+          </p:cNvSpPr>
+          <p:nvPr>
+            <p:ph type="body" idx="1"/>
+          </p:nvPr>
+        </p:nvSpPr>
+        <p:spPr/>
+        <p:txBody>
+          <a:bodyPr/>
+          <a:lstStyle/>
+          <a:p>
+            <a:r>
+              <a:rPr lang="zh-CN" altLang="en-US" dirty="0"/>
+              <a:t>增加 </a:t>
+            </a:r>
+            <a:r>
+              <a:rPr lang="en-US" altLang="zh-CN" dirty="0"/>
+              <a:t>max</a:t>
+            </a:r>
+            <a:r>
+              <a:rPr lang="zh-CN" altLang="en-US" dirty="0"/>
+              <a:t>（</a:t>
+            </a:r>
+            <a:r>
+              <a:rPr lang="en-US" altLang="zh-CN" dirty="0"/>
+              <a:t>1,0,0</a:t>
+            </a:r>
+            <a:r>
+              <a:rPr lang="zh-CN" altLang="en-US" dirty="0"/>
+              <a:t>）实例，增加逻辑判断</a:t>
+            </a:r>
+            <a:endParaRPr lang="zh-CN" altLang="en-US" dirty="0"/>
+          </a:p>
+        </p:txBody>
+      </p:sp>
+      <p:sp>
+        <p:nvSpPr>
+          <p:cNvPr id="4" name="灯片编号占位符 3"/>
+          <p:cNvSpPr>
+            <a:spLocks noGrp="1"/>
+          </p:cNvSpPr>
+          <p:nvPr>
+            <p:ph type="sldNum" sz="quarter" idx="10"/>
+          </p:nvPr>
+        </p:nvSpPr>
+        <p:spPr/>
+        <p:txBody>
+          <a:bodyPr/>
+          <a:lstStyle/>
+          <a:p>
+            <a:fld id="{D9AFD278-84AA-4CAA-9049-809825956FE0}" type="slidenum">
+              <a:rPr lang="en-US" altLang="zh-CN" smtClean="0"/>
+            </a:fld>
+            <a:endParaRPr lang="zh-CN" altLang="zh-CN"/>
+          </a:p>
+        </p:txBody>
+      </p:sp>
+    </p:spTree>
+  </p:cSld>
+  <p:clrMapOvr>
+    <a:masterClrMapping/>
+  </p:clrMapOvr>
+</p:notes>
 </file>
 
 <file path=ppt/slideLayouts/slideLayout1.xml><?xml version="1.0" encoding="utf-8"?>
@@ -2745,177 +2844,6 @@
           </a:p>
         </p:txBody>
       </p:sp>
-      <p:sp>
-        <p:nvSpPr>
-          <p:cNvPr id="4100" name="TextBox 4"/>
-          <p:cNvSpPr txBox="1">
-            <a:spLocks noChangeArrowheads="1"/>
-          </p:cNvSpPr>
-          <p:nvPr/>
-        </p:nvSpPr>
-        <p:spPr bwMode="auto">
-          <a:xfrm>
-            <a:off x="4807586" y="4143375"/>
-            <a:ext cx="5286375" cy="583565"/>
-          </a:xfrm>
-          <a:prstGeom prst="rect">
-            <a:avLst/>
-          </a:prstGeom>
-          <a:noFill/>
-          <a:ln>
-            <a:noFill/>
-          </a:ln>
-          <a:extLst>
-            <a:ext uri="{909E8E84-426E-40DD-AFC4-6F175D3DCCD1}">
-              <a14:hiddenFill xmlns:a14="http://schemas.microsoft.com/office/drawing/2010/main">
-                <a:solidFill>
-                  <a:srgbClr val="FFFFFF"/>
-                </a:solidFill>
-              </a14:hiddenFill>
-            </a:ext>
-            <a:ext uri="{91240B29-F687-4F45-9708-019B960494DF}">
-              <a14:hiddenLine xmlns:a14="http://schemas.microsoft.com/office/drawing/2010/main" w="9525">
-                <a:solidFill>
-                  <a:srgbClr val="000000"/>
-                </a:solidFill>
-                <a:miter lim="800000"/>
-                <a:headEnd/>
-                <a:tailEnd/>
-              </a14:hiddenLine>
-            </a:ext>
-          </a:extLst>
-        </p:spPr>
-        <p:txBody>
-          <a:bodyPr>
-            <a:spAutoFit/>
-          </a:bodyPr>
-          <a:lstStyle>
-            <a:lvl1pPr>
-              <a:defRPr sz="3200">
-                <a:solidFill>
-                  <a:schemeClr val="tx1"/>
-                </a:solidFill>
-                <a:latin typeface="Arial" panose="020B0604020202020204" pitchFamily="34" charset="0"/>
-                <a:ea typeface="微软雅黑" panose="020B0503020204020204" pitchFamily="34" charset="-122"/>
-              </a:defRPr>
-            </a:lvl1pPr>
-            <a:lvl2pPr marL="742950" indent="-285750">
-              <a:defRPr sz="3200">
-                <a:solidFill>
-                  <a:schemeClr val="tx1"/>
-                </a:solidFill>
-                <a:latin typeface="Arial" panose="020B0604020202020204" pitchFamily="34" charset="0"/>
-                <a:ea typeface="微软雅黑" panose="020B0503020204020204" pitchFamily="34" charset="-122"/>
-              </a:defRPr>
-            </a:lvl2pPr>
-            <a:lvl3pPr marL="1143000" indent="-228600">
-              <a:defRPr sz="3200">
-                <a:solidFill>
-                  <a:schemeClr val="tx1"/>
-                </a:solidFill>
-                <a:latin typeface="Arial" panose="020B0604020202020204" pitchFamily="34" charset="0"/>
-                <a:ea typeface="微软雅黑" panose="020B0503020204020204" pitchFamily="34" charset="-122"/>
-              </a:defRPr>
-            </a:lvl3pPr>
-            <a:lvl4pPr marL="1600200" indent="-228600">
-              <a:defRPr sz="3200">
-                <a:solidFill>
-                  <a:schemeClr val="tx1"/>
-                </a:solidFill>
-                <a:latin typeface="Arial" panose="020B0604020202020204" pitchFamily="34" charset="0"/>
-                <a:ea typeface="微软雅黑" panose="020B0503020204020204" pitchFamily="34" charset="-122"/>
-              </a:defRPr>
-            </a:lvl4pPr>
-            <a:lvl5pPr marL="2057400" indent="-228600">
-              <a:defRPr sz="3200">
-                <a:solidFill>
-                  <a:schemeClr val="tx1"/>
-                </a:solidFill>
-                <a:latin typeface="Arial" panose="020B0604020202020204" pitchFamily="34" charset="0"/>
-                <a:ea typeface="微软雅黑" panose="020B0503020204020204" pitchFamily="34" charset="-122"/>
-              </a:defRPr>
-            </a:lvl5pPr>
-            <a:lvl6pPr marL="2514600" indent="-228600" eaLnBrk="0" fontAlgn="base" hangingPunct="0">
-              <a:spcBef>
-                <a:spcPct val="0"/>
-              </a:spcBef>
-              <a:spcAft>
-                <a:spcPct val="0"/>
-              </a:spcAft>
-              <a:defRPr sz="3200">
-                <a:solidFill>
-                  <a:schemeClr val="tx1"/>
-                </a:solidFill>
-                <a:latin typeface="Arial" panose="020B0604020202020204" pitchFamily="34" charset="0"/>
-                <a:ea typeface="微软雅黑" panose="020B0503020204020204" pitchFamily="34" charset="-122"/>
-              </a:defRPr>
-            </a:lvl6pPr>
-            <a:lvl7pPr marL="2971800" indent="-228600" eaLnBrk="0" fontAlgn="base" hangingPunct="0">
-              <a:spcBef>
-                <a:spcPct val="0"/>
-              </a:spcBef>
-              <a:spcAft>
-                <a:spcPct val="0"/>
-              </a:spcAft>
-              <a:defRPr sz="3200">
-                <a:solidFill>
-                  <a:schemeClr val="tx1"/>
-                </a:solidFill>
-                <a:latin typeface="Arial" panose="020B0604020202020204" pitchFamily="34" charset="0"/>
-                <a:ea typeface="微软雅黑" panose="020B0503020204020204" pitchFamily="34" charset="-122"/>
-              </a:defRPr>
-            </a:lvl7pPr>
-            <a:lvl8pPr marL="3429000" indent="-228600" eaLnBrk="0" fontAlgn="base" hangingPunct="0">
-              <a:spcBef>
-                <a:spcPct val="0"/>
-              </a:spcBef>
-              <a:spcAft>
-                <a:spcPct val="0"/>
-              </a:spcAft>
-              <a:defRPr sz="3200">
-                <a:solidFill>
-                  <a:schemeClr val="tx1"/>
-                </a:solidFill>
-                <a:latin typeface="Arial" panose="020B0604020202020204" pitchFamily="34" charset="0"/>
-                <a:ea typeface="微软雅黑" panose="020B0503020204020204" pitchFamily="34" charset="-122"/>
-              </a:defRPr>
-            </a:lvl8pPr>
-            <a:lvl9pPr marL="3886200" indent="-228600" eaLnBrk="0" fontAlgn="base" hangingPunct="0">
-              <a:spcBef>
-                <a:spcPct val="0"/>
-              </a:spcBef>
-              <a:spcAft>
-                <a:spcPct val="0"/>
-              </a:spcAft>
-              <a:defRPr sz="3200">
-                <a:solidFill>
-                  <a:schemeClr val="tx1"/>
-                </a:solidFill>
-                <a:latin typeface="Arial" panose="020B0604020202020204" pitchFamily="34" charset="0"/>
-                <a:ea typeface="微软雅黑" panose="020B0503020204020204" pitchFamily="34" charset="-122"/>
-              </a:defRPr>
-            </a:lvl9pPr>
-          </a:lstStyle>
-          <a:p>
-            <a:r>
-              <a:rPr lang="en-US" altLang="zh-CN">
-                <a:latin typeface="微软雅黑" panose="020B0503020204020204" pitchFamily="34" charset="-122"/>
-                <a:ea typeface="宋体" panose="02010600030101010101" pitchFamily="2" charset="-122"/>
-              </a:rPr>
-              <a:t>---</a:t>
-            </a:r>
-            <a:r>
-              <a:rPr lang="en-US"/>
-              <a:t>Generator</a:t>
-            </a:r>
-            <a:r>
-              <a:rPr lang="zh-CN" altLang="en-US"/>
-              <a:t>函数</a:t>
-            </a:r>
-            <a:endParaRPr lang="zh-CN" altLang="en-US"/>
-          </a:p>
-        </p:txBody>
-      </p:sp>
       <p:pic>
         <p:nvPicPr>
           <p:cNvPr id="4101" name="图片 4" descr="软院logo横版.png"/>
@@ -2980,7 +2908,7 @@
         </p:nvSpPr>
         <p:spPr bwMode="auto">
           <a:xfrm>
-            <a:off x="4807586" y="4717415"/>
+            <a:off x="4814571" y="4430395"/>
             <a:ext cx="5286375" cy="583565"/>
           </a:xfrm>
           <a:prstGeom prst="rect">
@@ -3129,12 +3057,6 @@
               </a:rPr>
               <a:t>---Promise</a:t>
             </a:r>
-            <a:r>
-              <a:rPr lang="zh-CN" altLang="en-US">
-                <a:sym typeface="+mn-ea"/>
-              </a:rPr>
-              <a:t>对象</a:t>
-            </a:r>
             <a:endParaRPr lang="en-US" altLang="zh-CN">
               <a:latin typeface="微软雅黑" panose="020B0503020204020204" pitchFamily="34" charset="-122"/>
               <a:ea typeface="宋体" panose="02010600030101010101" pitchFamily="2" charset="-122"/>
@@ -3153,7 +3075,7 @@
         </p:nvSpPr>
         <p:spPr bwMode="auto">
           <a:xfrm>
-            <a:off x="4814570" y="3645535"/>
+            <a:off x="4814570" y="3860800"/>
             <a:ext cx="6672580" cy="583565"/>
           </a:xfrm>
           <a:prstGeom prst="rect">
@@ -3524,6 +3446,431 @@
     <p:tnLst>
       <p:par>
         <p:cTn id="1" dur="indefinite" restart="never" nodeType="tmRoot"/>
+      </p:par>
+    </p:tnLst>
+  </p:timing>
+</p:sld>
+</file>
+
+<file path=ppt/slides/slide3.xml><?xml version="1.0" encoding="utf-8"?>
+<p:sld xmlns:a="http://schemas.openxmlformats.org/drawingml/2006/main" xmlns:r="http://schemas.openxmlformats.org/officeDocument/2006/relationships" xmlns:p="http://schemas.openxmlformats.org/presentationml/2006/main">
+  <p:cSld>
+    <p:spTree>
+      <p:nvGrpSpPr>
+        <p:cNvPr id="1" name=""/>
+        <p:cNvGrpSpPr/>
+        <p:nvPr/>
+      </p:nvGrpSpPr>
+      <p:grpSpPr>
+        <a:xfrm>
+          <a:off x="0" y="0"/>
+          <a:ext cx="0" cy="0"/>
+          <a:chOff x="0" y="0"/>
+          <a:chExt cx="0" cy="0"/>
+        </a:xfrm>
+      </p:grpSpPr>
+      <p:sp>
+        <p:nvSpPr>
+          <p:cNvPr id="11266" name="内容占位符 1"/>
+          <p:cNvSpPr>
+            <a:spLocks noGrp="1"/>
+          </p:cNvSpPr>
+          <p:nvPr>
+            <p:ph sz="quarter" idx="10"/>
+          </p:nvPr>
+        </p:nvSpPr>
+        <p:spPr bwMode="auto">
+          <a:xfrm>
+            <a:off x="947420" y="940435"/>
+            <a:ext cx="10432415" cy="5115560"/>
+          </a:xfrm>
+          <a:noFill/>
+          <a:extLst>
+            <a:ext uri="{909E8E84-426E-40DD-AFC4-6F175D3DCCD1}">
+              <a14:hiddenFill xmlns:a14="http://schemas.microsoft.com/office/drawing/2010/main">
+                <a:solidFill>
+                  <a:srgbClr val="FFFFFF"/>
+                </a:solidFill>
+              </a14:hiddenFill>
+            </a:ext>
+            <a:ext uri="{91240B29-F687-4F45-9708-019B960494DF}">
+              <a14:hiddenLine xmlns:a14="http://schemas.microsoft.com/office/drawing/2010/main" w="9525">
+                <a:solidFill>
+                  <a:srgbClr val="000000"/>
+                </a:solidFill>
+                <a:miter lim="800000"/>
+                <a:headEnd/>
+                <a:tailEnd/>
+              </a14:hiddenLine>
+            </a:ext>
+          </a:extLst>
+        </p:spPr>
+        <p:txBody>
+          <a:bodyPr vert="horz" wrap="square" lIns="91440" tIns="45720" rIns="91440" bIns="45720" numCol="1" anchor="t" anchorCtr="0" compatLnSpc="1"/>
+          <a:lstStyle/>
+          <a:p>
+            <a:pPr>
+              <a:lnSpc>
+                <a:spcPct val="130000"/>
+              </a:lnSpc>
+            </a:pPr>
+            <a:r>
+              <a:rPr kumimoji="0" lang="zh-CN" altLang="en-US" sz="3200" dirty="0" smtClean="0">
+                <a:solidFill>
+                  <a:schemeClr val="tx1"/>
+                </a:solidFill>
+              </a:rPr>
+              <a:t>ES6中</a:t>
+            </a:r>
+            <a:r>
+              <a:rPr lang="en-US" sz="3200">
+                <a:solidFill>
+                  <a:schemeClr val="tx1"/>
+                </a:solidFill>
+                <a:sym typeface="+mn-ea"/>
+              </a:rPr>
+              <a:t>Generator</a:t>
+            </a:r>
+            <a:r>
+              <a:rPr lang="zh-CN" altLang="en-US" sz="3200">
+                <a:solidFill>
+                  <a:schemeClr val="tx1"/>
+                </a:solidFill>
+                <a:sym typeface="+mn-ea"/>
+              </a:rPr>
+              <a:t>生成器</a:t>
+            </a:r>
+            <a:endParaRPr kumimoji="0" lang="zh-CN" altLang="en-US" sz="3200" dirty="0" smtClean="0">
+              <a:solidFill>
+                <a:schemeClr val="tx1"/>
+              </a:solidFill>
+              <a:sym typeface="+mn-ea"/>
+            </a:endParaRPr>
+          </a:p>
+          <a:p>
+            <a:pPr>
+              <a:lnSpc>
+                <a:spcPct val="130000"/>
+              </a:lnSpc>
+            </a:pPr>
+            <a:r>
+              <a:rPr kumimoji="0" lang="zh-CN" altLang="en-US" sz="3200" dirty="0" smtClean="0">
+                <a:solidFill>
+                  <a:schemeClr val="tx1"/>
+                </a:solidFill>
+                <a:sym typeface="+mn-ea"/>
+              </a:rPr>
+              <a:t>ES6</a:t>
+            </a:r>
+            <a:endParaRPr kumimoji="0" lang="en-US" altLang="zh-CN" sz="2000" dirty="0" smtClean="0">
+              <a:solidFill>
+                <a:srgbClr val="FF0000"/>
+              </a:solidFill>
+              <a:sym typeface="+mn-ea"/>
+            </a:endParaRPr>
+          </a:p>
+          <a:p>
+            <a:pPr eaLnBrk="1" hangingPunct="1">
+              <a:lnSpc>
+                <a:spcPct val="150000"/>
+              </a:lnSpc>
+            </a:pPr>
+            <a:endParaRPr kumimoji="0" lang="en-US" altLang="zh-CN" sz="3600" dirty="0" smtClean="0">
+              <a:solidFill>
+                <a:schemeClr val="tx1"/>
+              </a:solidFill>
+            </a:endParaRPr>
+          </a:p>
+          <a:p>
+            <a:pPr eaLnBrk="1" hangingPunct="1">
+              <a:lnSpc>
+                <a:spcPct val="150000"/>
+              </a:lnSpc>
+            </a:pPr>
+            <a:endParaRPr kumimoji="0" lang="zh-CN" altLang="en-US" dirty="0" smtClean="0">
+              <a:solidFill>
+                <a:schemeClr val="tx1"/>
+              </a:solidFill>
+            </a:endParaRPr>
+          </a:p>
+        </p:txBody>
+      </p:sp>
+      <p:sp>
+        <p:nvSpPr>
+          <p:cNvPr id="2" name="内容占位符 1"/>
+          <p:cNvSpPr>
+            <a:spLocks noGrp="1"/>
+          </p:cNvSpPr>
+          <p:nvPr>
+            <p:ph sz="quarter" idx="11"/>
+          </p:nvPr>
+        </p:nvSpPr>
+        <p:spPr>
+          <a:xfrm>
+            <a:off x="947420" y="308610"/>
+            <a:ext cx="8415655" cy="490220"/>
+          </a:xfrm>
+        </p:spPr>
+        <p:txBody>
+          <a:bodyPr/>
+          <a:lstStyle/>
+          <a:p>
+            <a:r>
+              <a:rPr kumimoji="0" lang="en-US" altLang="zh-CN" dirty="0">
+                <a:sym typeface="+mn-ea"/>
+              </a:rPr>
+              <a:t>ES6</a:t>
+            </a:r>
+            <a:r>
+              <a:rPr kumimoji="0" lang="zh-CN" altLang="en-US" dirty="0">
+                <a:sym typeface="+mn-ea"/>
+              </a:rPr>
+              <a:t>补充部分</a:t>
+            </a:r>
+            <a:endParaRPr kumimoji="0" lang="zh-CN" altLang="en-US" dirty="0">
+              <a:sym typeface="+mn-ea"/>
+            </a:endParaRPr>
+          </a:p>
+        </p:txBody>
+      </p:sp>
+    </p:spTree>
+  </p:cSld>
+  <p:clrMapOvr>
+    <a:masterClrMapping/>
+  </p:clrMapOvr>
+  <p:timing>
+    <p:tnLst>
+      <p:par>
+        <p:cTn id="1" dur="indefinite" restart="never" nodeType="tmRoot">
+          <p:childTnLst>
+            <p:seq concurrent="1" nextAc="seek">
+              <p:cTn id="2" dur="indefinite" nodeType="mainSeq">
+                <p:childTnLst>
+                  <p:par>
+                    <p:cTn id="3" fill="hold">
+                      <p:stCondLst>
+                        <p:cond delay="indefinite"/>
+                      </p:stCondLst>
+                      <p:childTnLst>
+                        <p:par>
+                          <p:cTn id="4" fill="hold">
+                            <p:stCondLst>
+                              <p:cond delay="0"/>
+                            </p:stCondLst>
+                            <p:childTnLst>
+                              <p:par>
+                                <p:cTn id="5" presetID="2" presetClass="entr" presetSubtype="4" fill="hold" nodeType="clickEffect">
+                                  <p:stCondLst>
+                                    <p:cond delay="0"/>
+                                  </p:stCondLst>
+                                  <p:childTnLst>
+                                    <p:set>
+                                      <p:cBhvr>
+                                        <p:cTn id="6" dur="1" fill="hold">
+                                          <p:stCondLst>
+                                            <p:cond delay="0"/>
+                                          </p:stCondLst>
+                                        </p:cTn>
+                                        <p:tgtEl>
+                                          <p:spTgt spid="11266">
+                                            <p:txEl>
+                                              <p:pRg st="0" end="0"/>
+                                            </p:txEl>
+                                          </p:spTgt>
+                                        </p:tgtEl>
+                                        <p:attrNameLst>
+                                          <p:attrName>style.visibility</p:attrName>
+                                        </p:attrNameLst>
+                                      </p:cBhvr>
+                                      <p:to>
+                                        <p:strVal val="visible"/>
+                                      </p:to>
+                                    </p:set>
+                                    <p:anim calcmode="lin" valueType="num">
+                                      <p:cBhvr additive="base">
+                                        <p:cTn id="7" dur="500" fill="hold"/>
+                                        <p:tgtEl>
+                                          <p:spTgt spid="11266">
+                                            <p:txEl>
+                                              <p:pRg st="0" end="0"/>
+                                            </p:txEl>
+                                          </p:spTgt>
+                                        </p:tgtEl>
+                                        <p:attrNameLst>
+                                          <p:attrName>ppt_x</p:attrName>
+                                        </p:attrNameLst>
+                                      </p:cBhvr>
+                                      <p:tavLst>
+                                        <p:tav tm="0">
+                                          <p:val>
+                                            <p:strVal val="#ppt_x"/>
+                                          </p:val>
+                                        </p:tav>
+                                        <p:tav tm="100000">
+                                          <p:val>
+                                            <p:strVal val="#ppt_x"/>
+                                          </p:val>
+                                        </p:tav>
+                                      </p:tavLst>
+                                    </p:anim>
+                                    <p:anim calcmode="lin" valueType="num">
+                                      <p:cBhvr additive="base">
+                                        <p:cTn id="8" dur="500" fill="hold"/>
+                                        <p:tgtEl>
+                                          <p:spTgt spid="11266">
+                                            <p:txEl>
+                                              <p:pRg st="0" end="0"/>
+                                            </p:txEl>
+                                          </p:spTgt>
+                                        </p:tgtEl>
+                                        <p:attrNameLst>
+                                          <p:attrName>ppt_y</p:attrName>
+                                        </p:attrNameLst>
+                                      </p:cBhvr>
+                                      <p:tavLst>
+                                        <p:tav tm="0">
+                                          <p:val>
+                                            <p:strVal val="1+#ppt_h/2"/>
+                                          </p:val>
+                                        </p:tav>
+                                        <p:tav tm="100000">
+                                          <p:val>
+                                            <p:strVal val="#ppt_y"/>
+                                          </p:val>
+                                        </p:tav>
+                                      </p:tavLst>
+                                    </p:anim>
+                                  </p:childTnLst>
+                                </p:cTn>
+                              </p:par>
+                            </p:childTnLst>
+                          </p:cTn>
+                        </p:par>
+                      </p:childTnLst>
+                    </p:cTn>
+                  </p:par>
+                  <p:par>
+                    <p:cTn id="9" fill="hold">
+                      <p:stCondLst>
+                        <p:cond delay="indefinite"/>
+                      </p:stCondLst>
+                      <p:childTnLst>
+                        <p:par>
+                          <p:cTn id="10" fill="hold">
+                            <p:stCondLst>
+                              <p:cond delay="0"/>
+                            </p:stCondLst>
+                            <p:childTnLst>
+                              <p:par>
+                                <p:cTn id="11" presetID="2" presetClass="entr" presetSubtype="4" fill="hold" nodeType="clickEffect">
+                                  <p:stCondLst>
+                                    <p:cond delay="0"/>
+                                  </p:stCondLst>
+                                  <p:childTnLst>
+                                    <p:set>
+                                      <p:cBhvr>
+                                        <p:cTn id="12" dur="1" fill="hold">
+                                          <p:stCondLst>
+                                            <p:cond delay="0"/>
+                                          </p:stCondLst>
+                                        </p:cTn>
+                                        <p:tgtEl>
+                                          <p:spTgt spid="11266">
+                                            <p:txEl>
+                                              <p:pRg st="1" end="1"/>
+                                            </p:txEl>
+                                          </p:spTgt>
+                                        </p:tgtEl>
+                                        <p:attrNameLst>
+                                          <p:attrName>style.visibility</p:attrName>
+                                        </p:attrNameLst>
+                                      </p:cBhvr>
+                                      <p:to>
+                                        <p:strVal val="visible"/>
+                                      </p:to>
+                                    </p:set>
+                                    <p:anim calcmode="lin" valueType="num">
+                                      <p:cBhvr additive="base">
+                                        <p:cTn id="13" dur="500" fill="hold"/>
+                                        <p:tgtEl>
+                                          <p:spTgt spid="11266">
+                                            <p:txEl>
+                                              <p:pRg st="1" end="1"/>
+                                            </p:txEl>
+                                          </p:spTgt>
+                                        </p:tgtEl>
+                                        <p:attrNameLst>
+                                          <p:attrName>ppt_x</p:attrName>
+                                        </p:attrNameLst>
+                                      </p:cBhvr>
+                                      <p:tavLst>
+                                        <p:tav tm="0">
+                                          <p:val>
+                                            <p:strVal val="#ppt_x"/>
+                                          </p:val>
+                                        </p:tav>
+                                        <p:tav tm="100000">
+                                          <p:val>
+                                            <p:strVal val="#ppt_x"/>
+                                          </p:val>
+                                        </p:tav>
+                                      </p:tavLst>
+                                    </p:anim>
+                                    <p:anim calcmode="lin" valueType="num">
+                                      <p:cBhvr additive="base">
+                                        <p:cTn id="14" dur="500" fill="hold"/>
+                                        <p:tgtEl>
+                                          <p:spTgt spid="11266">
+                                            <p:txEl>
+                                              <p:pRg st="1" end="1"/>
+                                            </p:txEl>
+                                          </p:spTgt>
+                                        </p:tgtEl>
+                                        <p:attrNameLst>
+                                          <p:attrName>ppt_y</p:attrName>
+                                        </p:attrNameLst>
+                                      </p:cBhvr>
+                                      <p:tavLst>
+                                        <p:tav tm="0">
+                                          <p:val>
+                                            <p:strVal val="1+#ppt_h/2"/>
+                                          </p:val>
+                                        </p:tav>
+                                        <p:tav tm="100000">
+                                          <p:val>
+                                            <p:strVal val="#ppt_y"/>
+                                          </p:val>
+                                        </p:tav>
+                                      </p:tavLst>
+                                    </p:anim>
+                                  </p:childTnLst>
+                                </p:cTn>
+                              </p:par>
+                            </p:childTnLst>
+                          </p:cTn>
+                        </p:par>
+                      </p:childTnLst>
+                    </p:cTn>
+                  </p:par>
+                </p:childTnLst>
+              </p:cTn>
+              <p:prevCondLst>
+                <p:cond evt="onPrev" delay="0">
+                  <p:tgtEl>
+                    <p:sldTgt/>
+                  </p:tgtEl>
+                </p:cond>
+              </p:prevCondLst>
+              <p:nextCondLst>
+                <p:cond evt="onNext" delay="0">
+                  <p:tgtEl>
+                    <p:sldTgt/>
+                  </p:tgtEl>
+                </p:cond>
+              </p:nextCondLst>
+            </p:seq>
+          </p:childTnLst>
+        </p:cTn>
       </p:par>
     </p:tnLst>
   </p:timing>

--- a/课程PPT/15.ECMAScript 6 三.pptx
+++ b/课程PPT/15.ECMAScript 6 三.pptx
@@ -9,8 +9,19 @@
   </p:notesMasterIdLst>
   <p:sldIdLst>
     <p:sldId id="1250" r:id="rId3"/>
-    <p:sldId id="1104" r:id="rId4"/>
-    <p:sldId id="1252" r:id="rId5"/>
+    <p:sldId id="1253" r:id="rId4"/>
+    <p:sldId id="1254" r:id="rId5"/>
+    <p:sldId id="1255" r:id="rId7"/>
+    <p:sldId id="1257" r:id="rId8"/>
+    <p:sldId id="1259" r:id="rId9"/>
+    <p:sldId id="1256" r:id="rId10"/>
+    <p:sldId id="1262" r:id="rId11"/>
+    <p:sldId id="1263" r:id="rId12"/>
+    <p:sldId id="1261" r:id="rId13"/>
+    <p:sldId id="1258" r:id="rId14"/>
+    <p:sldId id="1268" r:id="rId15"/>
+    <p:sldId id="1269" r:id="rId16"/>
+    <p:sldId id="1104" r:id="rId17"/>
   </p:sldIdLst>
   <p:sldSz cx="12192000" cy="6858000"/>
   <p:notesSz cx="6797675" cy="9928225"/>
@@ -578,6 +589,750 @@
 </file>
 
 <file path=ppt/notesSlides/notesSlide1.xml><?xml version="1.0" encoding="utf-8"?>
+<p:notes xmlns:a="http://schemas.openxmlformats.org/drawingml/2006/main" xmlns:r="http://schemas.openxmlformats.org/officeDocument/2006/relationships" xmlns:p="http://schemas.openxmlformats.org/presentationml/2006/main">
+  <p:cSld>
+    <p:spTree>
+      <p:nvGrpSpPr>
+        <p:cNvPr id="1" name=""/>
+        <p:cNvGrpSpPr/>
+        <p:nvPr/>
+      </p:nvGrpSpPr>
+      <p:grpSpPr>
+        <a:xfrm>
+          <a:off x="0" y="0"/>
+          <a:ext cx="0" cy="0"/>
+          <a:chOff x="0" y="0"/>
+          <a:chExt cx="0" cy="0"/>
+        </a:xfrm>
+      </p:grpSpPr>
+      <p:sp>
+        <p:nvSpPr>
+          <p:cNvPr id="2" name="幻灯片图像占位符 1"/>
+          <p:cNvSpPr>
+            <a:spLocks noGrp="1" noRot="1" noChangeAspect="1"/>
+          </p:cNvSpPr>
+          <p:nvPr>
+            <p:ph type="sldImg"/>
+          </p:nvPr>
+        </p:nvSpPr>
+        <p:spPr/>
+      </p:sp>
+      <p:sp>
+        <p:nvSpPr>
+          <p:cNvPr id="3" name="备注占位符 2"/>
+          <p:cNvSpPr>
+            <a:spLocks noGrp="1"/>
+          </p:cNvSpPr>
+          <p:nvPr>
+            <p:ph type="body" idx="1"/>
+          </p:nvPr>
+        </p:nvSpPr>
+        <p:spPr/>
+        <p:txBody>
+          <a:bodyPr/>
+          <a:lstStyle/>
+          <a:p>
+            <a:endParaRPr lang="zh-CN" altLang="en-US" dirty="0"/>
+          </a:p>
+        </p:txBody>
+      </p:sp>
+      <p:sp>
+        <p:nvSpPr>
+          <p:cNvPr id="4" name="灯片编号占位符 3"/>
+          <p:cNvSpPr>
+            <a:spLocks noGrp="1"/>
+          </p:cNvSpPr>
+          <p:nvPr>
+            <p:ph type="sldNum" sz="quarter" idx="10"/>
+          </p:nvPr>
+        </p:nvSpPr>
+        <p:spPr/>
+        <p:txBody>
+          <a:bodyPr/>
+          <a:lstStyle/>
+          <a:p>
+            <a:fld id="{D9AFD278-84AA-4CAA-9049-809825956FE0}" type="slidenum">
+              <a:rPr lang="en-US" altLang="zh-CN" smtClean="0"/>
+            </a:fld>
+            <a:endParaRPr lang="zh-CN" altLang="zh-CN"/>
+          </a:p>
+        </p:txBody>
+      </p:sp>
+    </p:spTree>
+  </p:cSld>
+  <p:clrMapOvr>
+    <a:masterClrMapping/>
+  </p:clrMapOvr>
+</p:notes>
+</file>
+
+<file path=ppt/notesSlides/notesSlide2.xml><?xml version="1.0" encoding="utf-8"?>
+<p:notes xmlns:a="http://schemas.openxmlformats.org/drawingml/2006/main" xmlns:r="http://schemas.openxmlformats.org/officeDocument/2006/relationships" xmlns:p="http://schemas.openxmlformats.org/presentationml/2006/main">
+  <p:cSld>
+    <p:spTree>
+      <p:nvGrpSpPr>
+        <p:cNvPr id="1" name=""/>
+        <p:cNvGrpSpPr/>
+        <p:nvPr/>
+      </p:nvGrpSpPr>
+      <p:grpSpPr>
+        <a:xfrm>
+          <a:off x="0" y="0"/>
+          <a:ext cx="0" cy="0"/>
+          <a:chOff x="0" y="0"/>
+          <a:chExt cx="0" cy="0"/>
+        </a:xfrm>
+      </p:grpSpPr>
+      <p:sp>
+        <p:nvSpPr>
+          <p:cNvPr id="2" name="幻灯片图像占位符 1"/>
+          <p:cNvSpPr>
+            <a:spLocks noGrp="1" noRot="1" noChangeAspect="1"/>
+          </p:cNvSpPr>
+          <p:nvPr>
+            <p:ph type="sldImg"/>
+          </p:nvPr>
+        </p:nvSpPr>
+        <p:spPr/>
+      </p:sp>
+      <p:sp>
+        <p:nvSpPr>
+          <p:cNvPr id="3" name="备注占位符 2"/>
+          <p:cNvSpPr>
+            <a:spLocks noGrp="1"/>
+          </p:cNvSpPr>
+          <p:nvPr>
+            <p:ph type="body" idx="1"/>
+          </p:nvPr>
+        </p:nvSpPr>
+        <p:spPr/>
+        <p:txBody>
+          <a:bodyPr/>
+          <a:lstStyle/>
+          <a:p>
+            <a:r>
+              <a:rPr lang="zh-CN" altLang="en-US" dirty="0"/>
+              <a:t>增加 </a:t>
+            </a:r>
+            <a:r>
+              <a:rPr lang="en-US" altLang="zh-CN" dirty="0"/>
+              <a:t>max</a:t>
+            </a:r>
+            <a:r>
+              <a:rPr lang="zh-CN" altLang="en-US" dirty="0"/>
+              <a:t>（</a:t>
+            </a:r>
+            <a:r>
+              <a:rPr lang="en-US" altLang="zh-CN" dirty="0"/>
+              <a:t>1,0,0</a:t>
+            </a:r>
+            <a:r>
+              <a:rPr lang="zh-CN" altLang="en-US" dirty="0"/>
+              <a:t>）实例，增加逻辑判断</a:t>
+            </a:r>
+            <a:endParaRPr lang="zh-CN" altLang="en-US" dirty="0"/>
+          </a:p>
+        </p:txBody>
+      </p:sp>
+      <p:sp>
+        <p:nvSpPr>
+          <p:cNvPr id="4" name="灯片编号占位符 3"/>
+          <p:cNvSpPr>
+            <a:spLocks noGrp="1"/>
+          </p:cNvSpPr>
+          <p:nvPr>
+            <p:ph type="sldNum" sz="quarter" idx="10"/>
+          </p:nvPr>
+        </p:nvSpPr>
+        <p:spPr/>
+        <p:txBody>
+          <a:bodyPr/>
+          <a:lstStyle/>
+          <a:p>
+            <a:fld id="{D9AFD278-84AA-4CAA-9049-809825956FE0}" type="slidenum">
+              <a:rPr lang="en-US" altLang="zh-CN" smtClean="0"/>
+            </a:fld>
+            <a:endParaRPr lang="zh-CN" altLang="zh-CN"/>
+          </a:p>
+        </p:txBody>
+      </p:sp>
+    </p:spTree>
+  </p:cSld>
+  <p:clrMapOvr>
+    <a:masterClrMapping/>
+  </p:clrMapOvr>
+</p:notes>
+</file>
+
+<file path=ppt/notesSlides/notesSlide3.xml><?xml version="1.0" encoding="utf-8"?>
+<p:notes xmlns:a="http://schemas.openxmlformats.org/drawingml/2006/main" xmlns:r="http://schemas.openxmlformats.org/officeDocument/2006/relationships" xmlns:p="http://schemas.openxmlformats.org/presentationml/2006/main">
+  <p:cSld>
+    <p:spTree>
+      <p:nvGrpSpPr>
+        <p:cNvPr id="1" name=""/>
+        <p:cNvGrpSpPr/>
+        <p:nvPr/>
+      </p:nvGrpSpPr>
+      <p:grpSpPr>
+        <a:xfrm>
+          <a:off x="0" y="0"/>
+          <a:ext cx="0" cy="0"/>
+          <a:chOff x="0" y="0"/>
+          <a:chExt cx="0" cy="0"/>
+        </a:xfrm>
+      </p:grpSpPr>
+      <p:sp>
+        <p:nvSpPr>
+          <p:cNvPr id="2" name="幻灯片图像占位符 1"/>
+          <p:cNvSpPr>
+            <a:spLocks noGrp="1" noRot="1" noChangeAspect="1"/>
+          </p:cNvSpPr>
+          <p:nvPr>
+            <p:ph type="sldImg"/>
+          </p:nvPr>
+        </p:nvSpPr>
+        <p:spPr/>
+      </p:sp>
+      <p:sp>
+        <p:nvSpPr>
+          <p:cNvPr id="3" name="备注占位符 2"/>
+          <p:cNvSpPr>
+            <a:spLocks noGrp="1"/>
+          </p:cNvSpPr>
+          <p:nvPr>
+            <p:ph type="body" idx="1"/>
+          </p:nvPr>
+        </p:nvSpPr>
+        <p:spPr/>
+        <p:txBody>
+          <a:bodyPr/>
+          <a:lstStyle/>
+          <a:p>
+            <a:endParaRPr lang="zh-CN" altLang="en-US" dirty="0"/>
+          </a:p>
+        </p:txBody>
+      </p:sp>
+      <p:sp>
+        <p:nvSpPr>
+          <p:cNvPr id="4" name="灯片编号占位符 3"/>
+          <p:cNvSpPr>
+            <a:spLocks noGrp="1"/>
+          </p:cNvSpPr>
+          <p:nvPr>
+            <p:ph type="sldNum" sz="quarter" idx="10"/>
+          </p:nvPr>
+        </p:nvSpPr>
+        <p:spPr/>
+        <p:txBody>
+          <a:bodyPr/>
+          <a:lstStyle/>
+          <a:p>
+            <a:fld id="{D9AFD278-84AA-4CAA-9049-809825956FE0}" type="slidenum">
+              <a:rPr lang="en-US" altLang="zh-CN" smtClean="0"/>
+            </a:fld>
+            <a:endParaRPr lang="zh-CN" altLang="zh-CN"/>
+          </a:p>
+        </p:txBody>
+      </p:sp>
+    </p:spTree>
+  </p:cSld>
+  <p:clrMapOvr>
+    <a:masterClrMapping/>
+  </p:clrMapOvr>
+</p:notes>
+</file>
+
+<file path=ppt/notesSlides/notesSlide4.xml><?xml version="1.0" encoding="utf-8"?>
+<p:notes xmlns:a="http://schemas.openxmlformats.org/drawingml/2006/main" xmlns:r="http://schemas.openxmlformats.org/officeDocument/2006/relationships" xmlns:p="http://schemas.openxmlformats.org/presentationml/2006/main">
+  <p:cSld>
+    <p:spTree>
+      <p:nvGrpSpPr>
+        <p:cNvPr id="1" name=""/>
+        <p:cNvGrpSpPr/>
+        <p:nvPr/>
+      </p:nvGrpSpPr>
+      <p:grpSpPr>
+        <a:xfrm>
+          <a:off x="0" y="0"/>
+          <a:ext cx="0" cy="0"/>
+          <a:chOff x="0" y="0"/>
+          <a:chExt cx="0" cy="0"/>
+        </a:xfrm>
+      </p:grpSpPr>
+      <p:sp>
+        <p:nvSpPr>
+          <p:cNvPr id="2" name="幻灯片图像占位符 1"/>
+          <p:cNvSpPr>
+            <a:spLocks noGrp="1" noRot="1" noChangeAspect="1"/>
+          </p:cNvSpPr>
+          <p:nvPr>
+            <p:ph type="sldImg"/>
+          </p:nvPr>
+        </p:nvSpPr>
+        <p:spPr/>
+      </p:sp>
+      <p:sp>
+        <p:nvSpPr>
+          <p:cNvPr id="3" name="备注占位符 2"/>
+          <p:cNvSpPr>
+            <a:spLocks noGrp="1"/>
+          </p:cNvSpPr>
+          <p:nvPr>
+            <p:ph type="body" idx="1"/>
+          </p:nvPr>
+        </p:nvSpPr>
+        <p:spPr/>
+        <p:txBody>
+          <a:bodyPr/>
+          <a:lstStyle/>
+          <a:p>
+            <a:r>
+              <a:rPr lang="zh-CN" altLang="en-US" dirty="0"/>
+              <a:t>增加 </a:t>
+            </a:r>
+            <a:r>
+              <a:rPr lang="en-US" altLang="zh-CN" dirty="0"/>
+              <a:t>max</a:t>
+            </a:r>
+            <a:r>
+              <a:rPr lang="zh-CN" altLang="en-US" dirty="0"/>
+              <a:t>（</a:t>
+            </a:r>
+            <a:r>
+              <a:rPr lang="en-US" altLang="zh-CN" dirty="0"/>
+              <a:t>1,0,0</a:t>
+            </a:r>
+            <a:r>
+              <a:rPr lang="zh-CN" altLang="en-US" dirty="0"/>
+              <a:t>）实例，增加逻辑判断</a:t>
+            </a:r>
+            <a:endParaRPr lang="zh-CN" altLang="en-US" dirty="0"/>
+          </a:p>
+        </p:txBody>
+      </p:sp>
+      <p:sp>
+        <p:nvSpPr>
+          <p:cNvPr id="4" name="灯片编号占位符 3"/>
+          <p:cNvSpPr>
+            <a:spLocks noGrp="1"/>
+          </p:cNvSpPr>
+          <p:nvPr>
+            <p:ph type="sldNum" sz="quarter" idx="10"/>
+          </p:nvPr>
+        </p:nvSpPr>
+        <p:spPr/>
+        <p:txBody>
+          <a:bodyPr/>
+          <a:lstStyle/>
+          <a:p>
+            <a:fld id="{D9AFD278-84AA-4CAA-9049-809825956FE0}" type="slidenum">
+              <a:rPr lang="en-US" altLang="zh-CN" smtClean="0"/>
+            </a:fld>
+            <a:endParaRPr lang="zh-CN" altLang="zh-CN"/>
+          </a:p>
+        </p:txBody>
+      </p:sp>
+    </p:spTree>
+  </p:cSld>
+  <p:clrMapOvr>
+    <a:masterClrMapping/>
+  </p:clrMapOvr>
+</p:notes>
+</file>
+
+<file path=ppt/notesSlides/notesSlide5.xml><?xml version="1.0" encoding="utf-8"?>
+<p:notes xmlns:a="http://schemas.openxmlformats.org/drawingml/2006/main" xmlns:r="http://schemas.openxmlformats.org/officeDocument/2006/relationships" xmlns:p="http://schemas.openxmlformats.org/presentationml/2006/main">
+  <p:cSld>
+    <p:spTree>
+      <p:nvGrpSpPr>
+        <p:cNvPr id="1" name=""/>
+        <p:cNvGrpSpPr/>
+        <p:nvPr/>
+      </p:nvGrpSpPr>
+      <p:grpSpPr>
+        <a:xfrm>
+          <a:off x="0" y="0"/>
+          <a:ext cx="0" cy="0"/>
+          <a:chOff x="0" y="0"/>
+          <a:chExt cx="0" cy="0"/>
+        </a:xfrm>
+      </p:grpSpPr>
+      <p:sp>
+        <p:nvSpPr>
+          <p:cNvPr id="2" name="幻灯片图像占位符 1"/>
+          <p:cNvSpPr>
+            <a:spLocks noGrp="1" noRot="1" noChangeAspect="1"/>
+          </p:cNvSpPr>
+          <p:nvPr>
+            <p:ph type="sldImg"/>
+          </p:nvPr>
+        </p:nvSpPr>
+        <p:spPr/>
+      </p:sp>
+      <p:sp>
+        <p:nvSpPr>
+          <p:cNvPr id="3" name="备注占位符 2"/>
+          <p:cNvSpPr>
+            <a:spLocks noGrp="1"/>
+          </p:cNvSpPr>
+          <p:nvPr>
+            <p:ph type="body" idx="1"/>
+          </p:nvPr>
+        </p:nvSpPr>
+        <p:spPr/>
+        <p:txBody>
+          <a:bodyPr/>
+          <a:lstStyle/>
+          <a:p>
+            <a:r>
+              <a:rPr lang="zh-CN" altLang="en-US" dirty="0"/>
+              <a:t>增加 </a:t>
+            </a:r>
+            <a:r>
+              <a:rPr lang="en-US" altLang="zh-CN" dirty="0"/>
+              <a:t>max</a:t>
+            </a:r>
+            <a:r>
+              <a:rPr lang="zh-CN" altLang="en-US" dirty="0"/>
+              <a:t>（</a:t>
+            </a:r>
+            <a:r>
+              <a:rPr lang="en-US" altLang="zh-CN" dirty="0"/>
+              <a:t>1,0,0</a:t>
+            </a:r>
+            <a:r>
+              <a:rPr lang="zh-CN" altLang="en-US" dirty="0"/>
+              <a:t>）实例，增加逻辑判断</a:t>
+            </a:r>
+            <a:endParaRPr lang="zh-CN" altLang="en-US" dirty="0"/>
+          </a:p>
+        </p:txBody>
+      </p:sp>
+      <p:sp>
+        <p:nvSpPr>
+          <p:cNvPr id="4" name="灯片编号占位符 3"/>
+          <p:cNvSpPr>
+            <a:spLocks noGrp="1"/>
+          </p:cNvSpPr>
+          <p:nvPr>
+            <p:ph type="sldNum" sz="quarter" idx="10"/>
+          </p:nvPr>
+        </p:nvSpPr>
+        <p:spPr/>
+        <p:txBody>
+          <a:bodyPr/>
+          <a:lstStyle/>
+          <a:p>
+            <a:fld id="{D9AFD278-84AA-4CAA-9049-809825956FE0}" type="slidenum">
+              <a:rPr lang="en-US" altLang="zh-CN" smtClean="0"/>
+            </a:fld>
+            <a:endParaRPr lang="zh-CN" altLang="zh-CN"/>
+          </a:p>
+        </p:txBody>
+      </p:sp>
+    </p:spTree>
+  </p:cSld>
+  <p:clrMapOvr>
+    <a:masterClrMapping/>
+  </p:clrMapOvr>
+</p:notes>
+</file>
+
+<file path=ppt/notesSlides/notesSlide6.xml><?xml version="1.0" encoding="utf-8"?>
+<p:notes xmlns:a="http://schemas.openxmlformats.org/drawingml/2006/main" xmlns:r="http://schemas.openxmlformats.org/officeDocument/2006/relationships" xmlns:p="http://schemas.openxmlformats.org/presentationml/2006/main">
+  <p:cSld>
+    <p:spTree>
+      <p:nvGrpSpPr>
+        <p:cNvPr id="1" name=""/>
+        <p:cNvGrpSpPr/>
+        <p:nvPr/>
+      </p:nvGrpSpPr>
+      <p:grpSpPr>
+        <a:xfrm>
+          <a:off x="0" y="0"/>
+          <a:ext cx="0" cy="0"/>
+          <a:chOff x="0" y="0"/>
+          <a:chExt cx="0" cy="0"/>
+        </a:xfrm>
+      </p:grpSpPr>
+      <p:sp>
+        <p:nvSpPr>
+          <p:cNvPr id="2" name="幻灯片图像占位符 1"/>
+          <p:cNvSpPr>
+            <a:spLocks noGrp="1" noRot="1" noChangeAspect="1"/>
+          </p:cNvSpPr>
+          <p:nvPr>
+            <p:ph type="sldImg"/>
+          </p:nvPr>
+        </p:nvSpPr>
+        <p:spPr/>
+      </p:sp>
+      <p:sp>
+        <p:nvSpPr>
+          <p:cNvPr id="3" name="备注占位符 2"/>
+          <p:cNvSpPr>
+            <a:spLocks noGrp="1"/>
+          </p:cNvSpPr>
+          <p:nvPr>
+            <p:ph type="body" idx="1"/>
+          </p:nvPr>
+        </p:nvSpPr>
+        <p:spPr/>
+        <p:txBody>
+          <a:bodyPr/>
+          <a:lstStyle/>
+          <a:p>
+            <a:r>
+              <a:rPr lang="zh-CN" altLang="en-US" dirty="0"/>
+              <a:t>增加 </a:t>
+            </a:r>
+            <a:r>
+              <a:rPr lang="en-US" altLang="zh-CN" dirty="0"/>
+              <a:t>max</a:t>
+            </a:r>
+            <a:r>
+              <a:rPr lang="zh-CN" altLang="en-US" dirty="0"/>
+              <a:t>（</a:t>
+            </a:r>
+            <a:r>
+              <a:rPr lang="en-US" altLang="zh-CN" dirty="0"/>
+              <a:t>1,0,0</a:t>
+            </a:r>
+            <a:r>
+              <a:rPr lang="zh-CN" altLang="en-US" dirty="0"/>
+              <a:t>）实例，增加逻辑判断</a:t>
+            </a:r>
+            <a:endParaRPr lang="zh-CN" altLang="en-US" dirty="0"/>
+          </a:p>
+        </p:txBody>
+      </p:sp>
+      <p:sp>
+        <p:nvSpPr>
+          <p:cNvPr id="4" name="灯片编号占位符 3"/>
+          <p:cNvSpPr>
+            <a:spLocks noGrp="1"/>
+          </p:cNvSpPr>
+          <p:nvPr>
+            <p:ph type="sldNum" sz="quarter" idx="10"/>
+          </p:nvPr>
+        </p:nvSpPr>
+        <p:spPr/>
+        <p:txBody>
+          <a:bodyPr/>
+          <a:lstStyle/>
+          <a:p>
+            <a:fld id="{D9AFD278-84AA-4CAA-9049-809825956FE0}" type="slidenum">
+              <a:rPr lang="en-US" altLang="zh-CN" smtClean="0"/>
+            </a:fld>
+            <a:endParaRPr lang="zh-CN" altLang="zh-CN"/>
+          </a:p>
+        </p:txBody>
+      </p:sp>
+    </p:spTree>
+  </p:cSld>
+  <p:clrMapOvr>
+    <a:masterClrMapping/>
+  </p:clrMapOvr>
+</p:notes>
+</file>
+
+<file path=ppt/notesSlides/notesSlide7.xml><?xml version="1.0" encoding="utf-8"?>
+<p:notes xmlns:a="http://schemas.openxmlformats.org/drawingml/2006/main" xmlns:r="http://schemas.openxmlformats.org/officeDocument/2006/relationships" xmlns:p="http://schemas.openxmlformats.org/presentationml/2006/main">
+  <p:cSld>
+    <p:spTree>
+      <p:nvGrpSpPr>
+        <p:cNvPr id="1" name=""/>
+        <p:cNvGrpSpPr/>
+        <p:nvPr/>
+      </p:nvGrpSpPr>
+      <p:grpSpPr>
+        <a:xfrm>
+          <a:off x="0" y="0"/>
+          <a:ext cx="0" cy="0"/>
+          <a:chOff x="0" y="0"/>
+          <a:chExt cx="0" cy="0"/>
+        </a:xfrm>
+      </p:grpSpPr>
+      <p:sp>
+        <p:nvSpPr>
+          <p:cNvPr id="2" name="幻灯片图像占位符 1"/>
+          <p:cNvSpPr>
+            <a:spLocks noGrp="1" noRot="1" noChangeAspect="1"/>
+          </p:cNvSpPr>
+          <p:nvPr>
+            <p:ph type="sldImg"/>
+          </p:nvPr>
+        </p:nvSpPr>
+        <p:spPr/>
+      </p:sp>
+      <p:sp>
+        <p:nvSpPr>
+          <p:cNvPr id="3" name="备注占位符 2"/>
+          <p:cNvSpPr>
+            <a:spLocks noGrp="1"/>
+          </p:cNvSpPr>
+          <p:nvPr>
+            <p:ph type="body" idx="1"/>
+          </p:nvPr>
+        </p:nvSpPr>
+        <p:spPr/>
+        <p:txBody>
+          <a:bodyPr/>
+          <a:lstStyle/>
+          <a:p>
+            <a:r>
+              <a:rPr lang="zh-CN" altLang="en-US" dirty="0"/>
+              <a:t>增加 </a:t>
+            </a:r>
+            <a:r>
+              <a:rPr lang="en-US" altLang="zh-CN" dirty="0"/>
+              <a:t>max</a:t>
+            </a:r>
+            <a:r>
+              <a:rPr lang="zh-CN" altLang="en-US" dirty="0"/>
+              <a:t>（</a:t>
+            </a:r>
+            <a:r>
+              <a:rPr lang="en-US" altLang="zh-CN" dirty="0"/>
+              <a:t>1,0,0</a:t>
+            </a:r>
+            <a:r>
+              <a:rPr lang="zh-CN" altLang="en-US" dirty="0"/>
+              <a:t>）实例，增加逻辑判断</a:t>
+            </a:r>
+            <a:endParaRPr lang="zh-CN" altLang="en-US" dirty="0"/>
+          </a:p>
+        </p:txBody>
+      </p:sp>
+      <p:sp>
+        <p:nvSpPr>
+          <p:cNvPr id="4" name="灯片编号占位符 3"/>
+          <p:cNvSpPr>
+            <a:spLocks noGrp="1"/>
+          </p:cNvSpPr>
+          <p:nvPr>
+            <p:ph type="sldNum" sz="quarter" idx="10"/>
+          </p:nvPr>
+        </p:nvSpPr>
+        <p:spPr/>
+        <p:txBody>
+          <a:bodyPr/>
+          <a:lstStyle/>
+          <a:p>
+            <a:fld id="{D9AFD278-84AA-4CAA-9049-809825956FE0}" type="slidenum">
+              <a:rPr lang="en-US" altLang="zh-CN" smtClean="0"/>
+            </a:fld>
+            <a:endParaRPr lang="zh-CN" altLang="zh-CN"/>
+          </a:p>
+        </p:txBody>
+      </p:sp>
+    </p:spTree>
+  </p:cSld>
+  <p:clrMapOvr>
+    <a:masterClrMapping/>
+  </p:clrMapOvr>
+</p:notes>
+</file>
+
+<file path=ppt/notesSlides/notesSlide8.xml><?xml version="1.0" encoding="utf-8"?>
+<p:notes xmlns:a="http://schemas.openxmlformats.org/drawingml/2006/main" xmlns:r="http://schemas.openxmlformats.org/officeDocument/2006/relationships" xmlns:p="http://schemas.openxmlformats.org/presentationml/2006/main">
+  <p:cSld>
+    <p:spTree>
+      <p:nvGrpSpPr>
+        <p:cNvPr id="1" name=""/>
+        <p:cNvGrpSpPr/>
+        <p:nvPr/>
+      </p:nvGrpSpPr>
+      <p:grpSpPr>
+        <a:xfrm>
+          <a:off x="0" y="0"/>
+          <a:ext cx="0" cy="0"/>
+          <a:chOff x="0" y="0"/>
+          <a:chExt cx="0" cy="0"/>
+        </a:xfrm>
+      </p:grpSpPr>
+      <p:sp>
+        <p:nvSpPr>
+          <p:cNvPr id="2" name="幻灯片图像占位符 1"/>
+          <p:cNvSpPr>
+            <a:spLocks noGrp="1" noRot="1" noChangeAspect="1"/>
+          </p:cNvSpPr>
+          <p:nvPr>
+            <p:ph type="sldImg"/>
+          </p:nvPr>
+        </p:nvSpPr>
+        <p:spPr/>
+      </p:sp>
+      <p:sp>
+        <p:nvSpPr>
+          <p:cNvPr id="3" name="备注占位符 2"/>
+          <p:cNvSpPr>
+            <a:spLocks noGrp="1"/>
+          </p:cNvSpPr>
+          <p:nvPr>
+            <p:ph type="body" idx="1"/>
+          </p:nvPr>
+        </p:nvSpPr>
+        <p:spPr/>
+        <p:txBody>
+          <a:bodyPr/>
+          <a:lstStyle/>
+          <a:p>
+            <a:r>
+              <a:rPr lang="zh-CN" altLang="en-US" dirty="0"/>
+              <a:t>增加 </a:t>
+            </a:r>
+            <a:r>
+              <a:rPr lang="en-US" altLang="zh-CN" dirty="0"/>
+              <a:t>max</a:t>
+            </a:r>
+            <a:r>
+              <a:rPr lang="zh-CN" altLang="en-US" dirty="0"/>
+              <a:t>（</a:t>
+            </a:r>
+            <a:r>
+              <a:rPr lang="en-US" altLang="zh-CN" dirty="0"/>
+              <a:t>1,0,0</a:t>
+            </a:r>
+            <a:r>
+              <a:rPr lang="zh-CN" altLang="en-US" dirty="0"/>
+              <a:t>）实例，增加逻辑判断</a:t>
+            </a:r>
+            <a:endParaRPr lang="zh-CN" altLang="en-US" dirty="0"/>
+          </a:p>
+        </p:txBody>
+      </p:sp>
+      <p:sp>
+        <p:nvSpPr>
+          <p:cNvPr id="4" name="灯片编号占位符 3"/>
+          <p:cNvSpPr>
+            <a:spLocks noGrp="1"/>
+          </p:cNvSpPr>
+          <p:nvPr>
+            <p:ph type="sldNum" sz="quarter" idx="10"/>
+          </p:nvPr>
+        </p:nvSpPr>
+        <p:spPr/>
+        <p:txBody>
+          <a:bodyPr/>
+          <a:lstStyle/>
+          <a:p>
+            <a:fld id="{D9AFD278-84AA-4CAA-9049-809825956FE0}" type="slidenum">
+              <a:rPr lang="en-US" altLang="zh-CN" smtClean="0"/>
+            </a:fld>
+            <a:endParaRPr lang="zh-CN" altLang="zh-CN"/>
+          </a:p>
+        </p:txBody>
+      </p:sp>
+    </p:spTree>
+  </p:cSld>
+  <p:clrMapOvr>
+    <a:masterClrMapping/>
+  </p:clrMapOvr>
+</p:notes>
+</file>
+
+<file path=ppt/notesSlides/notesSlide9.xml><?xml version="1.0" encoding="utf-8"?>
 <p:notes xmlns:a="http://schemas.openxmlformats.org/drawingml/2006/main" xmlns:r="http://schemas.openxmlformats.org/officeDocument/2006/relationships" xmlns:p="http://schemas.openxmlformats.org/presentationml/2006/main">
   <p:cSld>
     <p:spTree>
@@ -2900,173 +3655,6 @@
       </p:pic>
       <p:sp>
         <p:nvSpPr>
-          <p:cNvPr id="2" name="TextBox 4"/>
-          <p:cNvSpPr txBox="1">
-            <a:spLocks noChangeArrowheads="1"/>
-          </p:cNvSpPr>
-          <p:nvPr/>
-        </p:nvSpPr>
-        <p:spPr bwMode="auto">
-          <a:xfrm>
-            <a:off x="4814571" y="4430395"/>
-            <a:ext cx="5286375" cy="583565"/>
-          </a:xfrm>
-          <a:prstGeom prst="rect">
-            <a:avLst/>
-          </a:prstGeom>
-          <a:noFill/>
-          <a:ln>
-            <a:noFill/>
-          </a:ln>
-          <a:extLst>
-            <a:ext uri="{909E8E84-426E-40DD-AFC4-6F175D3DCCD1}">
-              <a14:hiddenFill xmlns:a14="http://schemas.microsoft.com/office/drawing/2010/main">
-                <a:solidFill>
-                  <a:srgbClr val="FFFFFF"/>
-                </a:solidFill>
-              </a14:hiddenFill>
-            </a:ext>
-            <a:ext uri="{91240B29-F687-4F45-9708-019B960494DF}">
-              <a14:hiddenLine xmlns:a14="http://schemas.microsoft.com/office/drawing/2010/main" w="9525">
-                <a:solidFill>
-                  <a:srgbClr val="000000"/>
-                </a:solidFill>
-                <a:miter lim="800000"/>
-                <a:headEnd/>
-                <a:tailEnd/>
-              </a14:hiddenLine>
-            </a:ext>
-          </a:extLst>
-        </p:spPr>
-        <p:txBody>
-          <a:bodyPr>
-            <a:spAutoFit/>
-          </a:bodyPr>
-          <a:lstStyle>
-            <a:lvl1pPr>
-              <a:defRPr sz="3200">
-                <a:solidFill>
-                  <a:schemeClr val="tx1"/>
-                </a:solidFill>
-                <a:latin typeface="Arial" panose="020B0604020202020204" pitchFamily="34" charset="0"/>
-                <a:ea typeface="微软雅黑" panose="020B0503020204020204" pitchFamily="34" charset="-122"/>
-              </a:defRPr>
-            </a:lvl1pPr>
-            <a:lvl2pPr marL="742950" indent="-285750">
-              <a:defRPr sz="3200">
-                <a:solidFill>
-                  <a:schemeClr val="tx1"/>
-                </a:solidFill>
-                <a:latin typeface="Arial" panose="020B0604020202020204" pitchFamily="34" charset="0"/>
-                <a:ea typeface="微软雅黑" panose="020B0503020204020204" pitchFamily="34" charset="-122"/>
-              </a:defRPr>
-            </a:lvl2pPr>
-            <a:lvl3pPr marL="1143000" indent="-228600">
-              <a:defRPr sz="3200">
-                <a:solidFill>
-                  <a:schemeClr val="tx1"/>
-                </a:solidFill>
-                <a:latin typeface="Arial" panose="020B0604020202020204" pitchFamily="34" charset="0"/>
-                <a:ea typeface="微软雅黑" panose="020B0503020204020204" pitchFamily="34" charset="-122"/>
-              </a:defRPr>
-            </a:lvl3pPr>
-            <a:lvl4pPr marL="1600200" indent="-228600">
-              <a:defRPr sz="3200">
-                <a:solidFill>
-                  <a:schemeClr val="tx1"/>
-                </a:solidFill>
-                <a:latin typeface="Arial" panose="020B0604020202020204" pitchFamily="34" charset="0"/>
-                <a:ea typeface="微软雅黑" panose="020B0503020204020204" pitchFamily="34" charset="-122"/>
-              </a:defRPr>
-            </a:lvl4pPr>
-            <a:lvl5pPr marL="2057400" indent="-228600">
-              <a:defRPr sz="3200">
-                <a:solidFill>
-                  <a:schemeClr val="tx1"/>
-                </a:solidFill>
-                <a:latin typeface="Arial" panose="020B0604020202020204" pitchFamily="34" charset="0"/>
-                <a:ea typeface="微软雅黑" panose="020B0503020204020204" pitchFamily="34" charset="-122"/>
-              </a:defRPr>
-            </a:lvl5pPr>
-            <a:lvl6pPr marL="2514600" indent="-228600" eaLnBrk="0" fontAlgn="base" hangingPunct="0">
-              <a:spcBef>
-                <a:spcPct val="0"/>
-              </a:spcBef>
-              <a:spcAft>
-                <a:spcPct val="0"/>
-              </a:spcAft>
-              <a:defRPr sz="3200">
-                <a:solidFill>
-                  <a:schemeClr val="tx1"/>
-                </a:solidFill>
-                <a:latin typeface="Arial" panose="020B0604020202020204" pitchFamily="34" charset="0"/>
-                <a:ea typeface="微软雅黑" panose="020B0503020204020204" pitchFamily="34" charset="-122"/>
-              </a:defRPr>
-            </a:lvl6pPr>
-            <a:lvl7pPr marL="2971800" indent="-228600" eaLnBrk="0" fontAlgn="base" hangingPunct="0">
-              <a:spcBef>
-                <a:spcPct val="0"/>
-              </a:spcBef>
-              <a:spcAft>
-                <a:spcPct val="0"/>
-              </a:spcAft>
-              <a:defRPr sz="3200">
-                <a:solidFill>
-                  <a:schemeClr val="tx1"/>
-                </a:solidFill>
-                <a:latin typeface="Arial" panose="020B0604020202020204" pitchFamily="34" charset="0"/>
-                <a:ea typeface="微软雅黑" panose="020B0503020204020204" pitchFamily="34" charset="-122"/>
-              </a:defRPr>
-            </a:lvl7pPr>
-            <a:lvl8pPr marL="3429000" indent="-228600" eaLnBrk="0" fontAlgn="base" hangingPunct="0">
-              <a:spcBef>
-                <a:spcPct val="0"/>
-              </a:spcBef>
-              <a:spcAft>
-                <a:spcPct val="0"/>
-              </a:spcAft>
-              <a:defRPr sz="3200">
-                <a:solidFill>
-                  <a:schemeClr val="tx1"/>
-                </a:solidFill>
-                <a:latin typeface="Arial" panose="020B0604020202020204" pitchFamily="34" charset="0"/>
-                <a:ea typeface="微软雅黑" panose="020B0503020204020204" pitchFamily="34" charset="-122"/>
-              </a:defRPr>
-            </a:lvl8pPr>
-            <a:lvl9pPr marL="3886200" indent="-228600" eaLnBrk="0" fontAlgn="base" hangingPunct="0">
-              <a:spcBef>
-                <a:spcPct val="0"/>
-              </a:spcBef>
-              <a:spcAft>
-                <a:spcPct val="0"/>
-              </a:spcAft>
-              <a:defRPr sz="3200">
-                <a:solidFill>
-                  <a:schemeClr val="tx1"/>
-                </a:solidFill>
-                <a:latin typeface="Arial" panose="020B0604020202020204" pitchFamily="34" charset="0"/>
-                <a:ea typeface="微软雅黑" panose="020B0503020204020204" pitchFamily="34" charset="-122"/>
-              </a:defRPr>
-            </a:lvl9pPr>
-          </a:lstStyle>
-          <a:p>
-            <a:r>
-              <a:rPr lang="en-US" altLang="zh-CN">
-                <a:latin typeface="微软雅黑" panose="020B0503020204020204" pitchFamily="34" charset="-122"/>
-                <a:ea typeface="宋体" panose="02010600030101010101" pitchFamily="2" charset="-122"/>
-              </a:rPr>
-              <a:t>---Promise</a:t>
-            </a:r>
-            <a:endParaRPr lang="en-US" altLang="zh-CN">
-              <a:latin typeface="微软雅黑" panose="020B0503020204020204" pitchFamily="34" charset="-122"/>
-              <a:ea typeface="宋体" panose="02010600030101010101" pitchFamily="2" charset="-122"/>
-              <a:sym typeface="+mn-ea"/>
-            </a:endParaRPr>
-          </a:p>
-        </p:txBody>
-      </p:sp>
-      <p:sp>
-        <p:nvSpPr>
           <p:cNvPr id="3" name="TextBox 4"/>
           <p:cNvSpPr txBox="1">
             <a:spLocks noChangeArrowheads="1"/>
@@ -3248,7 +3836,7 @@
 </p:sld>
 </file>
 
-<file path=ppt/slides/slide2.xml><?xml version="1.0" encoding="utf-8"?>
+<file path=ppt/slides/slide10.xml><?xml version="1.0" encoding="utf-8"?>
 <p:sld xmlns:a="http://schemas.openxmlformats.org/drawingml/2006/main" xmlns:r="http://schemas.openxmlformats.org/officeDocument/2006/relationships" xmlns:p="http://schemas.openxmlformats.org/presentationml/2006/main">
   <p:cSld>
     <p:spTree>
@@ -3265,178 +3853,486 @@
           <a:chExt cx="0" cy="0"/>
         </a:xfrm>
       </p:grpSpPr>
-      <p:pic>
-        <p:nvPicPr>
-          <p:cNvPr id="38914" name="Picture 5"/>
-          <p:cNvPicPr>
-            <a:picLocks noChangeAspect="1" noChangeArrowheads="1"/>
-          </p:cNvPicPr>
+      <p:sp>
+        <p:nvSpPr>
+          <p:cNvPr id="5123" name="AutoShape 6"/>
+          <p:cNvSpPr>
+            <a:spLocks noChangeArrowheads="1"/>
+          </p:cNvSpPr>
           <p:nvPr/>
-        </p:nvPicPr>
-        <p:blipFill>
-          <a:blip r:embed="rId1">
-            <a:extLst>
-              <a:ext uri="{28A0092B-C50C-407E-A947-70E740481C1C}">
-                <a14:useLocalDpi xmlns:a14="http://schemas.microsoft.com/office/drawing/2010/main" val="0"/>
-              </a:ext>
-            </a:extLst>
-          </a:blip>
-          <a:srcRect/>
-          <a:stretch>
-            <a:fillRect/>
-          </a:stretch>
-        </p:blipFill>
+        </p:nvSpPr>
         <p:spPr bwMode="auto">
           <a:xfrm>
-            <a:off x="0" y="0"/>
-            <a:ext cx="12192000" cy="6858000"/>
+            <a:off x="2566988" y="1339851"/>
+            <a:ext cx="6711950" cy="4214813"/>
+          </a:xfrm>
+          <a:prstGeom prst="roundRect">
+            <a:avLst>
+              <a:gd name="adj" fmla="val 16667"/>
+            </a:avLst>
+          </a:prstGeom>
+          <a:noFill/>
+          <a:ln w="28575">
+            <a:solidFill>
+              <a:srgbClr val="C0C0C0"/>
+            </a:solidFill>
+            <a:prstDash val="sysDot"/>
+            <a:round/>
+          </a:ln>
+          <a:extLst>
+            <a:ext uri="{909E8E84-426E-40DD-AFC4-6F175D3DCCD1}">
+              <a14:hiddenFill xmlns:a14="http://schemas.microsoft.com/office/drawing/2010/main">
+                <a:solidFill>
+                  <a:srgbClr val="FFFFFF"/>
+                </a:solidFill>
+              </a14:hiddenFill>
+            </a:ext>
+          </a:extLst>
+        </p:spPr>
+        <p:txBody>
+          <a:bodyPr wrap="none" anchor="ctr"/>
+          <a:lstStyle>
+            <a:lvl1pPr marL="457200" indent="-457200">
+              <a:defRPr sz="3200">
+                <a:solidFill>
+                  <a:schemeClr val="tx1"/>
+                </a:solidFill>
+                <a:latin typeface="Arial" panose="020B0604020202020204" pitchFamily="34" charset="0"/>
+                <a:ea typeface="微软雅黑" panose="020B0503020204020204" pitchFamily="34" charset="-122"/>
+              </a:defRPr>
+            </a:lvl1pPr>
+            <a:lvl2pPr marL="742950" indent="-285750">
+              <a:defRPr sz="3200">
+                <a:solidFill>
+                  <a:schemeClr val="tx1"/>
+                </a:solidFill>
+                <a:latin typeface="Arial" panose="020B0604020202020204" pitchFamily="34" charset="0"/>
+                <a:ea typeface="微软雅黑" panose="020B0503020204020204" pitchFamily="34" charset="-122"/>
+              </a:defRPr>
+            </a:lvl2pPr>
+            <a:lvl3pPr marL="1143000" indent="-228600">
+              <a:defRPr sz="3200">
+                <a:solidFill>
+                  <a:schemeClr val="tx1"/>
+                </a:solidFill>
+                <a:latin typeface="Arial" panose="020B0604020202020204" pitchFamily="34" charset="0"/>
+                <a:ea typeface="微软雅黑" panose="020B0503020204020204" pitchFamily="34" charset="-122"/>
+              </a:defRPr>
+            </a:lvl3pPr>
+            <a:lvl4pPr marL="1600200" indent="-228600">
+              <a:defRPr sz="3200">
+                <a:solidFill>
+                  <a:schemeClr val="tx1"/>
+                </a:solidFill>
+                <a:latin typeface="Arial" panose="020B0604020202020204" pitchFamily="34" charset="0"/>
+                <a:ea typeface="微软雅黑" panose="020B0503020204020204" pitchFamily="34" charset="-122"/>
+              </a:defRPr>
+            </a:lvl4pPr>
+            <a:lvl5pPr marL="2057400" indent="-228600">
+              <a:defRPr sz="3200">
+                <a:solidFill>
+                  <a:schemeClr val="tx1"/>
+                </a:solidFill>
+                <a:latin typeface="Arial" panose="020B0604020202020204" pitchFamily="34" charset="0"/>
+                <a:ea typeface="微软雅黑" panose="020B0503020204020204" pitchFamily="34" charset="-122"/>
+              </a:defRPr>
+            </a:lvl5pPr>
+            <a:lvl6pPr marL="2514600" indent="-228600" eaLnBrk="0" fontAlgn="base" hangingPunct="0">
+              <a:spcBef>
+                <a:spcPct val="0"/>
+              </a:spcBef>
+              <a:spcAft>
+                <a:spcPct val="0"/>
+              </a:spcAft>
+              <a:defRPr sz="3200">
+                <a:solidFill>
+                  <a:schemeClr val="tx1"/>
+                </a:solidFill>
+                <a:latin typeface="Arial" panose="020B0604020202020204" pitchFamily="34" charset="0"/>
+                <a:ea typeface="微软雅黑" panose="020B0503020204020204" pitchFamily="34" charset="-122"/>
+              </a:defRPr>
+            </a:lvl6pPr>
+            <a:lvl7pPr marL="2971800" indent="-228600" eaLnBrk="0" fontAlgn="base" hangingPunct="0">
+              <a:spcBef>
+                <a:spcPct val="0"/>
+              </a:spcBef>
+              <a:spcAft>
+                <a:spcPct val="0"/>
+              </a:spcAft>
+              <a:defRPr sz="3200">
+                <a:solidFill>
+                  <a:schemeClr val="tx1"/>
+                </a:solidFill>
+                <a:latin typeface="Arial" panose="020B0604020202020204" pitchFamily="34" charset="0"/>
+                <a:ea typeface="微软雅黑" panose="020B0503020204020204" pitchFamily="34" charset="-122"/>
+              </a:defRPr>
+            </a:lvl7pPr>
+            <a:lvl8pPr marL="3429000" indent="-228600" eaLnBrk="0" fontAlgn="base" hangingPunct="0">
+              <a:spcBef>
+                <a:spcPct val="0"/>
+              </a:spcBef>
+              <a:spcAft>
+                <a:spcPct val="0"/>
+              </a:spcAft>
+              <a:defRPr sz="3200">
+                <a:solidFill>
+                  <a:schemeClr val="tx1"/>
+                </a:solidFill>
+                <a:latin typeface="Arial" panose="020B0604020202020204" pitchFamily="34" charset="0"/>
+                <a:ea typeface="微软雅黑" panose="020B0503020204020204" pitchFamily="34" charset="-122"/>
+              </a:defRPr>
+            </a:lvl8pPr>
+            <a:lvl9pPr marL="3886200" indent="-228600" eaLnBrk="0" fontAlgn="base" hangingPunct="0">
+              <a:spcBef>
+                <a:spcPct val="0"/>
+              </a:spcBef>
+              <a:spcAft>
+                <a:spcPct val="0"/>
+              </a:spcAft>
+              <a:defRPr sz="3200">
+                <a:solidFill>
+                  <a:schemeClr val="tx1"/>
+                </a:solidFill>
+                <a:latin typeface="Arial" panose="020B0604020202020204" pitchFamily="34" charset="0"/>
+                <a:ea typeface="微软雅黑" panose="020B0503020204020204" pitchFamily="34" charset="-122"/>
+              </a:defRPr>
+            </a:lvl9pPr>
+          </a:lstStyle>
+          <a:p>
+            <a:pPr algn="l">
+              <a:lnSpc>
+                <a:spcPct val="150000"/>
+              </a:lnSpc>
+              <a:spcBef>
+                <a:spcPts val="1200"/>
+              </a:spcBef>
+              <a:spcAft>
+                <a:spcPts val="1200"/>
+              </a:spcAft>
+              <a:buClr>
+                <a:srgbClr val="92D050"/>
+              </a:buClr>
+              <a:buFont typeface="Wingdings" panose="05000000000000000000" pitchFamily="2" charset="2"/>
+              <a:buChar char="Ø"/>
+            </a:pPr>
+            <a:r>
+              <a:rPr lang="en-US" sz="2800" b="1">
+                <a:solidFill>
+                  <a:schemeClr val="tx1"/>
+                </a:solidFill>
+              </a:rPr>
+              <a:t>ES6 Class</a:t>
+            </a:r>
+            <a:r>
+              <a:rPr lang="zh-CN" altLang="en-US" sz="2800" b="1">
+                <a:solidFill>
+                  <a:schemeClr val="tx1"/>
+                </a:solidFill>
+              </a:rPr>
+              <a:t>基本语法</a:t>
+            </a:r>
+            <a:endParaRPr lang="zh-CN" altLang="en-US" sz="2800" b="1">
+              <a:solidFill>
+                <a:schemeClr val="tx1"/>
+              </a:solidFill>
+            </a:endParaRPr>
+          </a:p>
+          <a:p>
+            <a:pPr algn="l">
+              <a:lnSpc>
+                <a:spcPct val="150000"/>
+              </a:lnSpc>
+              <a:spcBef>
+                <a:spcPts val="1200"/>
+              </a:spcBef>
+              <a:spcAft>
+                <a:spcPts val="1200"/>
+              </a:spcAft>
+              <a:buClr>
+                <a:srgbClr val="92D050"/>
+              </a:buClr>
+              <a:buFont typeface="Wingdings" panose="05000000000000000000" pitchFamily="2" charset="2"/>
+              <a:buChar char="Ø"/>
+            </a:pPr>
+            <a:r>
+              <a:rPr lang="en-US" altLang="zh-CN" sz="2800" b="1">
+                <a:solidFill>
+                  <a:schemeClr val="tx1"/>
+                </a:solidFill>
+              </a:rPr>
+              <a:t>ES6 Class</a:t>
+            </a:r>
+            <a:r>
+              <a:rPr lang="zh-CN" altLang="en-US" sz="2800" b="1">
+                <a:solidFill>
+                  <a:schemeClr val="tx1"/>
+                </a:solidFill>
+              </a:rPr>
+              <a:t>静态方法、静态属性</a:t>
+            </a:r>
+            <a:endParaRPr lang="zh-CN" altLang="en-US" sz="2800" b="1">
+              <a:solidFill>
+                <a:schemeClr val="tx1"/>
+              </a:solidFill>
+            </a:endParaRPr>
+          </a:p>
+          <a:p>
+            <a:pPr algn="l">
+              <a:lnSpc>
+                <a:spcPct val="150000"/>
+              </a:lnSpc>
+              <a:spcBef>
+                <a:spcPts val="1200"/>
+              </a:spcBef>
+              <a:spcAft>
+                <a:spcPts val="1200"/>
+              </a:spcAft>
+              <a:buClr>
+                <a:srgbClr val="92D050"/>
+              </a:buClr>
+              <a:buFont typeface="Wingdings" panose="05000000000000000000" pitchFamily="2" charset="2"/>
+              <a:buChar char="Ø"/>
+            </a:pPr>
+            <a:r>
+              <a:rPr lang="en-US" sz="2800" b="1">
+                <a:solidFill>
+                  <a:schemeClr val="accent3"/>
+                </a:solidFill>
+                <a:sym typeface="+mn-ea"/>
+              </a:rPr>
+              <a:t>ES6 Class</a:t>
+            </a:r>
+            <a:r>
+              <a:rPr lang="zh-CN" altLang="en-US" sz="2800" b="1">
+                <a:solidFill>
+                  <a:schemeClr val="accent3"/>
+                </a:solidFill>
+                <a:sym typeface="+mn-ea"/>
+              </a:rPr>
+              <a:t>的继承</a:t>
+            </a:r>
+            <a:endParaRPr lang="zh-CN" altLang="en-US" sz="2800" b="1"/>
+          </a:p>
+        </p:txBody>
+      </p:sp>
+      <p:sp>
+        <p:nvSpPr>
+          <p:cNvPr id="4" name="内容占位符 3"/>
+          <p:cNvSpPr txBox="1"/>
+          <p:nvPr/>
+        </p:nvSpPr>
+        <p:spPr>
+          <a:xfrm>
+            <a:off x="981657" y="236943"/>
+            <a:ext cx="8191557" cy="490476"/>
           </a:xfrm>
           <a:prstGeom prst="rect">
             <a:avLst/>
           </a:prstGeom>
-          <a:noFill/>
-          <a:ln>
-            <a:noFill/>
-          </a:ln>
-          <a:extLst>
-            <a:ext uri="{909E8E84-426E-40DD-AFC4-6F175D3DCCD1}">
-              <a14:hiddenFill xmlns:a14="http://schemas.microsoft.com/office/drawing/2010/main">
-                <a:solidFill>
-                  <a:srgbClr val="FFFFFF"/>
-                </a:solidFill>
-              </a14:hiddenFill>
-            </a:ext>
-            <a:ext uri="{91240B29-F687-4F45-9708-019B960494DF}">
-              <a14:hiddenLine xmlns:a14="http://schemas.microsoft.com/office/drawing/2010/main" w="9525">
-                <a:solidFill>
-                  <a:srgbClr val="000000"/>
-                </a:solidFill>
-                <a:miter lim="800000"/>
-                <a:headEnd/>
-                <a:tailEnd/>
-              </a14:hiddenLine>
-            </a:ext>
-          </a:extLst>
-        </p:spPr>
-      </p:pic>
-      <p:sp>
-        <p:nvSpPr>
-          <p:cNvPr id="38915" name="Rectangle 6"/>
-          <p:cNvSpPr>
-            <a:spLocks noGrp="1" noChangeArrowheads="1"/>
-          </p:cNvSpPr>
-          <p:nvPr>
-            <p:ph type="ctrTitle" idx="4294967295"/>
-          </p:nvPr>
-        </p:nvSpPr>
-        <p:spPr bwMode="auto">
-          <a:xfrm>
-            <a:off x="2547041" y="3068835"/>
-            <a:ext cx="7097918" cy="1285875"/>
-          </a:xfrm>
-          <a:prstGeom prst="rect">
-            <a:avLst/>
-          </a:prstGeom>
-          <a:noFill/>
-          <a:extLst>
-            <a:ext uri="{909E8E84-426E-40DD-AFC4-6F175D3DCCD1}">
-              <a14:hiddenFill xmlns:a14="http://schemas.microsoft.com/office/drawing/2010/main">
-                <a:solidFill>
-                  <a:srgbClr val="FFFFFF"/>
-                </a:solidFill>
-              </a14:hiddenFill>
-            </a:ext>
-            <a:ext uri="{91240B29-F687-4F45-9708-019B960494DF}">
-              <a14:hiddenLine xmlns:a14="http://schemas.microsoft.com/office/drawing/2010/main" w="9525">
-                <a:solidFill>
-                  <a:srgbClr val="000000"/>
-                </a:solidFill>
-                <a:miter lim="800000"/>
-                <a:headEnd/>
-                <a:tailEnd/>
-              </a14:hiddenLine>
-            </a:ext>
-          </a:extLst>
         </p:spPr>
         <p:txBody>
-          <a:bodyPr anchor="b"/>
-          <a:lstStyle/>
-          <a:p>
-            <a:pPr algn="ctr" eaLnBrk="1" hangingPunct="1"/>
-            <a:r>
-              <a:rPr kumimoji="0" lang="en-US" altLang="zh-CN" sz="5400" dirty="0"/>
-              <a:t>Thank </a:t>
-            </a:r>
-            <a:r>
-              <a:rPr kumimoji="0" lang="en-US" altLang="zh-CN" sz="5400" dirty="0">
-                <a:solidFill>
-                  <a:srgbClr val="FF0000"/>
-                </a:solidFill>
-              </a:rPr>
-              <a:t>You</a:t>
-            </a:r>
-            <a:r>
-              <a:rPr kumimoji="0" lang="zh-CN" altLang="en-US" sz="5400" dirty="0"/>
-              <a:t>！</a:t>
-            </a:r>
-            <a:endParaRPr kumimoji="0" lang="zh-CN" altLang="zh-CN" sz="5400" dirty="0"/>
+          <a:bodyPr/>
+          <a:lstStyle>
+            <a:lvl1pPr marL="167005" indent="-167005" algn="l" defTabSz="0" rtl="0" eaLnBrk="0" fontAlgn="base" hangingPunct="0">
+              <a:spcBef>
+                <a:spcPct val="0"/>
+              </a:spcBef>
+              <a:spcAft>
+                <a:spcPct val="15000"/>
+              </a:spcAft>
+              <a:buClr>
+                <a:schemeClr val="tx2"/>
+              </a:buClr>
+              <a:buFont typeface="Arial" panose="020B0604020202020204" pitchFamily="34" charset="0"/>
+              <a:buChar char="•"/>
+              <a:defRPr kumimoji="1" sz="1600">
+                <a:solidFill>
+                  <a:srgbClr val="006F53"/>
+                </a:solidFill>
+                <a:latin typeface="微软雅黑" panose="020B0503020204020204" pitchFamily="34" charset="-122"/>
+                <a:ea typeface="微软雅黑" panose="020B0503020204020204" pitchFamily="34" charset="-122"/>
+                <a:cs typeface="微软雅黑" panose="020B0503020204020204" pitchFamily="34" charset="-122"/>
+              </a:defRPr>
+            </a:lvl1pPr>
+            <a:lvl2pPr marL="398780" indent="-230505" algn="l" defTabSz="0" rtl="0" eaLnBrk="0" fontAlgn="base" hangingPunct="0">
+              <a:spcBef>
+                <a:spcPct val="0"/>
+              </a:spcBef>
+              <a:spcAft>
+                <a:spcPct val="15000"/>
+              </a:spcAft>
+              <a:buClr>
+                <a:schemeClr val="tx2"/>
+              </a:buClr>
+              <a:buFont typeface="Arial" panose="020B0604020202020204" pitchFamily="34" charset="0"/>
+              <a:buChar char="–"/>
+              <a:defRPr kumimoji="1" sz="2800">
+                <a:solidFill>
+                  <a:schemeClr val="bg2"/>
+                </a:solidFill>
+                <a:latin typeface="微软雅黑" panose="020B0503020204020204" pitchFamily="34" charset="-122"/>
+                <a:ea typeface="微软雅黑" panose="020B0503020204020204" pitchFamily="34" charset="-122"/>
+                <a:cs typeface="微软雅黑" panose="020B0503020204020204" pitchFamily="34" charset="-122"/>
+              </a:defRPr>
+            </a:lvl2pPr>
+            <a:lvl3pPr marL="400050" indent="182880" algn="l" defTabSz="0" rtl="0" eaLnBrk="0" fontAlgn="base" hangingPunct="0">
+              <a:spcBef>
+                <a:spcPct val="0"/>
+              </a:spcBef>
+              <a:spcAft>
+                <a:spcPct val="15000"/>
+              </a:spcAft>
+              <a:buClr>
+                <a:schemeClr val="tx2"/>
+              </a:buClr>
+              <a:buFont typeface="Arial" panose="020B0604020202020204" pitchFamily="34" charset="0"/>
+              <a:buChar char="•"/>
+              <a:defRPr kumimoji="1" sz="1600">
+                <a:solidFill>
+                  <a:schemeClr val="bg2"/>
+                </a:solidFill>
+                <a:latin typeface="微软雅黑" panose="020B0503020204020204" pitchFamily="34" charset="-122"/>
+                <a:ea typeface="微软雅黑" panose="020B0503020204020204" pitchFamily="34" charset="-122"/>
+                <a:cs typeface="微软雅黑" panose="020B0503020204020204" pitchFamily="34" charset="-122"/>
+              </a:defRPr>
+            </a:lvl3pPr>
+            <a:lvl4pPr marL="825500" indent="-241300" algn="l" defTabSz="0" rtl="0" eaLnBrk="0" fontAlgn="base" hangingPunct="0">
+              <a:spcBef>
+                <a:spcPct val="0"/>
+              </a:spcBef>
+              <a:spcAft>
+                <a:spcPct val="15000"/>
+              </a:spcAft>
+              <a:buClr>
+                <a:schemeClr val="tx2"/>
+              </a:buClr>
+              <a:buFont typeface="Arial" panose="020B0604020202020204" pitchFamily="34" charset="0"/>
+              <a:buChar char="–"/>
+              <a:defRPr kumimoji="1" sz="1600">
+                <a:solidFill>
+                  <a:schemeClr val="bg2"/>
+                </a:solidFill>
+                <a:latin typeface="微软雅黑" panose="020B0503020204020204" pitchFamily="34" charset="-122"/>
+                <a:ea typeface="微软雅黑" panose="020B0503020204020204" pitchFamily="34" charset="-122"/>
+                <a:cs typeface="微软雅黑" panose="020B0503020204020204" pitchFamily="34" charset="-122"/>
+              </a:defRPr>
+            </a:lvl4pPr>
+            <a:lvl5pPr marL="2057400" indent="-228600" algn="l" defTabSz="0" rtl="0" eaLnBrk="0" fontAlgn="base" hangingPunct="0">
+              <a:spcBef>
+                <a:spcPct val="0"/>
+              </a:spcBef>
+              <a:spcAft>
+                <a:spcPct val="25000"/>
+              </a:spcAft>
+              <a:buClr>
+                <a:schemeClr val="tx2"/>
+              </a:buClr>
+              <a:buFont typeface="Arial" panose="020B0604020202020204" pitchFamily="34" charset="0"/>
+              <a:buChar char="–"/>
+              <a:defRPr kumimoji="1" sz="2000">
+                <a:solidFill>
+                  <a:schemeClr val="tx1"/>
+                </a:solidFill>
+                <a:latin typeface="+mn-lt"/>
+                <a:ea typeface="微软雅黑" panose="020B0503020204020204" pitchFamily="34" charset="-122"/>
+                <a:cs typeface="微软雅黑" panose="020B0503020204020204" pitchFamily="34" charset="-122"/>
+              </a:defRPr>
+            </a:lvl5pPr>
+            <a:lvl6pPr marL="2514600" indent="-228600" algn="l" defTabSz="0" rtl="0" eaLnBrk="0" fontAlgn="base" hangingPunct="0">
+              <a:spcBef>
+                <a:spcPct val="0"/>
+              </a:spcBef>
+              <a:spcAft>
+                <a:spcPct val="25000"/>
+              </a:spcAft>
+              <a:buClr>
+                <a:schemeClr val="tx2"/>
+              </a:buClr>
+              <a:buFont typeface="Arial" panose="020B0604020202020204" pitchFamily="34" charset="0"/>
+              <a:buChar char="–"/>
+              <a:defRPr>
+                <a:solidFill>
+                  <a:schemeClr val="tx1"/>
+                </a:solidFill>
+                <a:latin typeface="+mn-lt"/>
+              </a:defRPr>
+            </a:lvl6pPr>
+            <a:lvl7pPr marL="2971800" indent="-228600" algn="l" defTabSz="0" rtl="0" eaLnBrk="0" fontAlgn="base" hangingPunct="0">
+              <a:spcBef>
+                <a:spcPct val="0"/>
+              </a:spcBef>
+              <a:spcAft>
+                <a:spcPct val="25000"/>
+              </a:spcAft>
+              <a:buClr>
+                <a:schemeClr val="tx2"/>
+              </a:buClr>
+              <a:buFont typeface="Arial" panose="020B0604020202020204" pitchFamily="34" charset="0"/>
+              <a:buChar char="–"/>
+              <a:defRPr>
+                <a:solidFill>
+                  <a:schemeClr val="tx1"/>
+                </a:solidFill>
+                <a:latin typeface="+mn-lt"/>
+              </a:defRPr>
+            </a:lvl7pPr>
+            <a:lvl8pPr marL="3429000" indent="-228600" algn="l" defTabSz="0" rtl="0" eaLnBrk="0" fontAlgn="base" hangingPunct="0">
+              <a:spcBef>
+                <a:spcPct val="0"/>
+              </a:spcBef>
+              <a:spcAft>
+                <a:spcPct val="25000"/>
+              </a:spcAft>
+              <a:buClr>
+                <a:schemeClr val="tx2"/>
+              </a:buClr>
+              <a:buFont typeface="Arial" panose="020B0604020202020204" pitchFamily="34" charset="0"/>
+              <a:buChar char="–"/>
+              <a:defRPr>
+                <a:solidFill>
+                  <a:schemeClr val="tx1"/>
+                </a:solidFill>
+                <a:latin typeface="+mn-lt"/>
+              </a:defRPr>
+            </a:lvl8pPr>
+            <a:lvl9pPr marL="3886200" indent="-228600" algn="l" defTabSz="0" rtl="0" eaLnBrk="0" fontAlgn="base" hangingPunct="0">
+              <a:spcBef>
+                <a:spcPct val="0"/>
+              </a:spcBef>
+              <a:spcAft>
+                <a:spcPct val="25000"/>
+              </a:spcAft>
+              <a:buClr>
+                <a:schemeClr val="tx2"/>
+              </a:buClr>
+              <a:buFont typeface="Arial" panose="020B0604020202020204" pitchFamily="34" charset="0"/>
+              <a:buChar char="–"/>
+              <a:defRPr>
+                <a:solidFill>
+                  <a:schemeClr val="tx1"/>
+                </a:solidFill>
+                <a:latin typeface="+mn-lt"/>
+              </a:defRPr>
+            </a:lvl9pPr>
+          </a:lstStyle>
+          <a:p>
+            <a:pPr marL="0" indent="0">
+              <a:buNone/>
+            </a:pPr>
+            <a:r>
+              <a:rPr lang="zh-CN" altLang="en-US" sz="3200" dirty="0" smtClean="0">
+                <a:solidFill>
+                  <a:srgbClr val="C00000"/>
+                </a:solidFill>
+                <a:cs typeface="+mn-cs"/>
+                <a:sym typeface="+mn-ea"/>
+              </a:rPr>
+              <a:t>内容提纲</a:t>
+            </a:r>
+            <a:endParaRPr lang="zh-CN" altLang="en-US" kern="0" dirty="0"/>
           </a:p>
         </p:txBody>
       </p:sp>
-      <p:pic>
-        <p:nvPicPr>
-          <p:cNvPr id="38916" name="图片 3" descr="软院logo横版.png"/>
-          <p:cNvPicPr>
-            <a:picLocks noChangeAspect="1"/>
-          </p:cNvPicPr>
-          <p:nvPr/>
-        </p:nvPicPr>
-        <p:blipFill>
-          <a:blip r:embed="rId2">
-            <a:extLst>
-              <a:ext uri="{28A0092B-C50C-407E-A947-70E740481C1C}">
-                <a14:useLocalDpi xmlns:a14="http://schemas.microsoft.com/office/drawing/2010/main" val="0"/>
-              </a:ext>
-            </a:extLst>
-          </a:blip>
-          <a:srcRect/>
-          <a:stretch>
-            <a:fillRect/>
-          </a:stretch>
-        </p:blipFill>
-        <p:spPr bwMode="auto">
-          <a:xfrm>
-            <a:off x="2062164" y="5927725"/>
-            <a:ext cx="3381375" cy="527050"/>
-          </a:xfrm>
-          <a:prstGeom prst="rect">
-            <a:avLst/>
-          </a:prstGeom>
-          <a:noFill/>
-          <a:ln>
-            <a:noFill/>
-          </a:ln>
-          <a:extLst>
-            <a:ext uri="{909E8E84-426E-40DD-AFC4-6F175D3DCCD1}">
-              <a14:hiddenFill xmlns:a14="http://schemas.microsoft.com/office/drawing/2010/main">
-                <a:solidFill>
-                  <a:srgbClr val="FFFFFF"/>
-                </a:solidFill>
-              </a14:hiddenFill>
-            </a:ext>
-            <a:ext uri="{91240B29-F687-4F45-9708-019B960494DF}">
-              <a14:hiddenLine xmlns:a14="http://schemas.microsoft.com/office/drawing/2010/main" w="9525">
-                <a:solidFill>
-                  <a:srgbClr val="000000"/>
-                </a:solidFill>
-                <a:miter lim="800000"/>
-                <a:headEnd/>
-                <a:tailEnd/>
-              </a14:hiddenLine>
-            </a:ext>
-          </a:extLst>
-        </p:spPr>
-      </p:pic>
     </p:spTree>
   </p:cSld>
   <p:clrMapOvr>
@@ -3452,7 +4348,7 @@
 </p:sld>
 </file>
 
-<file path=ppt/slides/slide3.xml><?xml version="1.0" encoding="utf-8"?>
+<file path=ppt/slides/slide11.xml><?xml version="1.0" encoding="utf-8"?>
 <p:sld xmlns:a="http://schemas.openxmlformats.org/drawingml/2006/main" xmlns:r="http://schemas.openxmlformats.org/officeDocument/2006/relationships" xmlns:p="http://schemas.openxmlformats.org/presentationml/2006/main">
   <p:cSld>
     <p:spTree>
@@ -3481,7 +4377,7 @@
         </p:nvSpPr>
         <p:spPr bwMode="auto">
           <a:xfrm>
-            <a:off x="947420" y="940435"/>
+            <a:off x="875665" y="868680"/>
             <a:ext cx="10432415" cy="5115560"/>
           </a:xfrm>
           <a:noFill/>
@@ -3520,53 +4416,52 @@
                   <a:schemeClr val="tx1"/>
                 </a:solidFill>
               </a:rPr>
-              <a:t>ES6中</a:t>
-            </a:r>
-            <a:r>
-              <a:rPr lang="en-US" sz="3200">
-                <a:solidFill>
-                  <a:schemeClr val="tx1"/>
-                </a:solidFill>
-                <a:sym typeface="+mn-ea"/>
-              </a:rPr>
-              <a:t>Generator</a:t>
-            </a:r>
-            <a:r>
-              <a:rPr lang="zh-CN" altLang="en-US" sz="3200">
-                <a:solidFill>
-                  <a:schemeClr val="tx1"/>
-                </a:solidFill>
-                <a:sym typeface="+mn-ea"/>
-              </a:rPr>
-              <a:t>生成器</a:t>
-            </a:r>
-            <a:endParaRPr kumimoji="0" lang="zh-CN" altLang="en-US" sz="3200" dirty="0" smtClean="0">
+              <a:t>ES</a:t>
+            </a:r>
+            <a:r>
+              <a:rPr kumimoji="0" lang="en-US" altLang="zh-CN" sz="3200" dirty="0" smtClean="0">
+                <a:solidFill>
+                  <a:schemeClr val="tx1"/>
+                </a:solidFill>
+              </a:rPr>
+              <a:t>6</a:t>
+            </a:r>
+            <a:r>
+              <a:rPr kumimoji="0" lang="zh-CN" altLang="en-US" sz="3200" dirty="0" smtClean="0">
+                <a:solidFill>
+                  <a:schemeClr val="tx1"/>
+                </a:solidFill>
+              </a:rPr>
+              <a:t>中</a:t>
+            </a:r>
+            <a:r>
+              <a:rPr kumimoji="0" lang="zh-CN" sz="3200" dirty="0" smtClean="0">
+                <a:solidFill>
+                  <a:schemeClr val="tx1"/>
+                </a:solidFill>
+              </a:rPr>
+              <a:t>通过</a:t>
+            </a:r>
+            <a:r>
+              <a:rPr kumimoji="0" lang="en-US" altLang="zh-CN" sz="3200" dirty="0" smtClean="0">
+                <a:solidFill>
+                  <a:schemeClr val="tx1"/>
+                </a:solidFill>
+              </a:rPr>
+              <a:t>class</a:t>
+            </a:r>
+            <a:r>
+              <a:rPr kumimoji="0" lang="zh-CN" altLang="en-US" sz="3200" dirty="0" smtClean="0">
+                <a:solidFill>
+                  <a:schemeClr val="tx1"/>
+                </a:solidFill>
+              </a:rPr>
+              <a:t>实现继承的语法</a:t>
+            </a:r>
+            <a:endParaRPr kumimoji="0" lang="zh-CN" sz="2000" dirty="0" smtClean="0">
               <a:solidFill>
                 <a:schemeClr val="tx1"/>
               </a:solidFill>
-              <a:sym typeface="+mn-ea"/>
-            </a:endParaRPr>
-          </a:p>
-          <a:p>
-            <a:pPr>
-              <a:lnSpc>
-                <a:spcPct val="130000"/>
-              </a:lnSpc>
-            </a:pPr>
-            <a:r>
-              <a:rPr kumimoji="0" lang="zh-CN" altLang="en-US" sz="3200" dirty="0" smtClean="0">
-                <a:solidFill>
-                  <a:schemeClr val="tx1"/>
-                </a:solidFill>
-                <a:sym typeface="+mn-ea"/>
-              </a:rPr>
-              <a:t>ES6</a:t>
-            </a:r>
-            <a:endParaRPr kumimoji="0" lang="en-US" altLang="zh-CN" sz="2000" dirty="0" smtClean="0">
-              <a:solidFill>
-                <a:srgbClr val="FF0000"/>
-              </a:solidFill>
-              <a:sym typeface="+mn-ea"/>
             </a:endParaRPr>
           </a:p>
           <a:p>
@@ -3619,16 +4514,246 @@
               <a:rPr kumimoji="0" lang="en-US" altLang="zh-CN" dirty="0">
                 <a:sym typeface="+mn-ea"/>
               </a:rPr>
-              <a:t>ES6</a:t>
+              <a:t>ES6 Class</a:t>
             </a:r>
             <a:r>
               <a:rPr kumimoji="0" lang="zh-CN" altLang="en-US" dirty="0">
                 <a:sym typeface="+mn-ea"/>
               </a:rPr>
-              <a:t>补充部分</a:t>
+              <a:t>的继承</a:t>
             </a:r>
             <a:endParaRPr kumimoji="0" lang="zh-CN" altLang="en-US" dirty="0">
               <a:sym typeface="+mn-ea"/>
+            </a:endParaRPr>
+          </a:p>
+        </p:txBody>
+      </p:sp>
+      <p:sp>
+        <p:nvSpPr>
+          <p:cNvPr id="4" name="文本框 3"/>
+          <p:cNvSpPr txBox="1"/>
+          <p:nvPr/>
+        </p:nvSpPr>
+        <p:spPr>
+          <a:xfrm>
+            <a:off x="8911590" y="5749290"/>
+            <a:ext cx="2646680" cy="768350"/>
+          </a:xfrm>
+          <a:prstGeom prst="rect">
+            <a:avLst/>
+          </a:prstGeom>
+          <a:noFill/>
+        </p:spPr>
+        <p:txBody>
+          <a:bodyPr wrap="square" rtlCol="0">
+            <a:spAutoFit/>
+          </a:bodyPr>
+          <a:p>
+            <a:pPr algn="l"/>
+            <a:r>
+              <a:rPr lang="zh-CN" altLang="en-US" sz="2200">
+                <a:solidFill>
+                  <a:srgbClr val="FF0000"/>
+                </a:solidFill>
+                <a:latin typeface="+mn-ea"/>
+                <a:ea typeface="+mn-ea"/>
+              </a:rPr>
+              <a:t>参见实例</a:t>
+            </a:r>
+            <a:r>
+              <a:rPr lang="en-US" altLang="zh-CN" sz="2200">
+                <a:solidFill>
+                  <a:srgbClr val="FF0000"/>
+                </a:solidFill>
+                <a:latin typeface="+mn-ea"/>
+                <a:ea typeface="+mn-ea"/>
+              </a:rPr>
+              <a:t>demo06</a:t>
+            </a:r>
+            <a:endParaRPr lang="en-US" altLang="zh-CN" sz="2200">
+              <a:solidFill>
+                <a:srgbClr val="FF0000"/>
+              </a:solidFill>
+              <a:latin typeface="+mn-ea"/>
+              <a:ea typeface="+mn-ea"/>
+            </a:endParaRPr>
+          </a:p>
+          <a:p>
+            <a:pPr algn="l"/>
+            <a:r>
+              <a:rPr lang="en-US" altLang="zh-CN" sz="2200">
+                <a:solidFill>
+                  <a:srgbClr val="FF0000"/>
+                </a:solidFill>
+                <a:latin typeface="+mn-ea"/>
+                <a:ea typeface="+mn-ea"/>
+              </a:rPr>
+              <a:t> ES6 class</a:t>
+            </a:r>
+            <a:r>
+              <a:rPr lang="zh-CN" altLang="en-US" sz="2200">
+                <a:solidFill>
+                  <a:srgbClr val="FF0000"/>
+                </a:solidFill>
+                <a:latin typeface="+mn-ea"/>
+                <a:ea typeface="+mn-ea"/>
+              </a:rPr>
+              <a:t>与继承</a:t>
+            </a:r>
+            <a:endParaRPr lang="zh-CN" altLang="en-US" sz="2200">
+              <a:solidFill>
+                <a:srgbClr val="FF0000"/>
+              </a:solidFill>
+              <a:latin typeface="+mn-ea"/>
+              <a:ea typeface="+mn-ea"/>
+            </a:endParaRPr>
+          </a:p>
+        </p:txBody>
+      </p:sp>
+      <p:pic>
+        <p:nvPicPr>
+          <p:cNvPr id="5" name="图片 4"/>
+          <p:cNvPicPr>
+            <a:picLocks noChangeAspect="1"/>
+          </p:cNvPicPr>
+          <p:nvPr/>
+        </p:nvPicPr>
+        <p:blipFill>
+          <a:blip r:embed="rId1"/>
+          <a:stretch>
+            <a:fillRect/>
+          </a:stretch>
+        </p:blipFill>
+        <p:spPr>
+          <a:xfrm>
+            <a:off x="1081405" y="1561465"/>
+            <a:ext cx="7609205" cy="5271135"/>
+          </a:xfrm>
+          <a:prstGeom prst="rect">
+            <a:avLst/>
+          </a:prstGeom>
+        </p:spPr>
+      </p:pic>
+      <p:sp>
+        <p:nvSpPr>
+          <p:cNvPr id="3" name="文本框 2"/>
+          <p:cNvSpPr txBox="1"/>
+          <p:nvPr/>
+        </p:nvSpPr>
+        <p:spPr>
+          <a:xfrm>
+            <a:off x="8689975" y="2115185"/>
+            <a:ext cx="3234055" cy="2461260"/>
+          </a:xfrm>
+          <a:prstGeom prst="rect">
+            <a:avLst/>
+          </a:prstGeom>
+          <a:noFill/>
+        </p:spPr>
+        <p:txBody>
+          <a:bodyPr wrap="square" rtlCol="0">
+            <a:spAutoFit/>
+          </a:bodyPr>
+          <a:p>
+            <a:pPr algn="l"/>
+            <a:r>
+              <a:rPr sz="2200" dirty="0" smtClean="0">
+                <a:sym typeface="+mn-ea"/>
+              </a:rPr>
+              <a:t>通过</a:t>
+            </a:r>
+            <a:r>
+              <a:rPr sz="2200" dirty="0" smtClean="0">
+                <a:solidFill>
+                  <a:schemeClr val="accent3"/>
+                </a:solidFill>
+                <a:sym typeface="+mn-ea"/>
+              </a:rPr>
+              <a:t>extends</a:t>
+            </a:r>
+            <a:r>
+              <a:rPr sz="2200" dirty="0" smtClean="0">
+                <a:sym typeface="+mn-ea"/>
+              </a:rPr>
+              <a:t>关键字实现继承</a:t>
+            </a:r>
+            <a:r>
+              <a:rPr lang="zh-CN" sz="2200" dirty="0" smtClean="0">
+                <a:sym typeface="+mn-ea"/>
+              </a:rPr>
+              <a:t>，比 ES5 的通过修改原型链实现继承，要清晰和方便</a:t>
+            </a:r>
+            <a:endParaRPr lang="zh-CN" sz="2200" dirty="0" smtClean="0">
+              <a:sym typeface="+mn-ea"/>
+            </a:endParaRPr>
+          </a:p>
+          <a:p>
+            <a:pPr algn="l"/>
+            <a:endParaRPr lang="zh-CN" altLang="en-US" sz="2200">
+              <a:solidFill>
+                <a:srgbClr val="FF0000"/>
+              </a:solidFill>
+              <a:latin typeface="+mn-ea"/>
+              <a:ea typeface="+mn-ea"/>
+            </a:endParaRPr>
+          </a:p>
+          <a:p>
+            <a:pPr algn="l"/>
+            <a:r>
+              <a:rPr lang="zh-CN" altLang="en-US" sz="2200">
+                <a:solidFill>
+                  <a:schemeClr val="tx1"/>
+                </a:solidFill>
+                <a:latin typeface="+mn-ea"/>
+                <a:ea typeface="+mn-ea"/>
+              </a:rPr>
+              <a:t>注意：</a:t>
+            </a:r>
+            <a:r>
+              <a:rPr lang="en-US" altLang="zh-CN" sz="2200">
+                <a:solidFill>
+                  <a:schemeClr val="accent3"/>
+                </a:solidFill>
+                <a:latin typeface="+mn-ea"/>
+                <a:ea typeface="+mn-ea"/>
+              </a:rPr>
+              <a:t>constructor</a:t>
+            </a:r>
+            <a:r>
+              <a:rPr lang="zh-CN" altLang="en-US" sz="2200">
+                <a:solidFill>
+                  <a:schemeClr val="tx1"/>
+                </a:solidFill>
+                <a:latin typeface="+mn-ea"/>
+                <a:ea typeface="+mn-ea"/>
+              </a:rPr>
+              <a:t>与 </a:t>
+            </a:r>
+            <a:br>
+              <a:rPr lang="zh-CN" altLang="en-US" sz="2200">
+                <a:solidFill>
+                  <a:schemeClr val="accent3"/>
+                </a:solidFill>
+                <a:latin typeface="+mn-ea"/>
+                <a:ea typeface="+mn-ea"/>
+              </a:rPr>
+            </a:br>
+            <a:r>
+              <a:rPr lang="en-US" altLang="zh-CN" sz="2200">
+                <a:solidFill>
+                  <a:schemeClr val="accent3"/>
+                </a:solidFill>
+                <a:latin typeface="+mn-ea"/>
+                <a:ea typeface="+mn-ea"/>
+              </a:rPr>
+              <a:t>super</a:t>
+            </a:r>
+            <a:endParaRPr lang="en-US" altLang="zh-CN" sz="2200">
+              <a:solidFill>
+                <a:schemeClr val="accent3"/>
+              </a:solidFill>
+              <a:latin typeface="+mn-ea"/>
+              <a:ea typeface="+mn-ea"/>
             </a:endParaRPr>
           </a:p>
         </p:txBody>
@@ -3746,6 +4871,760 @@
                             </p:childTnLst>
                           </p:cTn>
                         </p:par>
+                        <p:par>
+                          <p:cTn id="9" fill="hold">
+                            <p:stCondLst>
+                              <p:cond delay="500"/>
+                            </p:stCondLst>
+                            <p:childTnLst>
+                              <p:par>
+                                <p:cTn id="10" presetID="2" presetClass="entr" presetSubtype="4" fill="hold" nodeType="afterEffect">
+                                  <p:stCondLst>
+                                    <p:cond delay="0"/>
+                                  </p:stCondLst>
+                                  <p:childTnLst>
+                                    <p:set>
+                                      <p:cBhvr>
+                                        <p:cTn id="11" dur="1" fill="hold">
+                                          <p:stCondLst>
+                                            <p:cond delay="0"/>
+                                          </p:stCondLst>
+                                        </p:cTn>
+                                        <p:tgtEl>
+                                          <p:spTgt spid="5"/>
+                                        </p:tgtEl>
+                                        <p:attrNameLst>
+                                          <p:attrName>style.visibility</p:attrName>
+                                        </p:attrNameLst>
+                                      </p:cBhvr>
+                                      <p:to>
+                                        <p:strVal val="visible"/>
+                                      </p:to>
+                                    </p:set>
+                                    <p:anim calcmode="lin" valueType="num">
+                                      <p:cBhvr additive="base">
+                                        <p:cTn id="12" dur="500" fill="hold"/>
+                                        <p:tgtEl>
+                                          <p:spTgt spid="5"/>
+                                        </p:tgtEl>
+                                        <p:attrNameLst>
+                                          <p:attrName>ppt_x</p:attrName>
+                                        </p:attrNameLst>
+                                      </p:cBhvr>
+                                      <p:tavLst>
+                                        <p:tav tm="0">
+                                          <p:val>
+                                            <p:strVal val="#ppt_x"/>
+                                          </p:val>
+                                        </p:tav>
+                                        <p:tav tm="100000">
+                                          <p:val>
+                                            <p:strVal val="#ppt_x"/>
+                                          </p:val>
+                                        </p:tav>
+                                      </p:tavLst>
+                                    </p:anim>
+                                    <p:anim calcmode="lin" valueType="num">
+                                      <p:cBhvr additive="base">
+                                        <p:cTn id="13" dur="500" fill="hold"/>
+                                        <p:tgtEl>
+                                          <p:spTgt spid="5"/>
+                                        </p:tgtEl>
+                                        <p:attrNameLst>
+                                          <p:attrName>ppt_y</p:attrName>
+                                        </p:attrNameLst>
+                                      </p:cBhvr>
+                                      <p:tavLst>
+                                        <p:tav tm="0">
+                                          <p:val>
+                                            <p:strVal val="1+#ppt_h/2"/>
+                                          </p:val>
+                                        </p:tav>
+                                        <p:tav tm="100000">
+                                          <p:val>
+                                            <p:strVal val="#ppt_y"/>
+                                          </p:val>
+                                        </p:tav>
+                                      </p:tavLst>
+                                    </p:anim>
+                                  </p:childTnLst>
+                                </p:cTn>
+                              </p:par>
+                            </p:childTnLst>
+                          </p:cTn>
+                        </p:par>
+                        <p:par>
+                          <p:cTn id="14" fill="hold">
+                            <p:stCondLst>
+                              <p:cond delay="1000"/>
+                            </p:stCondLst>
+                            <p:childTnLst>
+                              <p:par>
+                                <p:cTn id="15" presetID="2" presetClass="entr" presetSubtype="4" fill="hold" grpId="0" nodeType="afterEffect">
+                                  <p:stCondLst>
+                                    <p:cond delay="0"/>
+                                  </p:stCondLst>
+                                  <p:childTnLst>
+                                    <p:set>
+                                      <p:cBhvr>
+                                        <p:cTn id="16" dur="1" fill="hold">
+                                          <p:stCondLst>
+                                            <p:cond delay="0"/>
+                                          </p:stCondLst>
+                                        </p:cTn>
+                                        <p:tgtEl>
+                                          <p:spTgt spid="3"/>
+                                        </p:tgtEl>
+                                        <p:attrNameLst>
+                                          <p:attrName>style.visibility</p:attrName>
+                                        </p:attrNameLst>
+                                      </p:cBhvr>
+                                      <p:to>
+                                        <p:strVal val="visible"/>
+                                      </p:to>
+                                    </p:set>
+                                    <p:anim calcmode="lin" valueType="num">
+                                      <p:cBhvr additive="base">
+                                        <p:cTn id="17" dur="500" fill="hold"/>
+                                        <p:tgtEl>
+                                          <p:spTgt spid="3"/>
+                                        </p:tgtEl>
+                                        <p:attrNameLst>
+                                          <p:attrName>ppt_x</p:attrName>
+                                        </p:attrNameLst>
+                                      </p:cBhvr>
+                                      <p:tavLst>
+                                        <p:tav tm="0">
+                                          <p:val>
+                                            <p:strVal val="#ppt_x"/>
+                                          </p:val>
+                                        </p:tav>
+                                        <p:tav tm="100000">
+                                          <p:val>
+                                            <p:strVal val="#ppt_x"/>
+                                          </p:val>
+                                        </p:tav>
+                                      </p:tavLst>
+                                    </p:anim>
+                                    <p:anim calcmode="lin" valueType="num">
+                                      <p:cBhvr additive="base">
+                                        <p:cTn id="18" dur="500" fill="hold"/>
+                                        <p:tgtEl>
+                                          <p:spTgt spid="3"/>
+                                        </p:tgtEl>
+                                        <p:attrNameLst>
+                                          <p:attrName>ppt_y</p:attrName>
+                                        </p:attrNameLst>
+                                      </p:cBhvr>
+                                      <p:tavLst>
+                                        <p:tav tm="0">
+                                          <p:val>
+                                            <p:strVal val="1+#ppt_h/2"/>
+                                          </p:val>
+                                        </p:tav>
+                                        <p:tav tm="100000">
+                                          <p:val>
+                                            <p:strVal val="#ppt_y"/>
+                                          </p:val>
+                                        </p:tav>
+                                      </p:tavLst>
+                                    </p:anim>
+                                  </p:childTnLst>
+                                </p:cTn>
+                              </p:par>
+                            </p:childTnLst>
+                          </p:cTn>
+                        </p:par>
+                      </p:childTnLst>
+                    </p:cTn>
+                  </p:par>
+                  <p:par>
+                    <p:cTn id="19" fill="hold">
+                      <p:stCondLst>
+                        <p:cond delay="indefinite"/>
+                      </p:stCondLst>
+                      <p:childTnLst>
+                        <p:par>
+                          <p:cTn id="20" fill="hold">
+                            <p:stCondLst>
+                              <p:cond delay="0"/>
+                            </p:stCondLst>
+                            <p:childTnLst>
+                              <p:par>
+                                <p:cTn id="21" presetID="2" presetClass="entr" presetSubtype="4" fill="hold" grpId="0" nodeType="clickEffect">
+                                  <p:stCondLst>
+                                    <p:cond delay="0"/>
+                                  </p:stCondLst>
+                                  <p:childTnLst>
+                                    <p:set>
+                                      <p:cBhvr>
+                                        <p:cTn id="22" dur="1" fill="hold">
+                                          <p:stCondLst>
+                                            <p:cond delay="0"/>
+                                          </p:stCondLst>
+                                        </p:cTn>
+                                        <p:tgtEl>
+                                          <p:spTgt spid="4"/>
+                                        </p:tgtEl>
+                                        <p:attrNameLst>
+                                          <p:attrName>style.visibility</p:attrName>
+                                        </p:attrNameLst>
+                                      </p:cBhvr>
+                                      <p:to>
+                                        <p:strVal val="visible"/>
+                                      </p:to>
+                                    </p:set>
+                                    <p:anim calcmode="lin" valueType="num">
+                                      <p:cBhvr additive="base">
+                                        <p:cTn id="23" dur="500" fill="hold"/>
+                                        <p:tgtEl>
+                                          <p:spTgt spid="4"/>
+                                        </p:tgtEl>
+                                        <p:attrNameLst>
+                                          <p:attrName>ppt_x</p:attrName>
+                                        </p:attrNameLst>
+                                      </p:cBhvr>
+                                      <p:tavLst>
+                                        <p:tav tm="0">
+                                          <p:val>
+                                            <p:strVal val="#ppt_x"/>
+                                          </p:val>
+                                        </p:tav>
+                                        <p:tav tm="100000">
+                                          <p:val>
+                                            <p:strVal val="#ppt_x"/>
+                                          </p:val>
+                                        </p:tav>
+                                      </p:tavLst>
+                                    </p:anim>
+                                    <p:anim calcmode="lin" valueType="num">
+                                      <p:cBhvr additive="base">
+                                        <p:cTn id="24" dur="500" fill="hold"/>
+                                        <p:tgtEl>
+                                          <p:spTgt spid="4"/>
+                                        </p:tgtEl>
+                                        <p:attrNameLst>
+                                          <p:attrName>ppt_y</p:attrName>
+                                        </p:attrNameLst>
+                                      </p:cBhvr>
+                                      <p:tavLst>
+                                        <p:tav tm="0">
+                                          <p:val>
+                                            <p:strVal val="1+#ppt_h/2"/>
+                                          </p:val>
+                                        </p:tav>
+                                        <p:tav tm="100000">
+                                          <p:val>
+                                            <p:strVal val="#ppt_y"/>
+                                          </p:val>
+                                        </p:tav>
+                                      </p:tavLst>
+                                    </p:anim>
+                                  </p:childTnLst>
+                                </p:cTn>
+                              </p:par>
+                            </p:childTnLst>
+                          </p:cTn>
+                        </p:par>
+                      </p:childTnLst>
+                    </p:cTn>
+                  </p:par>
+                </p:childTnLst>
+              </p:cTn>
+              <p:prevCondLst>
+                <p:cond evt="onPrev" delay="0">
+                  <p:tgtEl>
+                    <p:sldTgt/>
+                  </p:tgtEl>
+                </p:cond>
+              </p:prevCondLst>
+              <p:nextCondLst>
+                <p:cond evt="onNext" delay="0">
+                  <p:tgtEl>
+                    <p:sldTgt/>
+                  </p:tgtEl>
+                </p:cond>
+              </p:nextCondLst>
+            </p:seq>
+          </p:childTnLst>
+        </p:cTn>
+      </p:par>
+    </p:tnLst>
+    <p:bldLst>
+      <p:bldP spid="4" grpId="0"/>
+      <p:bldP spid="3" grpId="0"/>
+    </p:bldLst>
+  </p:timing>
+</p:sld>
+</file>
+
+<file path=ppt/slides/slide12.xml><?xml version="1.0" encoding="utf-8"?>
+<p:sld xmlns:a="http://schemas.openxmlformats.org/drawingml/2006/main" xmlns:r="http://schemas.openxmlformats.org/officeDocument/2006/relationships" xmlns:p="http://schemas.openxmlformats.org/presentationml/2006/main">
+  <p:cSld>
+    <p:spTree>
+      <p:nvGrpSpPr>
+        <p:cNvPr id="1" name=""/>
+        <p:cNvGrpSpPr/>
+        <p:nvPr/>
+      </p:nvGrpSpPr>
+      <p:grpSpPr>
+        <a:xfrm>
+          <a:off x="0" y="0"/>
+          <a:ext cx="0" cy="0"/>
+          <a:chOff x="0" y="0"/>
+          <a:chExt cx="0" cy="0"/>
+        </a:xfrm>
+      </p:grpSpPr>
+      <p:sp>
+        <p:nvSpPr>
+          <p:cNvPr id="11266" name="内容占位符 1"/>
+          <p:cNvSpPr>
+            <a:spLocks noGrp="1"/>
+          </p:cNvSpPr>
+          <p:nvPr>
+            <p:ph sz="quarter" idx="10"/>
+          </p:nvPr>
+        </p:nvSpPr>
+        <p:spPr bwMode="auto">
+          <a:xfrm>
+            <a:off x="875665" y="868680"/>
+            <a:ext cx="10681970" cy="5115560"/>
+          </a:xfrm>
+          <a:noFill/>
+          <a:extLst>
+            <a:ext uri="{909E8E84-426E-40DD-AFC4-6F175D3DCCD1}">
+              <a14:hiddenFill xmlns:a14="http://schemas.microsoft.com/office/drawing/2010/main">
+                <a:solidFill>
+                  <a:srgbClr val="FFFFFF"/>
+                </a:solidFill>
+              </a14:hiddenFill>
+            </a:ext>
+            <a:ext uri="{91240B29-F687-4F45-9708-019B960494DF}">
+              <a14:hiddenLine xmlns:a14="http://schemas.microsoft.com/office/drawing/2010/main" w="9525">
+                <a:solidFill>
+                  <a:srgbClr val="000000"/>
+                </a:solidFill>
+                <a:miter lim="800000"/>
+                <a:headEnd/>
+                <a:tailEnd/>
+              </a14:hiddenLine>
+            </a:ext>
+          </a:extLst>
+        </p:spPr>
+        <p:txBody>
+          <a:bodyPr vert="horz" wrap="square" lIns="91440" tIns="45720" rIns="91440" bIns="45720" numCol="1" anchor="t" anchorCtr="0" compatLnSpc="1"/>
+          <a:lstStyle/>
+          <a:p>
+            <a:pPr>
+              <a:lnSpc>
+                <a:spcPct val="130000"/>
+              </a:lnSpc>
+            </a:pPr>
+            <a:r>
+              <a:rPr kumimoji="0" lang="en-US" altLang="zh-CN" sz="3200" dirty="0" smtClean="0">
+                <a:solidFill>
+                  <a:schemeClr val="tx1"/>
+                </a:solidFill>
+              </a:rPr>
+              <a:t>class</a:t>
+            </a:r>
+            <a:r>
+              <a:rPr kumimoji="0" lang="zh-CN" altLang="en-US" sz="3200" dirty="0" smtClean="0">
+                <a:solidFill>
+                  <a:schemeClr val="tx1"/>
+                </a:solidFill>
+              </a:rPr>
+              <a:t>中的</a:t>
+            </a:r>
+            <a:r>
+              <a:rPr kumimoji="0" lang="en-US" altLang="zh-CN" sz="3200" dirty="0" smtClean="0">
+                <a:solidFill>
+                  <a:schemeClr val="tx1"/>
+                </a:solidFill>
+              </a:rPr>
+              <a:t>super</a:t>
+            </a:r>
+            <a:r>
+              <a:rPr kumimoji="0" lang="zh-CN" altLang="en-US" sz="3200" dirty="0" smtClean="0">
+                <a:solidFill>
+                  <a:schemeClr val="tx1"/>
+                </a:solidFill>
+              </a:rPr>
+              <a:t>（当作</a:t>
+            </a:r>
+            <a:r>
+              <a:rPr kumimoji="0" lang="zh-CN" altLang="en-US" sz="3200" dirty="0" smtClean="0">
+                <a:solidFill>
+                  <a:schemeClr val="accent3"/>
+                </a:solidFill>
+              </a:rPr>
+              <a:t>函数</a:t>
+            </a:r>
+            <a:r>
+              <a:rPr kumimoji="0" lang="zh-CN" altLang="en-US" sz="3200" dirty="0" smtClean="0">
+                <a:solidFill>
+                  <a:schemeClr val="tx1"/>
+                </a:solidFill>
+              </a:rPr>
+              <a:t>使用，也可以当作</a:t>
+            </a:r>
+            <a:r>
+              <a:rPr kumimoji="0" lang="zh-CN" altLang="en-US" sz="3200" dirty="0" smtClean="0">
+                <a:solidFill>
+                  <a:schemeClr val="accent3"/>
+                </a:solidFill>
+              </a:rPr>
+              <a:t>对象</a:t>
+            </a:r>
+            <a:r>
+              <a:rPr kumimoji="0" lang="zh-CN" altLang="en-US" sz="3200" dirty="0" smtClean="0">
+                <a:solidFill>
+                  <a:schemeClr val="tx1"/>
+                </a:solidFill>
+              </a:rPr>
+              <a:t>使用）</a:t>
+            </a:r>
+            <a:br>
+              <a:rPr kumimoji="0" lang="zh-CN" altLang="en-US" sz="3200" dirty="0" smtClean="0">
+                <a:solidFill>
+                  <a:schemeClr val="tx1"/>
+                </a:solidFill>
+              </a:rPr>
+            </a:br>
+            <a:r>
+              <a:rPr kumimoji="0" lang="en-US" altLang="zh-CN" sz="2000" dirty="0" smtClean="0">
+                <a:solidFill>
+                  <a:schemeClr val="tx1"/>
+                </a:solidFill>
+              </a:rPr>
+              <a:t>- </a:t>
+            </a:r>
+            <a:r>
+              <a:rPr kumimoji="0" lang="zh-CN" altLang="en-US" sz="2000" dirty="0" smtClean="0">
+                <a:solidFill>
+                  <a:schemeClr val="tx1"/>
+                </a:solidFill>
+              </a:rPr>
+              <a:t>当做函数时，子类构造函数之中的</a:t>
+            </a:r>
+            <a:r>
+              <a:rPr kumimoji="0" lang="zh-CN" altLang="en-US" sz="2000" dirty="0" smtClean="0">
+                <a:solidFill>
+                  <a:schemeClr val="accent3"/>
+                </a:solidFill>
+              </a:rPr>
+              <a:t>super( )，</a:t>
+            </a:r>
+            <a:r>
+              <a:rPr kumimoji="0" lang="zh-CN" altLang="en-US" sz="2000" dirty="0" smtClean="0">
+                <a:solidFill>
+                  <a:schemeClr val="accent3"/>
+                </a:solidFill>
+              </a:rPr>
+              <a:t>代表调用父类的构造函数</a:t>
+            </a:r>
+            <a:br>
+              <a:rPr kumimoji="0" lang="zh-CN" altLang="en-US" sz="2000" dirty="0" smtClean="0">
+                <a:solidFill>
+                  <a:schemeClr val="tx1"/>
+                </a:solidFill>
+              </a:rPr>
+            </a:br>
+            <a:r>
+              <a:rPr kumimoji="0" lang="en-US" altLang="zh-CN" sz="2000" dirty="0" smtClean="0">
+                <a:solidFill>
+                  <a:schemeClr val="tx1"/>
+                </a:solidFill>
+              </a:rPr>
+              <a:t>- </a:t>
+            </a:r>
+            <a:r>
+              <a:rPr kumimoji="0" lang="zh-CN" altLang="en-US" sz="2000" dirty="0" smtClean="0">
+                <a:solidFill>
+                  <a:schemeClr val="tx1"/>
+                </a:solidFill>
+              </a:rPr>
+              <a:t>当做对象时，在普通方法中，指向父类的原型对象；在静态方法中，指向父类</a:t>
+            </a:r>
+            <a:endParaRPr kumimoji="0" lang="zh-CN" altLang="en-US" sz="2000" dirty="0" smtClean="0">
+              <a:solidFill>
+                <a:schemeClr val="tx1"/>
+              </a:solidFill>
+            </a:endParaRPr>
+          </a:p>
+          <a:p>
+            <a:pPr eaLnBrk="1" hangingPunct="1">
+              <a:lnSpc>
+                <a:spcPct val="150000"/>
+              </a:lnSpc>
+            </a:pPr>
+            <a:endParaRPr kumimoji="0" lang="en-US" altLang="zh-CN" sz="3600" dirty="0" smtClean="0">
+              <a:solidFill>
+                <a:schemeClr val="tx1"/>
+              </a:solidFill>
+            </a:endParaRPr>
+          </a:p>
+          <a:p>
+            <a:pPr eaLnBrk="1" hangingPunct="1">
+              <a:lnSpc>
+                <a:spcPct val="150000"/>
+              </a:lnSpc>
+            </a:pPr>
+            <a:endParaRPr kumimoji="0" lang="zh-CN" altLang="en-US" dirty="0" smtClean="0">
+              <a:solidFill>
+                <a:schemeClr val="tx1"/>
+              </a:solidFill>
+            </a:endParaRPr>
+          </a:p>
+        </p:txBody>
+      </p:sp>
+      <p:sp>
+        <p:nvSpPr>
+          <p:cNvPr id="2" name="内容占位符 1"/>
+          <p:cNvSpPr>
+            <a:spLocks noGrp="1"/>
+          </p:cNvSpPr>
+          <p:nvPr>
+            <p:ph sz="quarter" idx="11"/>
+          </p:nvPr>
+        </p:nvSpPr>
+        <p:spPr>
+          <a:xfrm>
+            <a:off x="947420" y="308610"/>
+            <a:ext cx="8415655" cy="490220"/>
+          </a:xfrm>
+        </p:spPr>
+        <p:txBody>
+          <a:bodyPr/>
+          <a:lstStyle/>
+          <a:p>
+            <a:r>
+              <a:rPr kumimoji="0" lang="en-US" altLang="zh-CN" dirty="0">
+                <a:sym typeface="+mn-ea"/>
+              </a:rPr>
+              <a:t>ES6 Class</a:t>
+            </a:r>
+            <a:r>
+              <a:rPr kumimoji="0" lang="zh-CN" altLang="en-US" dirty="0">
+                <a:sym typeface="+mn-ea"/>
+              </a:rPr>
+              <a:t>的继承</a:t>
+            </a:r>
+            <a:endParaRPr kumimoji="0" lang="zh-CN" altLang="en-US" dirty="0">
+              <a:sym typeface="+mn-ea"/>
+            </a:endParaRPr>
+          </a:p>
+        </p:txBody>
+      </p:sp>
+      <p:sp>
+        <p:nvSpPr>
+          <p:cNvPr id="4" name="文本框 3"/>
+          <p:cNvSpPr txBox="1"/>
+          <p:nvPr/>
+        </p:nvSpPr>
+        <p:spPr>
+          <a:xfrm>
+            <a:off x="5802630" y="6108065"/>
+            <a:ext cx="5755640" cy="429895"/>
+          </a:xfrm>
+          <a:prstGeom prst="rect">
+            <a:avLst/>
+          </a:prstGeom>
+          <a:noFill/>
+        </p:spPr>
+        <p:txBody>
+          <a:bodyPr wrap="square" rtlCol="0">
+            <a:spAutoFit/>
+          </a:bodyPr>
+          <a:p>
+            <a:pPr algn="l"/>
+            <a:r>
+              <a:rPr lang="zh-CN" altLang="en-US" sz="2200">
+                <a:solidFill>
+                  <a:srgbClr val="FF0000"/>
+                </a:solidFill>
+                <a:latin typeface="+mn-ea"/>
+                <a:ea typeface="+mn-ea"/>
+              </a:rPr>
+              <a:t>参见实例</a:t>
+            </a:r>
+            <a:r>
+              <a:rPr lang="en-US" altLang="zh-CN" sz="2200">
+                <a:solidFill>
+                  <a:srgbClr val="FF0000"/>
+                </a:solidFill>
+                <a:latin typeface="+mn-ea"/>
+                <a:ea typeface="+mn-ea"/>
+              </a:rPr>
+              <a:t>demo07 super</a:t>
+            </a:r>
+            <a:r>
+              <a:rPr lang="zh-CN" altLang="en-US" sz="2200">
+                <a:solidFill>
+                  <a:srgbClr val="FF0000"/>
+                </a:solidFill>
+                <a:latin typeface="+mn-ea"/>
+                <a:ea typeface="+mn-ea"/>
+              </a:rPr>
+              <a:t>实例 </a:t>
+            </a:r>
+            <a:r>
+              <a:rPr lang="en-US" altLang="zh-CN" sz="2200">
+                <a:solidFill>
+                  <a:srgbClr val="FF0000"/>
+                </a:solidFill>
+                <a:latin typeface="+mn-ea"/>
+                <a:ea typeface="+mn-ea"/>
+              </a:rPr>
+              <a:t>Part1</a:t>
+            </a:r>
+            <a:endParaRPr lang="zh-CN" altLang="en-US" sz="2200">
+              <a:solidFill>
+                <a:srgbClr val="FF0000"/>
+              </a:solidFill>
+              <a:latin typeface="+mn-ea"/>
+              <a:ea typeface="+mn-ea"/>
+            </a:endParaRPr>
+          </a:p>
+        </p:txBody>
+      </p:sp>
+      <p:pic>
+        <p:nvPicPr>
+          <p:cNvPr id="7" name="图片 6"/>
+          <p:cNvPicPr>
+            <a:picLocks noChangeAspect="1"/>
+          </p:cNvPicPr>
+          <p:nvPr/>
+        </p:nvPicPr>
+        <p:blipFill>
+          <a:blip r:embed="rId1"/>
+          <a:stretch>
+            <a:fillRect/>
+          </a:stretch>
+        </p:blipFill>
+        <p:spPr>
+          <a:xfrm>
+            <a:off x="1118870" y="2397760"/>
+            <a:ext cx="10121265" cy="3709670"/>
+          </a:xfrm>
+          <a:prstGeom prst="rect">
+            <a:avLst/>
+          </a:prstGeom>
+        </p:spPr>
+      </p:pic>
+    </p:spTree>
+  </p:cSld>
+  <p:clrMapOvr>
+    <a:masterClrMapping/>
+  </p:clrMapOvr>
+  <p:timing>
+    <p:tnLst>
+      <p:par>
+        <p:cTn id="1" dur="indefinite" restart="never" nodeType="tmRoot">
+          <p:childTnLst>
+            <p:seq concurrent="1" nextAc="seek">
+              <p:cTn id="2" dur="indefinite" nodeType="mainSeq">
+                <p:childTnLst>
+                  <p:par>
+                    <p:cTn id="3" fill="hold">
+                      <p:stCondLst>
+                        <p:cond delay="indefinite"/>
+                      </p:stCondLst>
+                      <p:childTnLst>
+                        <p:par>
+                          <p:cTn id="4" fill="hold">
+                            <p:stCondLst>
+                              <p:cond delay="0"/>
+                            </p:stCondLst>
+                            <p:childTnLst>
+                              <p:par>
+                                <p:cTn id="5" presetID="2" presetClass="entr" presetSubtype="4" fill="hold" nodeType="clickEffect">
+                                  <p:stCondLst>
+                                    <p:cond delay="0"/>
+                                  </p:stCondLst>
+                                  <p:childTnLst>
+                                    <p:set>
+                                      <p:cBhvr>
+                                        <p:cTn id="6" dur="1" fill="hold">
+                                          <p:stCondLst>
+                                            <p:cond delay="0"/>
+                                          </p:stCondLst>
+                                        </p:cTn>
+                                        <p:tgtEl>
+                                          <p:spTgt spid="11266">
+                                            <p:txEl>
+                                              <p:pRg st="0" end="0"/>
+                                            </p:txEl>
+                                          </p:spTgt>
+                                        </p:tgtEl>
+                                        <p:attrNameLst>
+                                          <p:attrName>style.visibility</p:attrName>
+                                        </p:attrNameLst>
+                                      </p:cBhvr>
+                                      <p:to>
+                                        <p:strVal val="visible"/>
+                                      </p:to>
+                                    </p:set>
+                                    <p:anim calcmode="lin" valueType="num">
+                                      <p:cBhvr additive="base">
+                                        <p:cTn id="7" dur="500" fill="hold"/>
+                                        <p:tgtEl>
+                                          <p:spTgt spid="11266">
+                                            <p:txEl>
+                                              <p:pRg st="0" end="0"/>
+                                            </p:txEl>
+                                          </p:spTgt>
+                                        </p:tgtEl>
+                                        <p:attrNameLst>
+                                          <p:attrName>ppt_x</p:attrName>
+                                        </p:attrNameLst>
+                                      </p:cBhvr>
+                                      <p:tavLst>
+                                        <p:tav tm="0">
+                                          <p:val>
+                                            <p:strVal val="#ppt_x"/>
+                                          </p:val>
+                                        </p:tav>
+                                        <p:tav tm="100000">
+                                          <p:val>
+                                            <p:strVal val="#ppt_x"/>
+                                          </p:val>
+                                        </p:tav>
+                                      </p:tavLst>
+                                    </p:anim>
+                                    <p:anim calcmode="lin" valueType="num">
+                                      <p:cBhvr additive="base">
+                                        <p:cTn id="8" dur="500" fill="hold"/>
+                                        <p:tgtEl>
+                                          <p:spTgt spid="11266">
+                                            <p:txEl>
+                                              <p:pRg st="0" end="0"/>
+                                            </p:txEl>
+                                          </p:spTgt>
+                                        </p:tgtEl>
+                                        <p:attrNameLst>
+                                          <p:attrName>ppt_y</p:attrName>
+                                        </p:attrNameLst>
+                                      </p:cBhvr>
+                                      <p:tavLst>
+                                        <p:tav tm="0">
+                                          <p:val>
+                                            <p:strVal val="1+#ppt_h/2"/>
+                                          </p:val>
+                                        </p:tav>
+                                        <p:tav tm="100000">
+                                          <p:val>
+                                            <p:strVal val="#ppt_y"/>
+                                          </p:val>
+                                        </p:tav>
+                                      </p:tavLst>
+                                    </p:anim>
+                                  </p:childTnLst>
+                                </p:cTn>
+                              </p:par>
+                            </p:childTnLst>
+                          </p:cTn>
+                        </p:par>
                       </p:childTnLst>
                     </p:cTn>
                   </p:par>
@@ -3763,6 +5642,4728 @@
                             <p:childTnLst>
                               <p:par>
                                 <p:cTn id="11" presetID="2" presetClass="entr" presetSubtype="4" fill="hold" nodeType="clickEffect">
+                                  <p:stCondLst>
+                                    <p:cond delay="0"/>
+                                  </p:stCondLst>
+                                  <p:childTnLst>
+                                    <p:set>
+                                      <p:cBhvr>
+                                        <p:cTn id="12" dur="1" fill="hold">
+                                          <p:stCondLst>
+                                            <p:cond delay="0"/>
+                                          </p:stCondLst>
+                                        </p:cTn>
+                                        <p:tgtEl>
+                                          <p:spTgt spid="7"/>
+                                        </p:tgtEl>
+                                        <p:attrNameLst>
+                                          <p:attrName>style.visibility</p:attrName>
+                                        </p:attrNameLst>
+                                      </p:cBhvr>
+                                      <p:to>
+                                        <p:strVal val="visible"/>
+                                      </p:to>
+                                    </p:set>
+                                    <p:anim calcmode="lin" valueType="num">
+                                      <p:cBhvr additive="base">
+                                        <p:cTn id="13" dur="500" fill="hold"/>
+                                        <p:tgtEl>
+                                          <p:spTgt spid="7"/>
+                                        </p:tgtEl>
+                                        <p:attrNameLst>
+                                          <p:attrName>ppt_x</p:attrName>
+                                        </p:attrNameLst>
+                                      </p:cBhvr>
+                                      <p:tavLst>
+                                        <p:tav tm="0">
+                                          <p:val>
+                                            <p:strVal val="#ppt_x"/>
+                                          </p:val>
+                                        </p:tav>
+                                        <p:tav tm="100000">
+                                          <p:val>
+                                            <p:strVal val="#ppt_x"/>
+                                          </p:val>
+                                        </p:tav>
+                                      </p:tavLst>
+                                    </p:anim>
+                                    <p:anim calcmode="lin" valueType="num">
+                                      <p:cBhvr additive="base">
+                                        <p:cTn id="14" dur="500" fill="hold"/>
+                                        <p:tgtEl>
+                                          <p:spTgt spid="7"/>
+                                        </p:tgtEl>
+                                        <p:attrNameLst>
+                                          <p:attrName>ppt_y</p:attrName>
+                                        </p:attrNameLst>
+                                      </p:cBhvr>
+                                      <p:tavLst>
+                                        <p:tav tm="0">
+                                          <p:val>
+                                            <p:strVal val="1+#ppt_h/2"/>
+                                          </p:val>
+                                        </p:tav>
+                                        <p:tav tm="100000">
+                                          <p:val>
+                                            <p:strVal val="#ppt_y"/>
+                                          </p:val>
+                                        </p:tav>
+                                      </p:tavLst>
+                                    </p:anim>
+                                  </p:childTnLst>
+                                </p:cTn>
+                              </p:par>
+                            </p:childTnLst>
+                          </p:cTn>
+                        </p:par>
+                        <p:par>
+                          <p:cTn id="15" fill="hold">
+                            <p:stCondLst>
+                              <p:cond delay="500"/>
+                            </p:stCondLst>
+                            <p:childTnLst>
+                              <p:par>
+                                <p:cTn id="16" presetID="2" presetClass="entr" presetSubtype="4" fill="hold" grpId="0" nodeType="afterEffect">
+                                  <p:stCondLst>
+                                    <p:cond delay="0"/>
+                                  </p:stCondLst>
+                                  <p:childTnLst>
+                                    <p:set>
+                                      <p:cBhvr>
+                                        <p:cTn id="17" dur="1" fill="hold">
+                                          <p:stCondLst>
+                                            <p:cond delay="0"/>
+                                          </p:stCondLst>
+                                        </p:cTn>
+                                        <p:tgtEl>
+                                          <p:spTgt spid="4"/>
+                                        </p:tgtEl>
+                                        <p:attrNameLst>
+                                          <p:attrName>style.visibility</p:attrName>
+                                        </p:attrNameLst>
+                                      </p:cBhvr>
+                                      <p:to>
+                                        <p:strVal val="visible"/>
+                                      </p:to>
+                                    </p:set>
+                                    <p:anim calcmode="lin" valueType="num">
+                                      <p:cBhvr additive="base">
+                                        <p:cTn id="18" dur="500" fill="hold"/>
+                                        <p:tgtEl>
+                                          <p:spTgt spid="4"/>
+                                        </p:tgtEl>
+                                        <p:attrNameLst>
+                                          <p:attrName>ppt_x</p:attrName>
+                                        </p:attrNameLst>
+                                      </p:cBhvr>
+                                      <p:tavLst>
+                                        <p:tav tm="0">
+                                          <p:val>
+                                            <p:strVal val="#ppt_x"/>
+                                          </p:val>
+                                        </p:tav>
+                                        <p:tav tm="100000">
+                                          <p:val>
+                                            <p:strVal val="#ppt_x"/>
+                                          </p:val>
+                                        </p:tav>
+                                      </p:tavLst>
+                                    </p:anim>
+                                    <p:anim calcmode="lin" valueType="num">
+                                      <p:cBhvr additive="base">
+                                        <p:cTn id="19" dur="500" fill="hold"/>
+                                        <p:tgtEl>
+                                          <p:spTgt spid="4"/>
+                                        </p:tgtEl>
+                                        <p:attrNameLst>
+                                          <p:attrName>ppt_y</p:attrName>
+                                        </p:attrNameLst>
+                                      </p:cBhvr>
+                                      <p:tavLst>
+                                        <p:tav tm="0">
+                                          <p:val>
+                                            <p:strVal val="1+#ppt_h/2"/>
+                                          </p:val>
+                                        </p:tav>
+                                        <p:tav tm="100000">
+                                          <p:val>
+                                            <p:strVal val="#ppt_y"/>
+                                          </p:val>
+                                        </p:tav>
+                                      </p:tavLst>
+                                    </p:anim>
+                                  </p:childTnLst>
+                                </p:cTn>
+                              </p:par>
+                            </p:childTnLst>
+                          </p:cTn>
+                        </p:par>
+                      </p:childTnLst>
+                    </p:cTn>
+                  </p:par>
+                </p:childTnLst>
+              </p:cTn>
+              <p:prevCondLst>
+                <p:cond evt="onPrev" delay="0">
+                  <p:tgtEl>
+                    <p:sldTgt/>
+                  </p:tgtEl>
+                </p:cond>
+              </p:prevCondLst>
+              <p:nextCondLst>
+                <p:cond evt="onNext" delay="0">
+                  <p:tgtEl>
+                    <p:sldTgt/>
+                  </p:tgtEl>
+                </p:cond>
+              </p:nextCondLst>
+            </p:seq>
+          </p:childTnLst>
+        </p:cTn>
+      </p:par>
+    </p:tnLst>
+    <p:bldLst>
+      <p:bldP spid="4" grpId="0"/>
+    </p:bldLst>
+  </p:timing>
+</p:sld>
+</file>
+
+<file path=ppt/slides/slide13.xml><?xml version="1.0" encoding="utf-8"?>
+<p:sld xmlns:a="http://schemas.openxmlformats.org/drawingml/2006/main" xmlns:r="http://schemas.openxmlformats.org/officeDocument/2006/relationships" xmlns:p="http://schemas.openxmlformats.org/presentationml/2006/main">
+  <p:cSld>
+    <p:spTree>
+      <p:nvGrpSpPr>
+        <p:cNvPr id="1" name=""/>
+        <p:cNvGrpSpPr/>
+        <p:nvPr/>
+      </p:nvGrpSpPr>
+      <p:grpSpPr>
+        <a:xfrm>
+          <a:off x="0" y="0"/>
+          <a:ext cx="0" cy="0"/>
+          <a:chOff x="0" y="0"/>
+          <a:chExt cx="0" cy="0"/>
+        </a:xfrm>
+      </p:grpSpPr>
+      <p:pic>
+        <p:nvPicPr>
+          <p:cNvPr id="5" name="图片 4"/>
+          <p:cNvPicPr>
+            <a:picLocks noChangeAspect="1"/>
+          </p:cNvPicPr>
+          <p:nvPr/>
+        </p:nvPicPr>
+        <p:blipFill>
+          <a:blip r:embed="rId1"/>
+          <a:stretch>
+            <a:fillRect/>
+          </a:stretch>
+        </p:blipFill>
+        <p:spPr>
+          <a:xfrm>
+            <a:off x="1153795" y="2454910"/>
+            <a:ext cx="7699375" cy="4083050"/>
+          </a:xfrm>
+          <a:prstGeom prst="rect">
+            <a:avLst/>
+          </a:prstGeom>
+        </p:spPr>
+      </p:pic>
+      <p:sp>
+        <p:nvSpPr>
+          <p:cNvPr id="11266" name="内容占位符 1"/>
+          <p:cNvSpPr>
+            <a:spLocks noGrp="1"/>
+          </p:cNvSpPr>
+          <p:nvPr>
+            <p:ph sz="quarter" idx="10"/>
+          </p:nvPr>
+        </p:nvSpPr>
+        <p:spPr bwMode="auto">
+          <a:xfrm>
+            <a:off x="875665" y="868680"/>
+            <a:ext cx="10681970" cy="5115560"/>
+          </a:xfrm>
+          <a:noFill/>
+          <a:extLst>
+            <a:ext uri="{909E8E84-426E-40DD-AFC4-6F175D3DCCD1}">
+              <a14:hiddenFill xmlns:a14="http://schemas.microsoft.com/office/drawing/2010/main">
+                <a:solidFill>
+                  <a:srgbClr val="FFFFFF"/>
+                </a:solidFill>
+              </a14:hiddenFill>
+            </a:ext>
+            <a:ext uri="{91240B29-F687-4F45-9708-019B960494DF}">
+              <a14:hiddenLine xmlns:a14="http://schemas.microsoft.com/office/drawing/2010/main" w="9525">
+                <a:solidFill>
+                  <a:srgbClr val="000000"/>
+                </a:solidFill>
+                <a:miter lim="800000"/>
+                <a:headEnd/>
+                <a:tailEnd/>
+              </a14:hiddenLine>
+            </a:ext>
+          </a:extLst>
+        </p:spPr>
+        <p:txBody>
+          <a:bodyPr vert="horz" wrap="square" lIns="91440" tIns="45720" rIns="91440" bIns="45720" numCol="1" anchor="t" anchorCtr="0" compatLnSpc="1"/>
+          <a:lstStyle/>
+          <a:p>
+            <a:pPr>
+              <a:lnSpc>
+                <a:spcPct val="130000"/>
+              </a:lnSpc>
+            </a:pPr>
+            <a:r>
+              <a:rPr kumimoji="0" lang="en-US" altLang="zh-CN" sz="3200" dirty="0" smtClean="0">
+                <a:solidFill>
+                  <a:schemeClr val="tx1"/>
+                </a:solidFill>
+              </a:rPr>
+              <a:t>class</a:t>
+            </a:r>
+            <a:r>
+              <a:rPr kumimoji="0" lang="zh-CN" altLang="en-US" sz="3200" dirty="0" smtClean="0">
+                <a:solidFill>
+                  <a:schemeClr val="tx1"/>
+                </a:solidFill>
+              </a:rPr>
+              <a:t>中的</a:t>
+            </a:r>
+            <a:r>
+              <a:rPr kumimoji="0" lang="en-US" altLang="zh-CN" sz="3200" dirty="0" smtClean="0">
+                <a:solidFill>
+                  <a:schemeClr val="tx1"/>
+                </a:solidFill>
+              </a:rPr>
+              <a:t>super</a:t>
+            </a:r>
+            <a:r>
+              <a:rPr kumimoji="0" lang="zh-CN" altLang="en-US" sz="3200" dirty="0" smtClean="0">
+                <a:solidFill>
+                  <a:schemeClr val="tx1"/>
+                </a:solidFill>
+              </a:rPr>
+              <a:t>（当作</a:t>
+            </a:r>
+            <a:r>
+              <a:rPr kumimoji="0" lang="zh-CN" altLang="en-US" sz="3200" dirty="0" smtClean="0">
+                <a:solidFill>
+                  <a:schemeClr val="accent3"/>
+                </a:solidFill>
+              </a:rPr>
+              <a:t>函数</a:t>
+            </a:r>
+            <a:r>
+              <a:rPr kumimoji="0" lang="zh-CN" altLang="en-US" sz="3200" dirty="0" smtClean="0">
+                <a:solidFill>
+                  <a:schemeClr val="tx1"/>
+                </a:solidFill>
+              </a:rPr>
+              <a:t>使用，也可以当作</a:t>
+            </a:r>
+            <a:r>
+              <a:rPr kumimoji="0" lang="zh-CN" altLang="en-US" sz="3200" dirty="0" smtClean="0">
+                <a:solidFill>
+                  <a:schemeClr val="accent3"/>
+                </a:solidFill>
+              </a:rPr>
+              <a:t>对象</a:t>
+            </a:r>
+            <a:r>
+              <a:rPr kumimoji="0" lang="zh-CN" altLang="en-US" sz="3200" dirty="0" smtClean="0">
+                <a:solidFill>
+                  <a:schemeClr val="tx1"/>
+                </a:solidFill>
+              </a:rPr>
+              <a:t>使用）</a:t>
+            </a:r>
+            <a:br>
+              <a:rPr kumimoji="0" lang="zh-CN" altLang="en-US" sz="3200" dirty="0" smtClean="0">
+                <a:solidFill>
+                  <a:schemeClr val="tx1"/>
+                </a:solidFill>
+              </a:rPr>
+            </a:br>
+            <a:r>
+              <a:rPr kumimoji="0" lang="en-US" altLang="zh-CN" sz="2000" dirty="0" smtClean="0">
+                <a:solidFill>
+                  <a:schemeClr val="tx1"/>
+                </a:solidFill>
+              </a:rPr>
+              <a:t>- </a:t>
+            </a:r>
+            <a:r>
+              <a:rPr kumimoji="0" lang="zh-CN" altLang="en-US" sz="2000" dirty="0" smtClean="0">
+                <a:solidFill>
+                  <a:schemeClr val="tx1"/>
+                </a:solidFill>
+              </a:rPr>
+              <a:t>当做函数时，子类构造函数之中的super()，代表调用父类的构造函数</a:t>
+            </a:r>
+            <a:br>
+              <a:rPr kumimoji="0" lang="zh-CN" altLang="en-US" sz="2000" dirty="0" smtClean="0">
+                <a:solidFill>
+                  <a:schemeClr val="tx1"/>
+                </a:solidFill>
+              </a:rPr>
+            </a:br>
+            <a:r>
+              <a:rPr kumimoji="0" lang="en-US" altLang="zh-CN" sz="2000" dirty="0" smtClean="0">
+                <a:solidFill>
+                  <a:schemeClr val="tx1"/>
+                </a:solidFill>
+              </a:rPr>
+              <a:t>- </a:t>
+            </a:r>
+            <a:r>
+              <a:rPr kumimoji="0" lang="zh-CN" altLang="en-US" sz="2000" dirty="0" smtClean="0">
+                <a:solidFill>
+                  <a:schemeClr val="tx1"/>
+                </a:solidFill>
+              </a:rPr>
+              <a:t>当做对象时，在普通方法中，</a:t>
+            </a:r>
+            <a:r>
+              <a:rPr kumimoji="0" lang="zh-CN" altLang="en-US" sz="2000" dirty="0" smtClean="0">
+                <a:solidFill>
+                  <a:schemeClr val="accent3"/>
+                </a:solidFill>
+              </a:rPr>
+              <a:t>指向父类的原型对象</a:t>
+            </a:r>
+            <a:r>
+              <a:rPr kumimoji="0" lang="zh-CN" altLang="en-US" sz="2000" dirty="0" smtClean="0">
+                <a:solidFill>
+                  <a:schemeClr val="tx1"/>
+                </a:solidFill>
+              </a:rPr>
+              <a:t>；在静态方法中，</a:t>
+            </a:r>
+            <a:r>
+              <a:rPr kumimoji="0" lang="zh-CN" altLang="en-US" sz="2000" dirty="0" smtClean="0">
+                <a:solidFill>
+                  <a:schemeClr val="accent3"/>
+                </a:solidFill>
+              </a:rPr>
+              <a:t>指向父类</a:t>
+            </a:r>
+            <a:endParaRPr kumimoji="0" lang="zh-CN" altLang="en-US" sz="2000" dirty="0" smtClean="0">
+              <a:solidFill>
+                <a:schemeClr val="accent3"/>
+              </a:solidFill>
+            </a:endParaRPr>
+          </a:p>
+          <a:p>
+            <a:pPr eaLnBrk="1" hangingPunct="1">
+              <a:lnSpc>
+                <a:spcPct val="150000"/>
+              </a:lnSpc>
+            </a:pPr>
+            <a:endParaRPr kumimoji="0" lang="en-US" altLang="zh-CN" sz="3600" dirty="0" smtClean="0">
+              <a:solidFill>
+                <a:schemeClr val="tx1"/>
+              </a:solidFill>
+            </a:endParaRPr>
+          </a:p>
+          <a:p>
+            <a:pPr eaLnBrk="1" hangingPunct="1">
+              <a:lnSpc>
+                <a:spcPct val="150000"/>
+              </a:lnSpc>
+            </a:pPr>
+            <a:endParaRPr kumimoji="0" lang="zh-CN" altLang="en-US" dirty="0" smtClean="0">
+              <a:solidFill>
+                <a:schemeClr val="tx1"/>
+              </a:solidFill>
+            </a:endParaRPr>
+          </a:p>
+        </p:txBody>
+      </p:sp>
+      <p:sp>
+        <p:nvSpPr>
+          <p:cNvPr id="2" name="内容占位符 1"/>
+          <p:cNvSpPr>
+            <a:spLocks noGrp="1"/>
+          </p:cNvSpPr>
+          <p:nvPr>
+            <p:ph sz="quarter" idx="11"/>
+          </p:nvPr>
+        </p:nvSpPr>
+        <p:spPr>
+          <a:xfrm>
+            <a:off x="947420" y="308610"/>
+            <a:ext cx="8415655" cy="490220"/>
+          </a:xfrm>
+        </p:spPr>
+        <p:txBody>
+          <a:bodyPr/>
+          <a:lstStyle/>
+          <a:p>
+            <a:r>
+              <a:rPr kumimoji="0" lang="en-US" altLang="zh-CN" dirty="0">
+                <a:sym typeface="+mn-ea"/>
+              </a:rPr>
+              <a:t>ES6 Class</a:t>
+            </a:r>
+            <a:r>
+              <a:rPr kumimoji="0" lang="zh-CN" altLang="en-US" dirty="0">
+                <a:sym typeface="+mn-ea"/>
+              </a:rPr>
+              <a:t>的继承</a:t>
+            </a:r>
+            <a:endParaRPr kumimoji="0" lang="zh-CN" altLang="en-US" dirty="0">
+              <a:sym typeface="+mn-ea"/>
+            </a:endParaRPr>
+          </a:p>
+        </p:txBody>
+      </p:sp>
+      <p:sp>
+        <p:nvSpPr>
+          <p:cNvPr id="4" name="文本框 3"/>
+          <p:cNvSpPr txBox="1"/>
+          <p:nvPr/>
+        </p:nvSpPr>
+        <p:spPr>
+          <a:xfrm>
+            <a:off x="5802630" y="6108065"/>
+            <a:ext cx="5755640" cy="429895"/>
+          </a:xfrm>
+          <a:prstGeom prst="rect">
+            <a:avLst/>
+          </a:prstGeom>
+          <a:noFill/>
+        </p:spPr>
+        <p:txBody>
+          <a:bodyPr wrap="square" rtlCol="0">
+            <a:spAutoFit/>
+          </a:bodyPr>
+          <a:p>
+            <a:pPr algn="l"/>
+            <a:r>
+              <a:rPr lang="zh-CN" altLang="en-US" sz="2200">
+                <a:solidFill>
+                  <a:srgbClr val="FF0000"/>
+                </a:solidFill>
+                <a:latin typeface="+mn-ea"/>
+                <a:ea typeface="+mn-ea"/>
+                <a:sym typeface="+mn-ea"/>
+              </a:rPr>
+              <a:t>参见实例</a:t>
+            </a:r>
+            <a:r>
+              <a:rPr lang="en-US" altLang="zh-CN" sz="2200">
+                <a:solidFill>
+                  <a:srgbClr val="FF0000"/>
+                </a:solidFill>
+                <a:latin typeface="+mn-ea"/>
+                <a:ea typeface="+mn-ea"/>
+                <a:sym typeface="+mn-ea"/>
+              </a:rPr>
+              <a:t>demo07 super</a:t>
+            </a:r>
+            <a:r>
+              <a:rPr lang="zh-CN" altLang="en-US" sz="2200">
+                <a:solidFill>
+                  <a:srgbClr val="FF0000"/>
+                </a:solidFill>
+                <a:latin typeface="+mn-ea"/>
+                <a:ea typeface="+mn-ea"/>
+                <a:sym typeface="+mn-ea"/>
+              </a:rPr>
+              <a:t>实例 </a:t>
+            </a:r>
+            <a:r>
+              <a:rPr lang="en-US" altLang="zh-CN" sz="2200">
+                <a:solidFill>
+                  <a:srgbClr val="FF0000"/>
+                </a:solidFill>
+                <a:latin typeface="+mn-ea"/>
+                <a:ea typeface="+mn-ea"/>
+                <a:sym typeface="+mn-ea"/>
+              </a:rPr>
+              <a:t>Part2</a:t>
+            </a:r>
+            <a:endParaRPr lang="zh-CN" altLang="en-US" sz="2200">
+              <a:solidFill>
+                <a:srgbClr val="FF0000"/>
+              </a:solidFill>
+              <a:latin typeface="+mn-ea"/>
+              <a:ea typeface="+mn-ea"/>
+            </a:endParaRPr>
+          </a:p>
+        </p:txBody>
+      </p:sp>
+    </p:spTree>
+  </p:cSld>
+  <p:clrMapOvr>
+    <a:masterClrMapping/>
+  </p:clrMapOvr>
+  <p:timing>
+    <p:tnLst>
+      <p:par>
+        <p:cTn id="1" dur="indefinite" restart="never" nodeType="tmRoot">
+          <p:childTnLst>
+            <p:seq concurrent="1" nextAc="seek">
+              <p:cTn id="2" dur="indefinite" nodeType="mainSeq">
+                <p:childTnLst>
+                  <p:par>
+                    <p:cTn id="3" fill="hold">
+                      <p:stCondLst>
+                        <p:cond delay="indefinite"/>
+                      </p:stCondLst>
+                      <p:childTnLst>
+                        <p:par>
+                          <p:cTn id="4" fill="hold">
+                            <p:stCondLst>
+                              <p:cond delay="0"/>
+                            </p:stCondLst>
+                            <p:childTnLst>
+                              <p:par>
+                                <p:cTn id="5" presetID="2" presetClass="entr" presetSubtype="4" fill="hold" nodeType="clickEffect">
+                                  <p:stCondLst>
+                                    <p:cond delay="0"/>
+                                  </p:stCondLst>
+                                  <p:childTnLst>
+                                    <p:set>
+                                      <p:cBhvr>
+                                        <p:cTn id="6" dur="1" fill="hold">
+                                          <p:stCondLst>
+                                            <p:cond delay="0"/>
+                                          </p:stCondLst>
+                                        </p:cTn>
+                                        <p:tgtEl>
+                                          <p:spTgt spid="11266">
+                                            <p:txEl>
+                                              <p:pRg st="0" end="0"/>
+                                            </p:txEl>
+                                          </p:spTgt>
+                                        </p:tgtEl>
+                                        <p:attrNameLst>
+                                          <p:attrName>style.visibility</p:attrName>
+                                        </p:attrNameLst>
+                                      </p:cBhvr>
+                                      <p:to>
+                                        <p:strVal val="visible"/>
+                                      </p:to>
+                                    </p:set>
+                                    <p:anim calcmode="lin" valueType="num">
+                                      <p:cBhvr additive="base">
+                                        <p:cTn id="7" dur="500" fill="hold"/>
+                                        <p:tgtEl>
+                                          <p:spTgt spid="11266">
+                                            <p:txEl>
+                                              <p:pRg st="0" end="0"/>
+                                            </p:txEl>
+                                          </p:spTgt>
+                                        </p:tgtEl>
+                                        <p:attrNameLst>
+                                          <p:attrName>ppt_x</p:attrName>
+                                        </p:attrNameLst>
+                                      </p:cBhvr>
+                                      <p:tavLst>
+                                        <p:tav tm="0">
+                                          <p:val>
+                                            <p:strVal val="#ppt_x"/>
+                                          </p:val>
+                                        </p:tav>
+                                        <p:tav tm="100000">
+                                          <p:val>
+                                            <p:strVal val="#ppt_x"/>
+                                          </p:val>
+                                        </p:tav>
+                                      </p:tavLst>
+                                    </p:anim>
+                                    <p:anim calcmode="lin" valueType="num">
+                                      <p:cBhvr additive="base">
+                                        <p:cTn id="8" dur="500" fill="hold"/>
+                                        <p:tgtEl>
+                                          <p:spTgt spid="11266">
+                                            <p:txEl>
+                                              <p:pRg st="0" end="0"/>
+                                            </p:txEl>
+                                          </p:spTgt>
+                                        </p:tgtEl>
+                                        <p:attrNameLst>
+                                          <p:attrName>ppt_y</p:attrName>
+                                        </p:attrNameLst>
+                                      </p:cBhvr>
+                                      <p:tavLst>
+                                        <p:tav tm="0">
+                                          <p:val>
+                                            <p:strVal val="1+#ppt_h/2"/>
+                                          </p:val>
+                                        </p:tav>
+                                        <p:tav tm="100000">
+                                          <p:val>
+                                            <p:strVal val="#ppt_y"/>
+                                          </p:val>
+                                        </p:tav>
+                                      </p:tavLst>
+                                    </p:anim>
+                                  </p:childTnLst>
+                                </p:cTn>
+                              </p:par>
+                            </p:childTnLst>
+                          </p:cTn>
+                        </p:par>
+                      </p:childTnLst>
+                    </p:cTn>
+                  </p:par>
+                  <p:par>
+                    <p:cTn id="9" fill="hold">
+                      <p:stCondLst>
+                        <p:cond delay="indefinite"/>
+                      </p:stCondLst>
+                      <p:childTnLst>
+                        <p:par>
+                          <p:cTn id="10" fill="hold">
+                            <p:stCondLst>
+                              <p:cond delay="0"/>
+                            </p:stCondLst>
+                            <p:childTnLst>
+                              <p:par>
+                                <p:cTn id="11" presetID="2" presetClass="entr" presetSubtype="4" fill="hold" nodeType="clickEffect">
+                                  <p:stCondLst>
+                                    <p:cond delay="0"/>
+                                  </p:stCondLst>
+                                  <p:childTnLst>
+                                    <p:set>
+                                      <p:cBhvr>
+                                        <p:cTn id="12" dur="1" fill="hold">
+                                          <p:stCondLst>
+                                            <p:cond delay="0"/>
+                                          </p:stCondLst>
+                                        </p:cTn>
+                                        <p:tgtEl>
+                                          <p:spTgt spid="5"/>
+                                        </p:tgtEl>
+                                        <p:attrNameLst>
+                                          <p:attrName>style.visibility</p:attrName>
+                                        </p:attrNameLst>
+                                      </p:cBhvr>
+                                      <p:to>
+                                        <p:strVal val="visible"/>
+                                      </p:to>
+                                    </p:set>
+                                    <p:anim calcmode="lin" valueType="num">
+                                      <p:cBhvr additive="base">
+                                        <p:cTn id="13" dur="500" fill="hold"/>
+                                        <p:tgtEl>
+                                          <p:spTgt spid="5"/>
+                                        </p:tgtEl>
+                                        <p:attrNameLst>
+                                          <p:attrName>ppt_x</p:attrName>
+                                        </p:attrNameLst>
+                                      </p:cBhvr>
+                                      <p:tavLst>
+                                        <p:tav tm="0">
+                                          <p:val>
+                                            <p:strVal val="#ppt_x"/>
+                                          </p:val>
+                                        </p:tav>
+                                        <p:tav tm="100000">
+                                          <p:val>
+                                            <p:strVal val="#ppt_x"/>
+                                          </p:val>
+                                        </p:tav>
+                                      </p:tavLst>
+                                    </p:anim>
+                                    <p:anim calcmode="lin" valueType="num">
+                                      <p:cBhvr additive="base">
+                                        <p:cTn id="14" dur="500" fill="hold"/>
+                                        <p:tgtEl>
+                                          <p:spTgt spid="5"/>
+                                        </p:tgtEl>
+                                        <p:attrNameLst>
+                                          <p:attrName>ppt_y</p:attrName>
+                                        </p:attrNameLst>
+                                      </p:cBhvr>
+                                      <p:tavLst>
+                                        <p:tav tm="0">
+                                          <p:val>
+                                            <p:strVal val="1+#ppt_h/2"/>
+                                          </p:val>
+                                        </p:tav>
+                                        <p:tav tm="100000">
+                                          <p:val>
+                                            <p:strVal val="#ppt_y"/>
+                                          </p:val>
+                                        </p:tav>
+                                      </p:tavLst>
+                                    </p:anim>
+                                  </p:childTnLst>
+                                </p:cTn>
+                              </p:par>
+                            </p:childTnLst>
+                          </p:cTn>
+                        </p:par>
+                        <p:par>
+                          <p:cTn id="15" fill="hold">
+                            <p:stCondLst>
+                              <p:cond delay="500"/>
+                            </p:stCondLst>
+                            <p:childTnLst>
+                              <p:par>
+                                <p:cTn id="16" presetID="2" presetClass="entr" presetSubtype="4" fill="hold" grpId="0" nodeType="afterEffect">
+                                  <p:stCondLst>
+                                    <p:cond delay="0"/>
+                                  </p:stCondLst>
+                                  <p:childTnLst>
+                                    <p:set>
+                                      <p:cBhvr>
+                                        <p:cTn id="17" dur="1" fill="hold">
+                                          <p:stCondLst>
+                                            <p:cond delay="0"/>
+                                          </p:stCondLst>
+                                        </p:cTn>
+                                        <p:tgtEl>
+                                          <p:spTgt spid="4"/>
+                                        </p:tgtEl>
+                                        <p:attrNameLst>
+                                          <p:attrName>style.visibility</p:attrName>
+                                        </p:attrNameLst>
+                                      </p:cBhvr>
+                                      <p:to>
+                                        <p:strVal val="visible"/>
+                                      </p:to>
+                                    </p:set>
+                                    <p:anim calcmode="lin" valueType="num">
+                                      <p:cBhvr additive="base">
+                                        <p:cTn id="18" dur="500" fill="hold"/>
+                                        <p:tgtEl>
+                                          <p:spTgt spid="4"/>
+                                        </p:tgtEl>
+                                        <p:attrNameLst>
+                                          <p:attrName>ppt_x</p:attrName>
+                                        </p:attrNameLst>
+                                      </p:cBhvr>
+                                      <p:tavLst>
+                                        <p:tav tm="0">
+                                          <p:val>
+                                            <p:strVal val="#ppt_x"/>
+                                          </p:val>
+                                        </p:tav>
+                                        <p:tav tm="100000">
+                                          <p:val>
+                                            <p:strVal val="#ppt_x"/>
+                                          </p:val>
+                                        </p:tav>
+                                      </p:tavLst>
+                                    </p:anim>
+                                    <p:anim calcmode="lin" valueType="num">
+                                      <p:cBhvr additive="base">
+                                        <p:cTn id="19" dur="500" fill="hold"/>
+                                        <p:tgtEl>
+                                          <p:spTgt spid="4"/>
+                                        </p:tgtEl>
+                                        <p:attrNameLst>
+                                          <p:attrName>ppt_y</p:attrName>
+                                        </p:attrNameLst>
+                                      </p:cBhvr>
+                                      <p:tavLst>
+                                        <p:tav tm="0">
+                                          <p:val>
+                                            <p:strVal val="1+#ppt_h/2"/>
+                                          </p:val>
+                                        </p:tav>
+                                        <p:tav tm="100000">
+                                          <p:val>
+                                            <p:strVal val="#ppt_y"/>
+                                          </p:val>
+                                        </p:tav>
+                                      </p:tavLst>
+                                    </p:anim>
+                                  </p:childTnLst>
+                                </p:cTn>
+                              </p:par>
+                            </p:childTnLst>
+                          </p:cTn>
+                        </p:par>
+                      </p:childTnLst>
+                    </p:cTn>
+                  </p:par>
+                </p:childTnLst>
+              </p:cTn>
+              <p:prevCondLst>
+                <p:cond evt="onPrev" delay="0">
+                  <p:tgtEl>
+                    <p:sldTgt/>
+                  </p:tgtEl>
+                </p:cond>
+              </p:prevCondLst>
+              <p:nextCondLst>
+                <p:cond evt="onNext" delay="0">
+                  <p:tgtEl>
+                    <p:sldTgt/>
+                  </p:tgtEl>
+                </p:cond>
+              </p:nextCondLst>
+            </p:seq>
+          </p:childTnLst>
+        </p:cTn>
+      </p:par>
+    </p:tnLst>
+    <p:bldLst>
+      <p:bldP spid="4" grpId="0"/>
+    </p:bldLst>
+  </p:timing>
+</p:sld>
+</file>
+
+<file path=ppt/slides/slide14.xml><?xml version="1.0" encoding="utf-8"?>
+<p:sld xmlns:a="http://schemas.openxmlformats.org/drawingml/2006/main" xmlns:r="http://schemas.openxmlformats.org/officeDocument/2006/relationships" xmlns:p="http://schemas.openxmlformats.org/presentationml/2006/main">
+  <p:cSld>
+    <p:spTree>
+      <p:nvGrpSpPr>
+        <p:cNvPr id="1" name=""/>
+        <p:cNvGrpSpPr/>
+        <p:nvPr/>
+      </p:nvGrpSpPr>
+      <p:grpSpPr>
+        <a:xfrm>
+          <a:off x="0" y="0"/>
+          <a:ext cx="0" cy="0"/>
+          <a:chOff x="0" y="0"/>
+          <a:chExt cx="0" cy="0"/>
+        </a:xfrm>
+      </p:grpSpPr>
+      <p:pic>
+        <p:nvPicPr>
+          <p:cNvPr id="38914" name="Picture 5"/>
+          <p:cNvPicPr>
+            <a:picLocks noChangeAspect="1" noChangeArrowheads="1"/>
+          </p:cNvPicPr>
+          <p:nvPr/>
+        </p:nvPicPr>
+        <p:blipFill>
+          <a:blip r:embed="rId1">
+            <a:extLst>
+              <a:ext uri="{28A0092B-C50C-407E-A947-70E740481C1C}">
+                <a14:useLocalDpi xmlns:a14="http://schemas.microsoft.com/office/drawing/2010/main" val="0"/>
+              </a:ext>
+            </a:extLst>
+          </a:blip>
+          <a:srcRect/>
+          <a:stretch>
+            <a:fillRect/>
+          </a:stretch>
+        </p:blipFill>
+        <p:spPr bwMode="auto">
+          <a:xfrm>
+            <a:off x="0" y="0"/>
+            <a:ext cx="12192000" cy="6858000"/>
+          </a:xfrm>
+          <a:prstGeom prst="rect">
+            <a:avLst/>
+          </a:prstGeom>
+          <a:noFill/>
+          <a:ln>
+            <a:noFill/>
+          </a:ln>
+          <a:extLst>
+            <a:ext uri="{909E8E84-426E-40DD-AFC4-6F175D3DCCD1}">
+              <a14:hiddenFill xmlns:a14="http://schemas.microsoft.com/office/drawing/2010/main">
+                <a:solidFill>
+                  <a:srgbClr val="FFFFFF"/>
+                </a:solidFill>
+              </a14:hiddenFill>
+            </a:ext>
+            <a:ext uri="{91240B29-F687-4F45-9708-019B960494DF}">
+              <a14:hiddenLine xmlns:a14="http://schemas.microsoft.com/office/drawing/2010/main" w="9525">
+                <a:solidFill>
+                  <a:srgbClr val="000000"/>
+                </a:solidFill>
+                <a:miter lim="800000"/>
+                <a:headEnd/>
+                <a:tailEnd/>
+              </a14:hiddenLine>
+            </a:ext>
+          </a:extLst>
+        </p:spPr>
+      </p:pic>
+      <p:sp>
+        <p:nvSpPr>
+          <p:cNvPr id="38915" name="Rectangle 6"/>
+          <p:cNvSpPr>
+            <a:spLocks noGrp="1" noChangeArrowheads="1"/>
+          </p:cNvSpPr>
+          <p:nvPr>
+            <p:ph type="ctrTitle" idx="4294967295"/>
+          </p:nvPr>
+        </p:nvSpPr>
+        <p:spPr bwMode="auto">
+          <a:xfrm>
+            <a:off x="2547041" y="3068835"/>
+            <a:ext cx="7097918" cy="1285875"/>
+          </a:xfrm>
+          <a:prstGeom prst="rect">
+            <a:avLst/>
+          </a:prstGeom>
+          <a:noFill/>
+          <a:extLst>
+            <a:ext uri="{909E8E84-426E-40DD-AFC4-6F175D3DCCD1}">
+              <a14:hiddenFill xmlns:a14="http://schemas.microsoft.com/office/drawing/2010/main">
+                <a:solidFill>
+                  <a:srgbClr val="FFFFFF"/>
+                </a:solidFill>
+              </a14:hiddenFill>
+            </a:ext>
+            <a:ext uri="{91240B29-F687-4F45-9708-019B960494DF}">
+              <a14:hiddenLine xmlns:a14="http://schemas.microsoft.com/office/drawing/2010/main" w="9525">
+                <a:solidFill>
+                  <a:srgbClr val="000000"/>
+                </a:solidFill>
+                <a:miter lim="800000"/>
+                <a:headEnd/>
+                <a:tailEnd/>
+              </a14:hiddenLine>
+            </a:ext>
+          </a:extLst>
+        </p:spPr>
+        <p:txBody>
+          <a:bodyPr anchor="b"/>
+          <a:lstStyle/>
+          <a:p>
+            <a:pPr algn="ctr" eaLnBrk="1" hangingPunct="1"/>
+            <a:r>
+              <a:rPr kumimoji="0" lang="en-US" altLang="zh-CN" sz="5400" dirty="0"/>
+              <a:t>Thank </a:t>
+            </a:r>
+            <a:r>
+              <a:rPr kumimoji="0" lang="en-US" altLang="zh-CN" sz="5400" dirty="0">
+                <a:solidFill>
+                  <a:srgbClr val="FF0000"/>
+                </a:solidFill>
+              </a:rPr>
+              <a:t>You</a:t>
+            </a:r>
+            <a:r>
+              <a:rPr kumimoji="0" lang="zh-CN" altLang="en-US" sz="5400" dirty="0"/>
+              <a:t>！</a:t>
+            </a:r>
+            <a:endParaRPr kumimoji="0" lang="zh-CN" altLang="zh-CN" sz="5400" dirty="0"/>
+          </a:p>
+        </p:txBody>
+      </p:sp>
+      <p:pic>
+        <p:nvPicPr>
+          <p:cNvPr id="38916" name="图片 3" descr="软院logo横版.png"/>
+          <p:cNvPicPr>
+            <a:picLocks noChangeAspect="1"/>
+          </p:cNvPicPr>
+          <p:nvPr/>
+        </p:nvPicPr>
+        <p:blipFill>
+          <a:blip r:embed="rId2">
+            <a:extLst>
+              <a:ext uri="{28A0092B-C50C-407E-A947-70E740481C1C}">
+                <a14:useLocalDpi xmlns:a14="http://schemas.microsoft.com/office/drawing/2010/main" val="0"/>
+              </a:ext>
+            </a:extLst>
+          </a:blip>
+          <a:srcRect/>
+          <a:stretch>
+            <a:fillRect/>
+          </a:stretch>
+        </p:blipFill>
+        <p:spPr bwMode="auto">
+          <a:xfrm>
+            <a:off x="2062164" y="5927725"/>
+            <a:ext cx="3381375" cy="527050"/>
+          </a:xfrm>
+          <a:prstGeom prst="rect">
+            <a:avLst/>
+          </a:prstGeom>
+          <a:noFill/>
+          <a:ln>
+            <a:noFill/>
+          </a:ln>
+          <a:extLst>
+            <a:ext uri="{909E8E84-426E-40DD-AFC4-6F175D3DCCD1}">
+              <a14:hiddenFill xmlns:a14="http://schemas.microsoft.com/office/drawing/2010/main">
+                <a:solidFill>
+                  <a:srgbClr val="FFFFFF"/>
+                </a:solidFill>
+              </a14:hiddenFill>
+            </a:ext>
+            <a:ext uri="{91240B29-F687-4F45-9708-019B960494DF}">
+              <a14:hiddenLine xmlns:a14="http://schemas.microsoft.com/office/drawing/2010/main" w="9525">
+                <a:solidFill>
+                  <a:srgbClr val="000000"/>
+                </a:solidFill>
+                <a:miter lim="800000"/>
+                <a:headEnd/>
+                <a:tailEnd/>
+              </a14:hiddenLine>
+            </a:ext>
+          </a:extLst>
+        </p:spPr>
+      </p:pic>
+    </p:spTree>
+  </p:cSld>
+  <p:clrMapOvr>
+    <a:masterClrMapping/>
+  </p:clrMapOvr>
+  <p:timing>
+    <p:tnLst>
+      <p:par>
+        <p:cTn id="1" dur="indefinite" restart="never" nodeType="tmRoot"/>
+      </p:par>
+    </p:tnLst>
+  </p:timing>
+</p:sld>
+</file>
+
+<file path=ppt/slides/slide2.xml><?xml version="1.0" encoding="utf-8"?>
+<p:sld xmlns:a="http://schemas.openxmlformats.org/drawingml/2006/main" xmlns:r="http://schemas.openxmlformats.org/officeDocument/2006/relationships" xmlns:p="http://schemas.openxmlformats.org/presentationml/2006/main">
+  <p:cSld>
+    <p:spTree>
+      <p:nvGrpSpPr>
+        <p:cNvPr id="1" name=""/>
+        <p:cNvGrpSpPr/>
+        <p:nvPr/>
+      </p:nvGrpSpPr>
+      <p:grpSpPr>
+        <a:xfrm>
+          <a:off x="0" y="0"/>
+          <a:ext cx="0" cy="0"/>
+          <a:chOff x="0" y="0"/>
+          <a:chExt cx="0" cy="0"/>
+        </a:xfrm>
+      </p:grpSpPr>
+      <p:sp>
+        <p:nvSpPr>
+          <p:cNvPr id="5123" name="AutoShape 6"/>
+          <p:cNvSpPr>
+            <a:spLocks noChangeArrowheads="1"/>
+          </p:cNvSpPr>
+          <p:nvPr/>
+        </p:nvSpPr>
+        <p:spPr bwMode="auto">
+          <a:xfrm>
+            <a:off x="2566988" y="1339851"/>
+            <a:ext cx="6711950" cy="4214813"/>
+          </a:xfrm>
+          <a:prstGeom prst="roundRect">
+            <a:avLst>
+              <a:gd name="adj" fmla="val 16667"/>
+            </a:avLst>
+          </a:prstGeom>
+          <a:noFill/>
+          <a:ln w="28575">
+            <a:solidFill>
+              <a:srgbClr val="C0C0C0"/>
+            </a:solidFill>
+            <a:prstDash val="sysDot"/>
+            <a:round/>
+          </a:ln>
+          <a:extLst>
+            <a:ext uri="{909E8E84-426E-40DD-AFC4-6F175D3DCCD1}">
+              <a14:hiddenFill xmlns:a14="http://schemas.microsoft.com/office/drawing/2010/main">
+                <a:solidFill>
+                  <a:srgbClr val="FFFFFF"/>
+                </a:solidFill>
+              </a14:hiddenFill>
+            </a:ext>
+          </a:extLst>
+        </p:spPr>
+        <p:txBody>
+          <a:bodyPr wrap="none" anchor="ctr"/>
+          <a:lstStyle>
+            <a:lvl1pPr marL="457200" indent="-457200">
+              <a:defRPr sz="3200">
+                <a:solidFill>
+                  <a:schemeClr val="tx1"/>
+                </a:solidFill>
+                <a:latin typeface="Arial" panose="020B0604020202020204" pitchFamily="34" charset="0"/>
+                <a:ea typeface="微软雅黑" panose="020B0503020204020204" pitchFamily="34" charset="-122"/>
+              </a:defRPr>
+            </a:lvl1pPr>
+            <a:lvl2pPr marL="742950" indent="-285750">
+              <a:defRPr sz="3200">
+                <a:solidFill>
+                  <a:schemeClr val="tx1"/>
+                </a:solidFill>
+                <a:latin typeface="Arial" panose="020B0604020202020204" pitchFamily="34" charset="0"/>
+                <a:ea typeface="微软雅黑" panose="020B0503020204020204" pitchFamily="34" charset="-122"/>
+              </a:defRPr>
+            </a:lvl2pPr>
+            <a:lvl3pPr marL="1143000" indent="-228600">
+              <a:defRPr sz="3200">
+                <a:solidFill>
+                  <a:schemeClr val="tx1"/>
+                </a:solidFill>
+                <a:latin typeface="Arial" panose="020B0604020202020204" pitchFamily="34" charset="0"/>
+                <a:ea typeface="微软雅黑" panose="020B0503020204020204" pitchFamily="34" charset="-122"/>
+              </a:defRPr>
+            </a:lvl3pPr>
+            <a:lvl4pPr marL="1600200" indent="-228600">
+              <a:defRPr sz="3200">
+                <a:solidFill>
+                  <a:schemeClr val="tx1"/>
+                </a:solidFill>
+                <a:latin typeface="Arial" panose="020B0604020202020204" pitchFamily="34" charset="0"/>
+                <a:ea typeface="微软雅黑" panose="020B0503020204020204" pitchFamily="34" charset="-122"/>
+              </a:defRPr>
+            </a:lvl4pPr>
+            <a:lvl5pPr marL="2057400" indent="-228600">
+              <a:defRPr sz="3200">
+                <a:solidFill>
+                  <a:schemeClr val="tx1"/>
+                </a:solidFill>
+                <a:latin typeface="Arial" panose="020B0604020202020204" pitchFamily="34" charset="0"/>
+                <a:ea typeface="微软雅黑" panose="020B0503020204020204" pitchFamily="34" charset="-122"/>
+              </a:defRPr>
+            </a:lvl5pPr>
+            <a:lvl6pPr marL="2514600" indent="-228600" eaLnBrk="0" fontAlgn="base" hangingPunct="0">
+              <a:spcBef>
+                <a:spcPct val="0"/>
+              </a:spcBef>
+              <a:spcAft>
+                <a:spcPct val="0"/>
+              </a:spcAft>
+              <a:defRPr sz="3200">
+                <a:solidFill>
+                  <a:schemeClr val="tx1"/>
+                </a:solidFill>
+                <a:latin typeface="Arial" panose="020B0604020202020204" pitchFamily="34" charset="0"/>
+                <a:ea typeface="微软雅黑" panose="020B0503020204020204" pitchFamily="34" charset="-122"/>
+              </a:defRPr>
+            </a:lvl6pPr>
+            <a:lvl7pPr marL="2971800" indent="-228600" eaLnBrk="0" fontAlgn="base" hangingPunct="0">
+              <a:spcBef>
+                <a:spcPct val="0"/>
+              </a:spcBef>
+              <a:spcAft>
+                <a:spcPct val="0"/>
+              </a:spcAft>
+              <a:defRPr sz="3200">
+                <a:solidFill>
+                  <a:schemeClr val="tx1"/>
+                </a:solidFill>
+                <a:latin typeface="Arial" panose="020B0604020202020204" pitchFamily="34" charset="0"/>
+                <a:ea typeface="微软雅黑" panose="020B0503020204020204" pitchFamily="34" charset="-122"/>
+              </a:defRPr>
+            </a:lvl7pPr>
+            <a:lvl8pPr marL="3429000" indent="-228600" eaLnBrk="0" fontAlgn="base" hangingPunct="0">
+              <a:spcBef>
+                <a:spcPct val="0"/>
+              </a:spcBef>
+              <a:spcAft>
+                <a:spcPct val="0"/>
+              </a:spcAft>
+              <a:defRPr sz="3200">
+                <a:solidFill>
+                  <a:schemeClr val="tx1"/>
+                </a:solidFill>
+                <a:latin typeface="Arial" panose="020B0604020202020204" pitchFamily="34" charset="0"/>
+                <a:ea typeface="微软雅黑" panose="020B0503020204020204" pitchFamily="34" charset="-122"/>
+              </a:defRPr>
+            </a:lvl8pPr>
+            <a:lvl9pPr marL="3886200" indent="-228600" eaLnBrk="0" fontAlgn="base" hangingPunct="0">
+              <a:spcBef>
+                <a:spcPct val="0"/>
+              </a:spcBef>
+              <a:spcAft>
+                <a:spcPct val="0"/>
+              </a:spcAft>
+              <a:defRPr sz="3200">
+                <a:solidFill>
+                  <a:schemeClr val="tx1"/>
+                </a:solidFill>
+                <a:latin typeface="Arial" panose="020B0604020202020204" pitchFamily="34" charset="0"/>
+                <a:ea typeface="微软雅黑" panose="020B0503020204020204" pitchFamily="34" charset="-122"/>
+              </a:defRPr>
+            </a:lvl9pPr>
+          </a:lstStyle>
+          <a:p>
+            <a:pPr algn="l">
+              <a:lnSpc>
+                <a:spcPct val="150000"/>
+              </a:lnSpc>
+              <a:spcBef>
+                <a:spcPts val="1200"/>
+              </a:spcBef>
+              <a:spcAft>
+                <a:spcPts val="1200"/>
+              </a:spcAft>
+              <a:buClr>
+                <a:srgbClr val="92D050"/>
+              </a:buClr>
+              <a:buFont typeface="Wingdings" panose="05000000000000000000" pitchFamily="2" charset="2"/>
+              <a:buChar char="Ø"/>
+            </a:pPr>
+            <a:r>
+              <a:rPr lang="en-US" sz="2800" b="1">
+                <a:solidFill>
+                  <a:srgbClr val="FF0000"/>
+                </a:solidFill>
+              </a:rPr>
+              <a:t>ES6 Class</a:t>
+            </a:r>
+            <a:r>
+              <a:rPr lang="zh-CN" altLang="en-US" sz="2800" b="1">
+                <a:solidFill>
+                  <a:srgbClr val="FF0000"/>
+                </a:solidFill>
+              </a:rPr>
+              <a:t>基本语法</a:t>
+            </a:r>
+            <a:endParaRPr lang="zh-CN" altLang="en-US" sz="2800" b="1">
+              <a:solidFill>
+                <a:srgbClr val="FF0000"/>
+              </a:solidFill>
+            </a:endParaRPr>
+          </a:p>
+          <a:p>
+            <a:pPr algn="l">
+              <a:lnSpc>
+                <a:spcPct val="150000"/>
+              </a:lnSpc>
+              <a:spcBef>
+                <a:spcPts val="1200"/>
+              </a:spcBef>
+              <a:spcAft>
+                <a:spcPts val="1200"/>
+              </a:spcAft>
+              <a:buClr>
+                <a:srgbClr val="92D050"/>
+              </a:buClr>
+              <a:buFont typeface="Wingdings" panose="05000000000000000000" pitchFamily="2" charset="2"/>
+              <a:buChar char="Ø"/>
+            </a:pPr>
+            <a:r>
+              <a:rPr lang="en-US" altLang="zh-CN" sz="2800" b="1">
+                <a:solidFill>
+                  <a:schemeClr val="tx1"/>
+                </a:solidFill>
+                <a:sym typeface="+mn-ea"/>
+              </a:rPr>
+              <a:t>ES6 Class</a:t>
+            </a:r>
+            <a:r>
+              <a:rPr lang="zh-CN" altLang="en-US" sz="2800" b="1">
+                <a:solidFill>
+                  <a:schemeClr val="tx1"/>
+                </a:solidFill>
+                <a:sym typeface="+mn-ea"/>
+              </a:rPr>
+              <a:t>静态方法、静态属性</a:t>
+            </a:r>
+            <a:endParaRPr lang="zh-CN" altLang="en-US" sz="2800" b="1">
+              <a:solidFill>
+                <a:schemeClr val="tx1"/>
+              </a:solidFill>
+              <a:sym typeface="+mn-ea"/>
+            </a:endParaRPr>
+          </a:p>
+          <a:p>
+            <a:pPr algn="l">
+              <a:lnSpc>
+                <a:spcPct val="150000"/>
+              </a:lnSpc>
+              <a:spcBef>
+                <a:spcPts val="1200"/>
+              </a:spcBef>
+              <a:spcAft>
+                <a:spcPts val="1200"/>
+              </a:spcAft>
+              <a:buClr>
+                <a:srgbClr val="92D050"/>
+              </a:buClr>
+              <a:buFont typeface="Wingdings" panose="05000000000000000000" pitchFamily="2" charset="2"/>
+              <a:buChar char="Ø"/>
+            </a:pPr>
+            <a:r>
+              <a:rPr lang="en-US" sz="2800" b="1">
+                <a:solidFill>
+                  <a:schemeClr val="tx1"/>
+                </a:solidFill>
+                <a:sym typeface="+mn-ea"/>
+              </a:rPr>
+              <a:t>ES6 Class</a:t>
+            </a:r>
+            <a:r>
+              <a:rPr lang="zh-CN" altLang="en-US" sz="2800" b="1">
+                <a:solidFill>
+                  <a:schemeClr val="tx1"/>
+                </a:solidFill>
+                <a:sym typeface="+mn-ea"/>
+              </a:rPr>
+              <a:t>的继承</a:t>
+            </a:r>
+            <a:endParaRPr lang="zh-CN" altLang="en-US" sz="2800" b="1"/>
+          </a:p>
+        </p:txBody>
+      </p:sp>
+      <p:sp>
+        <p:nvSpPr>
+          <p:cNvPr id="4" name="内容占位符 3"/>
+          <p:cNvSpPr txBox="1"/>
+          <p:nvPr/>
+        </p:nvSpPr>
+        <p:spPr>
+          <a:xfrm>
+            <a:off x="981657" y="236943"/>
+            <a:ext cx="8191557" cy="490476"/>
+          </a:xfrm>
+          <a:prstGeom prst="rect">
+            <a:avLst/>
+          </a:prstGeom>
+        </p:spPr>
+        <p:txBody>
+          <a:bodyPr/>
+          <a:lstStyle>
+            <a:lvl1pPr marL="167005" indent="-167005" algn="l" defTabSz="0" rtl="0" eaLnBrk="0" fontAlgn="base" hangingPunct="0">
+              <a:spcBef>
+                <a:spcPct val="0"/>
+              </a:spcBef>
+              <a:spcAft>
+                <a:spcPct val="15000"/>
+              </a:spcAft>
+              <a:buClr>
+                <a:schemeClr val="tx2"/>
+              </a:buClr>
+              <a:buFont typeface="Arial" panose="020B0604020202020204" pitchFamily="34" charset="0"/>
+              <a:buChar char="•"/>
+              <a:defRPr kumimoji="1" sz="1600">
+                <a:solidFill>
+                  <a:srgbClr val="006F53"/>
+                </a:solidFill>
+                <a:latin typeface="微软雅黑" panose="020B0503020204020204" pitchFamily="34" charset="-122"/>
+                <a:ea typeface="微软雅黑" panose="020B0503020204020204" pitchFamily="34" charset="-122"/>
+                <a:cs typeface="微软雅黑" panose="020B0503020204020204" pitchFamily="34" charset="-122"/>
+              </a:defRPr>
+            </a:lvl1pPr>
+            <a:lvl2pPr marL="398780" indent="-230505" algn="l" defTabSz="0" rtl="0" eaLnBrk="0" fontAlgn="base" hangingPunct="0">
+              <a:spcBef>
+                <a:spcPct val="0"/>
+              </a:spcBef>
+              <a:spcAft>
+                <a:spcPct val="15000"/>
+              </a:spcAft>
+              <a:buClr>
+                <a:schemeClr val="tx2"/>
+              </a:buClr>
+              <a:buFont typeface="Arial" panose="020B0604020202020204" pitchFamily="34" charset="0"/>
+              <a:buChar char="–"/>
+              <a:defRPr kumimoji="1" sz="2800">
+                <a:solidFill>
+                  <a:schemeClr val="bg2"/>
+                </a:solidFill>
+                <a:latin typeface="微软雅黑" panose="020B0503020204020204" pitchFamily="34" charset="-122"/>
+                <a:ea typeface="微软雅黑" panose="020B0503020204020204" pitchFamily="34" charset="-122"/>
+                <a:cs typeface="微软雅黑" panose="020B0503020204020204" pitchFamily="34" charset="-122"/>
+              </a:defRPr>
+            </a:lvl2pPr>
+            <a:lvl3pPr marL="400050" indent="182880" algn="l" defTabSz="0" rtl="0" eaLnBrk="0" fontAlgn="base" hangingPunct="0">
+              <a:spcBef>
+                <a:spcPct val="0"/>
+              </a:spcBef>
+              <a:spcAft>
+                <a:spcPct val="15000"/>
+              </a:spcAft>
+              <a:buClr>
+                <a:schemeClr val="tx2"/>
+              </a:buClr>
+              <a:buFont typeface="Arial" panose="020B0604020202020204" pitchFamily="34" charset="0"/>
+              <a:buChar char="•"/>
+              <a:defRPr kumimoji="1" sz="1600">
+                <a:solidFill>
+                  <a:schemeClr val="bg2"/>
+                </a:solidFill>
+                <a:latin typeface="微软雅黑" panose="020B0503020204020204" pitchFamily="34" charset="-122"/>
+                <a:ea typeface="微软雅黑" panose="020B0503020204020204" pitchFamily="34" charset="-122"/>
+                <a:cs typeface="微软雅黑" panose="020B0503020204020204" pitchFamily="34" charset="-122"/>
+              </a:defRPr>
+            </a:lvl3pPr>
+            <a:lvl4pPr marL="825500" indent="-241300" algn="l" defTabSz="0" rtl="0" eaLnBrk="0" fontAlgn="base" hangingPunct="0">
+              <a:spcBef>
+                <a:spcPct val="0"/>
+              </a:spcBef>
+              <a:spcAft>
+                <a:spcPct val="15000"/>
+              </a:spcAft>
+              <a:buClr>
+                <a:schemeClr val="tx2"/>
+              </a:buClr>
+              <a:buFont typeface="Arial" panose="020B0604020202020204" pitchFamily="34" charset="0"/>
+              <a:buChar char="–"/>
+              <a:defRPr kumimoji="1" sz="1600">
+                <a:solidFill>
+                  <a:schemeClr val="bg2"/>
+                </a:solidFill>
+                <a:latin typeface="微软雅黑" panose="020B0503020204020204" pitchFamily="34" charset="-122"/>
+                <a:ea typeface="微软雅黑" panose="020B0503020204020204" pitchFamily="34" charset="-122"/>
+                <a:cs typeface="微软雅黑" panose="020B0503020204020204" pitchFamily="34" charset="-122"/>
+              </a:defRPr>
+            </a:lvl4pPr>
+            <a:lvl5pPr marL="2057400" indent="-228600" algn="l" defTabSz="0" rtl="0" eaLnBrk="0" fontAlgn="base" hangingPunct="0">
+              <a:spcBef>
+                <a:spcPct val="0"/>
+              </a:spcBef>
+              <a:spcAft>
+                <a:spcPct val="25000"/>
+              </a:spcAft>
+              <a:buClr>
+                <a:schemeClr val="tx2"/>
+              </a:buClr>
+              <a:buFont typeface="Arial" panose="020B0604020202020204" pitchFamily="34" charset="0"/>
+              <a:buChar char="–"/>
+              <a:defRPr kumimoji="1" sz="2000">
+                <a:solidFill>
+                  <a:schemeClr val="tx1"/>
+                </a:solidFill>
+                <a:latin typeface="+mn-lt"/>
+                <a:ea typeface="微软雅黑" panose="020B0503020204020204" pitchFamily="34" charset="-122"/>
+                <a:cs typeface="微软雅黑" panose="020B0503020204020204" pitchFamily="34" charset="-122"/>
+              </a:defRPr>
+            </a:lvl5pPr>
+            <a:lvl6pPr marL="2514600" indent="-228600" algn="l" defTabSz="0" rtl="0" eaLnBrk="0" fontAlgn="base" hangingPunct="0">
+              <a:spcBef>
+                <a:spcPct val="0"/>
+              </a:spcBef>
+              <a:spcAft>
+                <a:spcPct val="25000"/>
+              </a:spcAft>
+              <a:buClr>
+                <a:schemeClr val="tx2"/>
+              </a:buClr>
+              <a:buFont typeface="Arial" panose="020B0604020202020204" pitchFamily="34" charset="0"/>
+              <a:buChar char="–"/>
+              <a:defRPr>
+                <a:solidFill>
+                  <a:schemeClr val="tx1"/>
+                </a:solidFill>
+                <a:latin typeface="+mn-lt"/>
+              </a:defRPr>
+            </a:lvl6pPr>
+            <a:lvl7pPr marL="2971800" indent="-228600" algn="l" defTabSz="0" rtl="0" eaLnBrk="0" fontAlgn="base" hangingPunct="0">
+              <a:spcBef>
+                <a:spcPct val="0"/>
+              </a:spcBef>
+              <a:spcAft>
+                <a:spcPct val="25000"/>
+              </a:spcAft>
+              <a:buClr>
+                <a:schemeClr val="tx2"/>
+              </a:buClr>
+              <a:buFont typeface="Arial" panose="020B0604020202020204" pitchFamily="34" charset="0"/>
+              <a:buChar char="–"/>
+              <a:defRPr>
+                <a:solidFill>
+                  <a:schemeClr val="tx1"/>
+                </a:solidFill>
+                <a:latin typeface="+mn-lt"/>
+              </a:defRPr>
+            </a:lvl7pPr>
+            <a:lvl8pPr marL="3429000" indent="-228600" algn="l" defTabSz="0" rtl="0" eaLnBrk="0" fontAlgn="base" hangingPunct="0">
+              <a:spcBef>
+                <a:spcPct val="0"/>
+              </a:spcBef>
+              <a:spcAft>
+                <a:spcPct val="25000"/>
+              </a:spcAft>
+              <a:buClr>
+                <a:schemeClr val="tx2"/>
+              </a:buClr>
+              <a:buFont typeface="Arial" panose="020B0604020202020204" pitchFamily="34" charset="0"/>
+              <a:buChar char="–"/>
+              <a:defRPr>
+                <a:solidFill>
+                  <a:schemeClr val="tx1"/>
+                </a:solidFill>
+                <a:latin typeface="+mn-lt"/>
+              </a:defRPr>
+            </a:lvl8pPr>
+            <a:lvl9pPr marL="3886200" indent="-228600" algn="l" defTabSz="0" rtl="0" eaLnBrk="0" fontAlgn="base" hangingPunct="0">
+              <a:spcBef>
+                <a:spcPct val="0"/>
+              </a:spcBef>
+              <a:spcAft>
+                <a:spcPct val="25000"/>
+              </a:spcAft>
+              <a:buClr>
+                <a:schemeClr val="tx2"/>
+              </a:buClr>
+              <a:buFont typeface="Arial" panose="020B0604020202020204" pitchFamily="34" charset="0"/>
+              <a:buChar char="–"/>
+              <a:defRPr>
+                <a:solidFill>
+                  <a:schemeClr val="tx1"/>
+                </a:solidFill>
+                <a:latin typeface="+mn-lt"/>
+              </a:defRPr>
+            </a:lvl9pPr>
+          </a:lstStyle>
+          <a:p>
+            <a:pPr marL="0" indent="0">
+              <a:buNone/>
+            </a:pPr>
+            <a:r>
+              <a:rPr lang="zh-CN" altLang="en-US" sz="3200" dirty="0" smtClean="0">
+                <a:solidFill>
+                  <a:srgbClr val="C00000"/>
+                </a:solidFill>
+                <a:cs typeface="+mn-cs"/>
+                <a:sym typeface="+mn-ea"/>
+              </a:rPr>
+              <a:t>内容提纲</a:t>
+            </a:r>
+            <a:endParaRPr lang="zh-CN" altLang="en-US" kern="0" dirty="0"/>
+          </a:p>
+        </p:txBody>
+      </p:sp>
+    </p:spTree>
+  </p:cSld>
+  <p:clrMapOvr>
+    <a:masterClrMapping/>
+  </p:clrMapOvr>
+  <p:timing>
+    <p:tnLst>
+      <p:par>
+        <p:cTn id="1" dur="indefinite" restart="never" nodeType="tmRoot"/>
+      </p:par>
+    </p:tnLst>
+  </p:timing>
+</p:sld>
+</file>
+
+<file path=ppt/slides/slide3.xml><?xml version="1.0" encoding="utf-8"?>
+<p:sld xmlns:a="http://schemas.openxmlformats.org/drawingml/2006/main" xmlns:r="http://schemas.openxmlformats.org/officeDocument/2006/relationships" xmlns:p="http://schemas.openxmlformats.org/presentationml/2006/main">
+  <p:cSld>
+    <p:spTree>
+      <p:nvGrpSpPr>
+        <p:cNvPr id="1" name=""/>
+        <p:cNvGrpSpPr/>
+        <p:nvPr/>
+      </p:nvGrpSpPr>
+      <p:grpSpPr>
+        <a:xfrm>
+          <a:off x="0" y="0"/>
+          <a:ext cx="0" cy="0"/>
+          <a:chOff x="0" y="0"/>
+          <a:chExt cx="0" cy="0"/>
+        </a:xfrm>
+      </p:grpSpPr>
+      <p:sp>
+        <p:nvSpPr>
+          <p:cNvPr id="11266" name="内容占位符 1"/>
+          <p:cNvSpPr>
+            <a:spLocks noGrp="1"/>
+          </p:cNvSpPr>
+          <p:nvPr>
+            <p:ph sz="quarter" idx="10"/>
+          </p:nvPr>
+        </p:nvSpPr>
+        <p:spPr bwMode="auto">
+          <a:xfrm>
+            <a:off x="875665" y="868680"/>
+            <a:ext cx="11133455" cy="5115560"/>
+          </a:xfrm>
+          <a:noFill/>
+          <a:extLst>
+            <a:ext uri="{909E8E84-426E-40DD-AFC4-6F175D3DCCD1}">
+              <a14:hiddenFill xmlns:a14="http://schemas.microsoft.com/office/drawing/2010/main">
+                <a:solidFill>
+                  <a:srgbClr val="FFFFFF"/>
+                </a:solidFill>
+              </a14:hiddenFill>
+            </a:ext>
+            <a:ext uri="{91240B29-F687-4F45-9708-019B960494DF}">
+              <a14:hiddenLine xmlns:a14="http://schemas.microsoft.com/office/drawing/2010/main" w="9525">
+                <a:solidFill>
+                  <a:srgbClr val="000000"/>
+                </a:solidFill>
+                <a:miter lim="800000"/>
+                <a:headEnd/>
+                <a:tailEnd/>
+              </a14:hiddenLine>
+            </a:ext>
+          </a:extLst>
+        </p:spPr>
+        <p:txBody>
+          <a:bodyPr vert="horz" wrap="square" lIns="91440" tIns="45720" rIns="91440" bIns="45720" numCol="1" anchor="t" anchorCtr="0" compatLnSpc="1"/>
+          <a:lstStyle/>
+          <a:p>
+            <a:pPr>
+              <a:lnSpc>
+                <a:spcPct val="130000"/>
+              </a:lnSpc>
+            </a:pPr>
+            <a:r>
+              <a:rPr kumimoji="0" lang="zh-CN" altLang="en-US" sz="3200" dirty="0" smtClean="0">
+                <a:solidFill>
+                  <a:schemeClr val="tx1"/>
+                </a:solidFill>
+              </a:rPr>
+              <a:t>ES</a:t>
+            </a:r>
+            <a:r>
+              <a:rPr kumimoji="0" lang="en-US" altLang="zh-CN" sz="3200" dirty="0" smtClean="0">
+                <a:solidFill>
+                  <a:schemeClr val="tx1"/>
+                </a:solidFill>
+              </a:rPr>
+              <a:t>5</a:t>
+            </a:r>
+            <a:r>
+              <a:rPr kumimoji="0" lang="zh-CN" altLang="en-US" sz="3200" dirty="0" smtClean="0">
+                <a:solidFill>
+                  <a:schemeClr val="tx1"/>
+                </a:solidFill>
+              </a:rPr>
+              <a:t>中使用构造函数定义并生成新的对象（模拟类</a:t>
+            </a:r>
+            <a:r>
+              <a:rPr kumimoji="0" lang="en-US" altLang="zh-CN" sz="3200" dirty="0" smtClean="0">
+                <a:solidFill>
+                  <a:schemeClr val="tx1"/>
+                </a:solidFill>
+              </a:rPr>
+              <a:t>-</a:t>
+            </a:r>
+            <a:r>
+              <a:rPr kumimoji="0" lang="zh-CN" altLang="en-US" sz="3200" dirty="0" smtClean="0">
+                <a:solidFill>
+                  <a:schemeClr val="tx1"/>
+                </a:solidFill>
+              </a:rPr>
+              <a:t>类继承）</a:t>
+            </a:r>
+            <a:br>
+              <a:rPr kumimoji="0" lang="zh-CN" altLang="en-US" sz="3200" dirty="0" smtClean="0">
+                <a:solidFill>
+                  <a:schemeClr val="tx1"/>
+                </a:solidFill>
+              </a:rPr>
+            </a:br>
+            <a:r>
+              <a:rPr kumimoji="0" lang="en-US" altLang="zh-CN" sz="2000" dirty="0" smtClean="0">
+                <a:solidFill>
+                  <a:schemeClr val="tx1"/>
+                </a:solidFill>
+              </a:rPr>
+              <a:t>- </a:t>
+            </a:r>
+            <a:r>
+              <a:rPr kumimoji="0" lang="zh-CN" altLang="en-US" sz="2000" dirty="0" smtClean="0">
+                <a:solidFill>
+                  <a:schemeClr val="tx1"/>
+                </a:solidFill>
+              </a:rPr>
+              <a:t>与传统面向对象语言的差异比较大，不利于开发和维护复杂的应用程序</a:t>
+            </a:r>
+            <a:endParaRPr kumimoji="0" lang="zh-CN" altLang="en-US" sz="2000" dirty="0" smtClean="0">
+              <a:solidFill>
+                <a:schemeClr val="tx1"/>
+              </a:solidFill>
+              <a:sym typeface="+mn-ea"/>
+            </a:endParaRPr>
+          </a:p>
+          <a:p>
+            <a:pPr eaLnBrk="1" hangingPunct="1">
+              <a:lnSpc>
+                <a:spcPct val="150000"/>
+              </a:lnSpc>
+            </a:pPr>
+            <a:endParaRPr kumimoji="0" lang="en-US" altLang="zh-CN" sz="3600" dirty="0" smtClean="0">
+              <a:solidFill>
+                <a:schemeClr val="tx1"/>
+              </a:solidFill>
+            </a:endParaRPr>
+          </a:p>
+          <a:p>
+            <a:pPr eaLnBrk="1" hangingPunct="1">
+              <a:lnSpc>
+                <a:spcPct val="150000"/>
+              </a:lnSpc>
+            </a:pPr>
+            <a:endParaRPr kumimoji="0" lang="zh-CN" altLang="en-US" dirty="0" smtClean="0">
+              <a:solidFill>
+                <a:schemeClr val="tx1"/>
+              </a:solidFill>
+            </a:endParaRPr>
+          </a:p>
+        </p:txBody>
+      </p:sp>
+      <p:sp>
+        <p:nvSpPr>
+          <p:cNvPr id="2" name="内容占位符 1"/>
+          <p:cNvSpPr>
+            <a:spLocks noGrp="1"/>
+          </p:cNvSpPr>
+          <p:nvPr>
+            <p:ph sz="quarter" idx="11"/>
+          </p:nvPr>
+        </p:nvSpPr>
+        <p:spPr>
+          <a:xfrm>
+            <a:off x="947420" y="308610"/>
+            <a:ext cx="8415655" cy="490220"/>
+          </a:xfrm>
+        </p:spPr>
+        <p:txBody>
+          <a:bodyPr/>
+          <a:lstStyle/>
+          <a:p>
+            <a:r>
+              <a:rPr kumimoji="0" lang="en-US" altLang="zh-CN" dirty="0">
+                <a:sym typeface="+mn-ea"/>
+              </a:rPr>
+              <a:t>ES6 Class</a:t>
+            </a:r>
+            <a:r>
+              <a:rPr kumimoji="0" lang="zh-CN" altLang="en-US" dirty="0">
+                <a:sym typeface="+mn-ea"/>
+              </a:rPr>
+              <a:t>语法</a:t>
+            </a:r>
+            <a:endParaRPr kumimoji="0" lang="zh-CN" altLang="en-US" dirty="0">
+              <a:sym typeface="+mn-ea"/>
+            </a:endParaRPr>
+          </a:p>
+        </p:txBody>
+      </p:sp>
+      <p:pic>
+        <p:nvPicPr>
+          <p:cNvPr id="3" name="图片 2"/>
+          <p:cNvPicPr>
+            <a:picLocks noChangeAspect="1"/>
+          </p:cNvPicPr>
+          <p:nvPr/>
+        </p:nvPicPr>
+        <p:blipFill>
+          <a:blip r:embed="rId1"/>
+          <a:stretch>
+            <a:fillRect/>
+          </a:stretch>
+        </p:blipFill>
+        <p:spPr>
+          <a:xfrm>
+            <a:off x="1132205" y="2152015"/>
+            <a:ext cx="5751195" cy="3283585"/>
+          </a:xfrm>
+          <a:prstGeom prst="rect">
+            <a:avLst/>
+          </a:prstGeom>
+        </p:spPr>
+      </p:pic>
+      <p:sp>
+        <p:nvSpPr>
+          <p:cNvPr id="5" name="文本框 4"/>
+          <p:cNvSpPr txBox="1"/>
+          <p:nvPr/>
+        </p:nvSpPr>
+        <p:spPr>
+          <a:xfrm>
+            <a:off x="7028180" y="2424430"/>
+            <a:ext cx="5086985" cy="3138170"/>
+          </a:xfrm>
+          <a:prstGeom prst="rect">
+            <a:avLst/>
+          </a:prstGeom>
+          <a:noFill/>
+        </p:spPr>
+        <p:txBody>
+          <a:bodyPr wrap="square" rtlCol="0">
+            <a:spAutoFit/>
+          </a:bodyPr>
+          <a:p>
+            <a:pPr algn="l"/>
+            <a:r>
+              <a:rPr lang="zh-CN" altLang="en-US" sz="2200">
+                <a:solidFill>
+                  <a:srgbClr val="FF0000"/>
+                </a:solidFill>
+                <a:latin typeface="+mn-ea"/>
+                <a:ea typeface="+mn-ea"/>
+              </a:rPr>
+              <a:t>回顾：</a:t>
+            </a:r>
+            <a:br>
+              <a:rPr lang="zh-CN" altLang="en-US" sz="2200">
+                <a:solidFill>
+                  <a:srgbClr val="FF0000"/>
+                </a:solidFill>
+                <a:latin typeface="+mn-ea"/>
+                <a:ea typeface="+mn-ea"/>
+              </a:rPr>
+            </a:br>
+            <a:r>
+              <a:rPr lang="en-US" sz="2200">
+                <a:solidFill>
+                  <a:srgbClr val="FF0000"/>
+                </a:solidFill>
+                <a:latin typeface="+mn-ea"/>
+                <a:ea typeface="+mn-ea"/>
+              </a:rPr>
+              <a:t>p.constructor</a:t>
+            </a:r>
+            <a:r>
+              <a:rPr lang="zh-CN" altLang="en-US" sz="2200">
+                <a:solidFill>
+                  <a:srgbClr val="FF0000"/>
+                </a:solidFill>
+                <a:latin typeface="+mn-ea"/>
+                <a:ea typeface="+mn-ea"/>
+              </a:rPr>
+              <a:t>是什么？</a:t>
+            </a:r>
+            <a:br>
+              <a:rPr lang="zh-CN" altLang="en-US" sz="2200">
+                <a:solidFill>
+                  <a:srgbClr val="FF0000"/>
+                </a:solidFill>
+                <a:latin typeface="+mn-ea"/>
+                <a:ea typeface="+mn-ea"/>
+              </a:rPr>
+            </a:br>
+            <a:r>
+              <a:rPr lang="en-US" altLang="zh-CN" sz="2200">
+                <a:solidFill>
+                  <a:srgbClr val="FF0000"/>
+                </a:solidFill>
+                <a:latin typeface="+mn-ea"/>
+                <a:ea typeface="+mn-ea"/>
+              </a:rPr>
+              <a:t>p.__proto__</a:t>
+            </a:r>
+            <a:r>
+              <a:rPr lang="zh-CN" altLang="en-US" sz="2200">
+                <a:solidFill>
+                  <a:srgbClr val="FF0000"/>
+                </a:solidFill>
+                <a:latin typeface="+mn-ea"/>
+                <a:ea typeface="+mn-ea"/>
+              </a:rPr>
+              <a:t>是什么？</a:t>
+            </a:r>
+            <a:endParaRPr lang="zh-CN" altLang="en-US" sz="2200">
+              <a:solidFill>
+                <a:srgbClr val="FF0000"/>
+              </a:solidFill>
+              <a:latin typeface="+mn-ea"/>
+              <a:ea typeface="+mn-ea"/>
+            </a:endParaRPr>
+          </a:p>
+          <a:p>
+            <a:pPr algn="l"/>
+            <a:r>
+              <a:rPr lang="en-US" altLang="zh-CN" sz="2200">
+                <a:solidFill>
+                  <a:srgbClr val="FF0000"/>
+                </a:solidFill>
+                <a:latin typeface="+mn-ea"/>
+                <a:ea typeface="+mn-ea"/>
+              </a:rPr>
+              <a:t>Point.prototype</a:t>
+            </a:r>
+            <a:r>
+              <a:rPr lang="zh-CN" altLang="en-US" sz="2200">
+                <a:solidFill>
+                  <a:srgbClr val="FF0000"/>
+                </a:solidFill>
+                <a:latin typeface="+mn-ea"/>
+                <a:ea typeface="+mn-ea"/>
+              </a:rPr>
+              <a:t>是什么？</a:t>
+            </a:r>
+            <a:br>
+              <a:rPr lang="zh-CN" altLang="en-US" sz="2200">
+                <a:solidFill>
+                  <a:srgbClr val="FF0000"/>
+                </a:solidFill>
+                <a:latin typeface="+mn-ea"/>
+                <a:ea typeface="+mn-ea"/>
+              </a:rPr>
+            </a:br>
+            <a:r>
+              <a:rPr lang="en-US" altLang="zh-CN" sz="2200">
+                <a:solidFill>
+                  <a:srgbClr val="FF0000"/>
+                </a:solidFill>
+                <a:latin typeface="+mn-ea"/>
+                <a:ea typeface="+mn-ea"/>
+              </a:rPr>
+              <a:t>Point.__proto__</a:t>
+            </a:r>
+            <a:r>
+              <a:rPr lang="zh-CN" altLang="en-US" sz="2200">
+                <a:solidFill>
+                  <a:srgbClr val="FF0000"/>
+                </a:solidFill>
+                <a:latin typeface="+mn-ea"/>
+                <a:ea typeface="+mn-ea"/>
+              </a:rPr>
+              <a:t>是什么？</a:t>
+            </a:r>
+            <a:endParaRPr lang="zh-CN" altLang="en-US" sz="2200">
+              <a:solidFill>
+                <a:srgbClr val="FF0000"/>
+              </a:solidFill>
+              <a:latin typeface="+mn-ea"/>
+              <a:ea typeface="+mn-ea"/>
+            </a:endParaRPr>
+          </a:p>
+          <a:p>
+            <a:pPr algn="l"/>
+            <a:r>
+              <a:rPr lang="en-US" altLang="zh-CN" sz="2200">
+                <a:solidFill>
+                  <a:srgbClr val="FF0000"/>
+                </a:solidFill>
+                <a:latin typeface="+mn-ea"/>
+                <a:ea typeface="+mn-ea"/>
+              </a:rPr>
+              <a:t>Point.prototype.constructor</a:t>
+            </a:r>
+            <a:r>
+              <a:rPr lang="zh-CN" altLang="en-US" sz="2200">
+                <a:solidFill>
+                  <a:srgbClr val="FF0000"/>
+                </a:solidFill>
+                <a:latin typeface="+mn-ea"/>
+                <a:ea typeface="+mn-ea"/>
+              </a:rPr>
+              <a:t>是什么？</a:t>
+            </a:r>
+            <a:endParaRPr lang="zh-CN" altLang="en-US" sz="2200">
+              <a:solidFill>
+                <a:srgbClr val="FF0000"/>
+              </a:solidFill>
+              <a:latin typeface="+mn-ea"/>
+              <a:ea typeface="+mn-ea"/>
+            </a:endParaRPr>
+          </a:p>
+          <a:p>
+            <a:pPr algn="l"/>
+            <a:r>
+              <a:rPr lang="zh-CN" altLang="en-US" sz="2200">
+                <a:solidFill>
+                  <a:srgbClr val="FF0000"/>
+                </a:solidFill>
+                <a:latin typeface="+mn-ea"/>
+                <a:ea typeface="+mn-ea"/>
+              </a:rPr>
+              <a:t>如何添加私有属性？</a:t>
+            </a:r>
+            <a:endParaRPr lang="zh-CN" altLang="en-US" sz="2200">
+              <a:solidFill>
+                <a:srgbClr val="FF0000"/>
+              </a:solidFill>
+              <a:latin typeface="+mn-ea"/>
+              <a:ea typeface="+mn-ea"/>
+            </a:endParaRPr>
+          </a:p>
+          <a:p>
+            <a:pPr algn="l"/>
+            <a:r>
+              <a:rPr lang="zh-CN" altLang="en-US" sz="2200">
+                <a:solidFill>
+                  <a:srgbClr val="FF0000"/>
+                </a:solidFill>
+                <a:latin typeface="+mn-ea"/>
+                <a:ea typeface="+mn-ea"/>
+              </a:rPr>
+              <a:t>访问私有属性的方法是否可以定义在原型上？</a:t>
+            </a:r>
+            <a:endParaRPr lang="zh-CN" altLang="en-US" sz="2200">
+              <a:solidFill>
+                <a:srgbClr val="FF0000"/>
+              </a:solidFill>
+              <a:latin typeface="+mn-ea"/>
+              <a:ea typeface="+mn-ea"/>
+            </a:endParaRPr>
+          </a:p>
+        </p:txBody>
+      </p:sp>
+    </p:spTree>
+  </p:cSld>
+  <p:clrMapOvr>
+    <a:masterClrMapping/>
+  </p:clrMapOvr>
+  <p:timing>
+    <p:tnLst>
+      <p:par>
+        <p:cTn id="1" dur="indefinite" restart="never" nodeType="tmRoot">
+          <p:childTnLst>
+            <p:seq concurrent="1" nextAc="seek">
+              <p:cTn id="2" dur="indefinite" nodeType="mainSeq">
+                <p:childTnLst>
+                  <p:par>
+                    <p:cTn id="3" fill="hold">
+                      <p:stCondLst>
+                        <p:cond delay="indefinite"/>
+                      </p:stCondLst>
+                      <p:childTnLst>
+                        <p:par>
+                          <p:cTn id="4" fill="hold">
+                            <p:stCondLst>
+                              <p:cond delay="0"/>
+                            </p:stCondLst>
+                            <p:childTnLst>
+                              <p:par>
+                                <p:cTn id="5" presetID="2" presetClass="entr" presetSubtype="4" fill="hold" nodeType="clickEffect">
+                                  <p:stCondLst>
+                                    <p:cond delay="0"/>
+                                  </p:stCondLst>
+                                  <p:childTnLst>
+                                    <p:set>
+                                      <p:cBhvr>
+                                        <p:cTn id="6" dur="1" fill="hold">
+                                          <p:stCondLst>
+                                            <p:cond delay="0"/>
+                                          </p:stCondLst>
+                                        </p:cTn>
+                                        <p:tgtEl>
+                                          <p:spTgt spid="11266">
+                                            <p:txEl>
+                                              <p:pRg st="0" end="0"/>
+                                            </p:txEl>
+                                          </p:spTgt>
+                                        </p:tgtEl>
+                                        <p:attrNameLst>
+                                          <p:attrName>style.visibility</p:attrName>
+                                        </p:attrNameLst>
+                                      </p:cBhvr>
+                                      <p:to>
+                                        <p:strVal val="visible"/>
+                                      </p:to>
+                                    </p:set>
+                                    <p:anim calcmode="lin" valueType="num">
+                                      <p:cBhvr additive="base">
+                                        <p:cTn id="7" dur="500" fill="hold"/>
+                                        <p:tgtEl>
+                                          <p:spTgt spid="11266">
+                                            <p:txEl>
+                                              <p:pRg st="0" end="0"/>
+                                            </p:txEl>
+                                          </p:spTgt>
+                                        </p:tgtEl>
+                                        <p:attrNameLst>
+                                          <p:attrName>ppt_x</p:attrName>
+                                        </p:attrNameLst>
+                                      </p:cBhvr>
+                                      <p:tavLst>
+                                        <p:tav tm="0">
+                                          <p:val>
+                                            <p:strVal val="#ppt_x"/>
+                                          </p:val>
+                                        </p:tav>
+                                        <p:tav tm="100000">
+                                          <p:val>
+                                            <p:strVal val="#ppt_x"/>
+                                          </p:val>
+                                        </p:tav>
+                                      </p:tavLst>
+                                    </p:anim>
+                                    <p:anim calcmode="lin" valueType="num">
+                                      <p:cBhvr additive="base">
+                                        <p:cTn id="8" dur="500" fill="hold"/>
+                                        <p:tgtEl>
+                                          <p:spTgt spid="11266">
+                                            <p:txEl>
+                                              <p:pRg st="0" end="0"/>
+                                            </p:txEl>
+                                          </p:spTgt>
+                                        </p:tgtEl>
+                                        <p:attrNameLst>
+                                          <p:attrName>ppt_y</p:attrName>
+                                        </p:attrNameLst>
+                                      </p:cBhvr>
+                                      <p:tavLst>
+                                        <p:tav tm="0">
+                                          <p:val>
+                                            <p:strVal val="1+#ppt_h/2"/>
+                                          </p:val>
+                                        </p:tav>
+                                        <p:tav tm="100000">
+                                          <p:val>
+                                            <p:strVal val="#ppt_y"/>
+                                          </p:val>
+                                        </p:tav>
+                                      </p:tavLst>
+                                    </p:anim>
+                                  </p:childTnLst>
+                                </p:cTn>
+                              </p:par>
+                            </p:childTnLst>
+                          </p:cTn>
+                        </p:par>
+                      </p:childTnLst>
+                    </p:cTn>
+                  </p:par>
+                  <p:par>
+                    <p:cTn id="9" fill="hold">
+                      <p:stCondLst>
+                        <p:cond delay="indefinite"/>
+                      </p:stCondLst>
+                      <p:childTnLst>
+                        <p:par>
+                          <p:cTn id="10" fill="hold">
+                            <p:stCondLst>
+                              <p:cond delay="0"/>
+                            </p:stCondLst>
+                            <p:childTnLst>
+                              <p:par>
+                                <p:cTn id="11" presetID="2" presetClass="entr" presetSubtype="4" fill="hold" nodeType="clickEffect">
+                                  <p:stCondLst>
+                                    <p:cond delay="0"/>
+                                  </p:stCondLst>
+                                  <p:childTnLst>
+                                    <p:set>
+                                      <p:cBhvr>
+                                        <p:cTn id="12" dur="1" fill="hold">
+                                          <p:stCondLst>
+                                            <p:cond delay="0"/>
+                                          </p:stCondLst>
+                                        </p:cTn>
+                                        <p:tgtEl>
+                                          <p:spTgt spid="3"/>
+                                        </p:tgtEl>
+                                        <p:attrNameLst>
+                                          <p:attrName>style.visibility</p:attrName>
+                                        </p:attrNameLst>
+                                      </p:cBhvr>
+                                      <p:to>
+                                        <p:strVal val="visible"/>
+                                      </p:to>
+                                    </p:set>
+                                    <p:anim calcmode="lin" valueType="num">
+                                      <p:cBhvr additive="base">
+                                        <p:cTn id="13" dur="500" fill="hold"/>
+                                        <p:tgtEl>
+                                          <p:spTgt spid="3"/>
+                                        </p:tgtEl>
+                                        <p:attrNameLst>
+                                          <p:attrName>ppt_x</p:attrName>
+                                        </p:attrNameLst>
+                                      </p:cBhvr>
+                                      <p:tavLst>
+                                        <p:tav tm="0">
+                                          <p:val>
+                                            <p:strVal val="#ppt_x"/>
+                                          </p:val>
+                                        </p:tav>
+                                        <p:tav tm="100000">
+                                          <p:val>
+                                            <p:strVal val="#ppt_x"/>
+                                          </p:val>
+                                        </p:tav>
+                                      </p:tavLst>
+                                    </p:anim>
+                                    <p:anim calcmode="lin" valueType="num">
+                                      <p:cBhvr additive="base">
+                                        <p:cTn id="14" dur="500" fill="hold"/>
+                                        <p:tgtEl>
+                                          <p:spTgt spid="3"/>
+                                        </p:tgtEl>
+                                        <p:attrNameLst>
+                                          <p:attrName>ppt_y</p:attrName>
+                                        </p:attrNameLst>
+                                      </p:cBhvr>
+                                      <p:tavLst>
+                                        <p:tav tm="0">
+                                          <p:val>
+                                            <p:strVal val="1+#ppt_h/2"/>
+                                          </p:val>
+                                        </p:tav>
+                                        <p:tav tm="100000">
+                                          <p:val>
+                                            <p:strVal val="#ppt_y"/>
+                                          </p:val>
+                                        </p:tav>
+                                      </p:tavLst>
+                                    </p:anim>
+                                  </p:childTnLst>
+                                </p:cTn>
+                              </p:par>
+                            </p:childTnLst>
+                          </p:cTn>
+                        </p:par>
+                        <p:par>
+                          <p:cTn id="15" fill="hold">
+                            <p:stCondLst>
+                              <p:cond delay="500"/>
+                            </p:stCondLst>
+                            <p:childTnLst>
+                              <p:par>
+                                <p:cTn id="16" presetID="2" presetClass="entr" presetSubtype="4" fill="hold" grpId="0" nodeType="afterEffect">
+                                  <p:stCondLst>
+                                    <p:cond delay="0"/>
+                                  </p:stCondLst>
+                                  <p:childTnLst>
+                                    <p:set>
+                                      <p:cBhvr>
+                                        <p:cTn id="17" dur="1" fill="hold">
+                                          <p:stCondLst>
+                                            <p:cond delay="0"/>
+                                          </p:stCondLst>
+                                        </p:cTn>
+                                        <p:tgtEl>
+                                          <p:spTgt spid="5"/>
+                                        </p:tgtEl>
+                                        <p:attrNameLst>
+                                          <p:attrName>style.visibility</p:attrName>
+                                        </p:attrNameLst>
+                                      </p:cBhvr>
+                                      <p:to>
+                                        <p:strVal val="visible"/>
+                                      </p:to>
+                                    </p:set>
+                                    <p:anim calcmode="lin" valueType="num">
+                                      <p:cBhvr additive="base">
+                                        <p:cTn id="18" dur="500" fill="hold"/>
+                                        <p:tgtEl>
+                                          <p:spTgt spid="5"/>
+                                        </p:tgtEl>
+                                        <p:attrNameLst>
+                                          <p:attrName>ppt_x</p:attrName>
+                                        </p:attrNameLst>
+                                      </p:cBhvr>
+                                      <p:tavLst>
+                                        <p:tav tm="0">
+                                          <p:val>
+                                            <p:strVal val="#ppt_x"/>
+                                          </p:val>
+                                        </p:tav>
+                                        <p:tav tm="100000">
+                                          <p:val>
+                                            <p:strVal val="#ppt_x"/>
+                                          </p:val>
+                                        </p:tav>
+                                      </p:tavLst>
+                                    </p:anim>
+                                    <p:anim calcmode="lin" valueType="num">
+                                      <p:cBhvr additive="base">
+                                        <p:cTn id="19" dur="500" fill="hold"/>
+                                        <p:tgtEl>
+                                          <p:spTgt spid="5"/>
+                                        </p:tgtEl>
+                                        <p:attrNameLst>
+                                          <p:attrName>ppt_y</p:attrName>
+                                        </p:attrNameLst>
+                                      </p:cBhvr>
+                                      <p:tavLst>
+                                        <p:tav tm="0">
+                                          <p:val>
+                                            <p:strVal val="1+#ppt_h/2"/>
+                                          </p:val>
+                                        </p:tav>
+                                        <p:tav tm="100000">
+                                          <p:val>
+                                            <p:strVal val="#ppt_y"/>
+                                          </p:val>
+                                        </p:tav>
+                                      </p:tavLst>
+                                    </p:anim>
+                                  </p:childTnLst>
+                                </p:cTn>
+                              </p:par>
+                            </p:childTnLst>
+                          </p:cTn>
+                        </p:par>
+                      </p:childTnLst>
+                    </p:cTn>
+                  </p:par>
+                </p:childTnLst>
+              </p:cTn>
+              <p:prevCondLst>
+                <p:cond evt="onPrev" delay="0">
+                  <p:tgtEl>
+                    <p:sldTgt/>
+                  </p:tgtEl>
+                </p:cond>
+              </p:prevCondLst>
+              <p:nextCondLst>
+                <p:cond evt="onNext" delay="0">
+                  <p:tgtEl>
+                    <p:sldTgt/>
+                  </p:tgtEl>
+                </p:cond>
+              </p:nextCondLst>
+            </p:seq>
+          </p:childTnLst>
+        </p:cTn>
+      </p:par>
+    </p:tnLst>
+    <p:bldLst>
+      <p:bldP spid="5" grpId="0"/>
+    </p:bldLst>
+  </p:timing>
+</p:sld>
+</file>
+
+<file path=ppt/slides/slide4.xml><?xml version="1.0" encoding="utf-8"?>
+<p:sld xmlns:a="http://schemas.openxmlformats.org/drawingml/2006/main" xmlns:r="http://schemas.openxmlformats.org/officeDocument/2006/relationships" xmlns:p="http://schemas.openxmlformats.org/presentationml/2006/main">
+  <p:cSld>
+    <p:spTree>
+      <p:nvGrpSpPr>
+        <p:cNvPr id="1" name=""/>
+        <p:cNvGrpSpPr/>
+        <p:nvPr/>
+      </p:nvGrpSpPr>
+      <p:grpSpPr>
+        <a:xfrm>
+          <a:off x="0" y="0"/>
+          <a:ext cx="0" cy="0"/>
+          <a:chOff x="0" y="0"/>
+          <a:chExt cx="0" cy="0"/>
+        </a:xfrm>
+      </p:grpSpPr>
+      <p:sp>
+        <p:nvSpPr>
+          <p:cNvPr id="11266" name="内容占位符 1"/>
+          <p:cNvSpPr>
+            <a:spLocks noGrp="1"/>
+          </p:cNvSpPr>
+          <p:nvPr>
+            <p:ph sz="quarter" idx="10"/>
+          </p:nvPr>
+        </p:nvSpPr>
+        <p:spPr bwMode="auto">
+          <a:xfrm>
+            <a:off x="875665" y="868680"/>
+            <a:ext cx="10432415" cy="5205095"/>
+          </a:xfrm>
+          <a:noFill/>
+          <a:extLst>
+            <a:ext uri="{909E8E84-426E-40DD-AFC4-6F175D3DCCD1}">
+              <a14:hiddenFill xmlns:a14="http://schemas.microsoft.com/office/drawing/2010/main">
+                <a:solidFill>
+                  <a:srgbClr val="FFFFFF"/>
+                </a:solidFill>
+              </a14:hiddenFill>
+            </a:ext>
+            <a:ext uri="{91240B29-F687-4F45-9708-019B960494DF}">
+              <a14:hiddenLine xmlns:a14="http://schemas.microsoft.com/office/drawing/2010/main" w="9525">
+                <a:solidFill>
+                  <a:srgbClr val="000000"/>
+                </a:solidFill>
+                <a:miter lim="800000"/>
+                <a:headEnd/>
+                <a:tailEnd/>
+              </a14:hiddenLine>
+            </a:ext>
+          </a:extLst>
+        </p:spPr>
+        <p:txBody>
+          <a:bodyPr vert="horz" wrap="square" lIns="91440" tIns="45720" rIns="91440" bIns="45720" numCol="1" anchor="t" anchorCtr="0" compatLnSpc="1"/>
+          <a:lstStyle/>
+          <a:p>
+            <a:pPr>
+              <a:lnSpc>
+                <a:spcPct val="130000"/>
+              </a:lnSpc>
+            </a:pPr>
+            <a:r>
+              <a:rPr kumimoji="0" lang="zh-CN" altLang="en-US" sz="3200" dirty="0" smtClean="0">
+                <a:solidFill>
+                  <a:schemeClr val="tx1"/>
+                </a:solidFill>
+              </a:rPr>
+              <a:t>ES</a:t>
+            </a:r>
+            <a:r>
+              <a:rPr kumimoji="0" lang="en-US" altLang="zh-CN" sz="3200" dirty="0" smtClean="0">
+                <a:solidFill>
+                  <a:schemeClr val="tx1"/>
+                </a:solidFill>
+              </a:rPr>
+              <a:t>6</a:t>
+            </a:r>
+            <a:r>
+              <a:rPr kumimoji="0" lang="zh-CN" altLang="en-US" sz="3200" dirty="0" smtClean="0">
+                <a:solidFill>
+                  <a:schemeClr val="tx1"/>
+                </a:solidFill>
+              </a:rPr>
+              <a:t>中引入了</a:t>
+            </a:r>
+            <a:r>
+              <a:rPr kumimoji="0" lang="en-US" altLang="zh-CN" sz="3200" dirty="0" smtClean="0">
+                <a:solidFill>
+                  <a:schemeClr val="tx1"/>
+                </a:solidFill>
+              </a:rPr>
+              <a:t>Class</a:t>
+            </a:r>
+            <a:r>
+              <a:rPr kumimoji="0" lang="zh-CN" altLang="en-US" sz="3200" dirty="0" smtClean="0">
+                <a:solidFill>
+                  <a:schemeClr val="tx1"/>
+                </a:solidFill>
+              </a:rPr>
+              <a:t>（类）作为对象的模板</a:t>
+            </a:r>
+            <a:br>
+              <a:rPr kumimoji="0" lang="zh-CN" altLang="en-US" sz="3200" dirty="0" smtClean="0">
+                <a:solidFill>
+                  <a:schemeClr val="tx1"/>
+                </a:solidFill>
+              </a:rPr>
+            </a:br>
+            <a:r>
+              <a:rPr kumimoji="0" lang="en-US" altLang="zh-CN" sz="2000" dirty="0" smtClean="0">
+                <a:solidFill>
+                  <a:schemeClr val="tx1"/>
+                </a:solidFill>
+              </a:rPr>
+              <a:t>- ES6</a:t>
+            </a:r>
+            <a:r>
+              <a:rPr kumimoji="0" lang="zh-CN" altLang="en-US" sz="2000" dirty="0" smtClean="0">
+                <a:solidFill>
+                  <a:schemeClr val="tx1"/>
+                </a:solidFill>
+              </a:rPr>
+              <a:t>中的</a:t>
+            </a:r>
+            <a:r>
+              <a:rPr kumimoji="0" lang="en-US" altLang="zh-CN" sz="2000" dirty="0" smtClean="0">
+                <a:solidFill>
+                  <a:schemeClr val="tx1"/>
+                </a:solidFill>
+              </a:rPr>
+              <a:t>class</a:t>
+            </a:r>
+            <a:r>
+              <a:rPr kumimoji="0" lang="zh-CN" altLang="en-US" sz="2000" dirty="0" smtClean="0">
+                <a:solidFill>
+                  <a:schemeClr val="tx1"/>
+                </a:solidFill>
+              </a:rPr>
+              <a:t>是一个</a:t>
+            </a:r>
+            <a:r>
+              <a:rPr kumimoji="0" lang="zh-CN" altLang="en-US" sz="2000" dirty="0" smtClean="0">
+                <a:solidFill>
+                  <a:srgbClr val="FF0000"/>
+                </a:solidFill>
+              </a:rPr>
+              <a:t>语法糖</a:t>
+            </a:r>
+            <a:r>
+              <a:rPr kumimoji="0" lang="zh-CN" altLang="en-US" sz="2000" dirty="0" smtClean="0">
+                <a:solidFill>
+                  <a:schemeClr val="tx1"/>
+                </a:solidFill>
+              </a:rPr>
+              <a:t>（核心内容同</a:t>
+            </a:r>
+            <a:r>
+              <a:rPr kumimoji="0" lang="en-US" altLang="zh-CN" sz="2000" dirty="0" smtClean="0">
+                <a:solidFill>
+                  <a:schemeClr val="tx1"/>
+                </a:solidFill>
+              </a:rPr>
+              <a:t>ES5</a:t>
+            </a:r>
+            <a:r>
+              <a:rPr kumimoji="0" lang="zh-CN" altLang="en-US" sz="2000" dirty="0" smtClean="0">
+                <a:solidFill>
+                  <a:schemeClr val="tx1"/>
+                </a:solidFill>
+              </a:rPr>
+              <a:t>），仔细阅读理解下述语法并与</a:t>
+            </a:r>
+            <a:r>
+              <a:rPr kumimoji="0" lang="en-US" altLang="zh-CN" sz="2000" dirty="0" smtClean="0">
+                <a:solidFill>
+                  <a:schemeClr val="tx1"/>
+                </a:solidFill>
+              </a:rPr>
+              <a:t>ES5</a:t>
+            </a:r>
+            <a:r>
+              <a:rPr kumimoji="0" lang="zh-CN" altLang="en-US" sz="2000" dirty="0" smtClean="0">
+                <a:solidFill>
+                  <a:schemeClr val="tx1"/>
+                </a:solidFill>
+              </a:rPr>
+              <a:t>对比</a:t>
+            </a:r>
+            <a:br>
+              <a:rPr kumimoji="0" lang="zh-CN" altLang="en-US" sz="2000" dirty="0" smtClean="0">
+                <a:solidFill>
+                  <a:schemeClr val="tx1"/>
+                </a:solidFill>
+              </a:rPr>
+            </a:br>
+            <a:r>
+              <a:rPr kumimoji="0" lang="en-US" altLang="zh-CN" sz="2000" dirty="0" smtClean="0">
+                <a:solidFill>
+                  <a:schemeClr val="tx1"/>
+                </a:solidFill>
+              </a:rPr>
+              <a:t>- </a:t>
+            </a:r>
+            <a:r>
+              <a:rPr kumimoji="0" lang="zh-CN" altLang="en-US" sz="2000" dirty="0" smtClean="0">
+                <a:solidFill>
+                  <a:schemeClr val="tx1"/>
+                </a:solidFill>
+              </a:rPr>
+              <a:t>与</a:t>
+            </a:r>
+            <a:r>
+              <a:rPr kumimoji="0" lang="en-US" altLang="zh-CN" sz="2000" dirty="0" smtClean="0">
+                <a:solidFill>
+                  <a:schemeClr val="tx1"/>
+                </a:solidFill>
+              </a:rPr>
+              <a:t>ES5</a:t>
+            </a:r>
+            <a:r>
+              <a:rPr kumimoji="0" lang="zh-CN" altLang="en-US" sz="2000" dirty="0" smtClean="0">
+                <a:solidFill>
+                  <a:schemeClr val="tx1"/>
+                </a:solidFill>
+              </a:rPr>
+              <a:t>不同的是类内定义的方法是</a:t>
+            </a:r>
+            <a:r>
+              <a:rPr kumimoji="0" lang="zh-CN" altLang="en-US" sz="2000" dirty="0" smtClean="0">
+                <a:solidFill>
+                  <a:srgbClr val="FF0000"/>
+                </a:solidFill>
+              </a:rPr>
+              <a:t>不可枚举</a:t>
+            </a:r>
+            <a:r>
+              <a:rPr kumimoji="0" lang="zh-CN" altLang="en-US" sz="2000" dirty="0" smtClean="0">
+                <a:solidFill>
+                  <a:schemeClr val="tx1"/>
+                </a:solidFill>
+              </a:rPr>
+              <a:t>的</a:t>
+            </a:r>
+            <a:endParaRPr kumimoji="0" lang="zh-CN" altLang="en-US" sz="2000" dirty="0" smtClean="0">
+              <a:solidFill>
+                <a:schemeClr val="tx1"/>
+              </a:solidFill>
+              <a:sym typeface="+mn-ea"/>
+            </a:endParaRPr>
+          </a:p>
+          <a:p>
+            <a:pPr eaLnBrk="1" hangingPunct="1">
+              <a:lnSpc>
+                <a:spcPct val="150000"/>
+              </a:lnSpc>
+            </a:pPr>
+            <a:endParaRPr kumimoji="0" lang="en-US" altLang="zh-CN" sz="3600" dirty="0" smtClean="0">
+              <a:solidFill>
+                <a:schemeClr val="tx1"/>
+              </a:solidFill>
+            </a:endParaRPr>
+          </a:p>
+          <a:p>
+            <a:pPr eaLnBrk="1" hangingPunct="1">
+              <a:lnSpc>
+                <a:spcPct val="150000"/>
+              </a:lnSpc>
+            </a:pPr>
+            <a:endParaRPr kumimoji="0" lang="zh-CN" altLang="en-US" dirty="0" smtClean="0">
+              <a:solidFill>
+                <a:schemeClr val="tx1"/>
+              </a:solidFill>
+            </a:endParaRPr>
+          </a:p>
+        </p:txBody>
+      </p:sp>
+      <p:sp>
+        <p:nvSpPr>
+          <p:cNvPr id="2" name="内容占位符 1"/>
+          <p:cNvSpPr>
+            <a:spLocks noGrp="1"/>
+          </p:cNvSpPr>
+          <p:nvPr>
+            <p:ph sz="quarter" idx="11"/>
+          </p:nvPr>
+        </p:nvSpPr>
+        <p:spPr>
+          <a:xfrm>
+            <a:off x="947420" y="308610"/>
+            <a:ext cx="8415655" cy="490220"/>
+          </a:xfrm>
+        </p:spPr>
+        <p:txBody>
+          <a:bodyPr/>
+          <a:lstStyle/>
+          <a:p>
+            <a:r>
+              <a:rPr kumimoji="0" lang="en-US" altLang="zh-CN" dirty="0">
+                <a:sym typeface="+mn-ea"/>
+              </a:rPr>
+              <a:t>ES6 Class</a:t>
+            </a:r>
+            <a:r>
+              <a:rPr kumimoji="0" lang="zh-CN" altLang="en-US" dirty="0">
+                <a:sym typeface="+mn-ea"/>
+              </a:rPr>
+              <a:t>语法</a:t>
+            </a:r>
+            <a:endParaRPr kumimoji="0" lang="zh-CN" altLang="en-US" dirty="0">
+              <a:sym typeface="+mn-ea"/>
+            </a:endParaRPr>
+          </a:p>
+        </p:txBody>
+      </p:sp>
+      <p:sp>
+        <p:nvSpPr>
+          <p:cNvPr id="4" name="文本框 3"/>
+          <p:cNvSpPr txBox="1"/>
+          <p:nvPr/>
+        </p:nvSpPr>
+        <p:spPr>
+          <a:xfrm>
+            <a:off x="5605145" y="6137275"/>
+            <a:ext cx="4692650" cy="429895"/>
+          </a:xfrm>
+          <a:prstGeom prst="rect">
+            <a:avLst/>
+          </a:prstGeom>
+          <a:noFill/>
+        </p:spPr>
+        <p:txBody>
+          <a:bodyPr wrap="square" rtlCol="0">
+            <a:spAutoFit/>
+          </a:bodyPr>
+          <a:p>
+            <a:pPr algn="l"/>
+            <a:r>
+              <a:rPr lang="zh-CN" altLang="en-US" sz="2200">
+                <a:solidFill>
+                  <a:srgbClr val="FF0000"/>
+                </a:solidFill>
+                <a:latin typeface="+mn-ea"/>
+                <a:ea typeface="+mn-ea"/>
+              </a:rPr>
+              <a:t>参见实例</a:t>
+            </a:r>
+            <a:r>
+              <a:rPr lang="en-US" altLang="zh-CN" sz="2200">
+                <a:solidFill>
+                  <a:srgbClr val="FF0000"/>
+                </a:solidFill>
+                <a:latin typeface="+mn-ea"/>
+                <a:ea typeface="+mn-ea"/>
+              </a:rPr>
+              <a:t>demo01 ES6</a:t>
+            </a:r>
+            <a:r>
+              <a:rPr lang="zh-CN" altLang="en-US" sz="2200">
+                <a:solidFill>
+                  <a:srgbClr val="FF0000"/>
+                </a:solidFill>
+                <a:latin typeface="+mn-ea"/>
+                <a:ea typeface="+mn-ea"/>
+              </a:rPr>
+              <a:t>的</a:t>
+            </a:r>
+            <a:r>
+              <a:rPr lang="en-US" altLang="zh-CN" sz="2200">
+                <a:solidFill>
+                  <a:srgbClr val="FF0000"/>
+                </a:solidFill>
+                <a:latin typeface="+mn-ea"/>
+                <a:ea typeface="+mn-ea"/>
+              </a:rPr>
+              <a:t>class</a:t>
+            </a:r>
+            <a:r>
+              <a:rPr lang="zh-CN" altLang="en-US" sz="2200">
+                <a:solidFill>
+                  <a:srgbClr val="FF0000"/>
+                </a:solidFill>
+                <a:latin typeface="+mn-ea"/>
+                <a:ea typeface="+mn-ea"/>
+              </a:rPr>
+              <a:t>语法</a:t>
+            </a:r>
+            <a:endParaRPr lang="zh-CN" altLang="en-US" sz="2200">
+              <a:solidFill>
+                <a:srgbClr val="FF0000"/>
+              </a:solidFill>
+              <a:latin typeface="+mn-ea"/>
+              <a:ea typeface="+mn-ea"/>
+            </a:endParaRPr>
+          </a:p>
+        </p:txBody>
+      </p:sp>
+      <p:pic>
+        <p:nvPicPr>
+          <p:cNvPr id="5" name="图片 4"/>
+          <p:cNvPicPr>
+            <a:picLocks noChangeAspect="1"/>
+          </p:cNvPicPr>
+          <p:nvPr/>
+        </p:nvPicPr>
+        <p:blipFill>
+          <a:blip r:embed="rId1"/>
+          <a:stretch>
+            <a:fillRect/>
+          </a:stretch>
+        </p:blipFill>
+        <p:spPr>
+          <a:xfrm>
+            <a:off x="1152525" y="2355850"/>
+            <a:ext cx="6170930" cy="3718560"/>
+          </a:xfrm>
+          <a:prstGeom prst="rect">
+            <a:avLst/>
+          </a:prstGeom>
+        </p:spPr>
+      </p:pic>
+      <p:sp>
+        <p:nvSpPr>
+          <p:cNvPr id="6" name="文本框 5"/>
+          <p:cNvSpPr txBox="1"/>
+          <p:nvPr/>
+        </p:nvSpPr>
+        <p:spPr>
+          <a:xfrm>
+            <a:off x="7532370" y="1993900"/>
+            <a:ext cx="4295775" cy="3815080"/>
+          </a:xfrm>
+          <a:prstGeom prst="rect">
+            <a:avLst/>
+          </a:prstGeom>
+          <a:noFill/>
+        </p:spPr>
+        <p:txBody>
+          <a:bodyPr wrap="square" rtlCol="0">
+            <a:spAutoFit/>
+          </a:bodyPr>
+          <a:p>
+            <a:pPr algn="l"/>
+            <a:r>
+              <a:rPr lang="zh-CN" altLang="en-US" sz="2200">
+                <a:solidFill>
+                  <a:schemeClr val="tx1"/>
+                </a:solidFill>
+                <a:latin typeface="+mn-ea"/>
+                <a:ea typeface="+mn-ea"/>
+              </a:rPr>
+              <a:t>注意：</a:t>
+            </a:r>
+            <a:r>
+              <a:rPr lang="zh-CN" altLang="en-US" sz="2200">
+                <a:solidFill>
+                  <a:schemeClr val="accent3"/>
+                </a:solidFill>
+                <a:latin typeface="+mn-ea"/>
+                <a:ea typeface="+mn-ea"/>
+              </a:rPr>
+              <a:t>方法前不加</a:t>
+            </a:r>
+            <a:r>
+              <a:rPr lang="en-US" altLang="zh-CN" sz="2200">
+                <a:solidFill>
+                  <a:schemeClr val="accent3"/>
+                </a:solidFill>
+                <a:latin typeface="+mn-ea"/>
+                <a:ea typeface="+mn-ea"/>
+              </a:rPr>
+              <a:t>function</a:t>
+            </a:r>
+            <a:r>
+              <a:rPr lang="zh-CN" altLang="en-US" sz="2200">
+                <a:solidFill>
+                  <a:schemeClr val="tx1"/>
+                </a:solidFill>
+                <a:latin typeface="+mn-ea"/>
+                <a:ea typeface="+mn-ea"/>
+              </a:rPr>
+              <a:t>，方法之间不用逗号分隔，如果没有写</a:t>
+            </a:r>
+            <a:r>
+              <a:rPr lang="en-US" altLang="zh-CN" sz="2200">
+                <a:solidFill>
+                  <a:schemeClr val="tx1"/>
+                </a:solidFill>
+                <a:latin typeface="+mn-ea"/>
+                <a:ea typeface="+mn-ea"/>
+              </a:rPr>
+              <a:t>constructor</a:t>
+            </a:r>
+            <a:r>
+              <a:rPr lang="zh-CN" altLang="en-US" sz="2200">
+                <a:solidFill>
+                  <a:schemeClr val="tx1"/>
+                </a:solidFill>
+                <a:latin typeface="+mn-ea"/>
+                <a:ea typeface="+mn-ea"/>
+              </a:rPr>
+              <a:t>方法，会添加一个</a:t>
+            </a:r>
+            <a:r>
+              <a:rPr lang="zh-CN" altLang="en-US" sz="2200">
+                <a:solidFill>
+                  <a:schemeClr val="accent3"/>
+                </a:solidFill>
+                <a:latin typeface="+mn-ea"/>
+                <a:ea typeface="+mn-ea"/>
+              </a:rPr>
+              <a:t>默认的</a:t>
+            </a:r>
+            <a:r>
+              <a:rPr lang="en-US" altLang="zh-CN" sz="2200">
+                <a:solidFill>
+                  <a:schemeClr val="accent3"/>
+                </a:solidFill>
+                <a:latin typeface="+mn-ea"/>
+                <a:ea typeface="+mn-ea"/>
+              </a:rPr>
+              <a:t>constructor</a:t>
+            </a:r>
+            <a:endParaRPr lang="en-US" altLang="zh-CN" sz="2200">
+              <a:solidFill>
+                <a:schemeClr val="accent3"/>
+              </a:solidFill>
+              <a:latin typeface="+mn-ea"/>
+              <a:ea typeface="+mn-ea"/>
+            </a:endParaRPr>
+          </a:p>
+          <a:p>
+            <a:pPr algn="l"/>
+            <a:endParaRPr lang="zh-CN" altLang="en-US" sz="2200">
+              <a:solidFill>
+                <a:srgbClr val="FF0000"/>
+              </a:solidFill>
+              <a:latin typeface="+mn-ea"/>
+              <a:ea typeface="+mn-ea"/>
+            </a:endParaRPr>
+          </a:p>
+          <a:p>
+            <a:pPr algn="l"/>
+            <a:r>
+              <a:rPr lang="zh-CN" altLang="en-US" sz="2200">
+                <a:solidFill>
+                  <a:schemeClr val="accent3"/>
+                </a:solidFill>
+                <a:latin typeface="+mn-ea"/>
+                <a:ea typeface="+mn-ea"/>
+              </a:rPr>
+              <a:t>思考</a:t>
+            </a:r>
+            <a:r>
+              <a:rPr lang="zh-CN" altLang="en-US" sz="2200">
+                <a:solidFill>
+                  <a:schemeClr val="tx1"/>
+                </a:solidFill>
+                <a:latin typeface="+mn-ea"/>
+                <a:ea typeface="+mn-ea"/>
+              </a:rPr>
+              <a:t>：</a:t>
+            </a:r>
+            <a:r>
+              <a:rPr lang="en-US" altLang="zh-CN" sz="2200">
+                <a:solidFill>
+                  <a:schemeClr val="tx1"/>
+                </a:solidFill>
+                <a:latin typeface="+mn-ea"/>
+                <a:ea typeface="+mn-ea"/>
+              </a:rPr>
+              <a:t>show</a:t>
+            </a:r>
+            <a:r>
+              <a:rPr lang="zh-CN" altLang="en-US" sz="2200">
+                <a:solidFill>
+                  <a:schemeClr val="tx1"/>
+                </a:solidFill>
+                <a:latin typeface="+mn-ea"/>
+                <a:ea typeface="+mn-ea"/>
+              </a:rPr>
+              <a:t>方法是定义在</a:t>
+            </a:r>
+            <a:r>
+              <a:rPr lang="en-US" altLang="zh-CN" sz="2200">
+                <a:solidFill>
+                  <a:schemeClr val="tx1"/>
+                </a:solidFill>
+                <a:latin typeface="+mn-ea"/>
+                <a:ea typeface="+mn-ea"/>
+              </a:rPr>
+              <a:t>p</a:t>
+            </a:r>
+            <a:r>
+              <a:rPr lang="zh-CN" altLang="en-US" sz="2200">
+                <a:solidFill>
+                  <a:schemeClr val="tx1"/>
+                </a:solidFill>
+                <a:latin typeface="+mn-ea"/>
+                <a:ea typeface="+mn-ea"/>
+              </a:rPr>
+              <a:t>对象身上了，还是定义在</a:t>
+            </a:r>
+            <a:r>
+              <a:rPr lang="en-US" altLang="zh-CN" sz="2200">
+                <a:solidFill>
+                  <a:srgbClr val="FF0000"/>
+                </a:solidFill>
+                <a:latin typeface="+mn-ea"/>
+                <a:ea typeface="+mn-ea"/>
+              </a:rPr>
+              <a:t>p</a:t>
+            </a:r>
+            <a:r>
+              <a:rPr lang="zh-CN" altLang="en-US" sz="2200">
+                <a:solidFill>
+                  <a:srgbClr val="FF0000"/>
+                </a:solidFill>
+                <a:latin typeface="+mn-ea"/>
+                <a:ea typeface="+mn-ea"/>
+              </a:rPr>
+              <a:t>对象的原型上</a:t>
+            </a:r>
+            <a:r>
+              <a:rPr lang="zh-CN" altLang="en-US" sz="2200">
+                <a:solidFill>
+                  <a:schemeClr val="tx1"/>
+                </a:solidFill>
+                <a:latin typeface="+mn-ea"/>
+                <a:ea typeface="+mn-ea"/>
+              </a:rPr>
+              <a:t>了？</a:t>
+            </a:r>
+            <a:endParaRPr lang="zh-CN" altLang="en-US" sz="2200">
+              <a:solidFill>
+                <a:schemeClr val="tx1"/>
+              </a:solidFill>
+              <a:latin typeface="+mn-ea"/>
+              <a:ea typeface="+mn-ea"/>
+            </a:endParaRPr>
+          </a:p>
+          <a:p>
+            <a:pPr algn="l"/>
+            <a:br>
+              <a:rPr lang="zh-CN" altLang="en-US" sz="2200">
+                <a:solidFill>
+                  <a:srgbClr val="FF0000"/>
+                </a:solidFill>
+                <a:latin typeface="+mn-ea"/>
+                <a:ea typeface="+mn-ea"/>
+              </a:rPr>
+            </a:br>
+            <a:r>
+              <a:rPr lang="zh-CN" altLang="en-US" sz="2200">
+                <a:solidFill>
+                  <a:schemeClr val="tx1"/>
+                </a:solidFill>
+                <a:latin typeface="+mn-ea"/>
+                <a:ea typeface="+mn-ea"/>
+              </a:rPr>
+              <a:t>使用下述方法进行测试Object.getOwnPropertyNames</a:t>
+            </a:r>
+            <a:endParaRPr lang="zh-CN" altLang="en-US" sz="2200">
+              <a:solidFill>
+                <a:schemeClr val="tx1"/>
+              </a:solidFill>
+              <a:latin typeface="+mn-ea"/>
+              <a:ea typeface="+mn-ea"/>
+            </a:endParaRPr>
+          </a:p>
+        </p:txBody>
+      </p:sp>
+    </p:spTree>
+  </p:cSld>
+  <p:clrMapOvr>
+    <a:masterClrMapping/>
+  </p:clrMapOvr>
+  <p:timing>
+    <p:tnLst>
+      <p:par>
+        <p:cTn id="1" dur="indefinite" restart="never" nodeType="tmRoot">
+          <p:childTnLst>
+            <p:seq concurrent="1" nextAc="seek">
+              <p:cTn id="2" dur="indefinite" nodeType="mainSeq">
+                <p:childTnLst>
+                  <p:par>
+                    <p:cTn id="3" fill="hold">
+                      <p:stCondLst>
+                        <p:cond delay="indefinite"/>
+                      </p:stCondLst>
+                      <p:childTnLst>
+                        <p:par>
+                          <p:cTn id="4" fill="hold">
+                            <p:stCondLst>
+                              <p:cond delay="0"/>
+                            </p:stCondLst>
+                            <p:childTnLst>
+                              <p:par>
+                                <p:cTn id="5" presetID="2" presetClass="entr" presetSubtype="4" fill="hold" nodeType="clickEffect">
+                                  <p:stCondLst>
+                                    <p:cond delay="0"/>
+                                  </p:stCondLst>
+                                  <p:childTnLst>
+                                    <p:set>
+                                      <p:cBhvr>
+                                        <p:cTn id="6" dur="1" fill="hold">
+                                          <p:stCondLst>
+                                            <p:cond delay="0"/>
+                                          </p:stCondLst>
+                                        </p:cTn>
+                                        <p:tgtEl>
+                                          <p:spTgt spid="11266">
+                                            <p:txEl>
+                                              <p:pRg st="0" end="0"/>
+                                            </p:txEl>
+                                          </p:spTgt>
+                                        </p:tgtEl>
+                                        <p:attrNameLst>
+                                          <p:attrName>style.visibility</p:attrName>
+                                        </p:attrNameLst>
+                                      </p:cBhvr>
+                                      <p:to>
+                                        <p:strVal val="visible"/>
+                                      </p:to>
+                                    </p:set>
+                                    <p:anim calcmode="lin" valueType="num">
+                                      <p:cBhvr additive="base">
+                                        <p:cTn id="7" dur="500" fill="hold"/>
+                                        <p:tgtEl>
+                                          <p:spTgt spid="11266">
+                                            <p:txEl>
+                                              <p:pRg st="0" end="0"/>
+                                            </p:txEl>
+                                          </p:spTgt>
+                                        </p:tgtEl>
+                                        <p:attrNameLst>
+                                          <p:attrName>ppt_x</p:attrName>
+                                        </p:attrNameLst>
+                                      </p:cBhvr>
+                                      <p:tavLst>
+                                        <p:tav tm="0">
+                                          <p:val>
+                                            <p:strVal val="#ppt_x"/>
+                                          </p:val>
+                                        </p:tav>
+                                        <p:tav tm="100000">
+                                          <p:val>
+                                            <p:strVal val="#ppt_x"/>
+                                          </p:val>
+                                        </p:tav>
+                                      </p:tavLst>
+                                    </p:anim>
+                                    <p:anim calcmode="lin" valueType="num">
+                                      <p:cBhvr additive="base">
+                                        <p:cTn id="8" dur="500" fill="hold"/>
+                                        <p:tgtEl>
+                                          <p:spTgt spid="11266">
+                                            <p:txEl>
+                                              <p:pRg st="0" end="0"/>
+                                            </p:txEl>
+                                          </p:spTgt>
+                                        </p:tgtEl>
+                                        <p:attrNameLst>
+                                          <p:attrName>ppt_y</p:attrName>
+                                        </p:attrNameLst>
+                                      </p:cBhvr>
+                                      <p:tavLst>
+                                        <p:tav tm="0">
+                                          <p:val>
+                                            <p:strVal val="1+#ppt_h/2"/>
+                                          </p:val>
+                                        </p:tav>
+                                        <p:tav tm="100000">
+                                          <p:val>
+                                            <p:strVal val="#ppt_y"/>
+                                          </p:val>
+                                        </p:tav>
+                                      </p:tavLst>
+                                    </p:anim>
+                                  </p:childTnLst>
+                                </p:cTn>
+                              </p:par>
+                            </p:childTnLst>
+                          </p:cTn>
+                        </p:par>
+                      </p:childTnLst>
+                    </p:cTn>
+                  </p:par>
+                  <p:par>
+                    <p:cTn id="9" fill="hold">
+                      <p:stCondLst>
+                        <p:cond delay="indefinite"/>
+                      </p:stCondLst>
+                      <p:childTnLst>
+                        <p:par>
+                          <p:cTn id="10" fill="hold">
+                            <p:stCondLst>
+                              <p:cond delay="0"/>
+                            </p:stCondLst>
+                            <p:childTnLst>
+                              <p:par>
+                                <p:cTn id="11" presetID="2" presetClass="entr" presetSubtype="4" fill="hold" nodeType="clickEffect">
+                                  <p:stCondLst>
+                                    <p:cond delay="0"/>
+                                  </p:stCondLst>
+                                  <p:childTnLst>
+                                    <p:set>
+                                      <p:cBhvr>
+                                        <p:cTn id="12" dur="1" fill="hold">
+                                          <p:stCondLst>
+                                            <p:cond delay="0"/>
+                                          </p:stCondLst>
+                                        </p:cTn>
+                                        <p:tgtEl>
+                                          <p:spTgt spid="5"/>
+                                        </p:tgtEl>
+                                        <p:attrNameLst>
+                                          <p:attrName>style.visibility</p:attrName>
+                                        </p:attrNameLst>
+                                      </p:cBhvr>
+                                      <p:to>
+                                        <p:strVal val="visible"/>
+                                      </p:to>
+                                    </p:set>
+                                    <p:anim calcmode="lin" valueType="num">
+                                      <p:cBhvr additive="base">
+                                        <p:cTn id="13" dur="500" fill="hold"/>
+                                        <p:tgtEl>
+                                          <p:spTgt spid="5"/>
+                                        </p:tgtEl>
+                                        <p:attrNameLst>
+                                          <p:attrName>ppt_x</p:attrName>
+                                        </p:attrNameLst>
+                                      </p:cBhvr>
+                                      <p:tavLst>
+                                        <p:tav tm="0">
+                                          <p:val>
+                                            <p:strVal val="#ppt_x"/>
+                                          </p:val>
+                                        </p:tav>
+                                        <p:tav tm="100000">
+                                          <p:val>
+                                            <p:strVal val="#ppt_x"/>
+                                          </p:val>
+                                        </p:tav>
+                                      </p:tavLst>
+                                    </p:anim>
+                                    <p:anim calcmode="lin" valueType="num">
+                                      <p:cBhvr additive="base">
+                                        <p:cTn id="14" dur="500" fill="hold"/>
+                                        <p:tgtEl>
+                                          <p:spTgt spid="5"/>
+                                        </p:tgtEl>
+                                        <p:attrNameLst>
+                                          <p:attrName>ppt_y</p:attrName>
+                                        </p:attrNameLst>
+                                      </p:cBhvr>
+                                      <p:tavLst>
+                                        <p:tav tm="0">
+                                          <p:val>
+                                            <p:strVal val="1+#ppt_h/2"/>
+                                          </p:val>
+                                        </p:tav>
+                                        <p:tav tm="100000">
+                                          <p:val>
+                                            <p:strVal val="#ppt_y"/>
+                                          </p:val>
+                                        </p:tav>
+                                      </p:tavLst>
+                                    </p:anim>
+                                  </p:childTnLst>
+                                </p:cTn>
+                              </p:par>
+                            </p:childTnLst>
+                          </p:cTn>
+                        </p:par>
+                        <p:par>
+                          <p:cTn id="15" fill="hold">
+                            <p:stCondLst>
+                              <p:cond delay="500"/>
+                            </p:stCondLst>
+                            <p:childTnLst>
+                              <p:par>
+                                <p:cTn id="16" presetID="2" presetClass="entr" presetSubtype="4" fill="hold" grpId="0" nodeType="afterEffect">
+                                  <p:stCondLst>
+                                    <p:cond delay="0"/>
+                                  </p:stCondLst>
+                                  <p:childTnLst>
+                                    <p:set>
+                                      <p:cBhvr>
+                                        <p:cTn id="17" dur="1" fill="hold">
+                                          <p:stCondLst>
+                                            <p:cond delay="0"/>
+                                          </p:stCondLst>
+                                        </p:cTn>
+                                        <p:tgtEl>
+                                          <p:spTgt spid="6"/>
+                                        </p:tgtEl>
+                                        <p:attrNameLst>
+                                          <p:attrName>style.visibility</p:attrName>
+                                        </p:attrNameLst>
+                                      </p:cBhvr>
+                                      <p:to>
+                                        <p:strVal val="visible"/>
+                                      </p:to>
+                                    </p:set>
+                                    <p:anim calcmode="lin" valueType="num">
+                                      <p:cBhvr additive="base">
+                                        <p:cTn id="18" dur="500" fill="hold"/>
+                                        <p:tgtEl>
+                                          <p:spTgt spid="6"/>
+                                        </p:tgtEl>
+                                        <p:attrNameLst>
+                                          <p:attrName>ppt_x</p:attrName>
+                                        </p:attrNameLst>
+                                      </p:cBhvr>
+                                      <p:tavLst>
+                                        <p:tav tm="0">
+                                          <p:val>
+                                            <p:strVal val="#ppt_x"/>
+                                          </p:val>
+                                        </p:tav>
+                                        <p:tav tm="100000">
+                                          <p:val>
+                                            <p:strVal val="#ppt_x"/>
+                                          </p:val>
+                                        </p:tav>
+                                      </p:tavLst>
+                                    </p:anim>
+                                    <p:anim calcmode="lin" valueType="num">
+                                      <p:cBhvr additive="base">
+                                        <p:cTn id="19" dur="500" fill="hold"/>
+                                        <p:tgtEl>
+                                          <p:spTgt spid="6"/>
+                                        </p:tgtEl>
+                                        <p:attrNameLst>
+                                          <p:attrName>ppt_y</p:attrName>
+                                        </p:attrNameLst>
+                                      </p:cBhvr>
+                                      <p:tavLst>
+                                        <p:tav tm="0">
+                                          <p:val>
+                                            <p:strVal val="1+#ppt_h/2"/>
+                                          </p:val>
+                                        </p:tav>
+                                        <p:tav tm="100000">
+                                          <p:val>
+                                            <p:strVal val="#ppt_y"/>
+                                          </p:val>
+                                        </p:tav>
+                                      </p:tavLst>
+                                    </p:anim>
+                                  </p:childTnLst>
+                                </p:cTn>
+                              </p:par>
+                            </p:childTnLst>
+                          </p:cTn>
+                        </p:par>
+                        <p:par>
+                          <p:cTn id="20" fill="hold">
+                            <p:stCondLst>
+                              <p:cond delay="1000"/>
+                            </p:stCondLst>
+                            <p:childTnLst>
+                              <p:par>
+                                <p:cTn id="21" presetID="2" presetClass="entr" presetSubtype="4" fill="hold" grpId="0" nodeType="afterEffect">
+                                  <p:stCondLst>
+                                    <p:cond delay="0"/>
+                                  </p:stCondLst>
+                                  <p:childTnLst>
+                                    <p:set>
+                                      <p:cBhvr>
+                                        <p:cTn id="22" dur="1" fill="hold">
+                                          <p:stCondLst>
+                                            <p:cond delay="0"/>
+                                          </p:stCondLst>
+                                        </p:cTn>
+                                        <p:tgtEl>
+                                          <p:spTgt spid="4"/>
+                                        </p:tgtEl>
+                                        <p:attrNameLst>
+                                          <p:attrName>style.visibility</p:attrName>
+                                        </p:attrNameLst>
+                                      </p:cBhvr>
+                                      <p:to>
+                                        <p:strVal val="visible"/>
+                                      </p:to>
+                                    </p:set>
+                                    <p:anim calcmode="lin" valueType="num">
+                                      <p:cBhvr additive="base">
+                                        <p:cTn id="23" dur="500" fill="hold"/>
+                                        <p:tgtEl>
+                                          <p:spTgt spid="4"/>
+                                        </p:tgtEl>
+                                        <p:attrNameLst>
+                                          <p:attrName>ppt_x</p:attrName>
+                                        </p:attrNameLst>
+                                      </p:cBhvr>
+                                      <p:tavLst>
+                                        <p:tav tm="0">
+                                          <p:val>
+                                            <p:strVal val="#ppt_x"/>
+                                          </p:val>
+                                        </p:tav>
+                                        <p:tav tm="100000">
+                                          <p:val>
+                                            <p:strVal val="#ppt_x"/>
+                                          </p:val>
+                                        </p:tav>
+                                      </p:tavLst>
+                                    </p:anim>
+                                    <p:anim calcmode="lin" valueType="num">
+                                      <p:cBhvr additive="base">
+                                        <p:cTn id="24" dur="500" fill="hold"/>
+                                        <p:tgtEl>
+                                          <p:spTgt spid="4"/>
+                                        </p:tgtEl>
+                                        <p:attrNameLst>
+                                          <p:attrName>ppt_y</p:attrName>
+                                        </p:attrNameLst>
+                                      </p:cBhvr>
+                                      <p:tavLst>
+                                        <p:tav tm="0">
+                                          <p:val>
+                                            <p:strVal val="1+#ppt_h/2"/>
+                                          </p:val>
+                                        </p:tav>
+                                        <p:tav tm="100000">
+                                          <p:val>
+                                            <p:strVal val="#ppt_y"/>
+                                          </p:val>
+                                        </p:tav>
+                                      </p:tavLst>
+                                    </p:anim>
+                                  </p:childTnLst>
+                                </p:cTn>
+                              </p:par>
+                            </p:childTnLst>
+                          </p:cTn>
+                        </p:par>
+                      </p:childTnLst>
+                    </p:cTn>
+                  </p:par>
+                </p:childTnLst>
+              </p:cTn>
+              <p:prevCondLst>
+                <p:cond evt="onPrev" delay="0">
+                  <p:tgtEl>
+                    <p:sldTgt/>
+                  </p:tgtEl>
+                </p:cond>
+              </p:prevCondLst>
+              <p:nextCondLst>
+                <p:cond evt="onNext" delay="0">
+                  <p:tgtEl>
+                    <p:sldTgt/>
+                  </p:tgtEl>
+                </p:cond>
+              </p:nextCondLst>
+            </p:seq>
+          </p:childTnLst>
+        </p:cTn>
+      </p:par>
+    </p:tnLst>
+    <p:bldLst>
+      <p:bldP spid="4" grpId="0"/>
+      <p:bldP spid="6" grpId="0"/>
+    </p:bldLst>
+  </p:timing>
+</p:sld>
+</file>
+
+<file path=ppt/slides/slide5.xml><?xml version="1.0" encoding="utf-8"?>
+<p:sld xmlns:a="http://schemas.openxmlformats.org/drawingml/2006/main" xmlns:r="http://schemas.openxmlformats.org/officeDocument/2006/relationships" xmlns:p="http://schemas.openxmlformats.org/presentationml/2006/main">
+  <p:cSld>
+    <p:spTree>
+      <p:nvGrpSpPr>
+        <p:cNvPr id="1" name=""/>
+        <p:cNvGrpSpPr/>
+        <p:nvPr/>
+      </p:nvGrpSpPr>
+      <p:grpSpPr>
+        <a:xfrm>
+          <a:off x="0" y="0"/>
+          <a:ext cx="0" cy="0"/>
+          <a:chOff x="0" y="0"/>
+          <a:chExt cx="0" cy="0"/>
+        </a:xfrm>
+      </p:grpSpPr>
+      <p:sp>
+        <p:nvSpPr>
+          <p:cNvPr id="11266" name="内容占位符 1"/>
+          <p:cNvSpPr>
+            <a:spLocks noGrp="1"/>
+          </p:cNvSpPr>
+          <p:nvPr>
+            <p:ph sz="quarter" idx="10"/>
+          </p:nvPr>
+        </p:nvSpPr>
+        <p:spPr bwMode="auto">
+          <a:xfrm>
+            <a:off x="875665" y="868680"/>
+            <a:ext cx="11132820" cy="5115560"/>
+          </a:xfrm>
+          <a:noFill/>
+          <a:extLst>
+            <a:ext uri="{909E8E84-426E-40DD-AFC4-6F175D3DCCD1}">
+              <a14:hiddenFill xmlns:a14="http://schemas.microsoft.com/office/drawing/2010/main">
+                <a:solidFill>
+                  <a:srgbClr val="FFFFFF"/>
+                </a:solidFill>
+              </a14:hiddenFill>
+            </a:ext>
+            <a:ext uri="{91240B29-F687-4F45-9708-019B960494DF}">
+              <a14:hiddenLine xmlns:a14="http://schemas.microsoft.com/office/drawing/2010/main" w="9525">
+                <a:solidFill>
+                  <a:srgbClr val="000000"/>
+                </a:solidFill>
+                <a:miter lim="800000"/>
+                <a:headEnd/>
+                <a:tailEnd/>
+              </a14:hiddenLine>
+            </a:ext>
+          </a:extLst>
+        </p:spPr>
+        <p:txBody>
+          <a:bodyPr vert="horz" wrap="square" lIns="91440" tIns="45720" rIns="91440" bIns="45720" numCol="1" anchor="t" anchorCtr="0" compatLnSpc="1"/>
+          <a:lstStyle/>
+          <a:p>
+            <a:pPr>
+              <a:lnSpc>
+                <a:spcPct val="130000"/>
+              </a:lnSpc>
+            </a:pPr>
+            <a:r>
+              <a:rPr kumimoji="0" lang="zh-CN" altLang="en-US" sz="3200" dirty="0" smtClean="0">
+                <a:solidFill>
+                  <a:schemeClr val="tx1"/>
+                </a:solidFill>
+              </a:rPr>
+              <a:t>ES</a:t>
+            </a:r>
+            <a:r>
+              <a:rPr kumimoji="0" lang="en-US" altLang="zh-CN" sz="3200" dirty="0" smtClean="0">
+                <a:solidFill>
+                  <a:schemeClr val="tx1"/>
+                </a:solidFill>
+              </a:rPr>
+              <a:t>6</a:t>
+            </a:r>
+            <a:r>
+              <a:rPr kumimoji="0" lang="zh-CN" altLang="en-US" sz="3200" dirty="0" smtClean="0">
+                <a:solidFill>
+                  <a:schemeClr val="tx1"/>
+                </a:solidFill>
+              </a:rPr>
+              <a:t>中</a:t>
+            </a:r>
+            <a:r>
+              <a:rPr kumimoji="0" lang="zh-CN" sz="3200" dirty="0" smtClean="0">
+                <a:solidFill>
+                  <a:schemeClr val="tx1"/>
+                </a:solidFill>
+              </a:rPr>
+              <a:t>通过通过</a:t>
+            </a:r>
+            <a:r>
+              <a:rPr kumimoji="0" lang="en-US" altLang="zh-CN" sz="3200" dirty="0" smtClean="0">
+                <a:solidFill>
+                  <a:schemeClr val="tx1"/>
+                </a:solidFill>
+              </a:rPr>
+              <a:t>class</a:t>
+            </a:r>
+            <a:r>
+              <a:rPr kumimoji="0" lang="zh-CN" altLang="en-US" sz="3200" dirty="0" smtClean="0">
+                <a:solidFill>
+                  <a:schemeClr val="tx1"/>
+                </a:solidFill>
+              </a:rPr>
+              <a:t>实例化的对象的原型</a:t>
+            </a:r>
+            <a:br>
+              <a:rPr kumimoji="0" lang="zh-CN" altLang="en-US" sz="3200" dirty="0" smtClean="0">
+                <a:solidFill>
+                  <a:schemeClr val="tx1"/>
+                </a:solidFill>
+              </a:rPr>
+            </a:br>
+            <a:r>
+              <a:rPr kumimoji="0" lang="en-US" altLang="zh-CN" sz="2000" dirty="0" smtClean="0">
+                <a:solidFill>
+                  <a:schemeClr val="tx1"/>
+                </a:solidFill>
+              </a:rPr>
+              <a:t>- </a:t>
+            </a:r>
+            <a:r>
+              <a:rPr kumimoji="0" lang="zh-CN" sz="2000" dirty="0" smtClean="0">
+                <a:solidFill>
+                  <a:schemeClr val="tx1"/>
+                </a:solidFill>
+              </a:rPr>
+              <a:t>与</a:t>
+            </a:r>
+            <a:r>
+              <a:rPr kumimoji="0" lang="en-US" altLang="zh-CN" sz="2000" dirty="0" smtClean="0">
+                <a:solidFill>
+                  <a:schemeClr val="tx1"/>
+                </a:solidFill>
+              </a:rPr>
+              <a:t>ES5</a:t>
+            </a:r>
+            <a:r>
+              <a:rPr kumimoji="0" lang="zh-CN" altLang="en-US" sz="2000" dirty="0" smtClean="0">
+                <a:solidFill>
+                  <a:schemeClr val="tx1"/>
+                </a:solidFill>
+              </a:rPr>
+              <a:t>一样，实例化出的对象的原型是共享的，下例中实例化的对象的原型是</a:t>
+            </a:r>
+            <a:r>
+              <a:rPr kumimoji="0" lang="en-US" altLang="zh-CN" sz="2000" dirty="0" smtClean="0">
+                <a:solidFill>
+                  <a:schemeClr val="tx1"/>
+                </a:solidFill>
+              </a:rPr>
+              <a:t>Point.prototype</a:t>
+            </a:r>
+            <a:endParaRPr kumimoji="0" lang="en-US" altLang="zh-CN" sz="2000" dirty="0" smtClean="0">
+              <a:solidFill>
+                <a:schemeClr val="tx1"/>
+              </a:solidFill>
+              <a:sym typeface="+mn-ea"/>
+            </a:endParaRPr>
+          </a:p>
+          <a:p>
+            <a:pPr eaLnBrk="1" hangingPunct="1">
+              <a:lnSpc>
+                <a:spcPct val="150000"/>
+              </a:lnSpc>
+            </a:pPr>
+            <a:endParaRPr kumimoji="0" lang="en-US" altLang="zh-CN" sz="3600" dirty="0" smtClean="0">
+              <a:solidFill>
+                <a:schemeClr val="tx1"/>
+              </a:solidFill>
+            </a:endParaRPr>
+          </a:p>
+          <a:p>
+            <a:pPr eaLnBrk="1" hangingPunct="1">
+              <a:lnSpc>
+                <a:spcPct val="150000"/>
+              </a:lnSpc>
+            </a:pPr>
+            <a:endParaRPr kumimoji="0" lang="zh-CN" altLang="en-US" dirty="0" smtClean="0">
+              <a:solidFill>
+                <a:schemeClr val="tx1"/>
+              </a:solidFill>
+            </a:endParaRPr>
+          </a:p>
+        </p:txBody>
+      </p:sp>
+      <p:sp>
+        <p:nvSpPr>
+          <p:cNvPr id="2" name="内容占位符 1"/>
+          <p:cNvSpPr>
+            <a:spLocks noGrp="1"/>
+          </p:cNvSpPr>
+          <p:nvPr>
+            <p:ph sz="quarter" idx="11"/>
+          </p:nvPr>
+        </p:nvSpPr>
+        <p:spPr>
+          <a:xfrm>
+            <a:off x="947420" y="308610"/>
+            <a:ext cx="8415655" cy="490220"/>
+          </a:xfrm>
+        </p:spPr>
+        <p:txBody>
+          <a:bodyPr/>
+          <a:lstStyle/>
+          <a:p>
+            <a:r>
+              <a:rPr kumimoji="0" lang="en-US" altLang="zh-CN" dirty="0">
+                <a:sym typeface="+mn-ea"/>
+              </a:rPr>
+              <a:t>ES6 Class</a:t>
+            </a:r>
+            <a:r>
+              <a:rPr kumimoji="0" lang="zh-CN" altLang="en-US" dirty="0">
+                <a:sym typeface="+mn-ea"/>
+              </a:rPr>
+              <a:t>语法</a:t>
+            </a:r>
+            <a:endParaRPr kumimoji="0" lang="zh-CN" altLang="en-US" dirty="0">
+              <a:sym typeface="+mn-ea"/>
+            </a:endParaRPr>
+          </a:p>
+        </p:txBody>
+      </p:sp>
+      <p:sp>
+        <p:nvSpPr>
+          <p:cNvPr id="4" name="文本框 3"/>
+          <p:cNvSpPr txBox="1"/>
+          <p:nvPr/>
+        </p:nvSpPr>
+        <p:spPr>
+          <a:xfrm>
+            <a:off x="5605145" y="6137275"/>
+            <a:ext cx="6027420" cy="429895"/>
+          </a:xfrm>
+          <a:prstGeom prst="rect">
+            <a:avLst/>
+          </a:prstGeom>
+          <a:noFill/>
+        </p:spPr>
+        <p:txBody>
+          <a:bodyPr wrap="square" rtlCol="0">
+            <a:spAutoFit/>
+          </a:bodyPr>
+          <a:p>
+            <a:pPr algn="l"/>
+            <a:r>
+              <a:rPr lang="zh-CN" altLang="en-US" sz="2200">
+                <a:solidFill>
+                  <a:srgbClr val="FF0000"/>
+                </a:solidFill>
+                <a:latin typeface="+mn-ea"/>
+                <a:ea typeface="+mn-ea"/>
+              </a:rPr>
+              <a:t>参见实例</a:t>
+            </a:r>
+            <a:r>
+              <a:rPr lang="en-US" altLang="zh-CN" sz="2200">
+                <a:solidFill>
+                  <a:srgbClr val="FF0000"/>
+                </a:solidFill>
+                <a:latin typeface="+mn-ea"/>
+                <a:ea typeface="+mn-ea"/>
+              </a:rPr>
+              <a:t>demo02 ES6 class </a:t>
+            </a:r>
+            <a:r>
+              <a:rPr lang="zh-CN" altLang="en-US" sz="2200">
+                <a:solidFill>
+                  <a:srgbClr val="FF0000"/>
+                </a:solidFill>
+                <a:latin typeface="+mn-ea"/>
+                <a:ea typeface="+mn-ea"/>
+              </a:rPr>
+              <a:t>与 实例化的对象</a:t>
+            </a:r>
+            <a:endParaRPr lang="zh-CN" altLang="en-US" sz="2200">
+              <a:solidFill>
+                <a:srgbClr val="FF0000"/>
+              </a:solidFill>
+              <a:latin typeface="+mn-ea"/>
+              <a:ea typeface="+mn-ea"/>
+            </a:endParaRPr>
+          </a:p>
+        </p:txBody>
+      </p:sp>
+      <p:pic>
+        <p:nvPicPr>
+          <p:cNvPr id="3" name="图片 2"/>
+          <p:cNvPicPr>
+            <a:picLocks noChangeAspect="1"/>
+          </p:cNvPicPr>
+          <p:nvPr/>
+        </p:nvPicPr>
+        <p:blipFill>
+          <a:blip r:embed="rId1"/>
+          <a:stretch>
+            <a:fillRect/>
+          </a:stretch>
+        </p:blipFill>
+        <p:spPr>
+          <a:xfrm>
+            <a:off x="1116330" y="2000250"/>
+            <a:ext cx="4826000" cy="3737610"/>
+          </a:xfrm>
+          <a:prstGeom prst="rect">
+            <a:avLst/>
+          </a:prstGeom>
+        </p:spPr>
+      </p:pic>
+      <p:pic>
+        <p:nvPicPr>
+          <p:cNvPr id="8" name="图片 7"/>
+          <p:cNvPicPr>
+            <a:picLocks noChangeAspect="1"/>
+          </p:cNvPicPr>
+          <p:nvPr/>
+        </p:nvPicPr>
+        <p:blipFill>
+          <a:blip r:embed="rId2"/>
+          <a:stretch>
+            <a:fillRect/>
+          </a:stretch>
+        </p:blipFill>
+        <p:spPr>
+          <a:xfrm>
+            <a:off x="6301105" y="2000250"/>
+            <a:ext cx="4741545" cy="4057015"/>
+          </a:xfrm>
+          <a:prstGeom prst="rect">
+            <a:avLst/>
+          </a:prstGeom>
+        </p:spPr>
+      </p:pic>
+    </p:spTree>
+  </p:cSld>
+  <p:clrMapOvr>
+    <a:masterClrMapping/>
+  </p:clrMapOvr>
+  <p:timing>
+    <p:tnLst>
+      <p:par>
+        <p:cTn id="1" dur="indefinite" restart="never" nodeType="tmRoot">
+          <p:childTnLst>
+            <p:seq concurrent="1" nextAc="seek">
+              <p:cTn id="2" dur="indefinite" nodeType="mainSeq">
+                <p:childTnLst>
+                  <p:par>
+                    <p:cTn id="3" fill="hold">
+                      <p:stCondLst>
+                        <p:cond delay="indefinite"/>
+                      </p:stCondLst>
+                      <p:childTnLst>
+                        <p:par>
+                          <p:cTn id="4" fill="hold">
+                            <p:stCondLst>
+                              <p:cond delay="0"/>
+                            </p:stCondLst>
+                            <p:childTnLst>
+                              <p:par>
+                                <p:cTn id="5" presetID="2" presetClass="entr" presetSubtype="4" fill="hold" nodeType="clickEffect">
+                                  <p:stCondLst>
+                                    <p:cond delay="0"/>
+                                  </p:stCondLst>
+                                  <p:childTnLst>
+                                    <p:set>
+                                      <p:cBhvr>
+                                        <p:cTn id="6" dur="1" fill="hold">
+                                          <p:stCondLst>
+                                            <p:cond delay="0"/>
+                                          </p:stCondLst>
+                                        </p:cTn>
+                                        <p:tgtEl>
+                                          <p:spTgt spid="11266">
+                                            <p:txEl>
+                                              <p:pRg st="0" end="0"/>
+                                            </p:txEl>
+                                          </p:spTgt>
+                                        </p:tgtEl>
+                                        <p:attrNameLst>
+                                          <p:attrName>style.visibility</p:attrName>
+                                        </p:attrNameLst>
+                                      </p:cBhvr>
+                                      <p:to>
+                                        <p:strVal val="visible"/>
+                                      </p:to>
+                                    </p:set>
+                                    <p:anim calcmode="lin" valueType="num">
+                                      <p:cBhvr additive="base">
+                                        <p:cTn id="7" dur="500" fill="hold"/>
+                                        <p:tgtEl>
+                                          <p:spTgt spid="11266">
+                                            <p:txEl>
+                                              <p:pRg st="0" end="0"/>
+                                            </p:txEl>
+                                          </p:spTgt>
+                                        </p:tgtEl>
+                                        <p:attrNameLst>
+                                          <p:attrName>ppt_x</p:attrName>
+                                        </p:attrNameLst>
+                                      </p:cBhvr>
+                                      <p:tavLst>
+                                        <p:tav tm="0">
+                                          <p:val>
+                                            <p:strVal val="#ppt_x"/>
+                                          </p:val>
+                                        </p:tav>
+                                        <p:tav tm="100000">
+                                          <p:val>
+                                            <p:strVal val="#ppt_x"/>
+                                          </p:val>
+                                        </p:tav>
+                                      </p:tavLst>
+                                    </p:anim>
+                                    <p:anim calcmode="lin" valueType="num">
+                                      <p:cBhvr additive="base">
+                                        <p:cTn id="8" dur="500" fill="hold"/>
+                                        <p:tgtEl>
+                                          <p:spTgt spid="11266">
+                                            <p:txEl>
+                                              <p:pRg st="0" end="0"/>
+                                            </p:txEl>
+                                          </p:spTgt>
+                                        </p:tgtEl>
+                                        <p:attrNameLst>
+                                          <p:attrName>ppt_y</p:attrName>
+                                        </p:attrNameLst>
+                                      </p:cBhvr>
+                                      <p:tavLst>
+                                        <p:tav tm="0">
+                                          <p:val>
+                                            <p:strVal val="1+#ppt_h/2"/>
+                                          </p:val>
+                                        </p:tav>
+                                        <p:tav tm="100000">
+                                          <p:val>
+                                            <p:strVal val="#ppt_y"/>
+                                          </p:val>
+                                        </p:tav>
+                                      </p:tavLst>
+                                    </p:anim>
+                                  </p:childTnLst>
+                                </p:cTn>
+                              </p:par>
+                            </p:childTnLst>
+                          </p:cTn>
+                        </p:par>
+                      </p:childTnLst>
+                    </p:cTn>
+                  </p:par>
+                  <p:par>
+                    <p:cTn id="9" fill="hold">
+                      <p:stCondLst>
+                        <p:cond delay="indefinite"/>
+                      </p:stCondLst>
+                      <p:childTnLst>
+                        <p:par>
+                          <p:cTn id="10" fill="hold">
+                            <p:stCondLst>
+                              <p:cond delay="0"/>
+                            </p:stCondLst>
+                            <p:childTnLst>
+                              <p:par>
+                                <p:cTn id="11" presetID="2" presetClass="entr" presetSubtype="4" fill="hold" nodeType="clickEffect">
+                                  <p:stCondLst>
+                                    <p:cond delay="0"/>
+                                  </p:stCondLst>
+                                  <p:childTnLst>
+                                    <p:set>
+                                      <p:cBhvr>
+                                        <p:cTn id="12" dur="1" fill="hold">
+                                          <p:stCondLst>
+                                            <p:cond delay="0"/>
+                                          </p:stCondLst>
+                                        </p:cTn>
+                                        <p:tgtEl>
+                                          <p:spTgt spid="3"/>
+                                        </p:tgtEl>
+                                        <p:attrNameLst>
+                                          <p:attrName>style.visibility</p:attrName>
+                                        </p:attrNameLst>
+                                      </p:cBhvr>
+                                      <p:to>
+                                        <p:strVal val="visible"/>
+                                      </p:to>
+                                    </p:set>
+                                    <p:anim calcmode="lin" valueType="num">
+                                      <p:cBhvr additive="base">
+                                        <p:cTn id="13" dur="500" fill="hold"/>
+                                        <p:tgtEl>
+                                          <p:spTgt spid="3"/>
+                                        </p:tgtEl>
+                                        <p:attrNameLst>
+                                          <p:attrName>ppt_x</p:attrName>
+                                        </p:attrNameLst>
+                                      </p:cBhvr>
+                                      <p:tavLst>
+                                        <p:tav tm="0">
+                                          <p:val>
+                                            <p:strVal val="#ppt_x"/>
+                                          </p:val>
+                                        </p:tav>
+                                        <p:tav tm="100000">
+                                          <p:val>
+                                            <p:strVal val="#ppt_x"/>
+                                          </p:val>
+                                        </p:tav>
+                                      </p:tavLst>
+                                    </p:anim>
+                                    <p:anim calcmode="lin" valueType="num">
+                                      <p:cBhvr additive="base">
+                                        <p:cTn id="14" dur="500" fill="hold"/>
+                                        <p:tgtEl>
+                                          <p:spTgt spid="3"/>
+                                        </p:tgtEl>
+                                        <p:attrNameLst>
+                                          <p:attrName>ppt_y</p:attrName>
+                                        </p:attrNameLst>
+                                      </p:cBhvr>
+                                      <p:tavLst>
+                                        <p:tav tm="0">
+                                          <p:val>
+                                            <p:strVal val="1+#ppt_h/2"/>
+                                          </p:val>
+                                        </p:tav>
+                                        <p:tav tm="100000">
+                                          <p:val>
+                                            <p:strVal val="#ppt_y"/>
+                                          </p:val>
+                                        </p:tav>
+                                      </p:tavLst>
+                                    </p:anim>
+                                  </p:childTnLst>
+                                </p:cTn>
+                              </p:par>
+                            </p:childTnLst>
+                          </p:cTn>
+                        </p:par>
+                      </p:childTnLst>
+                    </p:cTn>
+                  </p:par>
+                  <p:par>
+                    <p:cTn id="15" fill="hold">
+                      <p:stCondLst>
+                        <p:cond delay="indefinite"/>
+                      </p:stCondLst>
+                      <p:childTnLst>
+                        <p:par>
+                          <p:cTn id="16" fill="hold">
+                            <p:stCondLst>
+                              <p:cond delay="0"/>
+                            </p:stCondLst>
+                            <p:childTnLst>
+                              <p:par>
+                                <p:cTn id="17" presetID="2" presetClass="entr" presetSubtype="4" fill="hold" nodeType="clickEffect">
+                                  <p:stCondLst>
+                                    <p:cond delay="0"/>
+                                  </p:stCondLst>
+                                  <p:childTnLst>
+                                    <p:set>
+                                      <p:cBhvr>
+                                        <p:cTn id="18" dur="1" fill="hold">
+                                          <p:stCondLst>
+                                            <p:cond delay="0"/>
+                                          </p:stCondLst>
+                                        </p:cTn>
+                                        <p:tgtEl>
+                                          <p:spTgt spid="8"/>
+                                        </p:tgtEl>
+                                        <p:attrNameLst>
+                                          <p:attrName>style.visibility</p:attrName>
+                                        </p:attrNameLst>
+                                      </p:cBhvr>
+                                      <p:to>
+                                        <p:strVal val="visible"/>
+                                      </p:to>
+                                    </p:set>
+                                    <p:anim calcmode="lin" valueType="num">
+                                      <p:cBhvr additive="base">
+                                        <p:cTn id="19" dur="500" fill="hold"/>
+                                        <p:tgtEl>
+                                          <p:spTgt spid="8"/>
+                                        </p:tgtEl>
+                                        <p:attrNameLst>
+                                          <p:attrName>ppt_x</p:attrName>
+                                        </p:attrNameLst>
+                                      </p:cBhvr>
+                                      <p:tavLst>
+                                        <p:tav tm="0">
+                                          <p:val>
+                                            <p:strVal val="#ppt_x"/>
+                                          </p:val>
+                                        </p:tav>
+                                        <p:tav tm="100000">
+                                          <p:val>
+                                            <p:strVal val="#ppt_x"/>
+                                          </p:val>
+                                        </p:tav>
+                                      </p:tavLst>
+                                    </p:anim>
+                                    <p:anim calcmode="lin" valueType="num">
+                                      <p:cBhvr additive="base">
+                                        <p:cTn id="20" dur="500" fill="hold"/>
+                                        <p:tgtEl>
+                                          <p:spTgt spid="8"/>
+                                        </p:tgtEl>
+                                        <p:attrNameLst>
+                                          <p:attrName>ppt_y</p:attrName>
+                                        </p:attrNameLst>
+                                      </p:cBhvr>
+                                      <p:tavLst>
+                                        <p:tav tm="0">
+                                          <p:val>
+                                            <p:strVal val="1+#ppt_h/2"/>
+                                          </p:val>
+                                        </p:tav>
+                                        <p:tav tm="100000">
+                                          <p:val>
+                                            <p:strVal val="#ppt_y"/>
+                                          </p:val>
+                                        </p:tav>
+                                      </p:tavLst>
+                                    </p:anim>
+                                  </p:childTnLst>
+                                </p:cTn>
+                              </p:par>
+                            </p:childTnLst>
+                          </p:cTn>
+                        </p:par>
+                        <p:par>
+                          <p:cTn id="21" fill="hold">
+                            <p:stCondLst>
+                              <p:cond delay="500"/>
+                            </p:stCondLst>
+                            <p:childTnLst>
+                              <p:par>
+                                <p:cTn id="22" presetID="2" presetClass="entr" presetSubtype="4" fill="hold" grpId="0" nodeType="afterEffect">
+                                  <p:stCondLst>
+                                    <p:cond delay="0"/>
+                                  </p:stCondLst>
+                                  <p:childTnLst>
+                                    <p:set>
+                                      <p:cBhvr>
+                                        <p:cTn id="23" dur="1" fill="hold">
+                                          <p:stCondLst>
+                                            <p:cond delay="0"/>
+                                          </p:stCondLst>
+                                        </p:cTn>
+                                        <p:tgtEl>
+                                          <p:spTgt spid="4"/>
+                                        </p:tgtEl>
+                                        <p:attrNameLst>
+                                          <p:attrName>style.visibility</p:attrName>
+                                        </p:attrNameLst>
+                                      </p:cBhvr>
+                                      <p:to>
+                                        <p:strVal val="visible"/>
+                                      </p:to>
+                                    </p:set>
+                                    <p:anim calcmode="lin" valueType="num">
+                                      <p:cBhvr additive="base">
+                                        <p:cTn id="24" dur="500" fill="hold"/>
+                                        <p:tgtEl>
+                                          <p:spTgt spid="4"/>
+                                        </p:tgtEl>
+                                        <p:attrNameLst>
+                                          <p:attrName>ppt_x</p:attrName>
+                                        </p:attrNameLst>
+                                      </p:cBhvr>
+                                      <p:tavLst>
+                                        <p:tav tm="0">
+                                          <p:val>
+                                            <p:strVal val="#ppt_x"/>
+                                          </p:val>
+                                        </p:tav>
+                                        <p:tav tm="100000">
+                                          <p:val>
+                                            <p:strVal val="#ppt_x"/>
+                                          </p:val>
+                                        </p:tav>
+                                      </p:tavLst>
+                                    </p:anim>
+                                    <p:anim calcmode="lin" valueType="num">
+                                      <p:cBhvr additive="base">
+                                        <p:cTn id="25" dur="500" fill="hold"/>
+                                        <p:tgtEl>
+                                          <p:spTgt spid="4"/>
+                                        </p:tgtEl>
+                                        <p:attrNameLst>
+                                          <p:attrName>ppt_y</p:attrName>
+                                        </p:attrNameLst>
+                                      </p:cBhvr>
+                                      <p:tavLst>
+                                        <p:tav tm="0">
+                                          <p:val>
+                                            <p:strVal val="1+#ppt_h/2"/>
+                                          </p:val>
+                                        </p:tav>
+                                        <p:tav tm="100000">
+                                          <p:val>
+                                            <p:strVal val="#ppt_y"/>
+                                          </p:val>
+                                        </p:tav>
+                                      </p:tavLst>
+                                    </p:anim>
+                                  </p:childTnLst>
+                                </p:cTn>
+                              </p:par>
+                            </p:childTnLst>
+                          </p:cTn>
+                        </p:par>
+                      </p:childTnLst>
+                    </p:cTn>
+                  </p:par>
+                </p:childTnLst>
+              </p:cTn>
+              <p:prevCondLst>
+                <p:cond evt="onPrev" delay="0">
+                  <p:tgtEl>
+                    <p:sldTgt/>
+                  </p:tgtEl>
+                </p:cond>
+              </p:prevCondLst>
+              <p:nextCondLst>
+                <p:cond evt="onNext" delay="0">
+                  <p:tgtEl>
+                    <p:sldTgt/>
+                  </p:tgtEl>
+                </p:cond>
+              </p:nextCondLst>
+            </p:seq>
+          </p:childTnLst>
+        </p:cTn>
+      </p:par>
+    </p:tnLst>
+    <p:bldLst>
+      <p:bldP spid="4" grpId="0"/>
+    </p:bldLst>
+  </p:timing>
+</p:sld>
+</file>
+
+<file path=ppt/slides/slide6.xml><?xml version="1.0" encoding="utf-8"?>
+<p:sld xmlns:a="http://schemas.openxmlformats.org/drawingml/2006/main" xmlns:r="http://schemas.openxmlformats.org/officeDocument/2006/relationships" xmlns:p="http://schemas.openxmlformats.org/presentationml/2006/main">
+  <p:cSld>
+    <p:spTree>
+      <p:nvGrpSpPr>
+        <p:cNvPr id="1" name=""/>
+        <p:cNvGrpSpPr/>
+        <p:nvPr/>
+      </p:nvGrpSpPr>
+      <p:grpSpPr>
+        <a:xfrm>
+          <a:off x="0" y="0"/>
+          <a:ext cx="0" cy="0"/>
+          <a:chOff x="0" y="0"/>
+          <a:chExt cx="0" cy="0"/>
+        </a:xfrm>
+      </p:grpSpPr>
+      <p:sp>
+        <p:nvSpPr>
+          <p:cNvPr id="11266" name="内容占位符 1"/>
+          <p:cNvSpPr>
+            <a:spLocks noGrp="1"/>
+          </p:cNvSpPr>
+          <p:nvPr>
+            <p:ph sz="quarter" idx="10"/>
+          </p:nvPr>
+        </p:nvSpPr>
+        <p:spPr bwMode="auto">
+          <a:xfrm>
+            <a:off x="875665" y="868680"/>
+            <a:ext cx="10756900" cy="5115560"/>
+          </a:xfrm>
+          <a:noFill/>
+          <a:extLst>
+            <a:ext uri="{909E8E84-426E-40DD-AFC4-6F175D3DCCD1}">
+              <a14:hiddenFill xmlns:a14="http://schemas.microsoft.com/office/drawing/2010/main">
+                <a:solidFill>
+                  <a:srgbClr val="FFFFFF"/>
+                </a:solidFill>
+              </a14:hiddenFill>
+            </a:ext>
+            <a:ext uri="{91240B29-F687-4F45-9708-019B960494DF}">
+              <a14:hiddenLine xmlns:a14="http://schemas.microsoft.com/office/drawing/2010/main" w="9525">
+                <a:solidFill>
+                  <a:srgbClr val="000000"/>
+                </a:solidFill>
+                <a:miter lim="800000"/>
+                <a:headEnd/>
+                <a:tailEnd/>
+              </a14:hiddenLine>
+            </a:ext>
+          </a:extLst>
+        </p:spPr>
+        <p:txBody>
+          <a:bodyPr vert="horz" wrap="square" lIns="91440" tIns="45720" rIns="91440" bIns="45720" numCol="1" anchor="t" anchorCtr="0" compatLnSpc="1"/>
+          <a:lstStyle/>
+          <a:p>
+            <a:pPr>
+              <a:lnSpc>
+                <a:spcPct val="130000"/>
+              </a:lnSpc>
+            </a:pPr>
+            <a:r>
+              <a:rPr kumimoji="0" lang="en-US" sz="3200" dirty="0" smtClean="0">
+                <a:solidFill>
+                  <a:schemeClr val="tx1"/>
+                </a:solidFill>
+              </a:rPr>
+              <a:t>class</a:t>
+            </a:r>
+            <a:r>
+              <a:rPr kumimoji="0" lang="zh-CN" altLang="en-US" sz="3200" dirty="0" smtClean="0">
+                <a:solidFill>
+                  <a:schemeClr val="tx1"/>
+                </a:solidFill>
+              </a:rPr>
+              <a:t>表达式形式（</a:t>
+            </a:r>
+            <a:r>
+              <a:rPr kumimoji="0" lang="en-US" altLang="zh-CN" sz="3200" dirty="0" smtClean="0">
+                <a:solidFill>
+                  <a:schemeClr val="tx1"/>
+                </a:solidFill>
+              </a:rPr>
+              <a:t>ES6</a:t>
+            </a:r>
+            <a:r>
+              <a:rPr kumimoji="0" lang="zh-CN" altLang="en-US" sz="3200" dirty="0" smtClean="0">
+                <a:solidFill>
+                  <a:schemeClr val="tx1"/>
+                </a:solidFill>
+              </a:rPr>
+              <a:t>支持</a:t>
+            </a:r>
+            <a:r>
+              <a:rPr kumimoji="0" lang="en-US" altLang="zh-CN" sz="3200" dirty="0" smtClean="0">
+                <a:solidFill>
+                  <a:schemeClr val="tx1"/>
+                </a:solidFill>
+              </a:rPr>
+              <a:t>class</a:t>
+            </a:r>
+            <a:r>
+              <a:rPr kumimoji="0" lang="zh-CN" altLang="en-US" sz="3200" dirty="0" smtClean="0">
+                <a:solidFill>
+                  <a:schemeClr val="tx1"/>
+                </a:solidFill>
+              </a:rPr>
+              <a:t>表达式形式）</a:t>
+            </a:r>
+            <a:endParaRPr kumimoji="0" lang="zh-CN" altLang="en-US" sz="3200" dirty="0" smtClean="0">
+              <a:solidFill>
+                <a:schemeClr val="tx1"/>
+              </a:solidFill>
+            </a:endParaRPr>
+          </a:p>
+          <a:p>
+            <a:pPr>
+              <a:lnSpc>
+                <a:spcPct val="130000"/>
+              </a:lnSpc>
+            </a:pPr>
+            <a:r>
+              <a:rPr kumimoji="0" lang="en-US" altLang="zh-CN" sz="3200" dirty="0" smtClean="0">
+                <a:solidFill>
+                  <a:schemeClr val="tx1"/>
+                </a:solidFill>
+              </a:rPr>
+              <a:t>class</a:t>
+            </a:r>
+            <a:r>
+              <a:rPr kumimoji="0" lang="zh-CN" altLang="en-US" sz="3200" dirty="0" smtClean="0">
+                <a:solidFill>
+                  <a:schemeClr val="tx1"/>
+                </a:solidFill>
+              </a:rPr>
+              <a:t>的立即执行表达式</a:t>
+            </a:r>
+            <a:endParaRPr kumimoji="0" lang="zh-CN" altLang="en-US" sz="3200" dirty="0" smtClean="0">
+              <a:solidFill>
+                <a:schemeClr val="tx1"/>
+              </a:solidFill>
+            </a:endParaRPr>
+          </a:p>
+          <a:p>
+            <a:pPr>
+              <a:lnSpc>
+                <a:spcPct val="130000"/>
+              </a:lnSpc>
+            </a:pPr>
+            <a:r>
+              <a:rPr kumimoji="0" lang="zh-CN" altLang="en-US" sz="3200" dirty="0" smtClean="0">
+                <a:solidFill>
+                  <a:schemeClr val="tx1"/>
+                </a:solidFill>
+              </a:rPr>
+              <a:t>不存在</a:t>
+            </a:r>
+            <a:r>
+              <a:rPr kumimoji="0" lang="en-US" altLang="zh-CN" sz="3200" dirty="0" smtClean="0">
+                <a:solidFill>
+                  <a:schemeClr val="tx1"/>
+                </a:solidFill>
+              </a:rPr>
+              <a:t>class</a:t>
+            </a:r>
+            <a:r>
+              <a:rPr kumimoji="0" lang="zh-CN" altLang="en-US" sz="3200" dirty="0" smtClean="0">
+                <a:solidFill>
+                  <a:schemeClr val="tx1"/>
+                </a:solidFill>
+              </a:rPr>
+              <a:t>提升（养成良好代码习惯，使用前定义）</a:t>
+            </a:r>
+            <a:endParaRPr kumimoji="0" lang="zh-CN" altLang="en-US" sz="3200" dirty="0" smtClean="0">
+              <a:solidFill>
+                <a:schemeClr val="tx1"/>
+              </a:solidFill>
+            </a:endParaRPr>
+          </a:p>
+          <a:p>
+            <a:pPr>
+              <a:lnSpc>
+                <a:spcPct val="130000"/>
+              </a:lnSpc>
+            </a:pPr>
+            <a:r>
+              <a:rPr kumimoji="0" lang="en-US" altLang="zh-CN" sz="3200" dirty="0" smtClean="0">
+                <a:solidFill>
+                  <a:schemeClr val="tx1"/>
+                </a:solidFill>
+              </a:rPr>
+              <a:t>Class</a:t>
+            </a:r>
+            <a:r>
+              <a:rPr kumimoji="0" lang="zh-CN" altLang="en-US" sz="3200" dirty="0" smtClean="0">
+                <a:solidFill>
+                  <a:schemeClr val="tx1"/>
+                </a:solidFill>
+              </a:rPr>
+              <a:t>的</a:t>
+            </a:r>
+            <a:r>
+              <a:rPr kumimoji="0" lang="en-US" altLang="zh-CN" sz="3200" dirty="0" smtClean="0">
+                <a:solidFill>
+                  <a:schemeClr val="tx1"/>
+                </a:solidFill>
+              </a:rPr>
+              <a:t>name</a:t>
+            </a:r>
+            <a:r>
+              <a:rPr kumimoji="0" lang="zh-CN" altLang="en-US" sz="3200" dirty="0" smtClean="0">
+                <a:solidFill>
+                  <a:schemeClr val="tx1"/>
+                </a:solidFill>
+              </a:rPr>
+              <a:t>属性（同构造函数的</a:t>
+            </a:r>
+            <a:r>
+              <a:rPr kumimoji="0" lang="en-US" altLang="zh-CN" sz="3200" dirty="0" smtClean="0">
+                <a:solidFill>
+                  <a:schemeClr val="tx1"/>
+                </a:solidFill>
+              </a:rPr>
+              <a:t>name</a:t>
+            </a:r>
+            <a:r>
+              <a:rPr kumimoji="0" lang="zh-CN" altLang="en-US" sz="3200" dirty="0" smtClean="0">
+                <a:solidFill>
+                  <a:schemeClr val="tx1"/>
+                </a:solidFill>
+              </a:rPr>
+              <a:t>属性）</a:t>
+            </a:r>
+            <a:endParaRPr kumimoji="0" lang="zh-CN" altLang="en-US" sz="3200" dirty="0" smtClean="0">
+              <a:solidFill>
+                <a:schemeClr val="tx1"/>
+              </a:solidFill>
+            </a:endParaRPr>
+          </a:p>
+          <a:p>
+            <a:pPr>
+              <a:lnSpc>
+                <a:spcPct val="130000"/>
+              </a:lnSpc>
+            </a:pPr>
+            <a:r>
+              <a:rPr kumimoji="0" lang="zh-CN" altLang="en-US" sz="3200" dirty="0" smtClean="0">
+                <a:solidFill>
+                  <a:schemeClr val="tx1"/>
+                </a:solidFill>
+              </a:rPr>
+              <a:t>在“类”的内部可以使用get和set关键字作为过滤</a:t>
+            </a:r>
+            <a:endParaRPr kumimoji="0" lang="zh-CN" altLang="en-US" sz="3200" dirty="0" smtClean="0">
+              <a:solidFill>
+                <a:schemeClr val="tx1"/>
+              </a:solidFill>
+            </a:endParaRPr>
+          </a:p>
+          <a:p>
+            <a:pPr>
+              <a:lnSpc>
+                <a:spcPct val="130000"/>
+              </a:lnSpc>
+            </a:pPr>
+            <a:r>
+              <a:rPr kumimoji="0" lang="zh-CN" altLang="en-US" sz="3200" dirty="0" smtClean="0">
+                <a:solidFill>
+                  <a:schemeClr val="tx1"/>
+                </a:solidFill>
+              </a:rPr>
+              <a:t>ES6 为new命令引入了一个new.target属性</a:t>
+            </a:r>
+            <a:endParaRPr kumimoji="0" lang="zh-CN" altLang="en-US" sz="3200" dirty="0" smtClean="0">
+              <a:solidFill>
+                <a:schemeClr val="tx1"/>
+              </a:solidFill>
+            </a:endParaRPr>
+          </a:p>
+          <a:p>
+            <a:pPr>
+              <a:lnSpc>
+                <a:spcPct val="130000"/>
+              </a:lnSpc>
+            </a:pPr>
+            <a:endParaRPr kumimoji="0" lang="zh-CN" altLang="en-US" sz="3200" dirty="0" smtClean="0">
+              <a:solidFill>
+                <a:schemeClr val="tx1"/>
+              </a:solidFill>
+              <a:sym typeface="+mn-ea"/>
+            </a:endParaRPr>
+          </a:p>
+          <a:p>
+            <a:pPr eaLnBrk="1" hangingPunct="1">
+              <a:lnSpc>
+                <a:spcPct val="150000"/>
+              </a:lnSpc>
+            </a:pPr>
+            <a:endParaRPr kumimoji="0" lang="en-US" altLang="zh-CN" sz="3600" dirty="0" smtClean="0">
+              <a:solidFill>
+                <a:schemeClr val="tx1"/>
+              </a:solidFill>
+            </a:endParaRPr>
+          </a:p>
+          <a:p>
+            <a:pPr eaLnBrk="1" hangingPunct="1">
+              <a:lnSpc>
+                <a:spcPct val="150000"/>
+              </a:lnSpc>
+            </a:pPr>
+            <a:endParaRPr kumimoji="0" lang="zh-CN" altLang="en-US" dirty="0" smtClean="0">
+              <a:solidFill>
+                <a:schemeClr val="tx1"/>
+              </a:solidFill>
+            </a:endParaRPr>
+          </a:p>
+        </p:txBody>
+      </p:sp>
+      <p:sp>
+        <p:nvSpPr>
+          <p:cNvPr id="2" name="内容占位符 1"/>
+          <p:cNvSpPr>
+            <a:spLocks noGrp="1"/>
+          </p:cNvSpPr>
+          <p:nvPr>
+            <p:ph sz="quarter" idx="11"/>
+          </p:nvPr>
+        </p:nvSpPr>
+        <p:spPr>
+          <a:xfrm>
+            <a:off x="947420" y="308610"/>
+            <a:ext cx="8415655" cy="490220"/>
+          </a:xfrm>
+        </p:spPr>
+        <p:txBody>
+          <a:bodyPr/>
+          <a:lstStyle/>
+          <a:p>
+            <a:r>
+              <a:rPr kumimoji="0" lang="en-US" altLang="zh-CN" dirty="0">
+                <a:sym typeface="+mn-ea"/>
+              </a:rPr>
+              <a:t>ES6 Class</a:t>
+            </a:r>
+            <a:r>
+              <a:rPr kumimoji="0" lang="zh-CN" altLang="en-US" dirty="0">
+                <a:sym typeface="+mn-ea"/>
+              </a:rPr>
+              <a:t>语法补充</a:t>
+            </a:r>
+            <a:endParaRPr kumimoji="0" lang="zh-CN" altLang="en-US" dirty="0">
+              <a:sym typeface="+mn-ea"/>
+            </a:endParaRPr>
+          </a:p>
+        </p:txBody>
+      </p:sp>
+      <p:sp>
+        <p:nvSpPr>
+          <p:cNvPr id="4" name="文本框 3"/>
+          <p:cNvSpPr txBox="1"/>
+          <p:nvPr/>
+        </p:nvSpPr>
+        <p:spPr>
+          <a:xfrm>
+            <a:off x="5605145" y="6137275"/>
+            <a:ext cx="6027420" cy="429895"/>
+          </a:xfrm>
+          <a:prstGeom prst="rect">
+            <a:avLst/>
+          </a:prstGeom>
+          <a:noFill/>
+        </p:spPr>
+        <p:txBody>
+          <a:bodyPr wrap="square" rtlCol="0">
+            <a:spAutoFit/>
+          </a:bodyPr>
+          <a:p>
+            <a:pPr algn="l"/>
+            <a:r>
+              <a:rPr lang="zh-CN" altLang="en-US" sz="2200">
+                <a:solidFill>
+                  <a:srgbClr val="FF0000"/>
+                </a:solidFill>
+                <a:latin typeface="+mn-ea"/>
+                <a:ea typeface="+mn-ea"/>
+              </a:rPr>
+              <a:t>参见实例</a:t>
+            </a:r>
+            <a:r>
+              <a:rPr lang="en-US" altLang="zh-CN" sz="2200">
+                <a:solidFill>
+                  <a:srgbClr val="FF0000"/>
+                </a:solidFill>
+                <a:latin typeface="+mn-ea"/>
+                <a:ea typeface="+mn-ea"/>
+              </a:rPr>
+              <a:t>demo03 ES6 class </a:t>
+            </a:r>
+            <a:r>
+              <a:rPr lang="zh-CN" altLang="en-US" sz="2200">
+                <a:solidFill>
+                  <a:srgbClr val="FF0000"/>
+                </a:solidFill>
+                <a:latin typeface="+mn-ea"/>
+                <a:ea typeface="+mn-ea"/>
+              </a:rPr>
+              <a:t>补充</a:t>
+            </a:r>
+            <a:endParaRPr lang="zh-CN" altLang="en-US" sz="2200">
+              <a:solidFill>
+                <a:srgbClr val="FF0000"/>
+              </a:solidFill>
+              <a:latin typeface="+mn-ea"/>
+              <a:ea typeface="+mn-ea"/>
+            </a:endParaRPr>
+          </a:p>
+        </p:txBody>
+      </p:sp>
+    </p:spTree>
+  </p:cSld>
+  <p:clrMapOvr>
+    <a:masterClrMapping/>
+  </p:clrMapOvr>
+  <p:timing>
+    <p:tnLst>
+      <p:par>
+        <p:cTn id="1" dur="indefinite" restart="never" nodeType="tmRoot">
+          <p:childTnLst>
+            <p:seq concurrent="1" nextAc="seek">
+              <p:cTn id="2" dur="indefinite" nodeType="mainSeq">
+                <p:childTnLst>
+                  <p:par>
+                    <p:cTn id="3" fill="hold">
+                      <p:stCondLst>
+                        <p:cond delay="indefinite"/>
+                      </p:stCondLst>
+                      <p:childTnLst>
+                        <p:par>
+                          <p:cTn id="4" fill="hold">
+                            <p:stCondLst>
+                              <p:cond delay="0"/>
+                            </p:stCondLst>
+                            <p:childTnLst>
+                              <p:par>
+                                <p:cTn id="5" presetID="2" presetClass="entr" presetSubtype="4" fill="hold" nodeType="clickEffect">
+                                  <p:stCondLst>
+                                    <p:cond delay="0"/>
+                                  </p:stCondLst>
+                                  <p:childTnLst>
+                                    <p:set>
+                                      <p:cBhvr>
+                                        <p:cTn id="6" dur="1" fill="hold">
+                                          <p:stCondLst>
+                                            <p:cond delay="0"/>
+                                          </p:stCondLst>
+                                        </p:cTn>
+                                        <p:tgtEl>
+                                          <p:spTgt spid="11266">
+                                            <p:txEl>
+                                              <p:pRg st="0" end="0"/>
+                                            </p:txEl>
+                                          </p:spTgt>
+                                        </p:tgtEl>
+                                        <p:attrNameLst>
+                                          <p:attrName>style.visibility</p:attrName>
+                                        </p:attrNameLst>
+                                      </p:cBhvr>
+                                      <p:to>
+                                        <p:strVal val="visible"/>
+                                      </p:to>
+                                    </p:set>
+                                    <p:anim calcmode="lin" valueType="num">
+                                      <p:cBhvr additive="base">
+                                        <p:cTn id="7" dur="500" fill="hold"/>
+                                        <p:tgtEl>
+                                          <p:spTgt spid="11266">
+                                            <p:txEl>
+                                              <p:pRg st="0" end="0"/>
+                                            </p:txEl>
+                                          </p:spTgt>
+                                        </p:tgtEl>
+                                        <p:attrNameLst>
+                                          <p:attrName>ppt_x</p:attrName>
+                                        </p:attrNameLst>
+                                      </p:cBhvr>
+                                      <p:tavLst>
+                                        <p:tav tm="0">
+                                          <p:val>
+                                            <p:strVal val="#ppt_x"/>
+                                          </p:val>
+                                        </p:tav>
+                                        <p:tav tm="100000">
+                                          <p:val>
+                                            <p:strVal val="#ppt_x"/>
+                                          </p:val>
+                                        </p:tav>
+                                      </p:tavLst>
+                                    </p:anim>
+                                    <p:anim calcmode="lin" valueType="num">
+                                      <p:cBhvr additive="base">
+                                        <p:cTn id="8" dur="500" fill="hold"/>
+                                        <p:tgtEl>
+                                          <p:spTgt spid="11266">
+                                            <p:txEl>
+                                              <p:pRg st="0" end="0"/>
+                                            </p:txEl>
+                                          </p:spTgt>
+                                        </p:tgtEl>
+                                        <p:attrNameLst>
+                                          <p:attrName>ppt_y</p:attrName>
+                                        </p:attrNameLst>
+                                      </p:cBhvr>
+                                      <p:tavLst>
+                                        <p:tav tm="0">
+                                          <p:val>
+                                            <p:strVal val="1+#ppt_h/2"/>
+                                          </p:val>
+                                        </p:tav>
+                                        <p:tav tm="100000">
+                                          <p:val>
+                                            <p:strVal val="#ppt_y"/>
+                                          </p:val>
+                                        </p:tav>
+                                      </p:tavLst>
+                                    </p:anim>
+                                  </p:childTnLst>
+                                </p:cTn>
+                              </p:par>
+                            </p:childTnLst>
+                          </p:cTn>
+                        </p:par>
+                      </p:childTnLst>
+                    </p:cTn>
+                  </p:par>
+                  <p:par>
+                    <p:cTn id="9" fill="hold">
+                      <p:stCondLst>
+                        <p:cond delay="indefinite"/>
+                      </p:stCondLst>
+                      <p:childTnLst>
+                        <p:par>
+                          <p:cTn id="10" fill="hold">
+                            <p:stCondLst>
+                              <p:cond delay="0"/>
+                            </p:stCondLst>
+                            <p:childTnLst>
+                              <p:par>
+                                <p:cTn id="11" presetID="2" presetClass="entr" presetSubtype="4" fill="hold" grpId="0" nodeType="clickEffect">
                                   <p:stCondLst>
                                     <p:cond delay="0"/>
                                   </p:stCondLst>
@@ -3852,6 +10453,500 @@
                       </p:childTnLst>
                     </p:cTn>
                   </p:par>
+                  <p:par>
+                    <p:cTn id="15" fill="hold">
+                      <p:stCondLst>
+                        <p:cond delay="indefinite"/>
+                      </p:stCondLst>
+                      <p:childTnLst>
+                        <p:par>
+                          <p:cTn id="16" fill="hold">
+                            <p:stCondLst>
+                              <p:cond delay="0"/>
+                            </p:stCondLst>
+                            <p:childTnLst>
+                              <p:par>
+                                <p:cTn id="17" presetID="2" presetClass="entr" presetSubtype="4" fill="hold" grpId="0" nodeType="clickEffect">
+                                  <p:stCondLst>
+                                    <p:cond delay="0"/>
+                                  </p:stCondLst>
+                                  <p:childTnLst>
+                                    <p:set>
+                                      <p:cBhvr>
+                                        <p:cTn id="18" dur="1" fill="hold">
+                                          <p:stCondLst>
+                                            <p:cond delay="0"/>
+                                          </p:stCondLst>
+                                        </p:cTn>
+                                        <p:tgtEl>
+                                          <p:spTgt spid="11266">
+                                            <p:txEl>
+                                              <p:pRg st="2" end="2"/>
+                                            </p:txEl>
+                                          </p:spTgt>
+                                        </p:tgtEl>
+                                        <p:attrNameLst>
+                                          <p:attrName>style.visibility</p:attrName>
+                                        </p:attrNameLst>
+                                      </p:cBhvr>
+                                      <p:to>
+                                        <p:strVal val="visible"/>
+                                      </p:to>
+                                    </p:set>
+                                    <p:anim calcmode="lin" valueType="num">
+                                      <p:cBhvr additive="base">
+                                        <p:cTn id="19" dur="500" fill="hold"/>
+                                        <p:tgtEl>
+                                          <p:spTgt spid="11266">
+                                            <p:txEl>
+                                              <p:pRg st="2" end="2"/>
+                                            </p:txEl>
+                                          </p:spTgt>
+                                        </p:tgtEl>
+                                        <p:attrNameLst>
+                                          <p:attrName>ppt_x</p:attrName>
+                                        </p:attrNameLst>
+                                      </p:cBhvr>
+                                      <p:tavLst>
+                                        <p:tav tm="0">
+                                          <p:val>
+                                            <p:strVal val="#ppt_x"/>
+                                          </p:val>
+                                        </p:tav>
+                                        <p:tav tm="100000">
+                                          <p:val>
+                                            <p:strVal val="#ppt_x"/>
+                                          </p:val>
+                                        </p:tav>
+                                      </p:tavLst>
+                                    </p:anim>
+                                    <p:anim calcmode="lin" valueType="num">
+                                      <p:cBhvr additive="base">
+                                        <p:cTn id="20" dur="500" fill="hold"/>
+                                        <p:tgtEl>
+                                          <p:spTgt spid="11266">
+                                            <p:txEl>
+                                              <p:pRg st="2" end="2"/>
+                                            </p:txEl>
+                                          </p:spTgt>
+                                        </p:tgtEl>
+                                        <p:attrNameLst>
+                                          <p:attrName>ppt_y</p:attrName>
+                                        </p:attrNameLst>
+                                      </p:cBhvr>
+                                      <p:tavLst>
+                                        <p:tav tm="0">
+                                          <p:val>
+                                            <p:strVal val="1+#ppt_h/2"/>
+                                          </p:val>
+                                        </p:tav>
+                                        <p:tav tm="100000">
+                                          <p:val>
+                                            <p:strVal val="#ppt_y"/>
+                                          </p:val>
+                                        </p:tav>
+                                      </p:tavLst>
+                                    </p:anim>
+                                  </p:childTnLst>
+                                </p:cTn>
+                              </p:par>
+                            </p:childTnLst>
+                          </p:cTn>
+                        </p:par>
+                      </p:childTnLst>
+                    </p:cTn>
+                  </p:par>
+                  <p:par>
+                    <p:cTn id="21" fill="hold">
+                      <p:stCondLst>
+                        <p:cond delay="indefinite"/>
+                      </p:stCondLst>
+                      <p:childTnLst>
+                        <p:par>
+                          <p:cTn id="22" fill="hold">
+                            <p:stCondLst>
+                              <p:cond delay="0"/>
+                            </p:stCondLst>
+                            <p:childTnLst>
+                              <p:par>
+                                <p:cTn id="23" presetID="2" presetClass="entr" presetSubtype="4" fill="hold" grpId="0" nodeType="clickEffect">
+                                  <p:stCondLst>
+                                    <p:cond delay="0"/>
+                                  </p:stCondLst>
+                                  <p:childTnLst>
+                                    <p:set>
+                                      <p:cBhvr>
+                                        <p:cTn id="24" dur="1" fill="hold">
+                                          <p:stCondLst>
+                                            <p:cond delay="0"/>
+                                          </p:stCondLst>
+                                        </p:cTn>
+                                        <p:tgtEl>
+                                          <p:spTgt spid="11266">
+                                            <p:txEl>
+                                              <p:pRg st="3" end="3"/>
+                                            </p:txEl>
+                                          </p:spTgt>
+                                        </p:tgtEl>
+                                        <p:attrNameLst>
+                                          <p:attrName>style.visibility</p:attrName>
+                                        </p:attrNameLst>
+                                      </p:cBhvr>
+                                      <p:to>
+                                        <p:strVal val="visible"/>
+                                      </p:to>
+                                    </p:set>
+                                    <p:anim calcmode="lin" valueType="num">
+                                      <p:cBhvr additive="base">
+                                        <p:cTn id="25" dur="500" fill="hold"/>
+                                        <p:tgtEl>
+                                          <p:spTgt spid="11266">
+                                            <p:txEl>
+                                              <p:pRg st="3" end="3"/>
+                                            </p:txEl>
+                                          </p:spTgt>
+                                        </p:tgtEl>
+                                        <p:attrNameLst>
+                                          <p:attrName>ppt_x</p:attrName>
+                                        </p:attrNameLst>
+                                      </p:cBhvr>
+                                      <p:tavLst>
+                                        <p:tav tm="0">
+                                          <p:val>
+                                            <p:strVal val="#ppt_x"/>
+                                          </p:val>
+                                        </p:tav>
+                                        <p:tav tm="100000">
+                                          <p:val>
+                                            <p:strVal val="#ppt_x"/>
+                                          </p:val>
+                                        </p:tav>
+                                      </p:tavLst>
+                                    </p:anim>
+                                    <p:anim calcmode="lin" valueType="num">
+                                      <p:cBhvr additive="base">
+                                        <p:cTn id="26" dur="500" fill="hold"/>
+                                        <p:tgtEl>
+                                          <p:spTgt spid="11266">
+                                            <p:txEl>
+                                              <p:pRg st="3" end="3"/>
+                                            </p:txEl>
+                                          </p:spTgt>
+                                        </p:tgtEl>
+                                        <p:attrNameLst>
+                                          <p:attrName>ppt_y</p:attrName>
+                                        </p:attrNameLst>
+                                      </p:cBhvr>
+                                      <p:tavLst>
+                                        <p:tav tm="0">
+                                          <p:val>
+                                            <p:strVal val="1+#ppt_h/2"/>
+                                          </p:val>
+                                        </p:tav>
+                                        <p:tav tm="100000">
+                                          <p:val>
+                                            <p:strVal val="#ppt_y"/>
+                                          </p:val>
+                                        </p:tav>
+                                      </p:tavLst>
+                                    </p:anim>
+                                  </p:childTnLst>
+                                </p:cTn>
+                              </p:par>
+                            </p:childTnLst>
+                          </p:cTn>
+                        </p:par>
+                      </p:childTnLst>
+                    </p:cTn>
+                  </p:par>
+                  <p:par>
+                    <p:cTn id="27" fill="hold">
+                      <p:stCondLst>
+                        <p:cond delay="indefinite"/>
+                      </p:stCondLst>
+                      <p:childTnLst>
+                        <p:par>
+                          <p:cTn id="28" fill="hold">
+                            <p:stCondLst>
+                              <p:cond delay="0"/>
+                            </p:stCondLst>
+                            <p:childTnLst>
+                              <p:par>
+                                <p:cTn id="29" presetID="2" presetClass="entr" presetSubtype="4" fill="hold" grpId="0" nodeType="clickEffect">
+                                  <p:stCondLst>
+                                    <p:cond delay="0"/>
+                                  </p:stCondLst>
+                                  <p:childTnLst>
+                                    <p:set>
+                                      <p:cBhvr>
+                                        <p:cTn id="30" dur="1" fill="hold">
+                                          <p:stCondLst>
+                                            <p:cond delay="0"/>
+                                          </p:stCondLst>
+                                        </p:cTn>
+                                        <p:tgtEl>
+                                          <p:spTgt spid="11266">
+                                            <p:txEl>
+                                              <p:pRg st="4" end="4"/>
+                                            </p:txEl>
+                                          </p:spTgt>
+                                        </p:tgtEl>
+                                        <p:attrNameLst>
+                                          <p:attrName>style.visibility</p:attrName>
+                                        </p:attrNameLst>
+                                      </p:cBhvr>
+                                      <p:to>
+                                        <p:strVal val="visible"/>
+                                      </p:to>
+                                    </p:set>
+                                    <p:anim calcmode="lin" valueType="num">
+                                      <p:cBhvr additive="base">
+                                        <p:cTn id="31" dur="500" fill="hold"/>
+                                        <p:tgtEl>
+                                          <p:spTgt spid="11266">
+                                            <p:txEl>
+                                              <p:pRg st="4" end="4"/>
+                                            </p:txEl>
+                                          </p:spTgt>
+                                        </p:tgtEl>
+                                        <p:attrNameLst>
+                                          <p:attrName>ppt_x</p:attrName>
+                                        </p:attrNameLst>
+                                      </p:cBhvr>
+                                      <p:tavLst>
+                                        <p:tav tm="0">
+                                          <p:val>
+                                            <p:strVal val="#ppt_x"/>
+                                          </p:val>
+                                        </p:tav>
+                                        <p:tav tm="100000">
+                                          <p:val>
+                                            <p:strVal val="#ppt_x"/>
+                                          </p:val>
+                                        </p:tav>
+                                      </p:tavLst>
+                                    </p:anim>
+                                    <p:anim calcmode="lin" valueType="num">
+                                      <p:cBhvr additive="base">
+                                        <p:cTn id="32" dur="500" fill="hold"/>
+                                        <p:tgtEl>
+                                          <p:spTgt spid="11266">
+                                            <p:txEl>
+                                              <p:pRg st="4" end="4"/>
+                                            </p:txEl>
+                                          </p:spTgt>
+                                        </p:tgtEl>
+                                        <p:attrNameLst>
+                                          <p:attrName>ppt_y</p:attrName>
+                                        </p:attrNameLst>
+                                      </p:cBhvr>
+                                      <p:tavLst>
+                                        <p:tav tm="0">
+                                          <p:val>
+                                            <p:strVal val="1+#ppt_h/2"/>
+                                          </p:val>
+                                        </p:tav>
+                                        <p:tav tm="100000">
+                                          <p:val>
+                                            <p:strVal val="#ppt_y"/>
+                                          </p:val>
+                                        </p:tav>
+                                      </p:tavLst>
+                                    </p:anim>
+                                  </p:childTnLst>
+                                </p:cTn>
+                              </p:par>
+                            </p:childTnLst>
+                          </p:cTn>
+                        </p:par>
+                      </p:childTnLst>
+                    </p:cTn>
+                  </p:par>
+                  <p:par>
+                    <p:cTn id="33" fill="hold">
+                      <p:stCondLst>
+                        <p:cond delay="indefinite"/>
+                      </p:stCondLst>
+                      <p:childTnLst>
+                        <p:par>
+                          <p:cTn id="34" fill="hold">
+                            <p:stCondLst>
+                              <p:cond delay="0"/>
+                            </p:stCondLst>
+                            <p:childTnLst>
+                              <p:par>
+                                <p:cTn id="35" presetID="2" presetClass="entr" presetSubtype="4" fill="hold" grpId="0" nodeType="clickEffect">
+                                  <p:stCondLst>
+                                    <p:cond delay="0"/>
+                                  </p:stCondLst>
+                                  <p:childTnLst>
+                                    <p:set>
+                                      <p:cBhvr>
+                                        <p:cTn id="36" dur="1" fill="hold">
+                                          <p:stCondLst>
+                                            <p:cond delay="0"/>
+                                          </p:stCondLst>
+                                        </p:cTn>
+                                        <p:tgtEl>
+                                          <p:spTgt spid="11266">
+                                            <p:txEl>
+                                              <p:pRg st="5" end="5"/>
+                                            </p:txEl>
+                                          </p:spTgt>
+                                        </p:tgtEl>
+                                        <p:attrNameLst>
+                                          <p:attrName>style.visibility</p:attrName>
+                                        </p:attrNameLst>
+                                      </p:cBhvr>
+                                      <p:to>
+                                        <p:strVal val="visible"/>
+                                      </p:to>
+                                    </p:set>
+                                    <p:anim calcmode="lin" valueType="num">
+                                      <p:cBhvr additive="base">
+                                        <p:cTn id="37" dur="500" fill="hold"/>
+                                        <p:tgtEl>
+                                          <p:spTgt spid="11266">
+                                            <p:txEl>
+                                              <p:pRg st="5" end="5"/>
+                                            </p:txEl>
+                                          </p:spTgt>
+                                        </p:tgtEl>
+                                        <p:attrNameLst>
+                                          <p:attrName>ppt_x</p:attrName>
+                                        </p:attrNameLst>
+                                      </p:cBhvr>
+                                      <p:tavLst>
+                                        <p:tav tm="0">
+                                          <p:val>
+                                            <p:strVal val="#ppt_x"/>
+                                          </p:val>
+                                        </p:tav>
+                                        <p:tav tm="100000">
+                                          <p:val>
+                                            <p:strVal val="#ppt_x"/>
+                                          </p:val>
+                                        </p:tav>
+                                      </p:tavLst>
+                                    </p:anim>
+                                    <p:anim calcmode="lin" valueType="num">
+                                      <p:cBhvr additive="base">
+                                        <p:cTn id="38" dur="500" fill="hold"/>
+                                        <p:tgtEl>
+                                          <p:spTgt spid="11266">
+                                            <p:txEl>
+                                              <p:pRg st="5" end="5"/>
+                                            </p:txEl>
+                                          </p:spTgt>
+                                        </p:tgtEl>
+                                        <p:attrNameLst>
+                                          <p:attrName>ppt_y</p:attrName>
+                                        </p:attrNameLst>
+                                      </p:cBhvr>
+                                      <p:tavLst>
+                                        <p:tav tm="0">
+                                          <p:val>
+                                            <p:strVal val="1+#ppt_h/2"/>
+                                          </p:val>
+                                        </p:tav>
+                                        <p:tav tm="100000">
+                                          <p:val>
+                                            <p:strVal val="#ppt_y"/>
+                                          </p:val>
+                                        </p:tav>
+                                      </p:tavLst>
+                                    </p:anim>
+                                  </p:childTnLst>
+                                </p:cTn>
+                              </p:par>
+                            </p:childTnLst>
+                          </p:cTn>
+                        </p:par>
+                        <p:par>
+                          <p:cTn id="39" fill="hold">
+                            <p:stCondLst>
+                              <p:cond delay="500"/>
+                            </p:stCondLst>
+                            <p:childTnLst>
+                              <p:par>
+                                <p:cTn id="40" presetID="2" presetClass="entr" presetSubtype="4" fill="hold" grpId="0" nodeType="afterEffect">
+                                  <p:stCondLst>
+                                    <p:cond delay="0"/>
+                                  </p:stCondLst>
+                                  <p:childTnLst>
+                                    <p:set>
+                                      <p:cBhvr>
+                                        <p:cTn id="41" dur="1" fill="hold">
+                                          <p:stCondLst>
+                                            <p:cond delay="0"/>
+                                          </p:stCondLst>
+                                        </p:cTn>
+                                        <p:tgtEl>
+                                          <p:spTgt spid="4"/>
+                                        </p:tgtEl>
+                                        <p:attrNameLst>
+                                          <p:attrName>style.visibility</p:attrName>
+                                        </p:attrNameLst>
+                                      </p:cBhvr>
+                                      <p:to>
+                                        <p:strVal val="visible"/>
+                                      </p:to>
+                                    </p:set>
+                                    <p:anim calcmode="lin" valueType="num">
+                                      <p:cBhvr additive="base">
+                                        <p:cTn id="42" dur="500" fill="hold"/>
+                                        <p:tgtEl>
+                                          <p:spTgt spid="4"/>
+                                        </p:tgtEl>
+                                        <p:attrNameLst>
+                                          <p:attrName>ppt_x</p:attrName>
+                                        </p:attrNameLst>
+                                      </p:cBhvr>
+                                      <p:tavLst>
+                                        <p:tav tm="0">
+                                          <p:val>
+                                            <p:strVal val="#ppt_x"/>
+                                          </p:val>
+                                        </p:tav>
+                                        <p:tav tm="100000">
+                                          <p:val>
+                                            <p:strVal val="#ppt_x"/>
+                                          </p:val>
+                                        </p:tav>
+                                      </p:tavLst>
+                                    </p:anim>
+                                    <p:anim calcmode="lin" valueType="num">
+                                      <p:cBhvr additive="base">
+                                        <p:cTn id="43" dur="500" fill="hold"/>
+                                        <p:tgtEl>
+                                          <p:spTgt spid="4"/>
+                                        </p:tgtEl>
+                                        <p:attrNameLst>
+                                          <p:attrName>ppt_y</p:attrName>
+                                        </p:attrNameLst>
+                                      </p:cBhvr>
+                                      <p:tavLst>
+                                        <p:tav tm="0">
+                                          <p:val>
+                                            <p:strVal val="1+#ppt_h/2"/>
+                                          </p:val>
+                                        </p:tav>
+                                        <p:tav tm="100000">
+                                          <p:val>
+                                            <p:strVal val="#ppt_y"/>
+                                          </p:val>
+                                        </p:tav>
+                                      </p:tavLst>
+                                    </p:anim>
+                                  </p:childTnLst>
+                                </p:cTn>
+                              </p:par>
+                            </p:childTnLst>
+                          </p:cTn>
+                        </p:par>
+                      </p:childTnLst>
+                    </p:cTn>
+                  </p:par>
                 </p:childTnLst>
               </p:cTn>
               <p:prevCondLst>
@@ -3873,6 +10968,1946 @@
         </p:cTn>
       </p:par>
     </p:tnLst>
+    <p:bldLst>
+      <p:bldP spid="4" grpId="0"/>
+      <p:bldP spid="11266" grpId="0" uiExpand="1" build="p"/>
+    </p:bldLst>
+  </p:timing>
+</p:sld>
+</file>
+
+<file path=ppt/slides/slide7.xml><?xml version="1.0" encoding="utf-8"?>
+<p:sld xmlns:a="http://schemas.openxmlformats.org/drawingml/2006/main" xmlns:r="http://schemas.openxmlformats.org/officeDocument/2006/relationships" xmlns:p="http://schemas.openxmlformats.org/presentationml/2006/main">
+  <p:cSld>
+    <p:spTree>
+      <p:nvGrpSpPr>
+        <p:cNvPr id="1" name=""/>
+        <p:cNvGrpSpPr/>
+        <p:nvPr/>
+      </p:nvGrpSpPr>
+      <p:grpSpPr>
+        <a:xfrm>
+          <a:off x="0" y="0"/>
+          <a:ext cx="0" cy="0"/>
+          <a:chOff x="0" y="0"/>
+          <a:chExt cx="0" cy="0"/>
+        </a:xfrm>
+      </p:grpSpPr>
+      <p:sp>
+        <p:nvSpPr>
+          <p:cNvPr id="5123" name="AutoShape 6"/>
+          <p:cNvSpPr>
+            <a:spLocks noChangeArrowheads="1"/>
+          </p:cNvSpPr>
+          <p:nvPr/>
+        </p:nvSpPr>
+        <p:spPr bwMode="auto">
+          <a:xfrm>
+            <a:off x="2566988" y="1339851"/>
+            <a:ext cx="6711950" cy="4214813"/>
+          </a:xfrm>
+          <a:prstGeom prst="roundRect">
+            <a:avLst>
+              <a:gd name="adj" fmla="val 16667"/>
+            </a:avLst>
+          </a:prstGeom>
+          <a:noFill/>
+          <a:ln w="28575">
+            <a:solidFill>
+              <a:srgbClr val="C0C0C0"/>
+            </a:solidFill>
+            <a:prstDash val="sysDot"/>
+            <a:round/>
+          </a:ln>
+          <a:extLst>
+            <a:ext uri="{909E8E84-426E-40DD-AFC4-6F175D3DCCD1}">
+              <a14:hiddenFill xmlns:a14="http://schemas.microsoft.com/office/drawing/2010/main">
+                <a:solidFill>
+                  <a:srgbClr val="FFFFFF"/>
+                </a:solidFill>
+              </a14:hiddenFill>
+            </a:ext>
+          </a:extLst>
+        </p:spPr>
+        <p:txBody>
+          <a:bodyPr wrap="none" anchor="ctr"/>
+          <a:lstStyle>
+            <a:lvl1pPr marL="457200" indent="-457200">
+              <a:defRPr sz="3200">
+                <a:solidFill>
+                  <a:schemeClr val="tx1"/>
+                </a:solidFill>
+                <a:latin typeface="Arial" panose="020B0604020202020204" pitchFamily="34" charset="0"/>
+                <a:ea typeface="微软雅黑" panose="020B0503020204020204" pitchFamily="34" charset="-122"/>
+              </a:defRPr>
+            </a:lvl1pPr>
+            <a:lvl2pPr marL="742950" indent="-285750">
+              <a:defRPr sz="3200">
+                <a:solidFill>
+                  <a:schemeClr val="tx1"/>
+                </a:solidFill>
+                <a:latin typeface="Arial" panose="020B0604020202020204" pitchFamily="34" charset="0"/>
+                <a:ea typeface="微软雅黑" panose="020B0503020204020204" pitchFamily="34" charset="-122"/>
+              </a:defRPr>
+            </a:lvl2pPr>
+            <a:lvl3pPr marL="1143000" indent="-228600">
+              <a:defRPr sz="3200">
+                <a:solidFill>
+                  <a:schemeClr val="tx1"/>
+                </a:solidFill>
+                <a:latin typeface="Arial" panose="020B0604020202020204" pitchFamily="34" charset="0"/>
+                <a:ea typeface="微软雅黑" panose="020B0503020204020204" pitchFamily="34" charset="-122"/>
+              </a:defRPr>
+            </a:lvl3pPr>
+            <a:lvl4pPr marL="1600200" indent="-228600">
+              <a:defRPr sz="3200">
+                <a:solidFill>
+                  <a:schemeClr val="tx1"/>
+                </a:solidFill>
+                <a:latin typeface="Arial" panose="020B0604020202020204" pitchFamily="34" charset="0"/>
+                <a:ea typeface="微软雅黑" panose="020B0503020204020204" pitchFamily="34" charset="-122"/>
+              </a:defRPr>
+            </a:lvl4pPr>
+            <a:lvl5pPr marL="2057400" indent="-228600">
+              <a:defRPr sz="3200">
+                <a:solidFill>
+                  <a:schemeClr val="tx1"/>
+                </a:solidFill>
+                <a:latin typeface="Arial" panose="020B0604020202020204" pitchFamily="34" charset="0"/>
+                <a:ea typeface="微软雅黑" panose="020B0503020204020204" pitchFamily="34" charset="-122"/>
+              </a:defRPr>
+            </a:lvl5pPr>
+            <a:lvl6pPr marL="2514600" indent="-228600" eaLnBrk="0" fontAlgn="base" hangingPunct="0">
+              <a:spcBef>
+                <a:spcPct val="0"/>
+              </a:spcBef>
+              <a:spcAft>
+                <a:spcPct val="0"/>
+              </a:spcAft>
+              <a:defRPr sz="3200">
+                <a:solidFill>
+                  <a:schemeClr val="tx1"/>
+                </a:solidFill>
+                <a:latin typeface="Arial" panose="020B0604020202020204" pitchFamily="34" charset="0"/>
+                <a:ea typeface="微软雅黑" panose="020B0503020204020204" pitchFamily="34" charset="-122"/>
+              </a:defRPr>
+            </a:lvl6pPr>
+            <a:lvl7pPr marL="2971800" indent="-228600" eaLnBrk="0" fontAlgn="base" hangingPunct="0">
+              <a:spcBef>
+                <a:spcPct val="0"/>
+              </a:spcBef>
+              <a:spcAft>
+                <a:spcPct val="0"/>
+              </a:spcAft>
+              <a:defRPr sz="3200">
+                <a:solidFill>
+                  <a:schemeClr val="tx1"/>
+                </a:solidFill>
+                <a:latin typeface="Arial" panose="020B0604020202020204" pitchFamily="34" charset="0"/>
+                <a:ea typeface="微软雅黑" panose="020B0503020204020204" pitchFamily="34" charset="-122"/>
+              </a:defRPr>
+            </a:lvl7pPr>
+            <a:lvl8pPr marL="3429000" indent="-228600" eaLnBrk="0" fontAlgn="base" hangingPunct="0">
+              <a:spcBef>
+                <a:spcPct val="0"/>
+              </a:spcBef>
+              <a:spcAft>
+                <a:spcPct val="0"/>
+              </a:spcAft>
+              <a:defRPr sz="3200">
+                <a:solidFill>
+                  <a:schemeClr val="tx1"/>
+                </a:solidFill>
+                <a:latin typeface="Arial" panose="020B0604020202020204" pitchFamily="34" charset="0"/>
+                <a:ea typeface="微软雅黑" panose="020B0503020204020204" pitchFamily="34" charset="-122"/>
+              </a:defRPr>
+            </a:lvl8pPr>
+            <a:lvl9pPr marL="3886200" indent="-228600" eaLnBrk="0" fontAlgn="base" hangingPunct="0">
+              <a:spcBef>
+                <a:spcPct val="0"/>
+              </a:spcBef>
+              <a:spcAft>
+                <a:spcPct val="0"/>
+              </a:spcAft>
+              <a:defRPr sz="3200">
+                <a:solidFill>
+                  <a:schemeClr val="tx1"/>
+                </a:solidFill>
+                <a:latin typeface="Arial" panose="020B0604020202020204" pitchFamily="34" charset="0"/>
+                <a:ea typeface="微软雅黑" panose="020B0503020204020204" pitchFamily="34" charset="-122"/>
+              </a:defRPr>
+            </a:lvl9pPr>
+          </a:lstStyle>
+          <a:p>
+            <a:pPr algn="l">
+              <a:lnSpc>
+                <a:spcPct val="150000"/>
+              </a:lnSpc>
+              <a:spcBef>
+                <a:spcPts val="1200"/>
+              </a:spcBef>
+              <a:spcAft>
+                <a:spcPts val="1200"/>
+              </a:spcAft>
+              <a:buClr>
+                <a:srgbClr val="92D050"/>
+              </a:buClr>
+              <a:buFont typeface="Wingdings" panose="05000000000000000000" pitchFamily="2" charset="2"/>
+              <a:buChar char="Ø"/>
+            </a:pPr>
+            <a:r>
+              <a:rPr lang="en-US" sz="2800" b="1">
+                <a:solidFill>
+                  <a:schemeClr val="tx1"/>
+                </a:solidFill>
+              </a:rPr>
+              <a:t>ES6 Class</a:t>
+            </a:r>
+            <a:r>
+              <a:rPr lang="zh-CN" altLang="en-US" sz="2800" b="1">
+                <a:solidFill>
+                  <a:schemeClr val="tx1"/>
+                </a:solidFill>
+              </a:rPr>
+              <a:t>基本语法</a:t>
+            </a:r>
+            <a:endParaRPr lang="zh-CN" altLang="en-US" sz="2800" b="1">
+              <a:solidFill>
+                <a:schemeClr val="tx1"/>
+              </a:solidFill>
+            </a:endParaRPr>
+          </a:p>
+          <a:p>
+            <a:pPr algn="l">
+              <a:lnSpc>
+                <a:spcPct val="150000"/>
+              </a:lnSpc>
+              <a:spcBef>
+                <a:spcPts val="1200"/>
+              </a:spcBef>
+              <a:spcAft>
+                <a:spcPts val="1200"/>
+              </a:spcAft>
+              <a:buClr>
+                <a:srgbClr val="92D050"/>
+              </a:buClr>
+              <a:buFont typeface="Wingdings" panose="05000000000000000000" pitchFamily="2" charset="2"/>
+              <a:buChar char="Ø"/>
+            </a:pPr>
+            <a:r>
+              <a:rPr lang="en-US" altLang="zh-CN" sz="2800" b="1">
+                <a:solidFill>
+                  <a:schemeClr val="accent3"/>
+                </a:solidFill>
+              </a:rPr>
+              <a:t>ES6 Class</a:t>
+            </a:r>
+            <a:r>
+              <a:rPr lang="zh-CN" altLang="en-US" sz="2800" b="1">
+                <a:solidFill>
+                  <a:schemeClr val="accent3"/>
+                </a:solidFill>
+              </a:rPr>
+              <a:t>静态方法、静态属性</a:t>
+            </a:r>
+            <a:endParaRPr lang="zh-CN" altLang="en-US" sz="2800" b="1">
+              <a:solidFill>
+                <a:schemeClr val="accent3"/>
+              </a:solidFill>
+            </a:endParaRPr>
+          </a:p>
+          <a:p>
+            <a:pPr algn="l">
+              <a:lnSpc>
+                <a:spcPct val="150000"/>
+              </a:lnSpc>
+              <a:spcBef>
+                <a:spcPts val="1200"/>
+              </a:spcBef>
+              <a:spcAft>
+                <a:spcPts val="1200"/>
+              </a:spcAft>
+              <a:buClr>
+                <a:srgbClr val="92D050"/>
+              </a:buClr>
+              <a:buFont typeface="Wingdings" panose="05000000000000000000" pitchFamily="2" charset="2"/>
+              <a:buChar char="Ø"/>
+            </a:pPr>
+            <a:r>
+              <a:rPr lang="en-US" sz="2800" b="1">
+                <a:solidFill>
+                  <a:schemeClr val="tx1"/>
+                </a:solidFill>
+                <a:sym typeface="+mn-ea"/>
+              </a:rPr>
+              <a:t>ES6 Class</a:t>
+            </a:r>
+            <a:r>
+              <a:rPr lang="zh-CN" altLang="en-US" sz="2800" b="1">
+                <a:solidFill>
+                  <a:schemeClr val="tx1"/>
+                </a:solidFill>
+                <a:sym typeface="+mn-ea"/>
+              </a:rPr>
+              <a:t>的继承</a:t>
+            </a:r>
+            <a:endParaRPr lang="zh-CN" altLang="en-US" sz="2800" b="1">
+              <a:solidFill>
+                <a:schemeClr val="tx1"/>
+              </a:solidFill>
+              <a:sym typeface="+mn-ea"/>
+            </a:endParaRPr>
+          </a:p>
+        </p:txBody>
+      </p:sp>
+      <p:sp>
+        <p:nvSpPr>
+          <p:cNvPr id="4" name="内容占位符 3"/>
+          <p:cNvSpPr txBox="1"/>
+          <p:nvPr/>
+        </p:nvSpPr>
+        <p:spPr>
+          <a:xfrm>
+            <a:off x="981657" y="236943"/>
+            <a:ext cx="8191557" cy="490476"/>
+          </a:xfrm>
+          <a:prstGeom prst="rect">
+            <a:avLst/>
+          </a:prstGeom>
+        </p:spPr>
+        <p:txBody>
+          <a:bodyPr/>
+          <a:lstStyle>
+            <a:lvl1pPr marL="167005" indent="-167005" algn="l" defTabSz="0" rtl="0" eaLnBrk="0" fontAlgn="base" hangingPunct="0">
+              <a:spcBef>
+                <a:spcPct val="0"/>
+              </a:spcBef>
+              <a:spcAft>
+                <a:spcPct val="15000"/>
+              </a:spcAft>
+              <a:buClr>
+                <a:schemeClr val="tx2"/>
+              </a:buClr>
+              <a:buFont typeface="Arial" panose="020B0604020202020204" pitchFamily="34" charset="0"/>
+              <a:buChar char="•"/>
+              <a:defRPr kumimoji="1" sz="1600">
+                <a:solidFill>
+                  <a:srgbClr val="006F53"/>
+                </a:solidFill>
+                <a:latin typeface="微软雅黑" panose="020B0503020204020204" pitchFamily="34" charset="-122"/>
+                <a:ea typeface="微软雅黑" panose="020B0503020204020204" pitchFamily="34" charset="-122"/>
+                <a:cs typeface="微软雅黑" panose="020B0503020204020204" pitchFamily="34" charset="-122"/>
+              </a:defRPr>
+            </a:lvl1pPr>
+            <a:lvl2pPr marL="398780" indent="-230505" algn="l" defTabSz="0" rtl="0" eaLnBrk="0" fontAlgn="base" hangingPunct="0">
+              <a:spcBef>
+                <a:spcPct val="0"/>
+              </a:spcBef>
+              <a:spcAft>
+                <a:spcPct val="15000"/>
+              </a:spcAft>
+              <a:buClr>
+                <a:schemeClr val="tx2"/>
+              </a:buClr>
+              <a:buFont typeface="Arial" panose="020B0604020202020204" pitchFamily="34" charset="0"/>
+              <a:buChar char="–"/>
+              <a:defRPr kumimoji="1" sz="2800">
+                <a:solidFill>
+                  <a:schemeClr val="bg2"/>
+                </a:solidFill>
+                <a:latin typeface="微软雅黑" panose="020B0503020204020204" pitchFamily="34" charset="-122"/>
+                <a:ea typeface="微软雅黑" panose="020B0503020204020204" pitchFamily="34" charset="-122"/>
+                <a:cs typeface="微软雅黑" panose="020B0503020204020204" pitchFamily="34" charset="-122"/>
+              </a:defRPr>
+            </a:lvl2pPr>
+            <a:lvl3pPr marL="400050" indent="182880" algn="l" defTabSz="0" rtl="0" eaLnBrk="0" fontAlgn="base" hangingPunct="0">
+              <a:spcBef>
+                <a:spcPct val="0"/>
+              </a:spcBef>
+              <a:spcAft>
+                <a:spcPct val="15000"/>
+              </a:spcAft>
+              <a:buClr>
+                <a:schemeClr val="tx2"/>
+              </a:buClr>
+              <a:buFont typeface="Arial" panose="020B0604020202020204" pitchFamily="34" charset="0"/>
+              <a:buChar char="•"/>
+              <a:defRPr kumimoji="1" sz="1600">
+                <a:solidFill>
+                  <a:schemeClr val="bg2"/>
+                </a:solidFill>
+                <a:latin typeface="微软雅黑" panose="020B0503020204020204" pitchFamily="34" charset="-122"/>
+                <a:ea typeface="微软雅黑" panose="020B0503020204020204" pitchFamily="34" charset="-122"/>
+                <a:cs typeface="微软雅黑" panose="020B0503020204020204" pitchFamily="34" charset="-122"/>
+              </a:defRPr>
+            </a:lvl3pPr>
+            <a:lvl4pPr marL="825500" indent="-241300" algn="l" defTabSz="0" rtl="0" eaLnBrk="0" fontAlgn="base" hangingPunct="0">
+              <a:spcBef>
+                <a:spcPct val="0"/>
+              </a:spcBef>
+              <a:spcAft>
+                <a:spcPct val="15000"/>
+              </a:spcAft>
+              <a:buClr>
+                <a:schemeClr val="tx2"/>
+              </a:buClr>
+              <a:buFont typeface="Arial" panose="020B0604020202020204" pitchFamily="34" charset="0"/>
+              <a:buChar char="–"/>
+              <a:defRPr kumimoji="1" sz="1600">
+                <a:solidFill>
+                  <a:schemeClr val="bg2"/>
+                </a:solidFill>
+                <a:latin typeface="微软雅黑" panose="020B0503020204020204" pitchFamily="34" charset="-122"/>
+                <a:ea typeface="微软雅黑" panose="020B0503020204020204" pitchFamily="34" charset="-122"/>
+                <a:cs typeface="微软雅黑" panose="020B0503020204020204" pitchFamily="34" charset="-122"/>
+              </a:defRPr>
+            </a:lvl4pPr>
+            <a:lvl5pPr marL="2057400" indent="-228600" algn="l" defTabSz="0" rtl="0" eaLnBrk="0" fontAlgn="base" hangingPunct="0">
+              <a:spcBef>
+                <a:spcPct val="0"/>
+              </a:spcBef>
+              <a:spcAft>
+                <a:spcPct val="25000"/>
+              </a:spcAft>
+              <a:buClr>
+                <a:schemeClr val="tx2"/>
+              </a:buClr>
+              <a:buFont typeface="Arial" panose="020B0604020202020204" pitchFamily="34" charset="0"/>
+              <a:buChar char="–"/>
+              <a:defRPr kumimoji="1" sz="2000">
+                <a:solidFill>
+                  <a:schemeClr val="tx1"/>
+                </a:solidFill>
+                <a:latin typeface="+mn-lt"/>
+                <a:ea typeface="微软雅黑" panose="020B0503020204020204" pitchFamily="34" charset="-122"/>
+                <a:cs typeface="微软雅黑" panose="020B0503020204020204" pitchFamily="34" charset="-122"/>
+              </a:defRPr>
+            </a:lvl5pPr>
+            <a:lvl6pPr marL="2514600" indent="-228600" algn="l" defTabSz="0" rtl="0" eaLnBrk="0" fontAlgn="base" hangingPunct="0">
+              <a:spcBef>
+                <a:spcPct val="0"/>
+              </a:spcBef>
+              <a:spcAft>
+                <a:spcPct val="25000"/>
+              </a:spcAft>
+              <a:buClr>
+                <a:schemeClr val="tx2"/>
+              </a:buClr>
+              <a:buFont typeface="Arial" panose="020B0604020202020204" pitchFamily="34" charset="0"/>
+              <a:buChar char="–"/>
+              <a:defRPr>
+                <a:solidFill>
+                  <a:schemeClr val="tx1"/>
+                </a:solidFill>
+                <a:latin typeface="+mn-lt"/>
+              </a:defRPr>
+            </a:lvl6pPr>
+            <a:lvl7pPr marL="2971800" indent="-228600" algn="l" defTabSz="0" rtl="0" eaLnBrk="0" fontAlgn="base" hangingPunct="0">
+              <a:spcBef>
+                <a:spcPct val="0"/>
+              </a:spcBef>
+              <a:spcAft>
+                <a:spcPct val="25000"/>
+              </a:spcAft>
+              <a:buClr>
+                <a:schemeClr val="tx2"/>
+              </a:buClr>
+              <a:buFont typeface="Arial" panose="020B0604020202020204" pitchFamily="34" charset="0"/>
+              <a:buChar char="–"/>
+              <a:defRPr>
+                <a:solidFill>
+                  <a:schemeClr val="tx1"/>
+                </a:solidFill>
+                <a:latin typeface="+mn-lt"/>
+              </a:defRPr>
+            </a:lvl7pPr>
+            <a:lvl8pPr marL="3429000" indent="-228600" algn="l" defTabSz="0" rtl="0" eaLnBrk="0" fontAlgn="base" hangingPunct="0">
+              <a:spcBef>
+                <a:spcPct val="0"/>
+              </a:spcBef>
+              <a:spcAft>
+                <a:spcPct val="25000"/>
+              </a:spcAft>
+              <a:buClr>
+                <a:schemeClr val="tx2"/>
+              </a:buClr>
+              <a:buFont typeface="Arial" panose="020B0604020202020204" pitchFamily="34" charset="0"/>
+              <a:buChar char="–"/>
+              <a:defRPr>
+                <a:solidFill>
+                  <a:schemeClr val="tx1"/>
+                </a:solidFill>
+                <a:latin typeface="+mn-lt"/>
+              </a:defRPr>
+            </a:lvl8pPr>
+            <a:lvl9pPr marL="3886200" indent="-228600" algn="l" defTabSz="0" rtl="0" eaLnBrk="0" fontAlgn="base" hangingPunct="0">
+              <a:spcBef>
+                <a:spcPct val="0"/>
+              </a:spcBef>
+              <a:spcAft>
+                <a:spcPct val="25000"/>
+              </a:spcAft>
+              <a:buClr>
+                <a:schemeClr val="tx2"/>
+              </a:buClr>
+              <a:buFont typeface="Arial" panose="020B0604020202020204" pitchFamily="34" charset="0"/>
+              <a:buChar char="–"/>
+              <a:defRPr>
+                <a:solidFill>
+                  <a:schemeClr val="tx1"/>
+                </a:solidFill>
+                <a:latin typeface="+mn-lt"/>
+              </a:defRPr>
+            </a:lvl9pPr>
+          </a:lstStyle>
+          <a:p>
+            <a:pPr marL="0" indent="0">
+              <a:buNone/>
+            </a:pPr>
+            <a:r>
+              <a:rPr lang="zh-CN" altLang="en-US" sz="3200" dirty="0" smtClean="0">
+                <a:solidFill>
+                  <a:srgbClr val="C00000"/>
+                </a:solidFill>
+                <a:cs typeface="+mn-cs"/>
+                <a:sym typeface="+mn-ea"/>
+              </a:rPr>
+              <a:t>内容提纲</a:t>
+            </a:r>
+            <a:endParaRPr lang="zh-CN" altLang="en-US" kern="0" dirty="0"/>
+          </a:p>
+        </p:txBody>
+      </p:sp>
+    </p:spTree>
+  </p:cSld>
+  <p:clrMapOvr>
+    <a:masterClrMapping/>
+  </p:clrMapOvr>
+  <p:timing>
+    <p:tnLst>
+      <p:par>
+        <p:cTn id="1" dur="indefinite" restart="never" nodeType="tmRoot"/>
+      </p:par>
+    </p:tnLst>
+  </p:timing>
+</p:sld>
+</file>
+
+<file path=ppt/slides/slide8.xml><?xml version="1.0" encoding="utf-8"?>
+<p:sld xmlns:a="http://schemas.openxmlformats.org/drawingml/2006/main" xmlns:r="http://schemas.openxmlformats.org/officeDocument/2006/relationships" xmlns:p="http://schemas.openxmlformats.org/presentationml/2006/main">
+  <p:cSld>
+    <p:spTree>
+      <p:nvGrpSpPr>
+        <p:cNvPr id="1" name=""/>
+        <p:cNvGrpSpPr/>
+        <p:nvPr/>
+      </p:nvGrpSpPr>
+      <p:grpSpPr>
+        <a:xfrm>
+          <a:off x="0" y="0"/>
+          <a:ext cx="0" cy="0"/>
+          <a:chOff x="0" y="0"/>
+          <a:chExt cx="0" cy="0"/>
+        </a:xfrm>
+      </p:grpSpPr>
+      <p:sp>
+        <p:nvSpPr>
+          <p:cNvPr id="11266" name="内容占位符 1"/>
+          <p:cNvSpPr>
+            <a:spLocks noGrp="1"/>
+          </p:cNvSpPr>
+          <p:nvPr>
+            <p:ph sz="quarter" idx="10"/>
+          </p:nvPr>
+        </p:nvSpPr>
+        <p:spPr bwMode="auto">
+          <a:xfrm>
+            <a:off x="875665" y="868680"/>
+            <a:ext cx="10432415" cy="5115560"/>
+          </a:xfrm>
+          <a:noFill/>
+          <a:extLst>
+            <a:ext uri="{909E8E84-426E-40DD-AFC4-6F175D3DCCD1}">
+              <a14:hiddenFill xmlns:a14="http://schemas.microsoft.com/office/drawing/2010/main">
+                <a:solidFill>
+                  <a:srgbClr val="FFFFFF"/>
+                </a:solidFill>
+              </a14:hiddenFill>
+            </a:ext>
+            <a:ext uri="{91240B29-F687-4F45-9708-019B960494DF}">
+              <a14:hiddenLine xmlns:a14="http://schemas.microsoft.com/office/drawing/2010/main" w="9525">
+                <a:solidFill>
+                  <a:srgbClr val="000000"/>
+                </a:solidFill>
+                <a:miter lim="800000"/>
+                <a:headEnd/>
+                <a:tailEnd/>
+              </a14:hiddenLine>
+            </a:ext>
+          </a:extLst>
+        </p:spPr>
+        <p:txBody>
+          <a:bodyPr vert="horz" wrap="square" lIns="91440" tIns="45720" rIns="91440" bIns="45720" numCol="1" anchor="t" anchorCtr="0" compatLnSpc="1"/>
+          <a:lstStyle/>
+          <a:p>
+            <a:pPr>
+              <a:lnSpc>
+                <a:spcPct val="130000"/>
+              </a:lnSpc>
+            </a:pPr>
+            <a:r>
+              <a:rPr kumimoji="0" lang="zh-CN" sz="3200" dirty="0" smtClean="0">
+                <a:solidFill>
+                  <a:schemeClr val="tx1"/>
+                </a:solidFill>
+              </a:rPr>
+              <a:t>静态方法与实例方法</a:t>
+            </a:r>
+            <a:br>
+              <a:rPr kumimoji="0" lang="zh-CN" altLang="en-US" sz="2000" dirty="0" smtClean="0">
+                <a:solidFill>
+                  <a:schemeClr val="tx1"/>
+                </a:solidFill>
+              </a:rPr>
+            </a:br>
+            <a:r>
+              <a:rPr kumimoji="0" lang="en-US" altLang="zh-CN" sz="2000" dirty="0" smtClean="0">
+                <a:solidFill>
+                  <a:schemeClr val="tx1"/>
+                </a:solidFill>
+              </a:rPr>
+              <a:t>- </a:t>
+            </a:r>
+            <a:r>
+              <a:rPr kumimoji="0" lang="en-US" altLang="zh-CN" sz="2000" dirty="0" smtClean="0">
+                <a:solidFill>
+                  <a:schemeClr val="tx1"/>
+                </a:solidFill>
+                <a:sym typeface="+mn-ea"/>
+              </a:rPr>
+              <a:t>静态</a:t>
+            </a:r>
+            <a:r>
+              <a:rPr kumimoji="0" lang="zh-CN" altLang="en-US" sz="2000" dirty="0" smtClean="0">
+                <a:solidFill>
+                  <a:schemeClr val="tx1"/>
+                </a:solidFill>
+                <a:sym typeface="+mn-ea"/>
+              </a:rPr>
+              <a:t>方法</a:t>
+            </a:r>
+            <a:r>
+              <a:rPr kumimoji="0" lang="en-US" altLang="zh-CN" sz="2000" dirty="0" smtClean="0">
+                <a:solidFill>
+                  <a:schemeClr val="tx1"/>
+                </a:solidFill>
+                <a:sym typeface="+mn-ea"/>
+              </a:rPr>
+              <a:t>指的是 Class 本身的</a:t>
+            </a:r>
+            <a:r>
+              <a:rPr kumimoji="0" lang="zh-CN" altLang="en-US" sz="2000" dirty="0" smtClean="0">
+                <a:solidFill>
+                  <a:schemeClr val="tx1"/>
+                </a:solidFill>
+                <a:sym typeface="+mn-ea"/>
+              </a:rPr>
+              <a:t>方法</a:t>
+            </a:r>
+            <a:r>
+              <a:rPr kumimoji="0" lang="en-US" altLang="zh-CN" sz="2000" dirty="0" smtClean="0">
+                <a:solidFill>
+                  <a:schemeClr val="tx1"/>
+                </a:solidFill>
+                <a:sym typeface="+mn-ea"/>
+              </a:rPr>
+              <a:t>，而不是定义在实例对象上的</a:t>
+            </a:r>
+            <a:r>
+              <a:rPr kumimoji="0" lang="zh-CN" altLang="en-US" sz="2000" dirty="0" smtClean="0">
+                <a:solidFill>
+                  <a:schemeClr val="tx1"/>
+                </a:solidFill>
+                <a:sym typeface="+mn-ea"/>
+              </a:rPr>
+              <a:t>方法</a:t>
+            </a:r>
+            <a:br>
+              <a:rPr kumimoji="0" lang="zh-CN" altLang="en-US" sz="2000" dirty="0" smtClean="0">
+                <a:solidFill>
+                  <a:schemeClr val="tx1"/>
+                </a:solidFill>
+                <a:sym typeface="+mn-ea"/>
+              </a:rPr>
+            </a:br>
+            <a:r>
+              <a:rPr kumimoji="0" lang="en-US" altLang="zh-CN" sz="2000" dirty="0" smtClean="0">
+                <a:solidFill>
+                  <a:schemeClr val="tx1"/>
+                </a:solidFill>
+                <a:sym typeface="+mn-ea"/>
+              </a:rPr>
+              <a:t>- </a:t>
+            </a:r>
+            <a:r>
+              <a:rPr kumimoji="0" lang="zh-CN" altLang="en-US" sz="2000" dirty="0" smtClean="0">
+                <a:solidFill>
+                  <a:schemeClr val="tx1"/>
+                </a:solidFill>
+                <a:sym typeface="+mn-ea"/>
+              </a:rPr>
+              <a:t>通过关键字 </a:t>
+            </a:r>
+            <a:r>
+              <a:rPr kumimoji="0" lang="en-US" altLang="zh-CN" sz="2000" dirty="0" smtClean="0">
+                <a:solidFill>
+                  <a:schemeClr val="tx1"/>
+                </a:solidFill>
+                <a:sym typeface="+mn-ea"/>
+              </a:rPr>
+              <a:t>static </a:t>
+            </a:r>
+            <a:r>
+              <a:rPr kumimoji="0" lang="zh-CN" altLang="en-US" sz="2000" dirty="0" smtClean="0">
+                <a:solidFill>
+                  <a:schemeClr val="tx1"/>
+                </a:solidFill>
+                <a:sym typeface="+mn-ea"/>
+              </a:rPr>
+              <a:t>定义静态方法，</a:t>
+            </a:r>
+            <a:r>
+              <a:rPr kumimoji="0" lang="zh-CN" altLang="en-US" sz="2000" dirty="0" smtClean="0">
+                <a:solidFill>
+                  <a:schemeClr val="accent3"/>
+                </a:solidFill>
+                <a:sym typeface="+mn-ea"/>
+              </a:rPr>
+              <a:t>静态方法中的</a:t>
+            </a:r>
+            <a:r>
+              <a:rPr kumimoji="0" lang="en-US" altLang="zh-CN" sz="2000" dirty="0" smtClean="0">
+                <a:solidFill>
+                  <a:schemeClr val="accent3"/>
+                </a:solidFill>
+                <a:sym typeface="+mn-ea"/>
+              </a:rPr>
+              <a:t>this</a:t>
+            </a:r>
+            <a:r>
+              <a:rPr kumimoji="0" lang="zh-CN" altLang="en-US" sz="2000" dirty="0" smtClean="0">
+                <a:solidFill>
+                  <a:schemeClr val="accent3"/>
+                </a:solidFill>
+                <a:sym typeface="+mn-ea"/>
+              </a:rPr>
+              <a:t>指向类本身</a:t>
+            </a:r>
+            <a:endParaRPr kumimoji="0" lang="zh-CN" altLang="en-US" sz="2000" dirty="0" smtClean="0">
+              <a:solidFill>
+                <a:schemeClr val="accent3"/>
+              </a:solidFill>
+              <a:sym typeface="+mn-ea"/>
+            </a:endParaRPr>
+          </a:p>
+          <a:p>
+            <a:pPr eaLnBrk="1" hangingPunct="1">
+              <a:lnSpc>
+                <a:spcPct val="150000"/>
+              </a:lnSpc>
+            </a:pPr>
+            <a:endParaRPr kumimoji="0" lang="en-US" altLang="zh-CN" sz="3600" dirty="0" smtClean="0">
+              <a:solidFill>
+                <a:schemeClr val="tx1"/>
+              </a:solidFill>
+            </a:endParaRPr>
+          </a:p>
+          <a:p>
+            <a:pPr eaLnBrk="1" hangingPunct="1">
+              <a:lnSpc>
+                <a:spcPct val="150000"/>
+              </a:lnSpc>
+            </a:pPr>
+            <a:endParaRPr kumimoji="0" lang="zh-CN" altLang="en-US" dirty="0" smtClean="0">
+              <a:solidFill>
+                <a:schemeClr val="tx1"/>
+              </a:solidFill>
+            </a:endParaRPr>
+          </a:p>
+        </p:txBody>
+      </p:sp>
+      <p:sp>
+        <p:nvSpPr>
+          <p:cNvPr id="2" name="内容占位符 1"/>
+          <p:cNvSpPr>
+            <a:spLocks noGrp="1"/>
+          </p:cNvSpPr>
+          <p:nvPr>
+            <p:ph sz="quarter" idx="11"/>
+          </p:nvPr>
+        </p:nvSpPr>
+        <p:spPr>
+          <a:xfrm>
+            <a:off x="947420" y="308610"/>
+            <a:ext cx="8415655" cy="490220"/>
+          </a:xfrm>
+        </p:spPr>
+        <p:txBody>
+          <a:bodyPr/>
+          <a:lstStyle/>
+          <a:p>
+            <a:r>
+              <a:rPr kumimoji="0" lang="en-US" altLang="zh-CN" dirty="0">
+                <a:sym typeface="+mn-ea"/>
+              </a:rPr>
+              <a:t>ES6 Class</a:t>
+            </a:r>
+            <a:r>
+              <a:rPr kumimoji="0" lang="zh-CN" altLang="en-US" dirty="0">
+                <a:sym typeface="+mn-ea"/>
+              </a:rPr>
+              <a:t>静态方法、静态属性</a:t>
+            </a:r>
+            <a:endParaRPr kumimoji="0" lang="zh-CN" altLang="en-US" dirty="0">
+              <a:sym typeface="+mn-ea"/>
+            </a:endParaRPr>
+          </a:p>
+        </p:txBody>
+      </p:sp>
+      <p:sp>
+        <p:nvSpPr>
+          <p:cNvPr id="4" name="文本框 3"/>
+          <p:cNvSpPr txBox="1"/>
+          <p:nvPr/>
+        </p:nvSpPr>
+        <p:spPr>
+          <a:xfrm>
+            <a:off x="5605145" y="6137275"/>
+            <a:ext cx="6027420" cy="429895"/>
+          </a:xfrm>
+          <a:prstGeom prst="rect">
+            <a:avLst/>
+          </a:prstGeom>
+          <a:noFill/>
+        </p:spPr>
+        <p:txBody>
+          <a:bodyPr wrap="square" rtlCol="0">
+            <a:spAutoFit/>
+          </a:bodyPr>
+          <a:p>
+            <a:pPr algn="l"/>
+            <a:r>
+              <a:rPr lang="zh-CN" altLang="en-US" sz="2200">
+                <a:solidFill>
+                  <a:srgbClr val="FF0000"/>
+                </a:solidFill>
+                <a:latin typeface="+mn-ea"/>
+                <a:ea typeface="+mn-ea"/>
+              </a:rPr>
+              <a:t>参见实例</a:t>
+            </a:r>
+            <a:r>
+              <a:rPr lang="en-US" altLang="zh-CN" sz="2200">
+                <a:solidFill>
+                  <a:srgbClr val="FF0000"/>
+                </a:solidFill>
+                <a:latin typeface="+mn-ea"/>
+                <a:ea typeface="+mn-ea"/>
+              </a:rPr>
+              <a:t>demo04 </a:t>
+            </a:r>
+            <a:r>
+              <a:rPr lang="zh-CN" altLang="en-US" sz="2200">
+                <a:solidFill>
+                  <a:srgbClr val="FF0000"/>
+                </a:solidFill>
+                <a:latin typeface="+mn-ea"/>
+                <a:ea typeface="+mn-ea"/>
+              </a:rPr>
+              <a:t>静态方法</a:t>
+            </a:r>
+            <a:endParaRPr lang="zh-CN" altLang="en-US" sz="2200">
+              <a:solidFill>
+                <a:srgbClr val="FF0000"/>
+              </a:solidFill>
+              <a:latin typeface="+mn-ea"/>
+              <a:ea typeface="+mn-ea"/>
+            </a:endParaRPr>
+          </a:p>
+        </p:txBody>
+      </p:sp>
+      <p:pic>
+        <p:nvPicPr>
+          <p:cNvPr id="7" name="图片 6"/>
+          <p:cNvPicPr>
+            <a:picLocks noChangeAspect="1"/>
+          </p:cNvPicPr>
+          <p:nvPr/>
+        </p:nvPicPr>
+        <p:blipFill>
+          <a:blip r:embed="rId1"/>
+          <a:stretch>
+            <a:fillRect/>
+          </a:stretch>
+        </p:blipFill>
+        <p:spPr>
+          <a:xfrm>
+            <a:off x="1210310" y="2501900"/>
+            <a:ext cx="5817870" cy="3108960"/>
+          </a:xfrm>
+          <a:prstGeom prst="rect">
+            <a:avLst/>
+          </a:prstGeom>
+        </p:spPr>
+      </p:pic>
+    </p:spTree>
+  </p:cSld>
+  <p:clrMapOvr>
+    <a:masterClrMapping/>
+  </p:clrMapOvr>
+  <p:timing>
+    <p:tnLst>
+      <p:par>
+        <p:cTn id="1" dur="indefinite" restart="never" nodeType="tmRoot">
+          <p:childTnLst>
+            <p:seq concurrent="1" nextAc="seek">
+              <p:cTn id="2" dur="indefinite" nodeType="mainSeq">
+                <p:childTnLst>
+                  <p:par>
+                    <p:cTn id="3" fill="hold">
+                      <p:stCondLst>
+                        <p:cond delay="indefinite"/>
+                      </p:stCondLst>
+                      <p:childTnLst>
+                        <p:par>
+                          <p:cTn id="4" fill="hold">
+                            <p:stCondLst>
+                              <p:cond delay="0"/>
+                            </p:stCondLst>
+                            <p:childTnLst>
+                              <p:par>
+                                <p:cTn id="5" presetID="2" presetClass="entr" presetSubtype="4" fill="hold" nodeType="clickEffect">
+                                  <p:stCondLst>
+                                    <p:cond delay="0"/>
+                                  </p:stCondLst>
+                                  <p:childTnLst>
+                                    <p:set>
+                                      <p:cBhvr>
+                                        <p:cTn id="6" dur="1" fill="hold">
+                                          <p:stCondLst>
+                                            <p:cond delay="0"/>
+                                          </p:stCondLst>
+                                        </p:cTn>
+                                        <p:tgtEl>
+                                          <p:spTgt spid="11266">
+                                            <p:txEl>
+                                              <p:pRg st="0" end="0"/>
+                                            </p:txEl>
+                                          </p:spTgt>
+                                        </p:tgtEl>
+                                        <p:attrNameLst>
+                                          <p:attrName>style.visibility</p:attrName>
+                                        </p:attrNameLst>
+                                      </p:cBhvr>
+                                      <p:to>
+                                        <p:strVal val="visible"/>
+                                      </p:to>
+                                    </p:set>
+                                    <p:anim calcmode="lin" valueType="num">
+                                      <p:cBhvr additive="base">
+                                        <p:cTn id="7" dur="500" fill="hold"/>
+                                        <p:tgtEl>
+                                          <p:spTgt spid="11266">
+                                            <p:txEl>
+                                              <p:pRg st="0" end="0"/>
+                                            </p:txEl>
+                                          </p:spTgt>
+                                        </p:tgtEl>
+                                        <p:attrNameLst>
+                                          <p:attrName>ppt_x</p:attrName>
+                                        </p:attrNameLst>
+                                      </p:cBhvr>
+                                      <p:tavLst>
+                                        <p:tav tm="0">
+                                          <p:val>
+                                            <p:strVal val="#ppt_x"/>
+                                          </p:val>
+                                        </p:tav>
+                                        <p:tav tm="100000">
+                                          <p:val>
+                                            <p:strVal val="#ppt_x"/>
+                                          </p:val>
+                                        </p:tav>
+                                      </p:tavLst>
+                                    </p:anim>
+                                    <p:anim calcmode="lin" valueType="num">
+                                      <p:cBhvr additive="base">
+                                        <p:cTn id="8" dur="500" fill="hold"/>
+                                        <p:tgtEl>
+                                          <p:spTgt spid="11266">
+                                            <p:txEl>
+                                              <p:pRg st="0" end="0"/>
+                                            </p:txEl>
+                                          </p:spTgt>
+                                        </p:tgtEl>
+                                        <p:attrNameLst>
+                                          <p:attrName>ppt_y</p:attrName>
+                                        </p:attrNameLst>
+                                      </p:cBhvr>
+                                      <p:tavLst>
+                                        <p:tav tm="0">
+                                          <p:val>
+                                            <p:strVal val="1+#ppt_h/2"/>
+                                          </p:val>
+                                        </p:tav>
+                                        <p:tav tm="100000">
+                                          <p:val>
+                                            <p:strVal val="#ppt_y"/>
+                                          </p:val>
+                                        </p:tav>
+                                      </p:tavLst>
+                                    </p:anim>
+                                  </p:childTnLst>
+                                </p:cTn>
+                              </p:par>
+                            </p:childTnLst>
+                          </p:cTn>
+                        </p:par>
+                      </p:childTnLst>
+                    </p:cTn>
+                  </p:par>
+                  <p:par>
+                    <p:cTn id="9" fill="hold">
+                      <p:stCondLst>
+                        <p:cond delay="indefinite"/>
+                      </p:stCondLst>
+                      <p:childTnLst>
+                        <p:par>
+                          <p:cTn id="10" fill="hold">
+                            <p:stCondLst>
+                              <p:cond delay="0"/>
+                            </p:stCondLst>
+                            <p:childTnLst>
+                              <p:par>
+                                <p:cTn id="11" presetID="2" presetClass="entr" presetSubtype="4" fill="hold" nodeType="clickEffect">
+                                  <p:stCondLst>
+                                    <p:cond delay="0"/>
+                                  </p:stCondLst>
+                                  <p:childTnLst>
+                                    <p:set>
+                                      <p:cBhvr>
+                                        <p:cTn id="12" dur="1" fill="hold">
+                                          <p:stCondLst>
+                                            <p:cond delay="0"/>
+                                          </p:stCondLst>
+                                        </p:cTn>
+                                        <p:tgtEl>
+                                          <p:spTgt spid="7"/>
+                                        </p:tgtEl>
+                                        <p:attrNameLst>
+                                          <p:attrName>style.visibility</p:attrName>
+                                        </p:attrNameLst>
+                                      </p:cBhvr>
+                                      <p:to>
+                                        <p:strVal val="visible"/>
+                                      </p:to>
+                                    </p:set>
+                                    <p:anim calcmode="lin" valueType="num">
+                                      <p:cBhvr additive="base">
+                                        <p:cTn id="13" dur="500" fill="hold"/>
+                                        <p:tgtEl>
+                                          <p:spTgt spid="7"/>
+                                        </p:tgtEl>
+                                        <p:attrNameLst>
+                                          <p:attrName>ppt_x</p:attrName>
+                                        </p:attrNameLst>
+                                      </p:cBhvr>
+                                      <p:tavLst>
+                                        <p:tav tm="0">
+                                          <p:val>
+                                            <p:strVal val="#ppt_x"/>
+                                          </p:val>
+                                        </p:tav>
+                                        <p:tav tm="100000">
+                                          <p:val>
+                                            <p:strVal val="#ppt_x"/>
+                                          </p:val>
+                                        </p:tav>
+                                      </p:tavLst>
+                                    </p:anim>
+                                    <p:anim calcmode="lin" valueType="num">
+                                      <p:cBhvr additive="base">
+                                        <p:cTn id="14" dur="500" fill="hold"/>
+                                        <p:tgtEl>
+                                          <p:spTgt spid="7"/>
+                                        </p:tgtEl>
+                                        <p:attrNameLst>
+                                          <p:attrName>ppt_y</p:attrName>
+                                        </p:attrNameLst>
+                                      </p:cBhvr>
+                                      <p:tavLst>
+                                        <p:tav tm="0">
+                                          <p:val>
+                                            <p:strVal val="1+#ppt_h/2"/>
+                                          </p:val>
+                                        </p:tav>
+                                        <p:tav tm="100000">
+                                          <p:val>
+                                            <p:strVal val="#ppt_y"/>
+                                          </p:val>
+                                        </p:tav>
+                                      </p:tavLst>
+                                    </p:anim>
+                                  </p:childTnLst>
+                                </p:cTn>
+                              </p:par>
+                            </p:childTnLst>
+                          </p:cTn>
+                        </p:par>
+                        <p:par>
+                          <p:cTn id="15" fill="hold">
+                            <p:stCondLst>
+                              <p:cond delay="500"/>
+                            </p:stCondLst>
+                            <p:childTnLst>
+                              <p:par>
+                                <p:cTn id="16" presetID="2" presetClass="entr" presetSubtype="4" fill="hold" grpId="0" nodeType="afterEffect">
+                                  <p:stCondLst>
+                                    <p:cond delay="0"/>
+                                  </p:stCondLst>
+                                  <p:childTnLst>
+                                    <p:set>
+                                      <p:cBhvr>
+                                        <p:cTn id="17" dur="1" fill="hold">
+                                          <p:stCondLst>
+                                            <p:cond delay="0"/>
+                                          </p:stCondLst>
+                                        </p:cTn>
+                                        <p:tgtEl>
+                                          <p:spTgt spid="4"/>
+                                        </p:tgtEl>
+                                        <p:attrNameLst>
+                                          <p:attrName>style.visibility</p:attrName>
+                                        </p:attrNameLst>
+                                      </p:cBhvr>
+                                      <p:to>
+                                        <p:strVal val="visible"/>
+                                      </p:to>
+                                    </p:set>
+                                    <p:anim calcmode="lin" valueType="num">
+                                      <p:cBhvr additive="base">
+                                        <p:cTn id="18" dur="500" fill="hold"/>
+                                        <p:tgtEl>
+                                          <p:spTgt spid="4"/>
+                                        </p:tgtEl>
+                                        <p:attrNameLst>
+                                          <p:attrName>ppt_x</p:attrName>
+                                        </p:attrNameLst>
+                                      </p:cBhvr>
+                                      <p:tavLst>
+                                        <p:tav tm="0">
+                                          <p:val>
+                                            <p:strVal val="#ppt_x"/>
+                                          </p:val>
+                                        </p:tav>
+                                        <p:tav tm="100000">
+                                          <p:val>
+                                            <p:strVal val="#ppt_x"/>
+                                          </p:val>
+                                        </p:tav>
+                                      </p:tavLst>
+                                    </p:anim>
+                                    <p:anim calcmode="lin" valueType="num">
+                                      <p:cBhvr additive="base">
+                                        <p:cTn id="19" dur="500" fill="hold"/>
+                                        <p:tgtEl>
+                                          <p:spTgt spid="4"/>
+                                        </p:tgtEl>
+                                        <p:attrNameLst>
+                                          <p:attrName>ppt_y</p:attrName>
+                                        </p:attrNameLst>
+                                      </p:cBhvr>
+                                      <p:tavLst>
+                                        <p:tav tm="0">
+                                          <p:val>
+                                            <p:strVal val="1+#ppt_h/2"/>
+                                          </p:val>
+                                        </p:tav>
+                                        <p:tav tm="100000">
+                                          <p:val>
+                                            <p:strVal val="#ppt_y"/>
+                                          </p:val>
+                                        </p:tav>
+                                      </p:tavLst>
+                                    </p:anim>
+                                  </p:childTnLst>
+                                </p:cTn>
+                              </p:par>
+                            </p:childTnLst>
+                          </p:cTn>
+                        </p:par>
+                      </p:childTnLst>
+                    </p:cTn>
+                  </p:par>
+                </p:childTnLst>
+              </p:cTn>
+              <p:prevCondLst>
+                <p:cond evt="onPrev" delay="0">
+                  <p:tgtEl>
+                    <p:sldTgt/>
+                  </p:tgtEl>
+                </p:cond>
+              </p:prevCondLst>
+              <p:nextCondLst>
+                <p:cond evt="onNext" delay="0">
+                  <p:tgtEl>
+                    <p:sldTgt/>
+                  </p:tgtEl>
+                </p:cond>
+              </p:nextCondLst>
+            </p:seq>
+          </p:childTnLst>
+        </p:cTn>
+      </p:par>
+    </p:tnLst>
+    <p:bldLst>
+      <p:bldP spid="4" grpId="0"/>
+    </p:bldLst>
+  </p:timing>
+</p:sld>
+</file>
+
+<file path=ppt/slides/slide9.xml><?xml version="1.0" encoding="utf-8"?>
+<p:sld xmlns:a="http://schemas.openxmlformats.org/drawingml/2006/main" xmlns:r="http://schemas.openxmlformats.org/officeDocument/2006/relationships" xmlns:p="http://schemas.openxmlformats.org/presentationml/2006/main">
+  <p:cSld>
+    <p:spTree>
+      <p:nvGrpSpPr>
+        <p:cNvPr id="1" name=""/>
+        <p:cNvGrpSpPr/>
+        <p:nvPr/>
+      </p:nvGrpSpPr>
+      <p:grpSpPr>
+        <a:xfrm>
+          <a:off x="0" y="0"/>
+          <a:ext cx="0" cy="0"/>
+          <a:chOff x="0" y="0"/>
+          <a:chExt cx="0" cy="0"/>
+        </a:xfrm>
+      </p:grpSpPr>
+      <p:sp>
+        <p:nvSpPr>
+          <p:cNvPr id="11266" name="内容占位符 1"/>
+          <p:cNvSpPr>
+            <a:spLocks noGrp="1"/>
+          </p:cNvSpPr>
+          <p:nvPr>
+            <p:ph sz="quarter" idx="10"/>
+          </p:nvPr>
+        </p:nvSpPr>
+        <p:spPr bwMode="auto">
+          <a:xfrm>
+            <a:off x="875665" y="868680"/>
+            <a:ext cx="10432415" cy="5115560"/>
+          </a:xfrm>
+          <a:noFill/>
+          <a:extLst>
+            <a:ext uri="{909E8E84-426E-40DD-AFC4-6F175D3DCCD1}">
+              <a14:hiddenFill xmlns:a14="http://schemas.microsoft.com/office/drawing/2010/main">
+                <a:solidFill>
+                  <a:srgbClr val="FFFFFF"/>
+                </a:solidFill>
+              </a14:hiddenFill>
+            </a:ext>
+            <a:ext uri="{91240B29-F687-4F45-9708-019B960494DF}">
+              <a14:hiddenLine xmlns:a14="http://schemas.microsoft.com/office/drawing/2010/main" w="9525">
+                <a:solidFill>
+                  <a:srgbClr val="000000"/>
+                </a:solidFill>
+                <a:miter lim="800000"/>
+                <a:headEnd/>
+                <a:tailEnd/>
+              </a14:hiddenLine>
+            </a:ext>
+          </a:extLst>
+        </p:spPr>
+        <p:txBody>
+          <a:bodyPr vert="horz" wrap="square" lIns="91440" tIns="45720" rIns="91440" bIns="45720" numCol="1" anchor="t" anchorCtr="0" compatLnSpc="1"/>
+          <a:lstStyle/>
+          <a:p>
+            <a:pPr>
+              <a:lnSpc>
+                <a:spcPct val="130000"/>
+              </a:lnSpc>
+            </a:pPr>
+            <a:r>
+              <a:rPr kumimoji="0" lang="zh-CN" sz="3200" dirty="0" smtClean="0">
+                <a:solidFill>
+                  <a:schemeClr val="tx1"/>
+                </a:solidFill>
+              </a:rPr>
+              <a:t>静态属性与实例属性</a:t>
+            </a:r>
+            <a:br>
+              <a:rPr kumimoji="0" lang="zh-CN" sz="3200" dirty="0" smtClean="0">
+                <a:solidFill>
+                  <a:schemeClr val="tx1"/>
+                </a:solidFill>
+              </a:rPr>
+            </a:br>
+            <a:r>
+              <a:rPr kumimoji="0" lang="en-US" altLang="zh-CN" sz="2000" dirty="0" smtClean="0">
+                <a:solidFill>
+                  <a:schemeClr val="tx1"/>
+                </a:solidFill>
+              </a:rPr>
+              <a:t>- 静态属性指的是 Class 本身的属性，而不是定义在实例对象上的属性</a:t>
+            </a:r>
+            <a:br>
+              <a:rPr kumimoji="0" lang="zh-CN" altLang="en-US" sz="2000" dirty="0" smtClean="0">
+                <a:solidFill>
+                  <a:schemeClr val="tx1"/>
+                </a:solidFill>
+              </a:rPr>
+            </a:br>
+            <a:r>
+              <a:rPr kumimoji="0" lang="en-US" altLang="zh-CN" sz="2000" dirty="0" smtClean="0">
+                <a:solidFill>
+                  <a:schemeClr val="tx1"/>
+                </a:solidFill>
+              </a:rPr>
+              <a:t>- ES6 规定Class 内部只有静态方法，没有静态属性</a:t>
+            </a:r>
+            <a:br>
+              <a:rPr kumimoji="0" lang="zh-CN" altLang="en-US" sz="2000" dirty="0" smtClean="0">
+                <a:solidFill>
+                  <a:schemeClr val="tx1"/>
+                </a:solidFill>
+              </a:rPr>
+            </a:br>
+            <a:r>
+              <a:rPr kumimoji="0" lang="en-US" altLang="zh-CN" sz="2000" dirty="0" smtClean="0">
+                <a:solidFill>
+                  <a:schemeClr val="tx1"/>
+                </a:solidFill>
+              </a:rPr>
+              <a:t>- </a:t>
+            </a:r>
+            <a:r>
+              <a:rPr kumimoji="0" lang="zh-CN" altLang="en-US" sz="2000" dirty="0" smtClean="0">
+                <a:solidFill>
+                  <a:schemeClr val="tx1"/>
+                </a:solidFill>
+              </a:rPr>
+              <a:t>新的</a:t>
+            </a:r>
+            <a:r>
+              <a:rPr kumimoji="0" lang="en-US" altLang="zh-CN" sz="2000" dirty="0" smtClean="0">
+                <a:solidFill>
+                  <a:schemeClr val="tx1"/>
+                </a:solidFill>
+              </a:rPr>
+              <a:t>ES</a:t>
+            </a:r>
+            <a:r>
+              <a:rPr kumimoji="0" lang="zh-CN" altLang="en-US" sz="2000" dirty="0" smtClean="0">
+                <a:solidFill>
+                  <a:schemeClr val="tx1"/>
+                </a:solidFill>
+              </a:rPr>
+              <a:t>提案中包括了静态属性</a:t>
+            </a:r>
+            <a:br>
+              <a:rPr kumimoji="0" lang="zh-CN" altLang="en-US" sz="2000" dirty="0" smtClean="0">
+                <a:solidFill>
+                  <a:schemeClr val="tx1"/>
+                </a:solidFill>
+              </a:rPr>
+            </a:br>
+            <a:endParaRPr kumimoji="0" lang="zh-CN" altLang="en-US" sz="2000" dirty="0" smtClean="0">
+              <a:solidFill>
+                <a:schemeClr val="tx1"/>
+              </a:solidFill>
+              <a:sym typeface="+mn-ea"/>
+            </a:endParaRPr>
+          </a:p>
+          <a:p>
+            <a:pPr eaLnBrk="1" hangingPunct="1">
+              <a:lnSpc>
+                <a:spcPct val="150000"/>
+              </a:lnSpc>
+            </a:pPr>
+            <a:endParaRPr kumimoji="0" lang="en-US" altLang="zh-CN" sz="3600" dirty="0" smtClean="0">
+              <a:solidFill>
+                <a:schemeClr val="tx1"/>
+              </a:solidFill>
+            </a:endParaRPr>
+          </a:p>
+          <a:p>
+            <a:pPr eaLnBrk="1" hangingPunct="1">
+              <a:lnSpc>
+                <a:spcPct val="150000"/>
+              </a:lnSpc>
+            </a:pPr>
+            <a:endParaRPr kumimoji="0" lang="zh-CN" altLang="en-US" dirty="0" smtClean="0">
+              <a:solidFill>
+                <a:schemeClr val="tx1"/>
+              </a:solidFill>
+            </a:endParaRPr>
+          </a:p>
+        </p:txBody>
+      </p:sp>
+      <p:sp>
+        <p:nvSpPr>
+          <p:cNvPr id="2" name="内容占位符 1"/>
+          <p:cNvSpPr>
+            <a:spLocks noGrp="1"/>
+          </p:cNvSpPr>
+          <p:nvPr>
+            <p:ph sz="quarter" idx="11"/>
+          </p:nvPr>
+        </p:nvSpPr>
+        <p:spPr>
+          <a:xfrm>
+            <a:off x="947420" y="308610"/>
+            <a:ext cx="8415655" cy="490220"/>
+          </a:xfrm>
+        </p:spPr>
+        <p:txBody>
+          <a:bodyPr/>
+          <a:lstStyle/>
+          <a:p>
+            <a:r>
+              <a:rPr kumimoji="0" lang="en-US" altLang="zh-CN" dirty="0">
+                <a:sym typeface="+mn-ea"/>
+              </a:rPr>
+              <a:t>ES6 Class</a:t>
+            </a:r>
+            <a:r>
+              <a:rPr kumimoji="0" lang="zh-CN" altLang="en-US" dirty="0">
+                <a:sym typeface="+mn-ea"/>
+              </a:rPr>
+              <a:t>静态方法、静态属性</a:t>
+            </a:r>
+            <a:endParaRPr kumimoji="0" lang="zh-CN" altLang="en-US" dirty="0">
+              <a:sym typeface="+mn-ea"/>
+            </a:endParaRPr>
+          </a:p>
+        </p:txBody>
+      </p:sp>
+      <p:sp>
+        <p:nvSpPr>
+          <p:cNvPr id="4" name="文本框 3"/>
+          <p:cNvSpPr txBox="1"/>
+          <p:nvPr/>
+        </p:nvSpPr>
+        <p:spPr>
+          <a:xfrm>
+            <a:off x="5605145" y="6137275"/>
+            <a:ext cx="6027420" cy="429895"/>
+          </a:xfrm>
+          <a:prstGeom prst="rect">
+            <a:avLst/>
+          </a:prstGeom>
+          <a:noFill/>
+        </p:spPr>
+        <p:txBody>
+          <a:bodyPr wrap="square" rtlCol="0">
+            <a:spAutoFit/>
+          </a:bodyPr>
+          <a:p>
+            <a:pPr algn="l"/>
+            <a:r>
+              <a:rPr lang="zh-CN" altLang="en-US" sz="2200">
+                <a:solidFill>
+                  <a:srgbClr val="FF0000"/>
+                </a:solidFill>
+                <a:latin typeface="+mn-ea"/>
+                <a:ea typeface="+mn-ea"/>
+              </a:rPr>
+              <a:t>参见实例</a:t>
+            </a:r>
+            <a:r>
+              <a:rPr lang="en-US" altLang="zh-CN" sz="2200">
+                <a:solidFill>
+                  <a:srgbClr val="FF0000"/>
+                </a:solidFill>
+                <a:latin typeface="+mn-ea"/>
+                <a:ea typeface="+mn-ea"/>
+              </a:rPr>
+              <a:t>demo05 </a:t>
+            </a:r>
+            <a:r>
+              <a:rPr lang="zh-CN" altLang="en-US" sz="2200">
+                <a:solidFill>
+                  <a:srgbClr val="FF0000"/>
+                </a:solidFill>
+                <a:latin typeface="+mn-ea"/>
+                <a:ea typeface="+mn-ea"/>
+              </a:rPr>
+              <a:t>静态属性</a:t>
+            </a:r>
+            <a:endParaRPr lang="zh-CN" altLang="en-US" sz="2200">
+              <a:solidFill>
+                <a:srgbClr val="FF0000"/>
+              </a:solidFill>
+              <a:latin typeface="+mn-ea"/>
+              <a:ea typeface="+mn-ea"/>
+            </a:endParaRPr>
+          </a:p>
+        </p:txBody>
+      </p:sp>
+      <p:pic>
+        <p:nvPicPr>
+          <p:cNvPr id="3" name="图片 2"/>
+          <p:cNvPicPr>
+            <a:picLocks noChangeAspect="1"/>
+          </p:cNvPicPr>
+          <p:nvPr/>
+        </p:nvPicPr>
+        <p:blipFill>
+          <a:blip r:embed="rId1"/>
+          <a:stretch>
+            <a:fillRect/>
+          </a:stretch>
+        </p:blipFill>
+        <p:spPr>
+          <a:xfrm>
+            <a:off x="1199515" y="2943225"/>
+            <a:ext cx="2858135" cy="1697990"/>
+          </a:xfrm>
+          <a:prstGeom prst="rect">
+            <a:avLst/>
+          </a:prstGeom>
+        </p:spPr>
+      </p:pic>
+      <p:pic>
+        <p:nvPicPr>
+          <p:cNvPr id="5" name="图片 4"/>
+          <p:cNvPicPr>
+            <a:picLocks noChangeAspect="1"/>
+          </p:cNvPicPr>
+          <p:nvPr/>
+        </p:nvPicPr>
+        <p:blipFill>
+          <a:blip r:embed="rId2"/>
+          <a:stretch>
+            <a:fillRect/>
+          </a:stretch>
+        </p:blipFill>
+        <p:spPr>
+          <a:xfrm>
+            <a:off x="1199515" y="4853940"/>
+            <a:ext cx="6102350" cy="1130300"/>
+          </a:xfrm>
+          <a:prstGeom prst="rect">
+            <a:avLst/>
+          </a:prstGeom>
+        </p:spPr>
+      </p:pic>
+    </p:spTree>
+  </p:cSld>
+  <p:clrMapOvr>
+    <a:masterClrMapping/>
+  </p:clrMapOvr>
+  <p:timing>
+    <p:tnLst>
+      <p:par>
+        <p:cTn id="1" dur="indefinite" restart="never" nodeType="tmRoot">
+          <p:childTnLst>
+            <p:seq concurrent="1" nextAc="seek">
+              <p:cTn id="2" dur="indefinite" nodeType="mainSeq">
+                <p:childTnLst>
+                  <p:par>
+                    <p:cTn id="3" fill="hold">
+                      <p:stCondLst>
+                        <p:cond delay="indefinite"/>
+                      </p:stCondLst>
+                      <p:childTnLst>
+                        <p:par>
+                          <p:cTn id="4" fill="hold">
+                            <p:stCondLst>
+                              <p:cond delay="0"/>
+                            </p:stCondLst>
+                            <p:childTnLst>
+                              <p:par>
+                                <p:cTn id="5" presetID="2" presetClass="entr" presetSubtype="4" fill="hold" nodeType="clickEffect">
+                                  <p:stCondLst>
+                                    <p:cond delay="0"/>
+                                  </p:stCondLst>
+                                  <p:childTnLst>
+                                    <p:set>
+                                      <p:cBhvr>
+                                        <p:cTn id="6" dur="1" fill="hold">
+                                          <p:stCondLst>
+                                            <p:cond delay="0"/>
+                                          </p:stCondLst>
+                                        </p:cTn>
+                                        <p:tgtEl>
+                                          <p:spTgt spid="11266">
+                                            <p:txEl>
+                                              <p:pRg st="0" end="0"/>
+                                            </p:txEl>
+                                          </p:spTgt>
+                                        </p:tgtEl>
+                                        <p:attrNameLst>
+                                          <p:attrName>style.visibility</p:attrName>
+                                        </p:attrNameLst>
+                                      </p:cBhvr>
+                                      <p:to>
+                                        <p:strVal val="visible"/>
+                                      </p:to>
+                                    </p:set>
+                                    <p:anim calcmode="lin" valueType="num">
+                                      <p:cBhvr additive="base">
+                                        <p:cTn id="7" dur="500" fill="hold"/>
+                                        <p:tgtEl>
+                                          <p:spTgt spid="11266">
+                                            <p:txEl>
+                                              <p:pRg st="0" end="0"/>
+                                            </p:txEl>
+                                          </p:spTgt>
+                                        </p:tgtEl>
+                                        <p:attrNameLst>
+                                          <p:attrName>ppt_x</p:attrName>
+                                        </p:attrNameLst>
+                                      </p:cBhvr>
+                                      <p:tavLst>
+                                        <p:tav tm="0">
+                                          <p:val>
+                                            <p:strVal val="#ppt_x"/>
+                                          </p:val>
+                                        </p:tav>
+                                        <p:tav tm="100000">
+                                          <p:val>
+                                            <p:strVal val="#ppt_x"/>
+                                          </p:val>
+                                        </p:tav>
+                                      </p:tavLst>
+                                    </p:anim>
+                                    <p:anim calcmode="lin" valueType="num">
+                                      <p:cBhvr additive="base">
+                                        <p:cTn id="8" dur="500" fill="hold"/>
+                                        <p:tgtEl>
+                                          <p:spTgt spid="11266">
+                                            <p:txEl>
+                                              <p:pRg st="0" end="0"/>
+                                            </p:txEl>
+                                          </p:spTgt>
+                                        </p:tgtEl>
+                                        <p:attrNameLst>
+                                          <p:attrName>ppt_y</p:attrName>
+                                        </p:attrNameLst>
+                                      </p:cBhvr>
+                                      <p:tavLst>
+                                        <p:tav tm="0">
+                                          <p:val>
+                                            <p:strVal val="1+#ppt_h/2"/>
+                                          </p:val>
+                                        </p:tav>
+                                        <p:tav tm="100000">
+                                          <p:val>
+                                            <p:strVal val="#ppt_y"/>
+                                          </p:val>
+                                        </p:tav>
+                                      </p:tavLst>
+                                    </p:anim>
+                                  </p:childTnLst>
+                                </p:cTn>
+                              </p:par>
+                            </p:childTnLst>
+                          </p:cTn>
+                        </p:par>
+                      </p:childTnLst>
+                    </p:cTn>
+                  </p:par>
+                  <p:par>
+                    <p:cTn id="9" fill="hold">
+                      <p:stCondLst>
+                        <p:cond delay="indefinite"/>
+                      </p:stCondLst>
+                      <p:childTnLst>
+                        <p:par>
+                          <p:cTn id="10" fill="hold">
+                            <p:stCondLst>
+                              <p:cond delay="0"/>
+                            </p:stCondLst>
+                            <p:childTnLst>
+                              <p:par>
+                                <p:cTn id="11" presetID="2" presetClass="entr" presetSubtype="4" fill="hold" nodeType="clickEffect">
+                                  <p:stCondLst>
+                                    <p:cond delay="0"/>
+                                  </p:stCondLst>
+                                  <p:childTnLst>
+                                    <p:set>
+                                      <p:cBhvr>
+                                        <p:cTn id="12" dur="1" fill="hold">
+                                          <p:stCondLst>
+                                            <p:cond delay="0"/>
+                                          </p:stCondLst>
+                                        </p:cTn>
+                                        <p:tgtEl>
+                                          <p:spTgt spid="3"/>
+                                        </p:tgtEl>
+                                        <p:attrNameLst>
+                                          <p:attrName>style.visibility</p:attrName>
+                                        </p:attrNameLst>
+                                      </p:cBhvr>
+                                      <p:to>
+                                        <p:strVal val="visible"/>
+                                      </p:to>
+                                    </p:set>
+                                    <p:anim calcmode="lin" valueType="num">
+                                      <p:cBhvr additive="base">
+                                        <p:cTn id="13" dur="500" fill="hold"/>
+                                        <p:tgtEl>
+                                          <p:spTgt spid="3"/>
+                                        </p:tgtEl>
+                                        <p:attrNameLst>
+                                          <p:attrName>ppt_x</p:attrName>
+                                        </p:attrNameLst>
+                                      </p:cBhvr>
+                                      <p:tavLst>
+                                        <p:tav tm="0">
+                                          <p:val>
+                                            <p:strVal val="#ppt_x"/>
+                                          </p:val>
+                                        </p:tav>
+                                        <p:tav tm="100000">
+                                          <p:val>
+                                            <p:strVal val="#ppt_x"/>
+                                          </p:val>
+                                        </p:tav>
+                                      </p:tavLst>
+                                    </p:anim>
+                                    <p:anim calcmode="lin" valueType="num">
+                                      <p:cBhvr additive="base">
+                                        <p:cTn id="14" dur="500" fill="hold"/>
+                                        <p:tgtEl>
+                                          <p:spTgt spid="3"/>
+                                        </p:tgtEl>
+                                        <p:attrNameLst>
+                                          <p:attrName>ppt_y</p:attrName>
+                                        </p:attrNameLst>
+                                      </p:cBhvr>
+                                      <p:tavLst>
+                                        <p:tav tm="0">
+                                          <p:val>
+                                            <p:strVal val="1+#ppt_h/2"/>
+                                          </p:val>
+                                        </p:tav>
+                                        <p:tav tm="100000">
+                                          <p:val>
+                                            <p:strVal val="#ppt_y"/>
+                                          </p:val>
+                                        </p:tav>
+                                      </p:tavLst>
+                                    </p:anim>
+                                  </p:childTnLst>
+                                </p:cTn>
+                              </p:par>
+                            </p:childTnLst>
+                          </p:cTn>
+                        </p:par>
+                      </p:childTnLst>
+                    </p:cTn>
+                  </p:par>
+                  <p:par>
+                    <p:cTn id="15" fill="hold">
+                      <p:stCondLst>
+                        <p:cond delay="indefinite"/>
+                      </p:stCondLst>
+                      <p:childTnLst>
+                        <p:par>
+                          <p:cTn id="16" fill="hold">
+                            <p:stCondLst>
+                              <p:cond delay="0"/>
+                            </p:stCondLst>
+                            <p:childTnLst>
+                              <p:par>
+                                <p:cTn id="17" presetID="2" presetClass="entr" presetSubtype="4" fill="hold" nodeType="clickEffect">
+                                  <p:stCondLst>
+                                    <p:cond delay="0"/>
+                                  </p:stCondLst>
+                                  <p:childTnLst>
+                                    <p:set>
+                                      <p:cBhvr>
+                                        <p:cTn id="18" dur="1" fill="hold">
+                                          <p:stCondLst>
+                                            <p:cond delay="0"/>
+                                          </p:stCondLst>
+                                        </p:cTn>
+                                        <p:tgtEl>
+                                          <p:spTgt spid="5"/>
+                                        </p:tgtEl>
+                                        <p:attrNameLst>
+                                          <p:attrName>style.visibility</p:attrName>
+                                        </p:attrNameLst>
+                                      </p:cBhvr>
+                                      <p:to>
+                                        <p:strVal val="visible"/>
+                                      </p:to>
+                                    </p:set>
+                                    <p:anim calcmode="lin" valueType="num">
+                                      <p:cBhvr additive="base">
+                                        <p:cTn id="19" dur="500" fill="hold"/>
+                                        <p:tgtEl>
+                                          <p:spTgt spid="5"/>
+                                        </p:tgtEl>
+                                        <p:attrNameLst>
+                                          <p:attrName>ppt_x</p:attrName>
+                                        </p:attrNameLst>
+                                      </p:cBhvr>
+                                      <p:tavLst>
+                                        <p:tav tm="0">
+                                          <p:val>
+                                            <p:strVal val="#ppt_x"/>
+                                          </p:val>
+                                        </p:tav>
+                                        <p:tav tm="100000">
+                                          <p:val>
+                                            <p:strVal val="#ppt_x"/>
+                                          </p:val>
+                                        </p:tav>
+                                      </p:tavLst>
+                                    </p:anim>
+                                    <p:anim calcmode="lin" valueType="num">
+                                      <p:cBhvr additive="base">
+                                        <p:cTn id="20" dur="500" fill="hold"/>
+                                        <p:tgtEl>
+                                          <p:spTgt spid="5"/>
+                                        </p:tgtEl>
+                                        <p:attrNameLst>
+                                          <p:attrName>ppt_y</p:attrName>
+                                        </p:attrNameLst>
+                                      </p:cBhvr>
+                                      <p:tavLst>
+                                        <p:tav tm="0">
+                                          <p:val>
+                                            <p:strVal val="1+#ppt_h/2"/>
+                                          </p:val>
+                                        </p:tav>
+                                        <p:tav tm="100000">
+                                          <p:val>
+                                            <p:strVal val="#ppt_y"/>
+                                          </p:val>
+                                        </p:tav>
+                                      </p:tavLst>
+                                    </p:anim>
+                                  </p:childTnLst>
+                                </p:cTn>
+                              </p:par>
+                            </p:childTnLst>
+                          </p:cTn>
+                        </p:par>
+                        <p:par>
+                          <p:cTn id="21" fill="hold">
+                            <p:stCondLst>
+                              <p:cond delay="500"/>
+                            </p:stCondLst>
+                            <p:childTnLst>
+                              <p:par>
+                                <p:cTn id="22" presetID="2" presetClass="entr" presetSubtype="4" fill="hold" grpId="0" nodeType="afterEffect">
+                                  <p:stCondLst>
+                                    <p:cond delay="0"/>
+                                  </p:stCondLst>
+                                  <p:childTnLst>
+                                    <p:set>
+                                      <p:cBhvr>
+                                        <p:cTn id="23" dur="1" fill="hold">
+                                          <p:stCondLst>
+                                            <p:cond delay="0"/>
+                                          </p:stCondLst>
+                                        </p:cTn>
+                                        <p:tgtEl>
+                                          <p:spTgt spid="4"/>
+                                        </p:tgtEl>
+                                        <p:attrNameLst>
+                                          <p:attrName>style.visibility</p:attrName>
+                                        </p:attrNameLst>
+                                      </p:cBhvr>
+                                      <p:to>
+                                        <p:strVal val="visible"/>
+                                      </p:to>
+                                    </p:set>
+                                    <p:anim calcmode="lin" valueType="num">
+                                      <p:cBhvr additive="base">
+                                        <p:cTn id="24" dur="500" fill="hold"/>
+                                        <p:tgtEl>
+                                          <p:spTgt spid="4"/>
+                                        </p:tgtEl>
+                                        <p:attrNameLst>
+                                          <p:attrName>ppt_x</p:attrName>
+                                        </p:attrNameLst>
+                                      </p:cBhvr>
+                                      <p:tavLst>
+                                        <p:tav tm="0">
+                                          <p:val>
+                                            <p:strVal val="#ppt_x"/>
+                                          </p:val>
+                                        </p:tav>
+                                        <p:tav tm="100000">
+                                          <p:val>
+                                            <p:strVal val="#ppt_x"/>
+                                          </p:val>
+                                        </p:tav>
+                                      </p:tavLst>
+                                    </p:anim>
+                                    <p:anim calcmode="lin" valueType="num">
+                                      <p:cBhvr additive="base">
+                                        <p:cTn id="25" dur="500" fill="hold"/>
+                                        <p:tgtEl>
+                                          <p:spTgt spid="4"/>
+                                        </p:tgtEl>
+                                        <p:attrNameLst>
+                                          <p:attrName>ppt_y</p:attrName>
+                                        </p:attrNameLst>
+                                      </p:cBhvr>
+                                      <p:tavLst>
+                                        <p:tav tm="0">
+                                          <p:val>
+                                            <p:strVal val="1+#ppt_h/2"/>
+                                          </p:val>
+                                        </p:tav>
+                                        <p:tav tm="100000">
+                                          <p:val>
+                                            <p:strVal val="#ppt_y"/>
+                                          </p:val>
+                                        </p:tav>
+                                      </p:tavLst>
+                                    </p:anim>
+                                  </p:childTnLst>
+                                </p:cTn>
+                              </p:par>
+                            </p:childTnLst>
+                          </p:cTn>
+                        </p:par>
+                      </p:childTnLst>
+                    </p:cTn>
+                  </p:par>
+                </p:childTnLst>
+              </p:cTn>
+              <p:prevCondLst>
+                <p:cond evt="onPrev" delay="0">
+                  <p:tgtEl>
+                    <p:sldTgt/>
+                  </p:tgtEl>
+                </p:cond>
+              </p:prevCondLst>
+              <p:nextCondLst>
+                <p:cond evt="onNext" delay="0">
+                  <p:tgtEl>
+                    <p:sldTgt/>
+                  </p:tgtEl>
+                </p:cond>
+              </p:nextCondLst>
+            </p:seq>
+          </p:childTnLst>
+        </p:cTn>
+      </p:par>
+    </p:tnLst>
+    <p:bldLst>
+      <p:bldP spid="4" grpId="0"/>
+    </p:bldLst>
   </p:timing>
 </p:sld>
 </file>

--- a/课程PPT/15.ECMAScript 6 三.pptx
+++ b/课程PPT/15.ECMAScript 6 三.pptx
@@ -5313,15 +5313,7 @@
                   <a:schemeClr val="accent3"/>
                 </a:solidFill>
               </a:rPr>
-              <a:t>super( )，</a:t>
-            </a:r>
-            <a:r>
-              <a:rPr kumimoji="0" lang="zh-CN" altLang="en-US" sz="2000" dirty="0" smtClean="0">
-                <a:solidFill>
-                  <a:schemeClr val="accent3"/>
-                </a:solidFill>
-              </a:rPr>
-              <a:t>代表调用父类的构造函数</a:t>
+              <a:t>super( )，代表调用父类的构造函数</a:t>
             </a:r>
             <a:br>
               <a:rPr kumimoji="0" lang="zh-CN" altLang="en-US" sz="2000" dirty="0" smtClean="0">
@@ -5883,7 +5875,7 @@
         <p:spPr bwMode="auto">
           <a:xfrm>
             <a:off x="875665" y="868680"/>
-            <a:ext cx="10681970" cy="5115560"/>
+            <a:ext cx="11047730" cy="5115560"/>
           </a:xfrm>
           <a:noFill/>
           <a:extLst>
@@ -6023,7 +6015,7 @@
                   <a:schemeClr val="tx1"/>
                 </a:solidFill>
               </a:rPr>
-              <a:t>当做对象时，在普通方法中，</a:t>
+              <a:t>当做对象时，在实例（原型）方法中，</a:t>
             </a:r>
             <a:r>
               <a:rPr kumimoji="0" lang="zh-CN" altLang="en-US" sz="2000" dirty="0" smtClean="0">
@@ -6031,7 +6023,23 @@
                   <a:schemeClr val="accent3"/>
                 </a:solidFill>
               </a:rPr>
-              <a:t>指向父类的原型对象</a:t>
+              <a:t>指向父类的</a:t>
+            </a:r>
+            <a:r>
+              <a:rPr kumimoji="0" lang="en-US" altLang="zh-CN" sz="2000" dirty="0" smtClean="0">
+                <a:solidFill>
+                  <a:schemeClr val="accent3"/>
+                </a:solidFill>
+              </a:rPr>
+              <a:t>prototype</a:t>
+            </a:r>
+            <a:r>
+              <a:rPr kumimoji="0" lang="zh-CN" altLang="en-US" sz="2000" dirty="0" smtClean="0">
+                <a:solidFill>
+                  <a:schemeClr val="accent3"/>
+                </a:solidFill>
+              </a:rPr>
+              <a:t>属性</a:t>
             </a:r>
             <a:r>
               <a:rPr kumimoji="0" lang="zh-CN" altLang="en-US" sz="2000" dirty="0" smtClean="0">
